--- a/presentation.pptx
+++ b/presentation.pptx
@@ -1,14 +1,18 @@
 
 <file path=ppt/presentation.xml><?xml version="1.0" encoding="utf-8"?>
-<p:presentation xmlns:a="http://schemas.openxmlformats.org/drawingml/2006/main" xmlns:r="http://schemas.openxmlformats.org/officeDocument/2006/relationships" xmlns:p="http://schemas.openxmlformats.org/presentationml/2006/main" autoCompressPictures="0">
+<p:presentation xmlns:a="http://schemas.openxmlformats.org/drawingml/2006/main" xmlns:r="http://schemas.openxmlformats.org/officeDocument/2006/relationships" xmlns:p="http://schemas.openxmlformats.org/presentationml/2006/main" showSpecialPlsOnTitleSld="0" autoCompressPictures="0">
   <p:sldMasterIdLst>
     <p:sldMasterId id="2147483648" r:id="rId1"/>
   </p:sldMasterIdLst>
+  <p:notesMasterIdLst>
+    <p:notesMasterId r:id="rId7"/>
+  </p:notesMasterIdLst>
   <p:sldIdLst>
     <p:sldId id="256" r:id="rId2"/>
     <p:sldId id="257" r:id="rId3"/>
     <p:sldId id="258" r:id="rId4"/>
     <p:sldId id="259" r:id="rId5"/>
+    <p:sldId id="260" r:id="rId6"/>
   </p:sldIdLst>
   <p:sldSz cx="12192000" cy="6858000"/>
   <p:notesSz cx="6858000" cy="9144000"/>
@@ -108,6 +112,19 @@
     </a:lvl9pPr>
   </p:defaultTextStyle>
   <p:extLst>
+    <p:ext uri="{521415D9-36F7-43E2-AB2F-B90AF26B5E84}">
+      <p14:sectionLst xmlns:p14="http://schemas.microsoft.com/office/powerpoint/2010/main">
+        <p14:section name="Default Section" id="{1D391C8F-8D59-45A8-9F19-53C7205987B6}">
+          <p14:sldIdLst>
+            <p14:sldId id="256"/>
+            <p14:sldId id="257"/>
+            <p14:sldId id="258"/>
+            <p14:sldId id="259"/>
+            <p14:sldId id="260"/>
+          </p14:sldIdLst>
+        </p14:section>
+      </p14:sectionLst>
+    </p:ext>
     <p:ext uri="{EFAFB233-063F-42B5-8137-9DF3F51BA10A}">
       <p15:sldGuideLst xmlns:p15="http://schemas.microsoft.com/office/powerpoint/2012/main"/>
     </p:ext>
@@ -116,6 +133,753 @@
 </file>
 
 <file path=ppt/diagrams/colors1.xml><?xml version="1.0" encoding="utf-8"?>
+<dgm:colorsDef xmlns:dgm="http://schemas.openxmlformats.org/drawingml/2006/diagram" xmlns:a="http://schemas.openxmlformats.org/drawingml/2006/main" uniqueId="urn:microsoft.com/office/officeart/2005/8/colors/accent1_2">
+  <dgm:title val=""/>
+  <dgm:desc val=""/>
+  <dgm:catLst>
+    <dgm:cat type="accent1" pri="11200"/>
+  </dgm:catLst>
+  <dgm:styleLbl name="node0">
+    <dgm:fillClrLst meth="repeat">
+      <a:schemeClr val="accent1"/>
+    </dgm:fillClrLst>
+    <dgm:linClrLst meth="repeat">
+      <a:schemeClr val="lt1"/>
+    </dgm:linClrLst>
+    <dgm:effectClrLst/>
+    <dgm:txLinClrLst/>
+    <dgm:txFillClrLst/>
+    <dgm:txEffectClrLst/>
+  </dgm:styleLbl>
+  <dgm:styleLbl name="alignNode1">
+    <dgm:fillClrLst meth="repeat">
+      <a:schemeClr val="accent1"/>
+    </dgm:fillClrLst>
+    <dgm:linClrLst meth="repeat">
+      <a:schemeClr val="accent1"/>
+    </dgm:linClrLst>
+    <dgm:effectClrLst/>
+    <dgm:txLinClrLst/>
+    <dgm:txFillClrLst/>
+    <dgm:txEffectClrLst/>
+  </dgm:styleLbl>
+  <dgm:styleLbl name="node1">
+    <dgm:fillClrLst meth="repeat">
+      <a:schemeClr val="accent1"/>
+    </dgm:fillClrLst>
+    <dgm:linClrLst meth="repeat">
+      <a:schemeClr val="lt1"/>
+    </dgm:linClrLst>
+    <dgm:effectClrLst/>
+    <dgm:txLinClrLst/>
+    <dgm:txFillClrLst/>
+    <dgm:txEffectClrLst/>
+  </dgm:styleLbl>
+  <dgm:styleLbl name="lnNode1">
+    <dgm:fillClrLst meth="repeat">
+      <a:schemeClr val="accent1"/>
+    </dgm:fillClrLst>
+    <dgm:linClrLst meth="repeat">
+      <a:schemeClr val="lt1"/>
+    </dgm:linClrLst>
+    <dgm:effectClrLst/>
+    <dgm:txLinClrLst/>
+    <dgm:txFillClrLst/>
+    <dgm:txEffectClrLst/>
+  </dgm:styleLbl>
+  <dgm:styleLbl name="vennNode1">
+    <dgm:fillClrLst meth="repeat">
+      <a:schemeClr val="accent1">
+        <a:alpha val="50000"/>
+      </a:schemeClr>
+    </dgm:fillClrLst>
+    <dgm:linClrLst meth="repeat">
+      <a:schemeClr val="lt1"/>
+    </dgm:linClrLst>
+    <dgm:effectClrLst/>
+    <dgm:txLinClrLst/>
+    <dgm:txFillClrLst/>
+    <dgm:txEffectClrLst/>
+  </dgm:styleLbl>
+  <dgm:styleLbl name="node2">
+    <dgm:fillClrLst meth="repeat">
+      <a:schemeClr val="accent1"/>
+    </dgm:fillClrLst>
+    <dgm:linClrLst meth="repeat">
+      <a:schemeClr val="lt1"/>
+    </dgm:linClrLst>
+    <dgm:effectClrLst/>
+    <dgm:txLinClrLst/>
+    <dgm:txFillClrLst/>
+    <dgm:txEffectClrLst/>
+  </dgm:styleLbl>
+  <dgm:styleLbl name="node3">
+    <dgm:fillClrLst meth="repeat">
+      <a:schemeClr val="accent1"/>
+    </dgm:fillClrLst>
+    <dgm:linClrLst meth="repeat">
+      <a:schemeClr val="lt1"/>
+    </dgm:linClrLst>
+    <dgm:effectClrLst/>
+    <dgm:txLinClrLst/>
+    <dgm:txFillClrLst/>
+    <dgm:txEffectClrLst/>
+  </dgm:styleLbl>
+  <dgm:styleLbl name="node4">
+    <dgm:fillClrLst meth="repeat">
+      <a:schemeClr val="accent1"/>
+    </dgm:fillClrLst>
+    <dgm:linClrLst meth="repeat">
+      <a:schemeClr val="lt1"/>
+    </dgm:linClrLst>
+    <dgm:effectClrLst/>
+    <dgm:txLinClrLst/>
+    <dgm:txFillClrLst/>
+    <dgm:txEffectClrLst/>
+  </dgm:styleLbl>
+  <dgm:styleLbl name="fgImgPlace1">
+    <dgm:fillClrLst meth="repeat">
+      <a:schemeClr val="accent1">
+        <a:tint val="50000"/>
+      </a:schemeClr>
+    </dgm:fillClrLst>
+    <dgm:linClrLst meth="repeat">
+      <a:schemeClr val="lt1"/>
+    </dgm:linClrLst>
+    <dgm:effectClrLst/>
+    <dgm:txLinClrLst/>
+    <dgm:txFillClrLst meth="repeat">
+      <a:schemeClr val="lt1"/>
+    </dgm:txFillClrLst>
+    <dgm:txEffectClrLst/>
+  </dgm:styleLbl>
+  <dgm:styleLbl name="alignImgPlace1">
+    <dgm:fillClrLst meth="repeat">
+      <a:schemeClr val="accent1">
+        <a:tint val="50000"/>
+      </a:schemeClr>
+    </dgm:fillClrLst>
+    <dgm:linClrLst meth="repeat">
+      <a:schemeClr val="lt1"/>
+    </dgm:linClrLst>
+    <dgm:effectClrLst/>
+    <dgm:txLinClrLst/>
+    <dgm:txFillClrLst meth="repeat">
+      <a:schemeClr val="lt1"/>
+    </dgm:txFillClrLst>
+    <dgm:txEffectClrLst/>
+  </dgm:styleLbl>
+  <dgm:styleLbl name="bgImgPlace1">
+    <dgm:fillClrLst meth="repeat">
+      <a:schemeClr val="accent1">
+        <a:tint val="50000"/>
+      </a:schemeClr>
+    </dgm:fillClrLst>
+    <dgm:linClrLst meth="repeat">
+      <a:schemeClr val="lt1"/>
+    </dgm:linClrLst>
+    <dgm:effectClrLst/>
+    <dgm:txLinClrLst/>
+    <dgm:txFillClrLst meth="repeat">
+      <a:schemeClr val="lt1"/>
+    </dgm:txFillClrLst>
+    <dgm:txEffectClrLst/>
+  </dgm:styleLbl>
+  <dgm:styleLbl name="sibTrans2D1">
+    <dgm:fillClrLst meth="repeat">
+      <a:schemeClr val="accent1">
+        <a:tint val="60000"/>
+      </a:schemeClr>
+    </dgm:fillClrLst>
+    <dgm:linClrLst meth="repeat">
+      <a:schemeClr val="accent1">
+        <a:tint val="60000"/>
+      </a:schemeClr>
+    </dgm:linClrLst>
+    <dgm:effectClrLst/>
+    <dgm:txLinClrLst/>
+    <dgm:txFillClrLst/>
+    <dgm:txEffectClrLst/>
+  </dgm:styleLbl>
+  <dgm:styleLbl name="fgSibTrans2D1">
+    <dgm:fillClrLst meth="repeat">
+      <a:schemeClr val="accent1">
+        <a:tint val="60000"/>
+      </a:schemeClr>
+    </dgm:fillClrLst>
+    <dgm:linClrLst meth="repeat">
+      <a:schemeClr val="accent1">
+        <a:tint val="60000"/>
+      </a:schemeClr>
+    </dgm:linClrLst>
+    <dgm:effectClrLst/>
+    <dgm:txLinClrLst/>
+    <dgm:txFillClrLst/>
+    <dgm:txEffectClrLst/>
+  </dgm:styleLbl>
+  <dgm:styleLbl name="bgSibTrans2D1">
+    <dgm:fillClrLst meth="repeat">
+      <a:schemeClr val="accent1">
+        <a:tint val="60000"/>
+      </a:schemeClr>
+    </dgm:fillClrLst>
+    <dgm:linClrLst meth="repeat">
+      <a:schemeClr val="accent1">
+        <a:tint val="60000"/>
+      </a:schemeClr>
+    </dgm:linClrLst>
+    <dgm:effectClrLst/>
+    <dgm:txLinClrLst/>
+    <dgm:txFillClrLst/>
+    <dgm:txEffectClrLst/>
+  </dgm:styleLbl>
+  <dgm:styleLbl name="sibTrans1D1">
+    <dgm:fillClrLst meth="repeat">
+      <a:schemeClr val="accent1"/>
+    </dgm:fillClrLst>
+    <dgm:linClrLst meth="repeat">
+      <a:schemeClr val="accent1"/>
+    </dgm:linClrLst>
+    <dgm:effectClrLst/>
+    <dgm:txLinClrLst/>
+    <dgm:txFillClrLst meth="repeat">
+      <a:schemeClr val="tx1"/>
+    </dgm:txFillClrLst>
+    <dgm:txEffectClrLst/>
+  </dgm:styleLbl>
+  <dgm:styleLbl name="callout">
+    <dgm:fillClrLst meth="repeat">
+      <a:schemeClr val="accent1"/>
+    </dgm:fillClrLst>
+    <dgm:linClrLst meth="repeat">
+      <a:schemeClr val="accent1">
+        <a:tint val="50000"/>
+      </a:schemeClr>
+    </dgm:linClrLst>
+    <dgm:effectClrLst/>
+    <dgm:txLinClrLst/>
+    <dgm:txFillClrLst meth="repeat">
+      <a:schemeClr val="tx1"/>
+    </dgm:txFillClrLst>
+    <dgm:txEffectClrLst/>
+  </dgm:styleLbl>
+  <dgm:styleLbl name="asst0">
+    <dgm:fillClrLst meth="repeat">
+      <a:schemeClr val="accent1"/>
+    </dgm:fillClrLst>
+    <dgm:linClrLst meth="repeat">
+      <a:schemeClr val="lt1"/>
+    </dgm:linClrLst>
+    <dgm:effectClrLst/>
+    <dgm:txLinClrLst/>
+    <dgm:txFillClrLst/>
+    <dgm:txEffectClrLst/>
+  </dgm:styleLbl>
+  <dgm:styleLbl name="asst1">
+    <dgm:fillClrLst meth="repeat">
+      <a:schemeClr val="accent1"/>
+    </dgm:fillClrLst>
+    <dgm:linClrLst meth="repeat">
+      <a:schemeClr val="lt1"/>
+    </dgm:linClrLst>
+    <dgm:effectClrLst/>
+    <dgm:txLinClrLst/>
+    <dgm:txFillClrLst/>
+    <dgm:txEffectClrLst/>
+  </dgm:styleLbl>
+  <dgm:styleLbl name="asst2">
+    <dgm:fillClrLst meth="repeat">
+      <a:schemeClr val="accent1"/>
+    </dgm:fillClrLst>
+    <dgm:linClrLst meth="repeat">
+      <a:schemeClr val="lt1"/>
+    </dgm:linClrLst>
+    <dgm:effectClrLst/>
+    <dgm:txLinClrLst/>
+    <dgm:txFillClrLst/>
+    <dgm:txEffectClrLst/>
+  </dgm:styleLbl>
+  <dgm:styleLbl name="asst3">
+    <dgm:fillClrLst meth="repeat">
+      <a:schemeClr val="accent1"/>
+    </dgm:fillClrLst>
+    <dgm:linClrLst meth="repeat">
+      <a:schemeClr val="lt1"/>
+    </dgm:linClrLst>
+    <dgm:effectClrLst/>
+    <dgm:txLinClrLst/>
+    <dgm:txFillClrLst/>
+    <dgm:txEffectClrLst/>
+  </dgm:styleLbl>
+  <dgm:styleLbl name="asst4">
+    <dgm:fillClrLst meth="repeat">
+      <a:schemeClr val="accent1"/>
+    </dgm:fillClrLst>
+    <dgm:linClrLst meth="repeat">
+      <a:schemeClr val="lt1"/>
+    </dgm:linClrLst>
+    <dgm:effectClrLst/>
+    <dgm:txLinClrLst/>
+    <dgm:txFillClrLst/>
+    <dgm:txEffectClrLst/>
+  </dgm:styleLbl>
+  <dgm:styleLbl name="parChTrans2D1">
+    <dgm:fillClrLst meth="repeat">
+      <a:schemeClr val="accent1">
+        <a:tint val="60000"/>
+      </a:schemeClr>
+    </dgm:fillClrLst>
+    <dgm:linClrLst meth="repeat">
+      <a:schemeClr val="accent1">
+        <a:tint val="60000"/>
+      </a:schemeClr>
+    </dgm:linClrLst>
+    <dgm:effectClrLst/>
+    <dgm:txLinClrLst/>
+    <dgm:txFillClrLst meth="repeat">
+      <a:schemeClr val="lt1"/>
+    </dgm:txFillClrLst>
+    <dgm:txEffectClrLst/>
+  </dgm:styleLbl>
+  <dgm:styleLbl name="parChTrans2D2">
+    <dgm:fillClrLst meth="repeat">
+      <a:schemeClr val="accent1"/>
+    </dgm:fillClrLst>
+    <dgm:linClrLst meth="repeat">
+      <a:schemeClr val="accent1"/>
+    </dgm:linClrLst>
+    <dgm:effectClrLst/>
+    <dgm:txLinClrLst/>
+    <dgm:txFillClrLst meth="repeat">
+      <a:schemeClr val="lt1"/>
+    </dgm:txFillClrLst>
+    <dgm:txEffectClrLst/>
+  </dgm:styleLbl>
+  <dgm:styleLbl name="parChTrans2D3">
+    <dgm:fillClrLst meth="repeat">
+      <a:schemeClr val="accent1"/>
+    </dgm:fillClrLst>
+    <dgm:linClrLst meth="repeat">
+      <a:schemeClr val="accent1"/>
+    </dgm:linClrLst>
+    <dgm:effectClrLst/>
+    <dgm:txLinClrLst/>
+    <dgm:txFillClrLst meth="repeat">
+      <a:schemeClr val="lt1"/>
+    </dgm:txFillClrLst>
+    <dgm:txEffectClrLst/>
+  </dgm:styleLbl>
+  <dgm:styleLbl name="parChTrans2D4">
+    <dgm:fillClrLst meth="repeat">
+      <a:schemeClr val="accent1"/>
+    </dgm:fillClrLst>
+    <dgm:linClrLst meth="repeat">
+      <a:schemeClr val="accent1"/>
+    </dgm:linClrLst>
+    <dgm:effectClrLst/>
+    <dgm:txLinClrLst/>
+    <dgm:txFillClrLst meth="repeat">
+      <a:schemeClr val="lt1"/>
+    </dgm:txFillClrLst>
+    <dgm:txEffectClrLst/>
+  </dgm:styleLbl>
+  <dgm:styleLbl name="parChTrans1D1">
+    <dgm:fillClrLst meth="repeat">
+      <a:schemeClr val="accent1"/>
+    </dgm:fillClrLst>
+    <dgm:linClrLst meth="repeat">
+      <a:schemeClr val="accent1">
+        <a:shade val="60000"/>
+      </a:schemeClr>
+    </dgm:linClrLst>
+    <dgm:effectClrLst/>
+    <dgm:txLinClrLst/>
+    <dgm:txFillClrLst meth="repeat">
+      <a:schemeClr val="tx1"/>
+    </dgm:txFillClrLst>
+    <dgm:txEffectClrLst/>
+  </dgm:styleLbl>
+  <dgm:styleLbl name="parChTrans1D2">
+    <dgm:fillClrLst meth="repeat">
+      <a:schemeClr val="accent1"/>
+    </dgm:fillClrLst>
+    <dgm:linClrLst meth="repeat">
+      <a:schemeClr val="accent1">
+        <a:shade val="60000"/>
+      </a:schemeClr>
+    </dgm:linClrLst>
+    <dgm:effectClrLst/>
+    <dgm:txLinClrLst/>
+    <dgm:txFillClrLst meth="repeat">
+      <a:schemeClr val="tx1"/>
+    </dgm:txFillClrLst>
+    <dgm:txEffectClrLst/>
+  </dgm:styleLbl>
+  <dgm:styleLbl name="parChTrans1D3">
+    <dgm:fillClrLst meth="repeat">
+      <a:schemeClr val="accent1"/>
+    </dgm:fillClrLst>
+    <dgm:linClrLst meth="repeat">
+      <a:schemeClr val="accent1">
+        <a:shade val="80000"/>
+      </a:schemeClr>
+    </dgm:linClrLst>
+    <dgm:effectClrLst/>
+    <dgm:txLinClrLst/>
+    <dgm:txFillClrLst meth="repeat">
+      <a:schemeClr val="tx1"/>
+    </dgm:txFillClrLst>
+    <dgm:txEffectClrLst/>
+  </dgm:styleLbl>
+  <dgm:styleLbl name="parChTrans1D4">
+    <dgm:fillClrLst meth="repeat">
+      <a:schemeClr val="accent1"/>
+    </dgm:fillClrLst>
+    <dgm:linClrLst meth="repeat">
+      <a:schemeClr val="accent1">
+        <a:shade val="80000"/>
+      </a:schemeClr>
+    </dgm:linClrLst>
+    <dgm:effectClrLst/>
+    <dgm:txLinClrLst/>
+    <dgm:txFillClrLst meth="repeat">
+      <a:schemeClr val="tx1"/>
+    </dgm:txFillClrLst>
+    <dgm:txEffectClrLst/>
+  </dgm:styleLbl>
+  <dgm:styleLbl name="fgAcc1">
+    <dgm:fillClrLst meth="repeat">
+      <a:schemeClr val="lt1">
+        <a:alpha val="90000"/>
+      </a:schemeClr>
+    </dgm:fillClrLst>
+    <dgm:linClrLst meth="repeat">
+      <a:schemeClr val="accent1"/>
+    </dgm:linClrLst>
+    <dgm:effectClrLst/>
+    <dgm:txLinClrLst/>
+    <dgm:txFillClrLst meth="repeat">
+      <a:schemeClr val="dk1"/>
+    </dgm:txFillClrLst>
+    <dgm:txEffectClrLst/>
+  </dgm:styleLbl>
+  <dgm:styleLbl name="conFgAcc1">
+    <dgm:fillClrLst meth="repeat">
+      <a:schemeClr val="lt1">
+        <a:alpha val="90000"/>
+      </a:schemeClr>
+    </dgm:fillClrLst>
+    <dgm:linClrLst meth="repeat">
+      <a:schemeClr val="accent1"/>
+    </dgm:linClrLst>
+    <dgm:effectClrLst/>
+    <dgm:txLinClrLst/>
+    <dgm:txFillClrLst meth="repeat">
+      <a:schemeClr val="dk1"/>
+    </dgm:txFillClrLst>
+    <dgm:txEffectClrLst/>
+  </dgm:styleLbl>
+  <dgm:styleLbl name="alignAcc1">
+    <dgm:fillClrLst meth="repeat">
+      <a:schemeClr val="lt1">
+        <a:alpha val="90000"/>
+      </a:schemeClr>
+    </dgm:fillClrLst>
+    <dgm:linClrLst meth="repeat">
+      <a:schemeClr val="accent1"/>
+    </dgm:linClrLst>
+    <dgm:effectClrLst/>
+    <dgm:txLinClrLst/>
+    <dgm:txFillClrLst meth="repeat">
+      <a:schemeClr val="dk1"/>
+    </dgm:txFillClrLst>
+    <dgm:txEffectClrLst/>
+  </dgm:styleLbl>
+  <dgm:styleLbl name="trAlignAcc1">
+    <dgm:fillClrLst meth="repeat">
+      <a:schemeClr val="lt1">
+        <a:alpha val="40000"/>
+      </a:schemeClr>
+    </dgm:fillClrLst>
+    <dgm:linClrLst meth="repeat">
+      <a:schemeClr val="accent1"/>
+    </dgm:linClrLst>
+    <dgm:effectClrLst/>
+    <dgm:txLinClrLst/>
+    <dgm:txFillClrLst meth="repeat">
+      <a:schemeClr val="dk1"/>
+    </dgm:txFillClrLst>
+    <dgm:txEffectClrLst/>
+  </dgm:styleLbl>
+  <dgm:styleLbl name="bgAcc1">
+    <dgm:fillClrLst meth="repeat">
+      <a:schemeClr val="lt1">
+        <a:alpha val="90000"/>
+      </a:schemeClr>
+    </dgm:fillClrLst>
+    <dgm:linClrLst meth="repeat">
+      <a:schemeClr val="accent1"/>
+    </dgm:linClrLst>
+    <dgm:effectClrLst/>
+    <dgm:txLinClrLst/>
+    <dgm:txFillClrLst meth="repeat">
+      <a:schemeClr val="dk1"/>
+    </dgm:txFillClrLst>
+    <dgm:txEffectClrLst/>
+  </dgm:styleLbl>
+  <dgm:styleLbl name="solidFgAcc1">
+    <dgm:fillClrLst meth="repeat">
+      <a:schemeClr val="lt1"/>
+    </dgm:fillClrLst>
+    <dgm:linClrLst meth="repeat">
+      <a:schemeClr val="accent1"/>
+    </dgm:linClrLst>
+    <dgm:effectClrLst/>
+    <dgm:txLinClrLst/>
+    <dgm:txFillClrLst meth="repeat">
+      <a:schemeClr val="dk1"/>
+    </dgm:txFillClrLst>
+    <dgm:txEffectClrLst/>
+  </dgm:styleLbl>
+  <dgm:styleLbl name="solidAlignAcc1">
+    <dgm:fillClrLst meth="repeat">
+      <a:schemeClr val="lt1"/>
+    </dgm:fillClrLst>
+    <dgm:linClrLst meth="repeat">
+      <a:schemeClr val="accent1"/>
+    </dgm:linClrLst>
+    <dgm:effectClrLst/>
+    <dgm:txLinClrLst/>
+    <dgm:txFillClrLst meth="repeat">
+      <a:schemeClr val="dk1"/>
+    </dgm:txFillClrLst>
+    <dgm:txEffectClrLst/>
+  </dgm:styleLbl>
+  <dgm:styleLbl name="solidBgAcc1">
+    <dgm:fillClrLst meth="repeat">
+      <a:schemeClr val="lt1"/>
+    </dgm:fillClrLst>
+    <dgm:linClrLst meth="repeat">
+      <a:schemeClr val="accent1"/>
+    </dgm:linClrLst>
+    <dgm:effectClrLst/>
+    <dgm:txLinClrLst/>
+    <dgm:txFillClrLst meth="repeat">
+      <a:schemeClr val="dk1"/>
+    </dgm:txFillClrLst>
+    <dgm:txEffectClrLst/>
+  </dgm:styleLbl>
+  <dgm:styleLbl name="fgAccFollowNode1">
+    <dgm:fillClrLst meth="repeat">
+      <a:schemeClr val="accent1">
+        <a:alpha val="90000"/>
+        <a:tint val="40000"/>
+      </a:schemeClr>
+    </dgm:fillClrLst>
+    <dgm:linClrLst meth="repeat">
+      <a:schemeClr val="accent1">
+        <a:alpha val="90000"/>
+        <a:tint val="40000"/>
+      </a:schemeClr>
+    </dgm:linClrLst>
+    <dgm:effectClrLst/>
+    <dgm:txLinClrLst/>
+    <dgm:txFillClrLst meth="repeat">
+      <a:schemeClr val="dk1"/>
+    </dgm:txFillClrLst>
+    <dgm:txEffectClrLst/>
+  </dgm:styleLbl>
+  <dgm:styleLbl name="alignAccFollowNode1">
+    <dgm:fillClrLst meth="repeat">
+      <a:schemeClr val="accent1">
+        <a:alpha val="90000"/>
+        <a:tint val="40000"/>
+      </a:schemeClr>
+    </dgm:fillClrLst>
+    <dgm:linClrLst meth="repeat">
+      <a:schemeClr val="accent1">
+        <a:alpha val="90000"/>
+        <a:tint val="40000"/>
+      </a:schemeClr>
+    </dgm:linClrLst>
+    <dgm:effectClrLst/>
+    <dgm:txLinClrLst/>
+    <dgm:txFillClrLst meth="repeat">
+      <a:schemeClr val="dk1"/>
+    </dgm:txFillClrLst>
+    <dgm:txEffectClrLst/>
+  </dgm:styleLbl>
+  <dgm:styleLbl name="bgAccFollowNode1">
+    <dgm:fillClrLst meth="repeat">
+      <a:schemeClr val="accent1">
+        <a:alpha val="90000"/>
+        <a:tint val="40000"/>
+      </a:schemeClr>
+    </dgm:fillClrLst>
+    <dgm:linClrLst meth="repeat">
+      <a:schemeClr val="accent1">
+        <a:alpha val="90000"/>
+        <a:tint val="40000"/>
+      </a:schemeClr>
+    </dgm:linClrLst>
+    <dgm:effectClrLst/>
+    <dgm:txLinClrLst/>
+    <dgm:txFillClrLst meth="repeat">
+      <a:schemeClr val="dk1"/>
+    </dgm:txFillClrLst>
+    <dgm:txEffectClrLst/>
+  </dgm:styleLbl>
+  <dgm:styleLbl name="fgAcc0">
+    <dgm:fillClrLst meth="repeat">
+      <a:schemeClr val="lt1">
+        <a:alpha val="90000"/>
+      </a:schemeClr>
+    </dgm:fillClrLst>
+    <dgm:linClrLst meth="repeat">
+      <a:schemeClr val="accent1"/>
+    </dgm:linClrLst>
+    <dgm:effectClrLst/>
+    <dgm:txLinClrLst/>
+    <dgm:txFillClrLst meth="repeat">
+      <a:schemeClr val="dk1"/>
+    </dgm:txFillClrLst>
+    <dgm:txEffectClrLst/>
+  </dgm:styleLbl>
+  <dgm:styleLbl name="fgAcc2">
+    <dgm:fillClrLst meth="repeat">
+      <a:schemeClr val="lt1">
+        <a:alpha val="90000"/>
+      </a:schemeClr>
+    </dgm:fillClrLst>
+    <dgm:linClrLst meth="repeat">
+      <a:schemeClr val="accent1"/>
+    </dgm:linClrLst>
+    <dgm:effectClrLst/>
+    <dgm:txLinClrLst/>
+    <dgm:txFillClrLst meth="repeat">
+      <a:schemeClr val="dk1"/>
+    </dgm:txFillClrLst>
+    <dgm:txEffectClrLst/>
+  </dgm:styleLbl>
+  <dgm:styleLbl name="fgAcc3">
+    <dgm:fillClrLst meth="repeat">
+      <a:schemeClr val="lt1">
+        <a:alpha val="90000"/>
+      </a:schemeClr>
+    </dgm:fillClrLst>
+    <dgm:linClrLst meth="repeat">
+      <a:schemeClr val="accent1"/>
+    </dgm:linClrLst>
+    <dgm:effectClrLst/>
+    <dgm:txLinClrLst/>
+    <dgm:txFillClrLst meth="repeat">
+      <a:schemeClr val="dk1"/>
+    </dgm:txFillClrLst>
+    <dgm:txEffectClrLst/>
+  </dgm:styleLbl>
+  <dgm:styleLbl name="fgAcc4">
+    <dgm:fillClrLst meth="repeat">
+      <a:schemeClr val="lt1">
+        <a:alpha val="90000"/>
+      </a:schemeClr>
+    </dgm:fillClrLst>
+    <dgm:linClrLst meth="repeat">
+      <a:schemeClr val="accent1"/>
+    </dgm:linClrLst>
+    <dgm:effectClrLst/>
+    <dgm:txLinClrLst/>
+    <dgm:txFillClrLst meth="repeat">
+      <a:schemeClr val="dk1"/>
+    </dgm:txFillClrLst>
+    <dgm:txEffectClrLst/>
+  </dgm:styleLbl>
+  <dgm:styleLbl name="bgShp">
+    <dgm:fillClrLst meth="repeat">
+      <a:schemeClr val="accent1">
+        <a:tint val="40000"/>
+      </a:schemeClr>
+    </dgm:fillClrLst>
+    <dgm:linClrLst meth="repeat">
+      <a:schemeClr val="accent1"/>
+    </dgm:linClrLst>
+    <dgm:effectClrLst/>
+    <dgm:txLinClrLst/>
+    <dgm:txFillClrLst meth="repeat">
+      <a:schemeClr val="dk1"/>
+    </dgm:txFillClrLst>
+    <dgm:txEffectClrLst/>
+  </dgm:styleLbl>
+  <dgm:styleLbl name="dkBgShp">
+    <dgm:fillClrLst meth="repeat">
+      <a:schemeClr val="accent1">
+        <a:shade val="80000"/>
+      </a:schemeClr>
+    </dgm:fillClrLst>
+    <dgm:linClrLst meth="repeat">
+      <a:schemeClr val="accent1"/>
+    </dgm:linClrLst>
+    <dgm:effectClrLst/>
+    <dgm:txLinClrLst/>
+    <dgm:txFillClrLst meth="repeat">
+      <a:schemeClr val="lt1"/>
+    </dgm:txFillClrLst>
+    <dgm:txEffectClrLst/>
+  </dgm:styleLbl>
+  <dgm:styleLbl name="trBgShp">
+    <dgm:fillClrLst meth="repeat">
+      <a:schemeClr val="accent1">
+        <a:tint val="50000"/>
+        <a:alpha val="40000"/>
+      </a:schemeClr>
+    </dgm:fillClrLst>
+    <dgm:linClrLst meth="repeat">
+      <a:schemeClr val="accent1"/>
+    </dgm:linClrLst>
+    <dgm:effectClrLst/>
+    <dgm:txLinClrLst/>
+    <dgm:txFillClrLst meth="repeat">
+      <a:schemeClr val="lt1"/>
+    </dgm:txFillClrLst>
+    <dgm:txEffectClrLst/>
+  </dgm:styleLbl>
+  <dgm:styleLbl name="fgShp">
+    <dgm:fillClrLst meth="repeat">
+      <a:schemeClr val="accent1">
+        <a:tint val="60000"/>
+      </a:schemeClr>
+    </dgm:fillClrLst>
+    <dgm:linClrLst meth="repeat">
+      <a:schemeClr val="lt1"/>
+    </dgm:linClrLst>
+    <dgm:effectClrLst/>
+    <dgm:txLinClrLst/>
+    <dgm:txFillClrLst meth="repeat">
+      <a:schemeClr val="dk1"/>
+    </dgm:txFillClrLst>
+    <dgm:txEffectClrLst/>
+  </dgm:styleLbl>
+  <dgm:styleLbl name="revTx">
+    <dgm:fillClrLst meth="repeat">
+      <a:schemeClr val="lt1">
+        <a:alpha val="0"/>
+      </a:schemeClr>
+    </dgm:fillClrLst>
+    <dgm:linClrLst meth="repeat">
+      <a:schemeClr val="dk1">
+        <a:alpha val="0"/>
+      </a:schemeClr>
+    </dgm:linClrLst>
+    <dgm:effectClrLst/>
+    <dgm:txLinClrLst/>
+    <dgm:txFillClrLst meth="repeat">
+      <a:schemeClr val="tx1"/>
+    </dgm:txFillClrLst>
+    <dgm:txEffectClrLst/>
+  </dgm:styleLbl>
+</dgm:colorsDef>
+</file>
+
+<file path=ppt/diagrams/colors2.xml><?xml version="1.0" encoding="utf-8"?>
 <dgm:colorsDef xmlns:dgm="http://schemas.openxmlformats.org/drawingml/2006/diagram" xmlns:a="http://schemas.openxmlformats.org/drawingml/2006/main" uniqueId="urn:microsoft.com/office/officeart/2005/8/colors/accent1_2">
   <dgm:title val=""/>
   <dgm:desc val=""/>
@@ -1139,6 +1903,13 @@
         </dgm:presLayoutVars>
       </dgm:prSet>
       <dgm:spPr/>
+      <dgm:t>
+        <a:bodyPr/>
+        <a:lstStyle/>
+        <a:p>
+          <a:endParaRPr lang="en-US"/>
+        </a:p>
+      </dgm:t>
     </dgm:pt>
     <dgm:pt modelId="{308732C2-9D13-43C6-A6F5-0A6F428D522D}" type="pres">
       <dgm:prSet presAssocID="{44BBEE18-D3F4-4769-9E3D-BDFB9F3254E2}" presName="parTxOnlySpace" presStyleCnt="0"/>
@@ -1153,6 +1924,13 @@
         </dgm:presLayoutVars>
       </dgm:prSet>
       <dgm:spPr/>
+      <dgm:t>
+        <a:bodyPr/>
+        <a:lstStyle/>
+        <a:p>
+          <a:endParaRPr lang="en-US"/>
+        </a:p>
+      </dgm:t>
     </dgm:pt>
     <dgm:pt modelId="{1BD70A5A-74C6-4FBE-85FA-B2E5F45E7533}" type="pres">
       <dgm:prSet presAssocID="{508B93A3-DC0D-4546-B634-D1F5718D833A}" presName="parTxOnlySpace" presStyleCnt="0"/>
@@ -1167,6 +1945,13 @@
         </dgm:presLayoutVars>
       </dgm:prSet>
       <dgm:spPr/>
+      <dgm:t>
+        <a:bodyPr/>
+        <a:lstStyle/>
+        <a:p>
+          <a:endParaRPr lang="en-US"/>
+        </a:p>
+      </dgm:t>
     </dgm:pt>
     <dgm:pt modelId="{61D34522-2828-4704-9832-2BC1A5791FCF}" type="pres">
       <dgm:prSet presAssocID="{0BBCA995-C47C-41F1-893D-CF58198A368B}" presName="parTxOnlySpace" presStyleCnt="0"/>
@@ -1181,6 +1966,13 @@
         </dgm:presLayoutVars>
       </dgm:prSet>
       <dgm:spPr/>
+      <dgm:t>
+        <a:bodyPr/>
+        <a:lstStyle/>
+        <a:p>
+          <a:endParaRPr lang="en-US"/>
+        </a:p>
+      </dgm:t>
     </dgm:pt>
     <dgm:pt modelId="{823EB263-C4CC-4934-82C8-DFFBD887EBFF}" type="pres">
       <dgm:prSet presAssocID="{9E797609-E8D8-47D1-8009-8AB0D7502FF0}" presName="parTxOnlySpace" presStyleCnt="0"/>
@@ -1250,6 +2042,450 @@
     <dgm:cxn modelId="{3419679D-5BB9-4E92-8EBE-BF21C43CA1B5}" type="presParOf" srcId="{EB41EF4F-BD99-4279-A541-79C891E47029}" destId="{5A6F1F30-E240-4775-AA08-8B209DAF6A9F}" srcOrd="8" destOrd="0" presId="urn:microsoft.com/office/officeart/2005/8/layout/chevron1"/>
     <dgm:cxn modelId="{2BBEAE20-77C2-4CE1-843A-850CFFF3B3A6}" type="presParOf" srcId="{EB41EF4F-BD99-4279-A541-79C891E47029}" destId="{BA3BE679-CDC3-41CE-BB23-F7A22291A86E}" srcOrd="9" destOrd="0" presId="urn:microsoft.com/office/officeart/2005/8/layout/chevron1"/>
     <dgm:cxn modelId="{9CAB8131-C27F-4CC5-94FA-820FF458CDB8}" type="presParOf" srcId="{EB41EF4F-BD99-4279-A541-79C891E47029}" destId="{EFC5F2E6-F0E1-4A51-ADC1-BD88749C9F16}" srcOrd="10" destOrd="0" presId="urn:microsoft.com/office/officeart/2005/8/layout/chevron1"/>
+  </dgm:cxnLst>
+  <dgm:bg/>
+  <dgm:whole/>
+  <dgm:extLst>
+    <a:ext uri="http://schemas.microsoft.com/office/drawing/2008/diagram">
+      <dsp:dataModelExt xmlns:dsp="http://schemas.microsoft.com/office/drawing/2008/diagram" relId="rId6" minVer="http://schemas.openxmlformats.org/drawingml/2006/diagram"/>
+    </a:ext>
+  </dgm:extLst>
+</dgm:dataModel>
+</file>
+
+<file path=ppt/diagrams/data2.xml><?xml version="1.0" encoding="utf-8"?>
+<dgm:dataModel xmlns:dgm="http://schemas.openxmlformats.org/drawingml/2006/diagram" xmlns:a="http://schemas.openxmlformats.org/drawingml/2006/main">
+  <dgm:ptLst>
+    <dgm:pt modelId="{7A5598D3-2C34-4767-8BE0-186E08DB6FCE}" type="doc">
+      <dgm:prSet loTypeId="urn:microsoft.com/office/officeart/2008/layout/VerticalCurvedList" loCatId="list" qsTypeId="urn:microsoft.com/office/officeart/2005/8/quickstyle/simple1" qsCatId="simple" csTypeId="urn:microsoft.com/office/officeart/2005/8/colors/accent1_2" csCatId="accent1" phldr="1"/>
+      <dgm:spPr/>
+      <dgm:t>
+        <a:bodyPr/>
+        <a:lstStyle/>
+        <a:p>
+          <a:endParaRPr lang="en-US"/>
+        </a:p>
+      </dgm:t>
+    </dgm:pt>
+    <dgm:pt modelId="{B18FFA98-A18F-48ED-99E9-E0D7EFF69B36}">
+      <dgm:prSet phldrT="[Text]"/>
+      <dgm:spPr/>
+      <dgm:t>
+        <a:bodyPr/>
+        <a:lstStyle/>
+        <a:p>
+          <a:r>
+            <a:rPr lang="en-IN" b="0" dirty="0" smtClean="0"/>
+            <a:t>Faster Product Delivery</a:t>
+          </a:r>
+          <a:endParaRPr lang="en-US" b="0" dirty="0"/>
+        </a:p>
+      </dgm:t>
+    </dgm:pt>
+    <dgm:pt modelId="{1AA11300-2185-423F-BF63-F0954A386505}" type="parTrans" cxnId="{59241CF6-2784-4291-B0C7-A014F71CA029}">
+      <dgm:prSet/>
+      <dgm:spPr/>
+      <dgm:t>
+        <a:bodyPr/>
+        <a:lstStyle/>
+        <a:p>
+          <a:endParaRPr lang="en-US"/>
+        </a:p>
+      </dgm:t>
+    </dgm:pt>
+    <dgm:pt modelId="{50360861-3A6C-4517-9E85-D8D3358475BF}" type="sibTrans" cxnId="{59241CF6-2784-4291-B0C7-A014F71CA029}">
+      <dgm:prSet/>
+      <dgm:spPr/>
+      <dgm:t>
+        <a:bodyPr/>
+        <a:lstStyle/>
+        <a:p>
+          <a:endParaRPr lang="en-US"/>
+        </a:p>
+      </dgm:t>
+    </dgm:pt>
+    <dgm:pt modelId="{D81BFA4E-2172-4ADC-9E19-E140AE20AA31}">
+      <dgm:prSet phldrT="[Text]"/>
+      <dgm:spPr/>
+      <dgm:t>
+        <a:bodyPr/>
+        <a:lstStyle/>
+        <a:p>
+          <a:r>
+            <a:rPr lang="en-IN" b="0" dirty="0" smtClean="0"/>
+            <a:t>Superior Code Quality</a:t>
+          </a:r>
+          <a:endParaRPr lang="en-US" b="0" dirty="0"/>
+        </a:p>
+      </dgm:t>
+    </dgm:pt>
+    <dgm:pt modelId="{D0A9FC73-B018-4BAD-ABBA-084DABB092BA}" type="parTrans" cxnId="{94BD02CA-F7E4-4750-A669-FCDEE97EFA80}">
+      <dgm:prSet/>
+      <dgm:spPr/>
+      <dgm:t>
+        <a:bodyPr/>
+        <a:lstStyle/>
+        <a:p>
+          <a:endParaRPr lang="en-US"/>
+        </a:p>
+      </dgm:t>
+    </dgm:pt>
+    <dgm:pt modelId="{EEC48CB3-207A-4718-8415-E9B4761FA422}" type="sibTrans" cxnId="{94BD02CA-F7E4-4750-A669-FCDEE97EFA80}">
+      <dgm:prSet/>
+      <dgm:spPr/>
+      <dgm:t>
+        <a:bodyPr/>
+        <a:lstStyle/>
+        <a:p>
+          <a:endParaRPr lang="en-US"/>
+        </a:p>
+      </dgm:t>
+    </dgm:pt>
+    <dgm:pt modelId="{5FAE755C-EE2A-41E1-80E9-CD880CFC1AED}">
+      <dgm:prSet phldrT="[Text]"/>
+      <dgm:spPr/>
+      <dgm:t>
+        <a:bodyPr/>
+        <a:lstStyle/>
+        <a:p>
+          <a:r>
+            <a:rPr lang="en-IN" b="0" dirty="0" smtClean="0"/>
+            <a:t>Automation</a:t>
+          </a:r>
+          <a:endParaRPr lang="en-US" b="0" dirty="0"/>
+        </a:p>
+      </dgm:t>
+    </dgm:pt>
+    <dgm:pt modelId="{7E1B6181-2FB0-42E6-B94B-616DA2EF4657}" type="parTrans" cxnId="{DB3CF1EB-11EA-4EC7-92B4-2A8C96C9C822}">
+      <dgm:prSet/>
+      <dgm:spPr/>
+      <dgm:t>
+        <a:bodyPr/>
+        <a:lstStyle/>
+        <a:p>
+          <a:endParaRPr lang="en-US"/>
+        </a:p>
+      </dgm:t>
+    </dgm:pt>
+    <dgm:pt modelId="{E821B89D-220D-4F4E-A9AD-0603599CED2D}" type="sibTrans" cxnId="{DB3CF1EB-11EA-4EC7-92B4-2A8C96C9C822}">
+      <dgm:prSet/>
+      <dgm:spPr/>
+      <dgm:t>
+        <a:bodyPr/>
+        <a:lstStyle/>
+        <a:p>
+          <a:endParaRPr lang="en-US"/>
+        </a:p>
+      </dgm:t>
+    </dgm:pt>
+    <dgm:pt modelId="{74F7B979-9C2C-49B8-8C70-020A72B5B69A}">
+      <dgm:prSet phldrT="[Text]"/>
+      <dgm:spPr/>
+      <dgm:t>
+        <a:bodyPr/>
+        <a:lstStyle/>
+        <a:p>
+          <a:r>
+            <a:rPr lang="en-IN" b="0" dirty="0" smtClean="0"/>
+            <a:t>Continuous Feedback</a:t>
+          </a:r>
+        </a:p>
+      </dgm:t>
+    </dgm:pt>
+    <dgm:pt modelId="{81C553FC-A4F4-4F07-8EDF-E1492945450B}" type="parTrans" cxnId="{EDBCACF6-AD6A-4C56-BD6B-DD0A16962B98}">
+      <dgm:prSet/>
+      <dgm:spPr/>
+      <dgm:t>
+        <a:bodyPr/>
+        <a:lstStyle/>
+        <a:p>
+          <a:endParaRPr lang="en-US"/>
+        </a:p>
+      </dgm:t>
+    </dgm:pt>
+    <dgm:pt modelId="{A98D8A75-A1F0-4EA5-9B74-964225B289D8}" type="sibTrans" cxnId="{EDBCACF6-AD6A-4C56-BD6B-DD0A16962B98}">
+      <dgm:prSet/>
+      <dgm:spPr/>
+      <dgm:t>
+        <a:bodyPr/>
+        <a:lstStyle/>
+        <a:p>
+          <a:endParaRPr lang="en-US"/>
+        </a:p>
+      </dgm:t>
+    </dgm:pt>
+    <dgm:pt modelId="{B732A27F-3944-4121-ADBA-6DD3C7FF977E}">
+      <dgm:prSet phldrT="[Text]"/>
+      <dgm:spPr/>
+      <dgm:t>
+        <a:bodyPr/>
+        <a:lstStyle/>
+        <a:p>
+          <a:r>
+            <a:rPr lang="en-IN" b="0" dirty="0" smtClean="0"/>
+            <a:t>Quick Rollback</a:t>
+          </a:r>
+          <a:endParaRPr lang="en-US" b="0" dirty="0"/>
+        </a:p>
+      </dgm:t>
+    </dgm:pt>
+    <dgm:pt modelId="{447422BE-A095-4546-A2AC-A6AF7866CF49}" type="parTrans" cxnId="{8CA87BB5-88BB-4E8D-B98E-38E54BB8A2E6}">
+      <dgm:prSet/>
+      <dgm:spPr/>
+      <dgm:t>
+        <a:bodyPr/>
+        <a:lstStyle/>
+        <a:p>
+          <a:endParaRPr lang="en-US"/>
+        </a:p>
+      </dgm:t>
+    </dgm:pt>
+    <dgm:pt modelId="{53CB0321-9F4F-46AB-B9A8-C100FE9AF1B6}" type="sibTrans" cxnId="{8CA87BB5-88BB-4E8D-B98E-38E54BB8A2E6}">
+      <dgm:prSet/>
+      <dgm:spPr/>
+      <dgm:t>
+        <a:bodyPr/>
+        <a:lstStyle/>
+        <a:p>
+          <a:endParaRPr lang="en-US"/>
+        </a:p>
+      </dgm:t>
+    </dgm:pt>
+    <dgm:pt modelId="{FCA2F339-EF49-418B-A67D-7AA09D39E4B3}">
+      <dgm:prSet phldrT="[Text]"/>
+      <dgm:spPr/>
+      <dgm:t>
+        <a:bodyPr/>
+        <a:lstStyle/>
+        <a:p>
+          <a:r>
+            <a:rPr lang="en-IN" b="0" dirty="0" smtClean="0"/>
+            <a:t>Reduced Backlog</a:t>
+          </a:r>
+          <a:endParaRPr lang="en-US" b="0" dirty="0"/>
+        </a:p>
+      </dgm:t>
+    </dgm:pt>
+    <dgm:pt modelId="{93FE24C7-0EED-4AE9-AC42-B53A4D8EC994}" type="parTrans" cxnId="{EDCD5B41-89DC-4235-A64C-C1E0655F45F2}">
+      <dgm:prSet/>
+      <dgm:spPr/>
+      <dgm:t>
+        <a:bodyPr/>
+        <a:lstStyle/>
+        <a:p>
+          <a:endParaRPr lang="en-US"/>
+        </a:p>
+      </dgm:t>
+    </dgm:pt>
+    <dgm:pt modelId="{689C222F-ED8A-406C-8AFF-4A26B5D3DD62}" type="sibTrans" cxnId="{EDCD5B41-89DC-4235-A64C-C1E0655F45F2}">
+      <dgm:prSet/>
+      <dgm:spPr/>
+      <dgm:t>
+        <a:bodyPr/>
+        <a:lstStyle/>
+        <a:p>
+          <a:endParaRPr lang="en-US"/>
+        </a:p>
+      </dgm:t>
+    </dgm:pt>
+    <dgm:pt modelId="{AB1E40F9-28D5-4812-AB65-7F630E2968D8}" type="pres">
+      <dgm:prSet presAssocID="{7A5598D3-2C34-4767-8BE0-186E08DB6FCE}" presName="Name0" presStyleCnt="0">
+        <dgm:presLayoutVars>
+          <dgm:chMax val="7"/>
+          <dgm:chPref val="7"/>
+          <dgm:dir/>
+        </dgm:presLayoutVars>
+      </dgm:prSet>
+      <dgm:spPr/>
+    </dgm:pt>
+    <dgm:pt modelId="{9B9BE85C-9D46-4D09-B8A8-08E111A6193D}" type="pres">
+      <dgm:prSet presAssocID="{7A5598D3-2C34-4767-8BE0-186E08DB6FCE}" presName="Name1" presStyleCnt="0"/>
+      <dgm:spPr/>
+    </dgm:pt>
+    <dgm:pt modelId="{BFF1102D-DBDE-4E70-8EE3-2908089778B4}" type="pres">
+      <dgm:prSet presAssocID="{7A5598D3-2C34-4767-8BE0-186E08DB6FCE}" presName="cycle" presStyleCnt="0"/>
+      <dgm:spPr/>
+    </dgm:pt>
+    <dgm:pt modelId="{0225E6A1-FFB4-49A0-9C27-EC560066E19C}" type="pres">
+      <dgm:prSet presAssocID="{7A5598D3-2C34-4767-8BE0-186E08DB6FCE}" presName="srcNode" presStyleLbl="node1" presStyleIdx="0" presStyleCnt="6"/>
+      <dgm:spPr/>
+    </dgm:pt>
+    <dgm:pt modelId="{77744691-7719-4223-9034-DBE3BEA7892C}" type="pres">
+      <dgm:prSet presAssocID="{7A5598D3-2C34-4767-8BE0-186E08DB6FCE}" presName="conn" presStyleLbl="parChTrans1D2" presStyleIdx="0" presStyleCnt="1"/>
+      <dgm:spPr/>
+    </dgm:pt>
+    <dgm:pt modelId="{296B014E-3A6C-43BC-A436-B113A1A5F6DE}" type="pres">
+      <dgm:prSet presAssocID="{7A5598D3-2C34-4767-8BE0-186E08DB6FCE}" presName="extraNode" presStyleLbl="node1" presStyleIdx="0" presStyleCnt="6"/>
+      <dgm:spPr/>
+    </dgm:pt>
+    <dgm:pt modelId="{6BBE4AB4-9FE5-473B-AEB2-FF0AF75A6454}" type="pres">
+      <dgm:prSet presAssocID="{7A5598D3-2C34-4767-8BE0-186E08DB6FCE}" presName="dstNode" presStyleLbl="node1" presStyleIdx="0" presStyleCnt="6"/>
+      <dgm:spPr/>
+    </dgm:pt>
+    <dgm:pt modelId="{4A2CFCE4-0B59-4CB5-B759-23BBCE541376}" type="pres">
+      <dgm:prSet presAssocID="{B18FFA98-A18F-48ED-99E9-E0D7EFF69B36}" presName="text_1" presStyleLbl="node1" presStyleIdx="0" presStyleCnt="6">
+        <dgm:presLayoutVars>
+          <dgm:bulletEnabled val="1"/>
+        </dgm:presLayoutVars>
+      </dgm:prSet>
+      <dgm:spPr/>
+      <dgm:t>
+        <a:bodyPr/>
+        <a:lstStyle/>
+        <a:p>
+          <a:endParaRPr lang="en-US"/>
+        </a:p>
+      </dgm:t>
+    </dgm:pt>
+    <dgm:pt modelId="{43BA02EE-50FC-4EF6-BCAA-F70B58E7C54F}" type="pres">
+      <dgm:prSet presAssocID="{B18FFA98-A18F-48ED-99E9-E0D7EFF69B36}" presName="accent_1" presStyleCnt="0"/>
+      <dgm:spPr/>
+    </dgm:pt>
+    <dgm:pt modelId="{F09A4C0A-3C11-4BD5-BA27-FD1DDE87FF2E}" type="pres">
+      <dgm:prSet presAssocID="{B18FFA98-A18F-48ED-99E9-E0D7EFF69B36}" presName="accentRepeatNode" presStyleLbl="solidFgAcc1" presStyleIdx="0" presStyleCnt="6"/>
+      <dgm:spPr/>
+    </dgm:pt>
+    <dgm:pt modelId="{B1093E3B-279A-40ED-A8B8-EF11C1700F2C}" type="pres">
+      <dgm:prSet presAssocID="{D81BFA4E-2172-4ADC-9E19-E140AE20AA31}" presName="text_2" presStyleLbl="node1" presStyleIdx="1" presStyleCnt="6">
+        <dgm:presLayoutVars>
+          <dgm:bulletEnabled val="1"/>
+        </dgm:presLayoutVars>
+      </dgm:prSet>
+      <dgm:spPr/>
+      <dgm:t>
+        <a:bodyPr/>
+        <a:lstStyle/>
+        <a:p>
+          <a:endParaRPr lang="en-US"/>
+        </a:p>
+      </dgm:t>
+    </dgm:pt>
+    <dgm:pt modelId="{15398056-E00B-4720-BEF4-D9C975EC43BC}" type="pres">
+      <dgm:prSet presAssocID="{D81BFA4E-2172-4ADC-9E19-E140AE20AA31}" presName="accent_2" presStyleCnt="0"/>
+      <dgm:spPr/>
+    </dgm:pt>
+    <dgm:pt modelId="{47387544-C8DB-4C41-AF21-9E7131CEE638}" type="pres">
+      <dgm:prSet presAssocID="{D81BFA4E-2172-4ADC-9E19-E140AE20AA31}" presName="accentRepeatNode" presStyleLbl="solidFgAcc1" presStyleIdx="1" presStyleCnt="6"/>
+      <dgm:spPr/>
+    </dgm:pt>
+    <dgm:pt modelId="{AD791B69-F2D7-4C03-877F-9624555B3F60}" type="pres">
+      <dgm:prSet presAssocID="{5FAE755C-EE2A-41E1-80E9-CD880CFC1AED}" presName="text_3" presStyleLbl="node1" presStyleIdx="2" presStyleCnt="6">
+        <dgm:presLayoutVars>
+          <dgm:bulletEnabled val="1"/>
+        </dgm:presLayoutVars>
+      </dgm:prSet>
+      <dgm:spPr/>
+      <dgm:t>
+        <a:bodyPr/>
+        <a:lstStyle/>
+        <a:p>
+          <a:endParaRPr lang="en-US"/>
+        </a:p>
+      </dgm:t>
+    </dgm:pt>
+    <dgm:pt modelId="{65F1B01D-DC63-412B-BFC4-093467F432DB}" type="pres">
+      <dgm:prSet presAssocID="{5FAE755C-EE2A-41E1-80E9-CD880CFC1AED}" presName="accent_3" presStyleCnt="0"/>
+      <dgm:spPr/>
+    </dgm:pt>
+    <dgm:pt modelId="{6F7A3D6A-8881-49AA-AC10-78FB37B33906}" type="pres">
+      <dgm:prSet presAssocID="{5FAE755C-EE2A-41E1-80E9-CD880CFC1AED}" presName="accentRepeatNode" presStyleLbl="solidFgAcc1" presStyleIdx="2" presStyleCnt="6"/>
+      <dgm:spPr/>
+    </dgm:pt>
+    <dgm:pt modelId="{0B4C9568-8C46-4A33-A61E-B6C35E7C4917}" type="pres">
+      <dgm:prSet presAssocID="{74F7B979-9C2C-49B8-8C70-020A72B5B69A}" presName="text_4" presStyleLbl="node1" presStyleIdx="3" presStyleCnt="6">
+        <dgm:presLayoutVars>
+          <dgm:bulletEnabled val="1"/>
+        </dgm:presLayoutVars>
+      </dgm:prSet>
+      <dgm:spPr/>
+      <dgm:t>
+        <a:bodyPr/>
+        <a:lstStyle/>
+        <a:p>
+          <a:endParaRPr lang="en-US"/>
+        </a:p>
+      </dgm:t>
+    </dgm:pt>
+    <dgm:pt modelId="{AC199AB9-6AB7-4924-B4DF-1BF0292AE78C}" type="pres">
+      <dgm:prSet presAssocID="{74F7B979-9C2C-49B8-8C70-020A72B5B69A}" presName="accent_4" presStyleCnt="0"/>
+      <dgm:spPr/>
+    </dgm:pt>
+    <dgm:pt modelId="{6054E410-B202-424E-9DFB-E6CD9F65FAF6}" type="pres">
+      <dgm:prSet presAssocID="{74F7B979-9C2C-49B8-8C70-020A72B5B69A}" presName="accentRepeatNode" presStyleLbl="solidFgAcc1" presStyleIdx="3" presStyleCnt="6"/>
+      <dgm:spPr/>
+    </dgm:pt>
+    <dgm:pt modelId="{3DCFA1FB-BEEA-4E7C-BC2C-9E33CE42A65E}" type="pres">
+      <dgm:prSet presAssocID="{B732A27F-3944-4121-ADBA-6DD3C7FF977E}" presName="text_5" presStyleLbl="node1" presStyleIdx="4" presStyleCnt="6">
+        <dgm:presLayoutVars>
+          <dgm:bulletEnabled val="1"/>
+        </dgm:presLayoutVars>
+      </dgm:prSet>
+      <dgm:spPr/>
+    </dgm:pt>
+    <dgm:pt modelId="{3A975D62-F391-431E-BBE0-594392633974}" type="pres">
+      <dgm:prSet presAssocID="{B732A27F-3944-4121-ADBA-6DD3C7FF977E}" presName="accent_5" presStyleCnt="0"/>
+      <dgm:spPr/>
+    </dgm:pt>
+    <dgm:pt modelId="{9870F1FD-F0C8-4C6E-B800-6024A7071F7B}" type="pres">
+      <dgm:prSet presAssocID="{B732A27F-3944-4121-ADBA-6DD3C7FF977E}" presName="accentRepeatNode" presStyleLbl="solidFgAcc1" presStyleIdx="4" presStyleCnt="6"/>
+      <dgm:spPr/>
+    </dgm:pt>
+    <dgm:pt modelId="{E59FC977-11A9-4047-848C-A6981B3F3940}" type="pres">
+      <dgm:prSet presAssocID="{FCA2F339-EF49-418B-A67D-7AA09D39E4B3}" presName="text_6" presStyleLbl="node1" presStyleIdx="5" presStyleCnt="6">
+        <dgm:presLayoutVars>
+          <dgm:bulletEnabled val="1"/>
+        </dgm:presLayoutVars>
+      </dgm:prSet>
+      <dgm:spPr/>
+    </dgm:pt>
+    <dgm:pt modelId="{ED74D8C7-65B2-4785-8DF2-F85A456FBA90}" type="pres">
+      <dgm:prSet presAssocID="{FCA2F339-EF49-418B-A67D-7AA09D39E4B3}" presName="accent_6" presStyleCnt="0"/>
+      <dgm:spPr/>
+    </dgm:pt>
+    <dgm:pt modelId="{D73F8B29-CA97-4485-A006-56F0C739E2FD}" type="pres">
+      <dgm:prSet presAssocID="{FCA2F339-EF49-418B-A67D-7AA09D39E4B3}" presName="accentRepeatNode" presStyleLbl="solidFgAcc1" presStyleIdx="5" presStyleCnt="6"/>
+      <dgm:spPr/>
+    </dgm:pt>
+  </dgm:ptLst>
+  <dgm:cxnLst>
+    <dgm:cxn modelId="{82AD87C8-8639-48F7-84C9-E65A7A8111E0}" type="presOf" srcId="{D81BFA4E-2172-4ADC-9E19-E140AE20AA31}" destId="{B1093E3B-279A-40ED-A8B8-EF11C1700F2C}" srcOrd="0" destOrd="0" presId="urn:microsoft.com/office/officeart/2008/layout/VerticalCurvedList"/>
+    <dgm:cxn modelId="{EDBCACF6-AD6A-4C56-BD6B-DD0A16962B98}" srcId="{7A5598D3-2C34-4767-8BE0-186E08DB6FCE}" destId="{74F7B979-9C2C-49B8-8C70-020A72B5B69A}" srcOrd="3" destOrd="0" parTransId="{81C553FC-A4F4-4F07-8EDF-E1492945450B}" sibTransId="{A98D8A75-A1F0-4EA5-9B74-964225B289D8}"/>
+    <dgm:cxn modelId="{EDCD5B41-89DC-4235-A64C-C1E0655F45F2}" srcId="{7A5598D3-2C34-4767-8BE0-186E08DB6FCE}" destId="{FCA2F339-EF49-418B-A67D-7AA09D39E4B3}" srcOrd="5" destOrd="0" parTransId="{93FE24C7-0EED-4AE9-AC42-B53A4D8EC994}" sibTransId="{689C222F-ED8A-406C-8AFF-4A26B5D3DD62}"/>
+    <dgm:cxn modelId="{8AAE29F6-7C5C-4E77-811E-482A4D6C94FA}" type="presOf" srcId="{7A5598D3-2C34-4767-8BE0-186E08DB6FCE}" destId="{AB1E40F9-28D5-4812-AB65-7F630E2968D8}" srcOrd="0" destOrd="0" presId="urn:microsoft.com/office/officeart/2008/layout/VerticalCurvedList"/>
+    <dgm:cxn modelId="{8CA87BB5-88BB-4E8D-B98E-38E54BB8A2E6}" srcId="{7A5598D3-2C34-4767-8BE0-186E08DB6FCE}" destId="{B732A27F-3944-4121-ADBA-6DD3C7FF977E}" srcOrd="4" destOrd="0" parTransId="{447422BE-A095-4546-A2AC-A6AF7866CF49}" sibTransId="{53CB0321-9F4F-46AB-B9A8-C100FE9AF1B6}"/>
+    <dgm:cxn modelId="{8F836356-EE3F-43EC-A850-B94C98E20B5E}" type="presOf" srcId="{B18FFA98-A18F-48ED-99E9-E0D7EFF69B36}" destId="{4A2CFCE4-0B59-4CB5-B759-23BBCE541376}" srcOrd="0" destOrd="0" presId="urn:microsoft.com/office/officeart/2008/layout/VerticalCurvedList"/>
+    <dgm:cxn modelId="{67708629-66B5-48E4-8DF2-8AE817EC1CA7}" type="presOf" srcId="{50360861-3A6C-4517-9E85-D8D3358475BF}" destId="{77744691-7719-4223-9034-DBE3BEA7892C}" srcOrd="0" destOrd="0" presId="urn:microsoft.com/office/officeart/2008/layout/VerticalCurvedList"/>
+    <dgm:cxn modelId="{0AAEABFB-5A9C-4614-AD31-3F79D5BF4454}" type="presOf" srcId="{B732A27F-3944-4121-ADBA-6DD3C7FF977E}" destId="{3DCFA1FB-BEEA-4E7C-BC2C-9E33CE42A65E}" srcOrd="0" destOrd="0" presId="urn:microsoft.com/office/officeart/2008/layout/VerticalCurvedList"/>
+    <dgm:cxn modelId="{59241CF6-2784-4291-B0C7-A014F71CA029}" srcId="{7A5598D3-2C34-4767-8BE0-186E08DB6FCE}" destId="{B18FFA98-A18F-48ED-99E9-E0D7EFF69B36}" srcOrd="0" destOrd="0" parTransId="{1AA11300-2185-423F-BF63-F0954A386505}" sibTransId="{50360861-3A6C-4517-9E85-D8D3358475BF}"/>
+    <dgm:cxn modelId="{65671BF4-F647-4EB9-B823-A975A5D6639E}" type="presOf" srcId="{5FAE755C-EE2A-41E1-80E9-CD880CFC1AED}" destId="{AD791B69-F2D7-4C03-877F-9624555B3F60}" srcOrd="0" destOrd="0" presId="urn:microsoft.com/office/officeart/2008/layout/VerticalCurvedList"/>
+    <dgm:cxn modelId="{DB3CF1EB-11EA-4EC7-92B4-2A8C96C9C822}" srcId="{7A5598D3-2C34-4767-8BE0-186E08DB6FCE}" destId="{5FAE755C-EE2A-41E1-80E9-CD880CFC1AED}" srcOrd="2" destOrd="0" parTransId="{7E1B6181-2FB0-42E6-B94B-616DA2EF4657}" sibTransId="{E821B89D-220D-4F4E-A9AD-0603599CED2D}"/>
+    <dgm:cxn modelId="{D4C2284E-C2AB-4D52-B564-8EFD2BE0C394}" type="presOf" srcId="{74F7B979-9C2C-49B8-8C70-020A72B5B69A}" destId="{0B4C9568-8C46-4A33-A61E-B6C35E7C4917}" srcOrd="0" destOrd="0" presId="urn:microsoft.com/office/officeart/2008/layout/VerticalCurvedList"/>
+    <dgm:cxn modelId="{94BD02CA-F7E4-4750-A669-FCDEE97EFA80}" srcId="{7A5598D3-2C34-4767-8BE0-186E08DB6FCE}" destId="{D81BFA4E-2172-4ADC-9E19-E140AE20AA31}" srcOrd="1" destOrd="0" parTransId="{D0A9FC73-B018-4BAD-ABBA-084DABB092BA}" sibTransId="{EEC48CB3-207A-4718-8415-E9B4761FA422}"/>
+    <dgm:cxn modelId="{10B3D3FD-229C-4846-914A-1CD68740D055}" type="presOf" srcId="{FCA2F339-EF49-418B-A67D-7AA09D39E4B3}" destId="{E59FC977-11A9-4047-848C-A6981B3F3940}" srcOrd="0" destOrd="0" presId="urn:microsoft.com/office/officeart/2008/layout/VerticalCurvedList"/>
+    <dgm:cxn modelId="{8756CE6C-ADF7-4FF8-BF18-95E0B59D7B26}" type="presParOf" srcId="{AB1E40F9-28D5-4812-AB65-7F630E2968D8}" destId="{9B9BE85C-9D46-4D09-B8A8-08E111A6193D}" srcOrd="0" destOrd="0" presId="urn:microsoft.com/office/officeart/2008/layout/VerticalCurvedList"/>
+    <dgm:cxn modelId="{0058590D-669C-4E83-9A4E-0E2D1510B9E5}" type="presParOf" srcId="{9B9BE85C-9D46-4D09-B8A8-08E111A6193D}" destId="{BFF1102D-DBDE-4E70-8EE3-2908089778B4}" srcOrd="0" destOrd="0" presId="urn:microsoft.com/office/officeart/2008/layout/VerticalCurvedList"/>
+    <dgm:cxn modelId="{6B74B979-793C-49C6-85AF-F17295D772DD}" type="presParOf" srcId="{BFF1102D-DBDE-4E70-8EE3-2908089778B4}" destId="{0225E6A1-FFB4-49A0-9C27-EC560066E19C}" srcOrd="0" destOrd="0" presId="urn:microsoft.com/office/officeart/2008/layout/VerticalCurvedList"/>
+    <dgm:cxn modelId="{B27C7D34-7EF3-44A0-AA0C-39BB6E6F759B}" type="presParOf" srcId="{BFF1102D-DBDE-4E70-8EE3-2908089778B4}" destId="{77744691-7719-4223-9034-DBE3BEA7892C}" srcOrd="1" destOrd="0" presId="urn:microsoft.com/office/officeart/2008/layout/VerticalCurvedList"/>
+    <dgm:cxn modelId="{BB17BF1B-0CE4-41EB-A446-EBF9202FD16E}" type="presParOf" srcId="{BFF1102D-DBDE-4E70-8EE3-2908089778B4}" destId="{296B014E-3A6C-43BC-A436-B113A1A5F6DE}" srcOrd="2" destOrd="0" presId="urn:microsoft.com/office/officeart/2008/layout/VerticalCurvedList"/>
+    <dgm:cxn modelId="{547C32B0-36E7-476E-8E19-97AB4EE852A6}" type="presParOf" srcId="{BFF1102D-DBDE-4E70-8EE3-2908089778B4}" destId="{6BBE4AB4-9FE5-473B-AEB2-FF0AF75A6454}" srcOrd="3" destOrd="0" presId="urn:microsoft.com/office/officeart/2008/layout/VerticalCurvedList"/>
+    <dgm:cxn modelId="{47D0696C-E6B4-44D9-9B70-5894978ACD16}" type="presParOf" srcId="{9B9BE85C-9D46-4D09-B8A8-08E111A6193D}" destId="{4A2CFCE4-0B59-4CB5-B759-23BBCE541376}" srcOrd="1" destOrd="0" presId="urn:microsoft.com/office/officeart/2008/layout/VerticalCurvedList"/>
+    <dgm:cxn modelId="{1D323AD6-2B75-4B3C-885D-EC5854289BFC}" type="presParOf" srcId="{9B9BE85C-9D46-4D09-B8A8-08E111A6193D}" destId="{43BA02EE-50FC-4EF6-BCAA-F70B58E7C54F}" srcOrd="2" destOrd="0" presId="urn:microsoft.com/office/officeart/2008/layout/VerticalCurvedList"/>
+    <dgm:cxn modelId="{32096E8D-32F6-4217-881A-924B67033EF5}" type="presParOf" srcId="{43BA02EE-50FC-4EF6-BCAA-F70B58E7C54F}" destId="{F09A4C0A-3C11-4BD5-BA27-FD1DDE87FF2E}" srcOrd="0" destOrd="0" presId="urn:microsoft.com/office/officeart/2008/layout/VerticalCurvedList"/>
+    <dgm:cxn modelId="{87A5896F-BB8A-4A05-979B-C9F06EF96468}" type="presParOf" srcId="{9B9BE85C-9D46-4D09-B8A8-08E111A6193D}" destId="{B1093E3B-279A-40ED-A8B8-EF11C1700F2C}" srcOrd="3" destOrd="0" presId="urn:microsoft.com/office/officeart/2008/layout/VerticalCurvedList"/>
+    <dgm:cxn modelId="{971A51DE-40D4-4A85-8F9B-3C1A40C1AC64}" type="presParOf" srcId="{9B9BE85C-9D46-4D09-B8A8-08E111A6193D}" destId="{15398056-E00B-4720-BEF4-D9C975EC43BC}" srcOrd="4" destOrd="0" presId="urn:microsoft.com/office/officeart/2008/layout/VerticalCurvedList"/>
+    <dgm:cxn modelId="{AD8D6E42-DD31-4052-A38B-8592A479F002}" type="presParOf" srcId="{15398056-E00B-4720-BEF4-D9C975EC43BC}" destId="{47387544-C8DB-4C41-AF21-9E7131CEE638}" srcOrd="0" destOrd="0" presId="urn:microsoft.com/office/officeart/2008/layout/VerticalCurvedList"/>
+    <dgm:cxn modelId="{6C99DEF2-2C9F-44F6-B617-C85AD613E779}" type="presParOf" srcId="{9B9BE85C-9D46-4D09-B8A8-08E111A6193D}" destId="{AD791B69-F2D7-4C03-877F-9624555B3F60}" srcOrd="5" destOrd="0" presId="urn:microsoft.com/office/officeart/2008/layout/VerticalCurvedList"/>
+    <dgm:cxn modelId="{F55EE968-0F7F-4F51-9154-804FA1129161}" type="presParOf" srcId="{9B9BE85C-9D46-4D09-B8A8-08E111A6193D}" destId="{65F1B01D-DC63-412B-BFC4-093467F432DB}" srcOrd="6" destOrd="0" presId="urn:microsoft.com/office/officeart/2008/layout/VerticalCurvedList"/>
+    <dgm:cxn modelId="{1DA50E77-DEAD-4D2B-806D-5F729432DE38}" type="presParOf" srcId="{65F1B01D-DC63-412B-BFC4-093467F432DB}" destId="{6F7A3D6A-8881-49AA-AC10-78FB37B33906}" srcOrd="0" destOrd="0" presId="urn:microsoft.com/office/officeart/2008/layout/VerticalCurvedList"/>
+    <dgm:cxn modelId="{17472A01-B3F4-4DD7-A72A-C6B0AD58A561}" type="presParOf" srcId="{9B9BE85C-9D46-4D09-B8A8-08E111A6193D}" destId="{0B4C9568-8C46-4A33-A61E-B6C35E7C4917}" srcOrd="7" destOrd="0" presId="urn:microsoft.com/office/officeart/2008/layout/VerticalCurvedList"/>
+    <dgm:cxn modelId="{7FBCF349-90EA-410F-B6EC-4E217947E231}" type="presParOf" srcId="{9B9BE85C-9D46-4D09-B8A8-08E111A6193D}" destId="{AC199AB9-6AB7-4924-B4DF-1BF0292AE78C}" srcOrd="8" destOrd="0" presId="urn:microsoft.com/office/officeart/2008/layout/VerticalCurvedList"/>
+    <dgm:cxn modelId="{C8DC3FB6-96AC-4A6A-865C-474B9B7F9C96}" type="presParOf" srcId="{AC199AB9-6AB7-4924-B4DF-1BF0292AE78C}" destId="{6054E410-B202-424E-9DFB-E6CD9F65FAF6}" srcOrd="0" destOrd="0" presId="urn:microsoft.com/office/officeart/2008/layout/VerticalCurvedList"/>
+    <dgm:cxn modelId="{35BF5687-C522-4365-9DBF-F4F5006E8968}" type="presParOf" srcId="{9B9BE85C-9D46-4D09-B8A8-08E111A6193D}" destId="{3DCFA1FB-BEEA-4E7C-BC2C-9E33CE42A65E}" srcOrd="9" destOrd="0" presId="urn:microsoft.com/office/officeart/2008/layout/VerticalCurvedList"/>
+    <dgm:cxn modelId="{1A70A4BC-A5DB-4394-9009-854BFEA3FB20}" type="presParOf" srcId="{9B9BE85C-9D46-4D09-B8A8-08E111A6193D}" destId="{3A975D62-F391-431E-BBE0-594392633974}" srcOrd="10" destOrd="0" presId="urn:microsoft.com/office/officeart/2008/layout/VerticalCurvedList"/>
+    <dgm:cxn modelId="{10053722-0704-4289-9520-67078A8080E2}" type="presParOf" srcId="{3A975D62-F391-431E-BBE0-594392633974}" destId="{9870F1FD-F0C8-4C6E-B800-6024A7071F7B}" srcOrd="0" destOrd="0" presId="urn:microsoft.com/office/officeart/2008/layout/VerticalCurvedList"/>
+    <dgm:cxn modelId="{E14FECC8-E989-4B44-936E-38B152E991B3}" type="presParOf" srcId="{9B9BE85C-9D46-4D09-B8A8-08E111A6193D}" destId="{E59FC977-11A9-4047-848C-A6981B3F3940}" srcOrd="11" destOrd="0" presId="urn:microsoft.com/office/officeart/2008/layout/VerticalCurvedList"/>
+    <dgm:cxn modelId="{F95262A7-00CC-4372-AA27-E1FFD146F7CF}" type="presParOf" srcId="{9B9BE85C-9D46-4D09-B8A8-08E111A6193D}" destId="{ED74D8C7-65B2-4785-8DF2-F85A456FBA90}" srcOrd="12" destOrd="0" presId="urn:microsoft.com/office/officeart/2008/layout/VerticalCurvedList"/>
+    <dgm:cxn modelId="{1DF5B929-B794-448D-9D1C-9F3A6D403A26}" type="presParOf" srcId="{ED74D8C7-65B2-4785-8DF2-F85A456FBA90}" destId="{D73F8B29-CA97-4485-A006-56F0C739E2FD}" srcOrd="0" destOrd="0" presId="urn:microsoft.com/office/officeart/2008/layout/VerticalCurvedList"/>
   </dgm:cxnLst>
   <dgm:bg/>
   <dgm:whole/>
@@ -1719,6 +2955,806 @@
 </dsp:drawing>
 </file>
 
+<file path=ppt/diagrams/drawing2.xml><?xml version="1.0" encoding="utf-8"?>
+<dsp:drawing xmlns:dgm="http://schemas.openxmlformats.org/drawingml/2006/diagram" xmlns:dsp="http://schemas.microsoft.com/office/drawing/2008/diagram" xmlns:a="http://schemas.openxmlformats.org/drawingml/2006/main">
+  <dsp:spTree>
+    <dsp:nvGrpSpPr>
+      <dsp:cNvPr id="0" name=""/>
+      <dsp:cNvGrpSpPr/>
+    </dsp:nvGrpSpPr>
+    <dsp:grpSpPr/>
+    <dsp:sp modelId="{77744691-7719-4223-9034-DBE3BEA7892C}">
+      <dsp:nvSpPr>
+        <dsp:cNvPr id="0" name=""/>
+        <dsp:cNvSpPr/>
+      </dsp:nvSpPr>
+      <dsp:spPr>
+        <a:xfrm>
+          <a:off x="-4960458" y="-760068"/>
+          <a:ext cx="5907743" cy="5907743"/>
+        </a:xfrm>
+        <a:prstGeom prst="blockArc">
+          <a:avLst>
+            <a:gd name="adj1" fmla="val 18900000"/>
+            <a:gd name="adj2" fmla="val 2700000"/>
+            <a:gd name="adj3" fmla="val 366"/>
+          </a:avLst>
+        </a:prstGeom>
+        <a:noFill/>
+        <a:ln w="15875" cap="flat" cmpd="sng" algn="ctr">
+          <a:solidFill>
+            <a:schemeClr val="accent1">
+              <a:shade val="60000"/>
+              <a:hueOff val="0"/>
+              <a:satOff val="0"/>
+              <a:lumOff val="0"/>
+              <a:alphaOff val="0"/>
+            </a:schemeClr>
+          </a:solidFill>
+          <a:prstDash val="solid"/>
+        </a:ln>
+        <a:effectLst/>
+      </dsp:spPr>
+      <dsp:style>
+        <a:lnRef idx="2">
+          <a:scrgbClr r="0" g="0" b="0"/>
+        </a:lnRef>
+        <a:fillRef idx="0">
+          <a:scrgbClr r="0" g="0" b="0"/>
+        </a:fillRef>
+        <a:effectRef idx="0">
+          <a:scrgbClr r="0" g="0" b="0"/>
+        </a:effectRef>
+        <a:fontRef idx="minor"/>
+      </dsp:style>
+    </dsp:sp>
+    <dsp:sp modelId="{4A2CFCE4-0B59-4CB5-B759-23BBCE541376}">
+      <dsp:nvSpPr>
+        <dsp:cNvPr id="0" name=""/>
+        <dsp:cNvSpPr/>
+      </dsp:nvSpPr>
+      <dsp:spPr>
+        <a:xfrm>
+          <a:off x="353453" y="231051"/>
+          <a:ext cx="7714696" cy="461927"/>
+        </a:xfrm>
+        <a:prstGeom prst="rect">
+          <a:avLst/>
+        </a:prstGeom>
+        <a:solidFill>
+          <a:schemeClr val="accent1">
+            <a:hueOff val="0"/>
+            <a:satOff val="0"/>
+            <a:lumOff val="0"/>
+            <a:alphaOff val="0"/>
+          </a:schemeClr>
+        </a:solidFill>
+        <a:ln w="15875" cap="flat" cmpd="sng" algn="ctr">
+          <a:solidFill>
+            <a:schemeClr val="lt1">
+              <a:hueOff val="0"/>
+              <a:satOff val="0"/>
+              <a:lumOff val="0"/>
+              <a:alphaOff val="0"/>
+            </a:schemeClr>
+          </a:solidFill>
+          <a:prstDash val="solid"/>
+        </a:ln>
+        <a:effectLst/>
+      </dsp:spPr>
+      <dsp:style>
+        <a:lnRef idx="2">
+          <a:scrgbClr r="0" g="0" b="0"/>
+        </a:lnRef>
+        <a:fillRef idx="1">
+          <a:scrgbClr r="0" g="0" b="0"/>
+        </a:fillRef>
+        <a:effectRef idx="0">
+          <a:scrgbClr r="0" g="0" b="0"/>
+        </a:effectRef>
+        <a:fontRef idx="minor">
+          <a:schemeClr val="lt1"/>
+        </a:fontRef>
+      </dsp:style>
+      <dsp:txBody>
+        <a:bodyPr spcFirstLastPara="0" vert="horz" wrap="square" lIns="366655" tIns="66040" rIns="66040" bIns="66040" numCol="1" spcCol="1270" anchor="ctr" anchorCtr="0">
+          <a:noAutofit/>
+        </a:bodyPr>
+        <a:lstStyle/>
+        <a:p>
+          <a:pPr lvl="0" algn="l" defTabSz="1155700">
+            <a:lnSpc>
+              <a:spcPct val="90000"/>
+            </a:lnSpc>
+            <a:spcBef>
+              <a:spcPct val="0"/>
+            </a:spcBef>
+            <a:spcAft>
+              <a:spcPct val="35000"/>
+            </a:spcAft>
+          </a:pPr>
+          <a:r>
+            <a:rPr lang="en-IN" sz="2600" b="0" kern="1200" dirty="0" smtClean="0"/>
+            <a:t>Faster Product Delivery</a:t>
+          </a:r>
+          <a:endParaRPr lang="en-US" sz="2600" b="0" kern="1200" dirty="0"/>
+        </a:p>
+      </dsp:txBody>
+      <dsp:txXfrm>
+        <a:off x="353453" y="231051"/>
+        <a:ext cx="7714696" cy="461927"/>
+      </dsp:txXfrm>
+    </dsp:sp>
+    <dsp:sp modelId="{F09A4C0A-3C11-4BD5-BA27-FD1DDE87FF2E}">
+      <dsp:nvSpPr>
+        <dsp:cNvPr id="0" name=""/>
+        <dsp:cNvSpPr/>
+      </dsp:nvSpPr>
+      <dsp:spPr>
+        <a:xfrm>
+          <a:off x="64749" y="173310"/>
+          <a:ext cx="577409" cy="577409"/>
+        </a:xfrm>
+        <a:prstGeom prst="ellipse">
+          <a:avLst/>
+        </a:prstGeom>
+        <a:solidFill>
+          <a:schemeClr val="lt1">
+            <a:hueOff val="0"/>
+            <a:satOff val="0"/>
+            <a:lumOff val="0"/>
+            <a:alphaOff val="0"/>
+          </a:schemeClr>
+        </a:solidFill>
+        <a:ln w="15875" cap="flat" cmpd="sng" algn="ctr">
+          <a:solidFill>
+            <a:schemeClr val="accent1">
+              <a:hueOff val="0"/>
+              <a:satOff val="0"/>
+              <a:lumOff val="0"/>
+              <a:alphaOff val="0"/>
+            </a:schemeClr>
+          </a:solidFill>
+          <a:prstDash val="solid"/>
+        </a:ln>
+        <a:effectLst/>
+      </dsp:spPr>
+      <dsp:style>
+        <a:lnRef idx="2">
+          <a:scrgbClr r="0" g="0" b="0"/>
+        </a:lnRef>
+        <a:fillRef idx="1">
+          <a:scrgbClr r="0" g="0" b="0"/>
+        </a:fillRef>
+        <a:effectRef idx="0">
+          <a:scrgbClr r="0" g="0" b="0"/>
+        </a:effectRef>
+        <a:fontRef idx="minor"/>
+      </dsp:style>
+    </dsp:sp>
+    <dsp:sp modelId="{B1093E3B-279A-40ED-A8B8-EF11C1700F2C}">
+      <dsp:nvSpPr>
+        <dsp:cNvPr id="0" name=""/>
+        <dsp:cNvSpPr/>
+      </dsp:nvSpPr>
+      <dsp:spPr>
+        <a:xfrm>
+          <a:off x="733420" y="923854"/>
+          <a:ext cx="7334729" cy="461927"/>
+        </a:xfrm>
+        <a:prstGeom prst="rect">
+          <a:avLst/>
+        </a:prstGeom>
+        <a:solidFill>
+          <a:schemeClr val="accent1">
+            <a:hueOff val="0"/>
+            <a:satOff val="0"/>
+            <a:lumOff val="0"/>
+            <a:alphaOff val="0"/>
+          </a:schemeClr>
+        </a:solidFill>
+        <a:ln w="15875" cap="flat" cmpd="sng" algn="ctr">
+          <a:solidFill>
+            <a:schemeClr val="lt1">
+              <a:hueOff val="0"/>
+              <a:satOff val="0"/>
+              <a:lumOff val="0"/>
+              <a:alphaOff val="0"/>
+            </a:schemeClr>
+          </a:solidFill>
+          <a:prstDash val="solid"/>
+        </a:ln>
+        <a:effectLst/>
+      </dsp:spPr>
+      <dsp:style>
+        <a:lnRef idx="2">
+          <a:scrgbClr r="0" g="0" b="0"/>
+        </a:lnRef>
+        <a:fillRef idx="1">
+          <a:scrgbClr r="0" g="0" b="0"/>
+        </a:fillRef>
+        <a:effectRef idx="0">
+          <a:scrgbClr r="0" g="0" b="0"/>
+        </a:effectRef>
+        <a:fontRef idx="minor">
+          <a:schemeClr val="lt1"/>
+        </a:fontRef>
+      </dsp:style>
+      <dsp:txBody>
+        <a:bodyPr spcFirstLastPara="0" vert="horz" wrap="square" lIns="366655" tIns="66040" rIns="66040" bIns="66040" numCol="1" spcCol="1270" anchor="ctr" anchorCtr="0">
+          <a:noAutofit/>
+        </a:bodyPr>
+        <a:lstStyle/>
+        <a:p>
+          <a:pPr lvl="0" algn="l" defTabSz="1155700">
+            <a:lnSpc>
+              <a:spcPct val="90000"/>
+            </a:lnSpc>
+            <a:spcBef>
+              <a:spcPct val="0"/>
+            </a:spcBef>
+            <a:spcAft>
+              <a:spcPct val="35000"/>
+            </a:spcAft>
+          </a:pPr>
+          <a:r>
+            <a:rPr lang="en-IN" sz="2600" b="0" kern="1200" dirty="0" smtClean="0"/>
+            <a:t>Superior Code Quality</a:t>
+          </a:r>
+          <a:endParaRPr lang="en-US" sz="2600" b="0" kern="1200" dirty="0"/>
+        </a:p>
+      </dsp:txBody>
+      <dsp:txXfrm>
+        <a:off x="733420" y="923854"/>
+        <a:ext cx="7334729" cy="461927"/>
+      </dsp:txXfrm>
+    </dsp:sp>
+    <dsp:sp modelId="{47387544-C8DB-4C41-AF21-9E7131CEE638}">
+      <dsp:nvSpPr>
+        <dsp:cNvPr id="0" name=""/>
+        <dsp:cNvSpPr/>
+      </dsp:nvSpPr>
+      <dsp:spPr>
+        <a:xfrm>
+          <a:off x="444715" y="866113"/>
+          <a:ext cx="577409" cy="577409"/>
+        </a:xfrm>
+        <a:prstGeom prst="ellipse">
+          <a:avLst/>
+        </a:prstGeom>
+        <a:solidFill>
+          <a:schemeClr val="lt1">
+            <a:hueOff val="0"/>
+            <a:satOff val="0"/>
+            <a:lumOff val="0"/>
+            <a:alphaOff val="0"/>
+          </a:schemeClr>
+        </a:solidFill>
+        <a:ln w="15875" cap="flat" cmpd="sng" algn="ctr">
+          <a:solidFill>
+            <a:schemeClr val="accent1">
+              <a:hueOff val="0"/>
+              <a:satOff val="0"/>
+              <a:lumOff val="0"/>
+              <a:alphaOff val="0"/>
+            </a:schemeClr>
+          </a:solidFill>
+          <a:prstDash val="solid"/>
+        </a:ln>
+        <a:effectLst/>
+      </dsp:spPr>
+      <dsp:style>
+        <a:lnRef idx="2">
+          <a:scrgbClr r="0" g="0" b="0"/>
+        </a:lnRef>
+        <a:fillRef idx="1">
+          <a:scrgbClr r="0" g="0" b="0"/>
+        </a:fillRef>
+        <a:effectRef idx="0">
+          <a:scrgbClr r="0" g="0" b="0"/>
+        </a:effectRef>
+        <a:fontRef idx="minor"/>
+      </dsp:style>
+    </dsp:sp>
+    <dsp:sp modelId="{AD791B69-F2D7-4C03-877F-9624555B3F60}">
+      <dsp:nvSpPr>
+        <dsp:cNvPr id="0" name=""/>
+        <dsp:cNvSpPr/>
+      </dsp:nvSpPr>
+      <dsp:spPr>
+        <a:xfrm>
+          <a:off x="907169" y="1616657"/>
+          <a:ext cx="7160980" cy="461927"/>
+        </a:xfrm>
+        <a:prstGeom prst="rect">
+          <a:avLst/>
+        </a:prstGeom>
+        <a:solidFill>
+          <a:schemeClr val="accent1">
+            <a:hueOff val="0"/>
+            <a:satOff val="0"/>
+            <a:lumOff val="0"/>
+            <a:alphaOff val="0"/>
+          </a:schemeClr>
+        </a:solidFill>
+        <a:ln w="15875" cap="flat" cmpd="sng" algn="ctr">
+          <a:solidFill>
+            <a:schemeClr val="lt1">
+              <a:hueOff val="0"/>
+              <a:satOff val="0"/>
+              <a:lumOff val="0"/>
+              <a:alphaOff val="0"/>
+            </a:schemeClr>
+          </a:solidFill>
+          <a:prstDash val="solid"/>
+        </a:ln>
+        <a:effectLst/>
+      </dsp:spPr>
+      <dsp:style>
+        <a:lnRef idx="2">
+          <a:scrgbClr r="0" g="0" b="0"/>
+        </a:lnRef>
+        <a:fillRef idx="1">
+          <a:scrgbClr r="0" g="0" b="0"/>
+        </a:fillRef>
+        <a:effectRef idx="0">
+          <a:scrgbClr r="0" g="0" b="0"/>
+        </a:effectRef>
+        <a:fontRef idx="minor">
+          <a:schemeClr val="lt1"/>
+        </a:fontRef>
+      </dsp:style>
+      <dsp:txBody>
+        <a:bodyPr spcFirstLastPara="0" vert="horz" wrap="square" lIns="366655" tIns="66040" rIns="66040" bIns="66040" numCol="1" spcCol="1270" anchor="ctr" anchorCtr="0">
+          <a:noAutofit/>
+        </a:bodyPr>
+        <a:lstStyle/>
+        <a:p>
+          <a:pPr lvl="0" algn="l" defTabSz="1155700">
+            <a:lnSpc>
+              <a:spcPct val="90000"/>
+            </a:lnSpc>
+            <a:spcBef>
+              <a:spcPct val="0"/>
+            </a:spcBef>
+            <a:spcAft>
+              <a:spcPct val="35000"/>
+            </a:spcAft>
+          </a:pPr>
+          <a:r>
+            <a:rPr lang="en-IN" sz="2600" b="0" kern="1200" dirty="0" smtClean="0"/>
+            <a:t>Automation</a:t>
+          </a:r>
+          <a:endParaRPr lang="en-US" sz="2600" b="0" kern="1200" dirty="0"/>
+        </a:p>
+      </dsp:txBody>
+      <dsp:txXfrm>
+        <a:off x="907169" y="1616657"/>
+        <a:ext cx="7160980" cy="461927"/>
+      </dsp:txXfrm>
+    </dsp:sp>
+    <dsp:sp modelId="{6F7A3D6A-8881-49AA-AC10-78FB37B33906}">
+      <dsp:nvSpPr>
+        <dsp:cNvPr id="0" name=""/>
+        <dsp:cNvSpPr/>
+      </dsp:nvSpPr>
+      <dsp:spPr>
+        <a:xfrm>
+          <a:off x="618465" y="1558916"/>
+          <a:ext cx="577409" cy="577409"/>
+        </a:xfrm>
+        <a:prstGeom prst="ellipse">
+          <a:avLst/>
+        </a:prstGeom>
+        <a:solidFill>
+          <a:schemeClr val="lt1">
+            <a:hueOff val="0"/>
+            <a:satOff val="0"/>
+            <a:lumOff val="0"/>
+            <a:alphaOff val="0"/>
+          </a:schemeClr>
+        </a:solidFill>
+        <a:ln w="15875" cap="flat" cmpd="sng" algn="ctr">
+          <a:solidFill>
+            <a:schemeClr val="accent1">
+              <a:hueOff val="0"/>
+              <a:satOff val="0"/>
+              <a:lumOff val="0"/>
+              <a:alphaOff val="0"/>
+            </a:schemeClr>
+          </a:solidFill>
+          <a:prstDash val="solid"/>
+        </a:ln>
+        <a:effectLst/>
+      </dsp:spPr>
+      <dsp:style>
+        <a:lnRef idx="2">
+          <a:scrgbClr r="0" g="0" b="0"/>
+        </a:lnRef>
+        <a:fillRef idx="1">
+          <a:scrgbClr r="0" g="0" b="0"/>
+        </a:fillRef>
+        <a:effectRef idx="0">
+          <a:scrgbClr r="0" g="0" b="0"/>
+        </a:effectRef>
+        <a:fontRef idx="minor"/>
+      </dsp:style>
+    </dsp:sp>
+    <dsp:sp modelId="{0B4C9568-8C46-4A33-A61E-B6C35E7C4917}">
+      <dsp:nvSpPr>
+        <dsp:cNvPr id="0" name=""/>
+        <dsp:cNvSpPr/>
+      </dsp:nvSpPr>
+      <dsp:spPr>
+        <a:xfrm>
+          <a:off x="907169" y="2309022"/>
+          <a:ext cx="7160980" cy="461927"/>
+        </a:xfrm>
+        <a:prstGeom prst="rect">
+          <a:avLst/>
+        </a:prstGeom>
+        <a:solidFill>
+          <a:schemeClr val="accent1">
+            <a:hueOff val="0"/>
+            <a:satOff val="0"/>
+            <a:lumOff val="0"/>
+            <a:alphaOff val="0"/>
+          </a:schemeClr>
+        </a:solidFill>
+        <a:ln w="15875" cap="flat" cmpd="sng" algn="ctr">
+          <a:solidFill>
+            <a:schemeClr val="lt1">
+              <a:hueOff val="0"/>
+              <a:satOff val="0"/>
+              <a:lumOff val="0"/>
+              <a:alphaOff val="0"/>
+            </a:schemeClr>
+          </a:solidFill>
+          <a:prstDash val="solid"/>
+        </a:ln>
+        <a:effectLst/>
+      </dsp:spPr>
+      <dsp:style>
+        <a:lnRef idx="2">
+          <a:scrgbClr r="0" g="0" b="0"/>
+        </a:lnRef>
+        <a:fillRef idx="1">
+          <a:scrgbClr r="0" g="0" b="0"/>
+        </a:fillRef>
+        <a:effectRef idx="0">
+          <a:scrgbClr r="0" g="0" b="0"/>
+        </a:effectRef>
+        <a:fontRef idx="minor">
+          <a:schemeClr val="lt1"/>
+        </a:fontRef>
+      </dsp:style>
+      <dsp:txBody>
+        <a:bodyPr spcFirstLastPara="0" vert="horz" wrap="square" lIns="366655" tIns="66040" rIns="66040" bIns="66040" numCol="1" spcCol="1270" anchor="ctr" anchorCtr="0">
+          <a:noAutofit/>
+        </a:bodyPr>
+        <a:lstStyle/>
+        <a:p>
+          <a:pPr lvl="0" algn="l" defTabSz="1155700">
+            <a:lnSpc>
+              <a:spcPct val="90000"/>
+            </a:lnSpc>
+            <a:spcBef>
+              <a:spcPct val="0"/>
+            </a:spcBef>
+            <a:spcAft>
+              <a:spcPct val="35000"/>
+            </a:spcAft>
+          </a:pPr>
+          <a:r>
+            <a:rPr lang="en-IN" sz="2600" b="0" kern="1200" dirty="0" smtClean="0"/>
+            <a:t>Continuous Feedback</a:t>
+          </a:r>
+        </a:p>
+      </dsp:txBody>
+      <dsp:txXfrm>
+        <a:off x="907169" y="2309022"/>
+        <a:ext cx="7160980" cy="461927"/>
+      </dsp:txXfrm>
+    </dsp:sp>
+    <dsp:sp modelId="{6054E410-B202-424E-9DFB-E6CD9F65FAF6}">
+      <dsp:nvSpPr>
+        <dsp:cNvPr id="0" name=""/>
+        <dsp:cNvSpPr/>
+      </dsp:nvSpPr>
+      <dsp:spPr>
+        <a:xfrm>
+          <a:off x="618465" y="2251281"/>
+          <a:ext cx="577409" cy="577409"/>
+        </a:xfrm>
+        <a:prstGeom prst="ellipse">
+          <a:avLst/>
+        </a:prstGeom>
+        <a:solidFill>
+          <a:schemeClr val="lt1">
+            <a:hueOff val="0"/>
+            <a:satOff val="0"/>
+            <a:lumOff val="0"/>
+            <a:alphaOff val="0"/>
+          </a:schemeClr>
+        </a:solidFill>
+        <a:ln w="15875" cap="flat" cmpd="sng" algn="ctr">
+          <a:solidFill>
+            <a:schemeClr val="accent1">
+              <a:hueOff val="0"/>
+              <a:satOff val="0"/>
+              <a:lumOff val="0"/>
+              <a:alphaOff val="0"/>
+            </a:schemeClr>
+          </a:solidFill>
+          <a:prstDash val="solid"/>
+        </a:ln>
+        <a:effectLst/>
+      </dsp:spPr>
+      <dsp:style>
+        <a:lnRef idx="2">
+          <a:scrgbClr r="0" g="0" b="0"/>
+        </a:lnRef>
+        <a:fillRef idx="1">
+          <a:scrgbClr r="0" g="0" b="0"/>
+        </a:fillRef>
+        <a:effectRef idx="0">
+          <a:scrgbClr r="0" g="0" b="0"/>
+        </a:effectRef>
+        <a:fontRef idx="minor"/>
+      </dsp:style>
+    </dsp:sp>
+    <dsp:sp modelId="{3DCFA1FB-BEEA-4E7C-BC2C-9E33CE42A65E}">
+      <dsp:nvSpPr>
+        <dsp:cNvPr id="0" name=""/>
+        <dsp:cNvSpPr/>
+      </dsp:nvSpPr>
+      <dsp:spPr>
+        <a:xfrm>
+          <a:off x="733420" y="3001825"/>
+          <a:ext cx="7334729" cy="461927"/>
+        </a:xfrm>
+        <a:prstGeom prst="rect">
+          <a:avLst/>
+        </a:prstGeom>
+        <a:solidFill>
+          <a:schemeClr val="accent1">
+            <a:hueOff val="0"/>
+            <a:satOff val="0"/>
+            <a:lumOff val="0"/>
+            <a:alphaOff val="0"/>
+          </a:schemeClr>
+        </a:solidFill>
+        <a:ln w="15875" cap="flat" cmpd="sng" algn="ctr">
+          <a:solidFill>
+            <a:schemeClr val="lt1">
+              <a:hueOff val="0"/>
+              <a:satOff val="0"/>
+              <a:lumOff val="0"/>
+              <a:alphaOff val="0"/>
+            </a:schemeClr>
+          </a:solidFill>
+          <a:prstDash val="solid"/>
+        </a:ln>
+        <a:effectLst/>
+      </dsp:spPr>
+      <dsp:style>
+        <a:lnRef idx="2">
+          <a:scrgbClr r="0" g="0" b="0"/>
+        </a:lnRef>
+        <a:fillRef idx="1">
+          <a:scrgbClr r="0" g="0" b="0"/>
+        </a:fillRef>
+        <a:effectRef idx="0">
+          <a:scrgbClr r="0" g="0" b="0"/>
+        </a:effectRef>
+        <a:fontRef idx="minor">
+          <a:schemeClr val="lt1"/>
+        </a:fontRef>
+      </dsp:style>
+      <dsp:txBody>
+        <a:bodyPr spcFirstLastPara="0" vert="horz" wrap="square" lIns="366655" tIns="66040" rIns="66040" bIns="66040" numCol="1" spcCol="1270" anchor="ctr" anchorCtr="0">
+          <a:noAutofit/>
+        </a:bodyPr>
+        <a:lstStyle/>
+        <a:p>
+          <a:pPr lvl="0" algn="l" defTabSz="1155700">
+            <a:lnSpc>
+              <a:spcPct val="90000"/>
+            </a:lnSpc>
+            <a:spcBef>
+              <a:spcPct val="0"/>
+            </a:spcBef>
+            <a:spcAft>
+              <a:spcPct val="35000"/>
+            </a:spcAft>
+          </a:pPr>
+          <a:r>
+            <a:rPr lang="en-IN" sz="2600" b="0" kern="1200" dirty="0" smtClean="0"/>
+            <a:t>Quick Rollback</a:t>
+          </a:r>
+          <a:endParaRPr lang="en-US" sz="2600" b="0" kern="1200" dirty="0"/>
+        </a:p>
+      </dsp:txBody>
+      <dsp:txXfrm>
+        <a:off x="733420" y="3001825"/>
+        <a:ext cx="7334729" cy="461927"/>
+      </dsp:txXfrm>
+    </dsp:sp>
+    <dsp:sp modelId="{9870F1FD-F0C8-4C6E-B800-6024A7071F7B}">
+      <dsp:nvSpPr>
+        <dsp:cNvPr id="0" name=""/>
+        <dsp:cNvSpPr/>
+      </dsp:nvSpPr>
+      <dsp:spPr>
+        <a:xfrm>
+          <a:off x="444715" y="2944084"/>
+          <a:ext cx="577409" cy="577409"/>
+        </a:xfrm>
+        <a:prstGeom prst="ellipse">
+          <a:avLst/>
+        </a:prstGeom>
+        <a:solidFill>
+          <a:schemeClr val="lt1">
+            <a:hueOff val="0"/>
+            <a:satOff val="0"/>
+            <a:lumOff val="0"/>
+            <a:alphaOff val="0"/>
+          </a:schemeClr>
+        </a:solidFill>
+        <a:ln w="15875" cap="flat" cmpd="sng" algn="ctr">
+          <a:solidFill>
+            <a:schemeClr val="accent1">
+              <a:hueOff val="0"/>
+              <a:satOff val="0"/>
+              <a:lumOff val="0"/>
+              <a:alphaOff val="0"/>
+            </a:schemeClr>
+          </a:solidFill>
+          <a:prstDash val="solid"/>
+        </a:ln>
+        <a:effectLst/>
+      </dsp:spPr>
+      <dsp:style>
+        <a:lnRef idx="2">
+          <a:scrgbClr r="0" g="0" b="0"/>
+        </a:lnRef>
+        <a:fillRef idx="1">
+          <a:scrgbClr r="0" g="0" b="0"/>
+        </a:fillRef>
+        <a:effectRef idx="0">
+          <a:scrgbClr r="0" g="0" b="0"/>
+        </a:effectRef>
+        <a:fontRef idx="minor"/>
+      </dsp:style>
+    </dsp:sp>
+    <dsp:sp modelId="{E59FC977-11A9-4047-848C-A6981B3F3940}">
+      <dsp:nvSpPr>
+        <dsp:cNvPr id="0" name=""/>
+        <dsp:cNvSpPr/>
+      </dsp:nvSpPr>
+      <dsp:spPr>
+        <a:xfrm>
+          <a:off x="353453" y="3694628"/>
+          <a:ext cx="7714696" cy="461927"/>
+        </a:xfrm>
+        <a:prstGeom prst="rect">
+          <a:avLst/>
+        </a:prstGeom>
+        <a:solidFill>
+          <a:schemeClr val="accent1">
+            <a:hueOff val="0"/>
+            <a:satOff val="0"/>
+            <a:lumOff val="0"/>
+            <a:alphaOff val="0"/>
+          </a:schemeClr>
+        </a:solidFill>
+        <a:ln w="15875" cap="flat" cmpd="sng" algn="ctr">
+          <a:solidFill>
+            <a:schemeClr val="lt1">
+              <a:hueOff val="0"/>
+              <a:satOff val="0"/>
+              <a:lumOff val="0"/>
+              <a:alphaOff val="0"/>
+            </a:schemeClr>
+          </a:solidFill>
+          <a:prstDash val="solid"/>
+        </a:ln>
+        <a:effectLst/>
+      </dsp:spPr>
+      <dsp:style>
+        <a:lnRef idx="2">
+          <a:scrgbClr r="0" g="0" b="0"/>
+        </a:lnRef>
+        <a:fillRef idx="1">
+          <a:scrgbClr r="0" g="0" b="0"/>
+        </a:fillRef>
+        <a:effectRef idx="0">
+          <a:scrgbClr r="0" g="0" b="0"/>
+        </a:effectRef>
+        <a:fontRef idx="minor">
+          <a:schemeClr val="lt1"/>
+        </a:fontRef>
+      </dsp:style>
+      <dsp:txBody>
+        <a:bodyPr spcFirstLastPara="0" vert="horz" wrap="square" lIns="366655" tIns="66040" rIns="66040" bIns="66040" numCol="1" spcCol="1270" anchor="ctr" anchorCtr="0">
+          <a:noAutofit/>
+        </a:bodyPr>
+        <a:lstStyle/>
+        <a:p>
+          <a:pPr lvl="0" algn="l" defTabSz="1155700">
+            <a:lnSpc>
+              <a:spcPct val="90000"/>
+            </a:lnSpc>
+            <a:spcBef>
+              <a:spcPct val="0"/>
+            </a:spcBef>
+            <a:spcAft>
+              <a:spcPct val="35000"/>
+            </a:spcAft>
+          </a:pPr>
+          <a:r>
+            <a:rPr lang="en-IN" sz="2600" b="0" kern="1200" dirty="0" smtClean="0"/>
+            <a:t>Reduced Backlog</a:t>
+          </a:r>
+          <a:endParaRPr lang="en-US" sz="2600" b="0" kern="1200" dirty="0"/>
+        </a:p>
+      </dsp:txBody>
+      <dsp:txXfrm>
+        <a:off x="353453" y="3694628"/>
+        <a:ext cx="7714696" cy="461927"/>
+      </dsp:txXfrm>
+    </dsp:sp>
+    <dsp:sp modelId="{D73F8B29-CA97-4485-A006-56F0C739E2FD}">
+      <dsp:nvSpPr>
+        <dsp:cNvPr id="0" name=""/>
+        <dsp:cNvSpPr/>
+      </dsp:nvSpPr>
+      <dsp:spPr>
+        <a:xfrm>
+          <a:off x="64749" y="3636887"/>
+          <a:ext cx="577409" cy="577409"/>
+        </a:xfrm>
+        <a:prstGeom prst="ellipse">
+          <a:avLst/>
+        </a:prstGeom>
+        <a:solidFill>
+          <a:schemeClr val="lt1">
+            <a:hueOff val="0"/>
+            <a:satOff val="0"/>
+            <a:lumOff val="0"/>
+            <a:alphaOff val="0"/>
+          </a:schemeClr>
+        </a:solidFill>
+        <a:ln w="15875" cap="flat" cmpd="sng" algn="ctr">
+          <a:solidFill>
+            <a:schemeClr val="accent1">
+              <a:hueOff val="0"/>
+              <a:satOff val="0"/>
+              <a:lumOff val="0"/>
+              <a:alphaOff val="0"/>
+            </a:schemeClr>
+          </a:solidFill>
+          <a:prstDash val="solid"/>
+        </a:ln>
+        <a:effectLst/>
+      </dsp:spPr>
+      <dsp:style>
+        <a:lnRef idx="2">
+          <a:scrgbClr r="0" g="0" b="0"/>
+        </a:lnRef>
+        <a:fillRef idx="1">
+          <a:scrgbClr r="0" g="0" b="0"/>
+        </a:fillRef>
+        <a:effectRef idx="0">
+          <a:scrgbClr r="0" g="0" b="0"/>
+        </a:effectRef>
+        <a:fontRef idx="minor"/>
+      </dsp:style>
+    </dsp:sp>
+  </dsp:spTree>
+</dsp:drawing>
+</file>
+
 <file path=ppt/diagrams/layout1.xml><?xml version="1.0" encoding="utf-8"?>
 <dgm:layoutDef xmlns:dgm="http://schemas.openxmlformats.org/drawingml/2006/diagram" xmlns:a="http://schemas.openxmlformats.org/drawingml/2006/main" uniqueId="urn:microsoft.com/office/officeart/2005/8/layout/chevron1">
   <dgm:title val=""/>
@@ -2002,6 +4038,1284 @@
 </dgm:layoutDef>
 </file>
 
+<file path=ppt/diagrams/layout2.xml><?xml version="1.0" encoding="utf-8"?>
+<dgm:layoutDef xmlns:dgm="http://schemas.openxmlformats.org/drawingml/2006/diagram" xmlns:a="http://schemas.openxmlformats.org/drawingml/2006/main" uniqueId="urn:microsoft.com/office/officeart/2008/layout/VerticalCurvedList">
+  <dgm:title val=""/>
+  <dgm:desc val=""/>
+  <dgm:catLst>
+    <dgm:cat type="list" pri="20000"/>
+  </dgm:catLst>
+  <dgm:sampData>
+    <dgm:dataModel>
+      <dgm:ptLst>
+        <dgm:pt modelId="0" type="doc"/>
+        <dgm:pt modelId="1">
+          <dgm:prSet phldr="1"/>
+        </dgm:pt>
+        <dgm:pt modelId="2">
+          <dgm:prSet phldr="1"/>
+        </dgm:pt>
+        <dgm:pt modelId="3">
+          <dgm:prSet phldr="1"/>
+        </dgm:pt>
+      </dgm:ptLst>
+      <dgm:cxnLst>
+        <dgm:cxn modelId="4" srcId="0" destId="1" srcOrd="0" destOrd="0"/>
+        <dgm:cxn modelId="5" srcId="0" destId="2" srcOrd="1" destOrd="0"/>
+        <dgm:cxn modelId="6" srcId="0" destId="3" srcOrd="2" destOrd="0"/>
+      </dgm:cxnLst>
+      <dgm:bg/>
+      <dgm:whole/>
+    </dgm:dataModel>
+  </dgm:sampData>
+  <dgm:styleData>
+    <dgm:dataModel>
+      <dgm:ptLst>
+        <dgm:pt modelId="0" type="doc"/>
+        <dgm:pt modelId="1">
+          <dgm:prSet phldr="1"/>
+        </dgm:pt>
+        <dgm:pt modelId="2">
+          <dgm:prSet phldr="1"/>
+        </dgm:pt>
+      </dgm:ptLst>
+      <dgm:cxnLst>
+        <dgm:cxn modelId="3" srcId="0" destId="1" srcOrd="0" destOrd="0"/>
+        <dgm:cxn modelId="4" srcId="0" destId="2" srcOrd="1" destOrd="0"/>
+      </dgm:cxnLst>
+      <dgm:bg/>
+      <dgm:whole/>
+    </dgm:dataModel>
+  </dgm:styleData>
+  <dgm:clrData>
+    <dgm:dataModel>
+      <dgm:ptLst>
+        <dgm:pt modelId="0" type="doc"/>
+        <dgm:pt modelId="1">
+          <dgm:prSet phldr="1"/>
+        </dgm:pt>
+        <dgm:pt modelId="2">
+          <dgm:prSet phldr="1"/>
+        </dgm:pt>
+        <dgm:pt modelId="3">
+          <dgm:prSet phldr="1"/>
+        </dgm:pt>
+        <dgm:pt modelId="4">
+          <dgm:prSet phldr="1"/>
+        </dgm:pt>
+      </dgm:ptLst>
+      <dgm:cxnLst>
+        <dgm:cxn modelId="5" srcId="0" destId="1" srcOrd="0" destOrd="0"/>
+        <dgm:cxn modelId="6" srcId="0" destId="2" srcOrd="1" destOrd="0"/>
+        <dgm:cxn modelId="7" srcId="0" destId="3" srcOrd="2" destOrd="0"/>
+        <dgm:cxn modelId="8" srcId="0" destId="4" srcOrd="3" destOrd="0"/>
+      </dgm:cxnLst>
+      <dgm:bg/>
+      <dgm:whole/>
+    </dgm:dataModel>
+  </dgm:clrData>
+  <dgm:layoutNode name="Name0">
+    <dgm:varLst>
+      <dgm:chMax val="7"/>
+      <dgm:chPref val="7"/>
+      <dgm:dir/>
+    </dgm:varLst>
+    <dgm:alg type="composite"/>
+    <dgm:shape xmlns:r="http://schemas.openxmlformats.org/officeDocument/2006/relationships" r:blip="">
+      <dgm:adjLst/>
+    </dgm:shape>
+    <dgm:constrLst>
+      <dgm:constr type="w" for="ch" refType="h" refFor="ch" op="gte" fact="0.8"/>
+    </dgm:constrLst>
+    <dgm:layoutNode name="Name1">
+      <dgm:alg type="composite"/>
+      <dgm:shape xmlns:r="http://schemas.openxmlformats.org/officeDocument/2006/relationships" r:blip="">
+        <dgm:adjLst/>
+      </dgm:shape>
+      <dgm:choose name="Name2">
+        <dgm:if name="Name3" func="var" arg="dir" op="equ" val="norm">
+          <dgm:choose name="Name4">
+            <dgm:if name="Name5" axis="ch" ptType="node" func="cnt" op="equ" val="1">
+              <dgm:constrLst>
+                <dgm:constr type="h" for="ch" forName="cycle" refType="h"/>
+                <dgm:constr type="w" for="ch" forName="cycle" refType="h" refFor="ch" refForName="cycle" fact="0.26"/>
+                <dgm:constr type="l" for="ch" forName="cycle"/>
+                <dgm:constr type="ctrY" for="ch" forName="cycle" refType="h" fact="0.5"/>
+                <dgm:constr type="diam" for="ch" forName="cycle" refType="h" fact="1.344"/>
+                <dgm:constr type="h" for="ch" forName="accent_1" refType="h" fact="0.625"/>
+                <dgm:constr type="w" for="ch" forName="accent_1" refType="h" refFor="ch" refForName="accent_1" op="equ"/>
+                <dgm:constr type="ctrY" for="ch" forName="accent_1" refType="h" fact="0.5"/>
+                <dgm:constr type="ctrX" for="ch" forName="accent_1" refType="h" fact="0.2253"/>
+                <dgm:constr type="l" for="ch" forName="text_1" refType="ctrX" refFor="ch" refForName="accent_1"/>
+                <dgm:constr type="r" for="ch" forName="text_1" refType="w"/>
+                <dgm:constr type="w" for="ch" forName="text_1" refType="h" refFor="ch" refForName="text_1" op="gte"/>
+                <dgm:constr type="h" for="ch" forName="text_1" refType="h" refFor="ch" refForName="accent_1" fact="0.8"/>
+                <dgm:constr type="ctrY" for="ch" forName="text_1" refType="ctrY" refFor="ch" refForName="accent_1"/>
+                <dgm:constr type="lMarg" for="ch" forName="text_1" refType="w" refFor="ch" refForName="accent_1" fact="1.8"/>
+                <dgm:constr type="primFontSz" for="ch" ptType="node" op="equ" val="65"/>
+              </dgm:constrLst>
+            </dgm:if>
+            <dgm:if name="Name6" axis="ch" ptType="node" func="cnt" op="equ" val="2">
+              <dgm:constrLst>
+                <dgm:constr type="h" for="ch" forName="cycle" refType="h"/>
+                <dgm:constr type="w" for="ch" forName="cycle" refType="h" refFor="ch" refForName="cycle" fact="0.26"/>
+                <dgm:constr type="l" for="ch" forName="cycle"/>
+                <dgm:constr type="ctrY" for="ch" forName="cycle" refType="h" fact="0.5"/>
+                <dgm:constr type="diam" for="ch" forName="cycle" refType="h" fact="1.344"/>
+                <dgm:constr type="h" for="ch" forName="accent_1" refType="h" fact="0.3571"/>
+                <dgm:constr type="w" for="ch" forName="accent_1" refType="h" refFor="ch" refForName="accent_1" op="equ"/>
+                <dgm:constr type="ctrY" for="ch" forName="accent_1" refType="h" fact="0.2857"/>
+                <dgm:constr type="ctrX" for="ch" forName="accent_1" refType="h" fact="0.1891"/>
+                <dgm:constr type="l" for="ch" forName="text_1" refType="ctrX" refFor="ch" refForName="accent_1"/>
+                <dgm:constr type="r" for="ch" forName="text_1" refType="w"/>
+                <dgm:constr type="w" for="ch" forName="text_1" refType="h" refFor="ch" refForName="text_1" op="gte"/>
+                <dgm:constr type="h" for="ch" forName="text_1" refType="h" refFor="ch" refForName="accent_1" fact="0.8"/>
+                <dgm:constr type="ctrY" for="ch" forName="text_1" refType="ctrY" refFor="ch" refForName="accent_1"/>
+                <dgm:constr type="lMarg" for="ch" forName="text_1" refType="w" refFor="ch" refForName="accent_1" fact="1.8"/>
+                <dgm:constr type="h" for="ch" forName="accent_2" refType="h" fact="0.3571"/>
+                <dgm:constr type="w" for="ch" forName="accent_2" refType="h" refFor="ch" refForName="accent_2" op="equ"/>
+                <dgm:constr type="ctrY" for="ch" forName="accent_2" refType="h" fact="0.7143"/>
+                <dgm:constr type="ctrX" for="ch" forName="accent_2" refType="h" fact="0.1891"/>
+                <dgm:constr type="l" for="ch" forName="text_2" refType="ctrX" refFor="ch" refForName="accent_2"/>
+                <dgm:constr type="r" for="ch" forName="text_2" refType="w"/>
+                <dgm:constr type="w" for="ch" forName="text_2" refType="h" refFor="ch" refForName="text_2" op="gte"/>
+                <dgm:constr type="h" for="ch" forName="text_2" refType="h" refFor="ch" refForName="accent_2" fact="0.8"/>
+                <dgm:constr type="ctrY" for="ch" forName="text_2" refType="ctrY" refFor="ch" refForName="accent_2"/>
+                <dgm:constr type="lMarg" for="ch" forName="text_2" refType="w" refFor="ch" refForName="accent_2" fact="1.8"/>
+                <dgm:constr type="primFontSz" for="ch" ptType="node" op="equ" val="65"/>
+              </dgm:constrLst>
+            </dgm:if>
+            <dgm:if name="Name7" axis="ch" ptType="node" func="cnt" op="equ" val="3">
+              <dgm:constrLst>
+                <dgm:constr type="h" for="ch" forName="cycle" refType="h"/>
+                <dgm:constr type="w" for="ch" forName="cycle" refType="h" refFor="ch" refForName="cycle" fact="0.26"/>
+                <dgm:constr type="l" for="ch" forName="cycle"/>
+                <dgm:constr type="ctrY" for="ch" forName="cycle" refType="h" fact="0.5"/>
+                <dgm:constr type="diam" for="ch" forName="cycle" refType="h" fact="1.344"/>
+                <dgm:constr type="h" for="ch" forName="accent_1" refType="h" fact="0.25"/>
+                <dgm:constr type="w" for="ch" forName="accent_1" refType="h" refFor="ch" refForName="accent_1" op="equ"/>
+                <dgm:constr type="ctrY" for="ch" forName="accent_1" refType="h" fact="0.2"/>
+                <dgm:constr type="ctrX" for="ch" forName="accent_1" refType="h" fact="0.1526"/>
+                <dgm:constr type="l" for="ch" forName="text_1" refType="ctrX" refFor="ch" refForName="accent_1"/>
+                <dgm:constr type="r" for="ch" forName="text_1" refType="w"/>
+                <dgm:constr type="w" for="ch" forName="text_1" refType="h" refFor="ch" refForName="text_1" op="gte"/>
+                <dgm:constr type="h" for="ch" forName="text_1" refType="h" refFor="ch" refForName="accent_1" fact="0.8"/>
+                <dgm:constr type="ctrY" for="ch" forName="text_1" refType="ctrY" refFor="ch" refForName="accent_1"/>
+                <dgm:constr type="lMarg" for="ch" forName="text_1" refType="w" refFor="ch" refForName="accent_1" fact="1.8"/>
+                <dgm:constr type="h" for="ch" forName="accent_2" refType="h" fact="0.25"/>
+                <dgm:constr type="w" for="ch" forName="accent_2" refType="h" refFor="ch" refForName="accent_2" op="equ"/>
+                <dgm:constr type="ctrY" for="ch" forName="accent_2" refType="h" fact="0.5"/>
+                <dgm:constr type="ctrX" for="ch" forName="accent_2" refType="h" fact="0.2253"/>
+                <dgm:constr type="l" for="ch" forName="text_2" refType="ctrX" refFor="ch" refForName="accent_2"/>
+                <dgm:constr type="r" for="ch" forName="text_2" refType="w"/>
+                <dgm:constr type="w" for="ch" forName="text_2" refType="h" refFor="ch" refForName="text_2" op="gte"/>
+                <dgm:constr type="h" for="ch" forName="text_2" refType="h" refFor="ch" refForName="accent_2" fact="0.8"/>
+                <dgm:constr type="ctrY" for="ch" forName="text_2" refType="ctrY" refFor="ch" refForName="accent_2"/>
+                <dgm:constr type="lMarg" for="ch" forName="text_2" refType="w" refFor="ch" refForName="accent_2" fact="1.8"/>
+                <dgm:constr type="h" for="ch" forName="accent_3" refType="h" fact="0.25"/>
+                <dgm:constr type="w" for="ch" forName="accent_3" refType="h" refFor="ch" refForName="accent_3" op="equ"/>
+                <dgm:constr type="ctrY" for="ch" forName="accent_3" refType="h" fact="0.8"/>
+                <dgm:constr type="ctrX" for="ch" forName="accent_3" refType="h" fact="0.1526"/>
+                <dgm:constr type="l" for="ch" forName="text_3" refType="ctrX" refFor="ch" refForName="accent_3"/>
+                <dgm:constr type="r" for="ch" forName="text_3" refType="w"/>
+                <dgm:constr type="w" for="ch" forName="text_3" refType="h" refFor="ch" refForName="text_3" op="gte"/>
+                <dgm:constr type="h" for="ch" forName="text_3" refType="h" refFor="ch" refForName="accent_3" fact="0.8"/>
+                <dgm:constr type="ctrY" for="ch" forName="text_3" refType="ctrY" refFor="ch" refForName="accent_3"/>
+                <dgm:constr type="lMarg" for="ch" forName="text_3" refType="w" refFor="ch" refForName="accent_3" fact="1.8"/>
+                <dgm:constr type="primFontSz" for="ch" ptType="node" op="equ" val="65"/>
+              </dgm:constrLst>
+            </dgm:if>
+            <dgm:if name="Name8" axis="ch" ptType="node" func="cnt" op="equ" val="4">
+              <dgm:constrLst>
+                <dgm:constr type="h" for="ch" forName="cycle" refType="h"/>
+                <dgm:constr type="w" for="ch" forName="cycle" refType="h" refFor="ch" refForName="cycle" fact="0.26"/>
+                <dgm:constr type="l" for="ch" forName="cycle"/>
+                <dgm:constr type="ctrY" for="ch" forName="cycle" refType="h" fact="0.5"/>
+                <dgm:constr type="diam" for="ch" forName="cycle" refType="h" fact="1.344"/>
+                <dgm:constr type="h" for="ch" forName="accent_1" refType="h" fact="0.1923"/>
+                <dgm:constr type="w" for="ch" forName="accent_1" refType="h" refFor="ch" refForName="accent_1" op="equ"/>
+                <dgm:constr type="ctrY" for="ch" forName="accent_1" refType="h" fact="0.1538"/>
+                <dgm:constr type="ctrX" for="ch" forName="accent_1" refType="h" fact="0.1268"/>
+                <dgm:constr type="l" for="ch" forName="text_1" refType="ctrX" refFor="ch" refForName="accent_1"/>
+                <dgm:constr type="r" for="ch" forName="text_1" refType="w"/>
+                <dgm:constr type="w" for="ch" forName="text_1" refType="h" refFor="ch" refForName="text_1" op="gte"/>
+                <dgm:constr type="h" for="ch" forName="text_1" refType="h" refFor="ch" refForName="accent_1" fact="0.8"/>
+                <dgm:constr type="ctrY" for="ch" forName="text_1" refType="ctrY" refFor="ch" refForName="accent_1"/>
+                <dgm:constr type="lMarg" for="ch" forName="text_1" refType="w" refFor="ch" refForName="accent_1" fact="1.8"/>
+                <dgm:constr type="h" for="ch" forName="accent_2" refType="h" fact="0.1923"/>
+                <dgm:constr type="w" for="ch" forName="accent_2" refType="h" refFor="ch" refForName="accent_2" op="equ"/>
+                <dgm:constr type="ctrY" for="ch" forName="accent_2" refType="h" fact="0.3846"/>
+                <dgm:constr type="ctrX" for="ch" forName="accent_2" refType="h" fact="0.215"/>
+                <dgm:constr type="l" for="ch" forName="text_2" refType="ctrX" refFor="ch" refForName="accent_2"/>
+                <dgm:constr type="r" for="ch" forName="text_2" refType="w"/>
+                <dgm:constr type="w" for="ch" forName="text_2" refType="h" refFor="ch" refForName="text_2" op="gte"/>
+                <dgm:constr type="h" for="ch" forName="text_2" refType="h" refFor="ch" refForName="accent_2" fact="0.8"/>
+                <dgm:constr type="ctrY" for="ch" forName="text_2" refType="ctrY" refFor="ch" refForName="accent_2"/>
+                <dgm:constr type="lMarg" for="ch" forName="text_2" refType="w" refFor="ch" refForName="accent_2" fact="1.8"/>
+                <dgm:constr type="h" for="ch" forName="accent_3" refType="h" fact="0.1923"/>
+                <dgm:constr type="w" for="ch" forName="accent_3" refType="h" refFor="ch" refForName="accent_3" op="equ"/>
+                <dgm:constr type="ctrY" for="ch" forName="accent_3" refType="h" fact="0.6154"/>
+                <dgm:constr type="ctrX" for="ch" forName="accent_3" refType="h" fact="0.215"/>
+                <dgm:constr type="l" for="ch" forName="text_3" refType="ctrX" refFor="ch" refForName="accent_3"/>
+                <dgm:constr type="r" for="ch" forName="text_3" refType="w"/>
+                <dgm:constr type="w" for="ch" forName="text_3" refType="h" refFor="ch" refForName="text_3" op="gte"/>
+                <dgm:constr type="h" for="ch" forName="text_3" refType="h" refFor="ch" refForName="accent_3" fact="0.8"/>
+                <dgm:constr type="ctrY" for="ch" forName="text_3" refType="ctrY" refFor="ch" refForName="accent_3"/>
+                <dgm:constr type="lMarg" for="ch" forName="text_3" refType="w" refFor="ch" refForName="accent_3" fact="1.8"/>
+                <dgm:constr type="h" for="ch" forName="accent_4" refType="h" fact="0.1923"/>
+                <dgm:constr type="w" for="ch" forName="accent_4" refType="h" refFor="ch" refForName="accent_4" op="equ"/>
+                <dgm:constr type="ctrY" for="ch" forName="accent_4" refType="h" fact="0.8462"/>
+                <dgm:constr type="ctrX" for="ch" forName="accent_4" refType="h" fact="0.1268"/>
+                <dgm:constr type="l" for="ch" forName="text_4" refType="ctrX" refFor="ch" refForName="accent_4"/>
+                <dgm:constr type="r" for="ch" forName="text_4" refType="w"/>
+                <dgm:constr type="w" for="ch" forName="text_4" refType="h" refFor="ch" refForName="text_4" op="gte"/>
+                <dgm:constr type="h" for="ch" forName="text_4" refType="h" refFor="ch" refForName="accent_4" fact="0.8"/>
+                <dgm:constr type="ctrY" for="ch" forName="text_4" refType="ctrY" refFor="ch" refForName="accent_4"/>
+                <dgm:constr type="lMarg" for="ch" forName="text_4" refType="w" refFor="ch" refForName="accent_4" fact="1.8"/>
+                <dgm:constr type="primFontSz" for="ch" ptType="node" op="equ" val="65"/>
+              </dgm:constrLst>
+            </dgm:if>
+            <dgm:if name="Name9" axis="ch" ptType="node" func="cnt" op="equ" val="5">
+              <dgm:constrLst>
+                <dgm:constr type="h" for="ch" forName="cycle" refType="h"/>
+                <dgm:constr type="w" for="ch" forName="cycle" refType="h" refFor="ch" refForName="cycle" fact="0.26"/>
+                <dgm:constr type="l" for="ch" forName="cycle"/>
+                <dgm:constr type="ctrY" for="ch" forName="cycle" refType="h" fact="0.5"/>
+                <dgm:constr type="diam" for="ch" forName="cycle" refType="h" fact="1.344"/>
+                <dgm:constr type="h" for="ch" forName="accent_1" refType="h" fact="0.1563"/>
+                <dgm:constr type="w" for="ch" forName="accent_1" refType="h" refFor="ch" refForName="accent_1" op="equ"/>
+                <dgm:constr type="ctrY" for="ch" forName="accent_1" refType="h" fact="0.125"/>
+                <dgm:constr type="ctrX" for="ch" forName="accent_1" refType="h" fact="0.1082"/>
+                <dgm:constr type="l" for="ch" forName="text_1" refType="ctrX" refFor="ch" refForName="accent_1"/>
+                <dgm:constr type="r" for="ch" forName="text_1" refType="w"/>
+                <dgm:constr type="w" for="ch" forName="text_1" refType="h" refFor="ch" refForName="text_1" op="gte"/>
+                <dgm:constr type="h" for="ch" forName="text_1" refType="h" refFor="ch" refForName="accent_1" fact="0.8"/>
+                <dgm:constr type="ctrY" for="ch" forName="text_1" refType="ctrY" refFor="ch" refForName="accent_1"/>
+                <dgm:constr type="lMarg" for="ch" forName="text_1" refType="w" refFor="ch" refForName="accent_1" fact="1.8"/>
+                <dgm:constr type="h" for="ch" forName="accent_2" refType="h" fact="0.1563"/>
+                <dgm:constr type="w" for="ch" forName="accent_2" refType="h" refFor="ch" refForName="accent_2" op="equ"/>
+                <dgm:constr type="ctrY" for="ch" forName="accent_2" refType="h" fact="0.3125"/>
+                <dgm:constr type="ctrX" for="ch" forName="accent_2" refType="h" fact="0.1978"/>
+                <dgm:constr type="l" for="ch" forName="text_2" refType="ctrX" refFor="ch" refForName="accent_2"/>
+                <dgm:constr type="r" for="ch" forName="text_2" refType="w"/>
+                <dgm:constr type="w" for="ch" forName="text_2" refType="h" refFor="ch" refForName="text_2" op="gte"/>
+                <dgm:constr type="h" for="ch" forName="text_2" refType="h" refFor="ch" refForName="accent_2" fact="0.8"/>
+                <dgm:constr type="ctrY" for="ch" forName="text_2" refType="ctrY" refFor="ch" refForName="accent_2"/>
+                <dgm:constr type="lMarg" for="ch" forName="text_2" refType="w" refFor="ch" refForName="accent_2" fact="1.8"/>
+                <dgm:constr type="h" for="ch" forName="accent_3" refType="h" fact="0.1563"/>
+                <dgm:constr type="w" for="ch" forName="accent_3" refType="h" refFor="ch" refForName="accent_3" op="equ"/>
+                <dgm:constr type="ctrY" for="ch" forName="accent_3" refType="h" fact="0.5"/>
+                <dgm:constr type="ctrX" for="ch" forName="accent_3" refType="h" fact="0.2253"/>
+                <dgm:constr type="l" for="ch" forName="text_3" refType="ctrX" refFor="ch" refForName="accent_3"/>
+                <dgm:constr type="r" for="ch" forName="text_3" refType="w"/>
+                <dgm:constr type="w" for="ch" forName="text_3" refType="h" refFor="ch" refForName="text_3" op="gte"/>
+                <dgm:constr type="h" for="ch" forName="text_3" refType="h" refFor="ch" refForName="accent_3" fact="0.8"/>
+                <dgm:constr type="ctrY" for="ch" forName="text_3" refType="ctrY" refFor="ch" refForName="accent_3"/>
+                <dgm:constr type="lMarg" for="ch" forName="text_3" refType="w" refFor="ch" refForName="accent_3" fact="1.8"/>
+                <dgm:constr type="h" for="ch" forName="accent_4" refType="h" fact="0.1563"/>
+                <dgm:constr type="w" for="ch" forName="accent_4" refType="h" refFor="ch" refForName="accent_4" op="equ"/>
+                <dgm:constr type="ctrY" for="ch" forName="accent_4" refType="h" fact="0.6875"/>
+                <dgm:constr type="ctrX" for="ch" forName="accent_4" refType="h" fact="0.1978"/>
+                <dgm:constr type="l" for="ch" forName="text_4" refType="ctrX" refFor="ch" refForName="accent_4"/>
+                <dgm:constr type="r" for="ch" forName="text_4" refType="w"/>
+                <dgm:constr type="w" for="ch" forName="text_4" refType="h" refFor="ch" refForName="text_4" op="gte"/>
+                <dgm:constr type="h" for="ch" forName="text_4" refType="h" refFor="ch" refForName="accent_4" fact="0.8"/>
+                <dgm:constr type="ctrY" for="ch" forName="text_4" refType="ctrY" refFor="ch" refForName="accent_4"/>
+                <dgm:constr type="lMarg" for="ch" forName="text_4" refType="w" refFor="ch" refForName="accent_4" fact="1.8"/>
+                <dgm:constr type="h" for="ch" forName="accent_5" refType="h" fact="0.1563"/>
+                <dgm:constr type="w" for="ch" forName="accent_5" refType="h" refFor="ch" refForName="accent_5" op="equ"/>
+                <dgm:constr type="ctrY" for="ch" forName="accent_5" refType="h" fact="0.875"/>
+                <dgm:constr type="ctrX" for="ch" forName="accent_5" refType="h" fact="0.1082"/>
+                <dgm:constr type="l" for="ch" forName="text_5" refType="ctrX" refFor="ch" refForName="accent_5"/>
+                <dgm:constr type="r" for="ch" forName="text_5" refType="w"/>
+                <dgm:constr type="w" for="ch" forName="text_5" refType="h" refFor="ch" refForName="text_5" op="gte"/>
+                <dgm:constr type="h" for="ch" forName="text_5" refType="h" refFor="ch" refForName="accent_5" fact="0.8"/>
+                <dgm:constr type="ctrY" for="ch" forName="text_5" refType="ctrY" refFor="ch" refForName="accent_5"/>
+                <dgm:constr type="lMarg" for="ch" forName="text_5" refType="w" refFor="ch" refForName="accent_5" fact="1.8"/>
+                <dgm:constr type="primFontSz" for="ch" ptType="node" op="equ" val="65"/>
+              </dgm:constrLst>
+            </dgm:if>
+            <dgm:if name="Name10" axis="ch" ptType="node" func="cnt" op="equ" val="6">
+              <dgm:constrLst>
+                <dgm:constr type="h" for="ch" forName="cycle" refType="h"/>
+                <dgm:constr type="w" for="ch" forName="cycle" refType="h" refFor="ch" refForName="cycle" fact="0.26"/>
+                <dgm:constr type="l" for="ch" forName="cycle"/>
+                <dgm:constr type="ctrY" for="ch" forName="cycle" refType="h" fact="0.5"/>
+                <dgm:constr type="diam" for="ch" forName="cycle" refType="h" fact="1.344"/>
+                <dgm:constr type="h" for="ch" forName="accent_1" refType="h" fact="0.1316"/>
+                <dgm:constr type="w" for="ch" forName="accent_1" refType="h" refFor="ch" refForName="accent_1" op="equ"/>
+                <dgm:constr type="ctrY" for="ch" forName="accent_1" refType="h" fact="0.1053"/>
+                <dgm:constr type="ctrX" for="ch" forName="accent_1" refType="h" fact="0.0943"/>
+                <dgm:constr type="l" for="ch" forName="text_1" refType="ctrX" refFor="ch" refForName="accent_1"/>
+                <dgm:constr type="r" for="ch" forName="text_1" refType="w"/>
+                <dgm:constr type="w" for="ch" forName="text_1" refType="h" refFor="ch" refForName="text_1" op="gte"/>
+                <dgm:constr type="h" for="ch" forName="text_1" refType="h" refFor="ch" refForName="accent_1" fact="0.8"/>
+                <dgm:constr type="ctrY" for="ch" forName="text_1" refType="ctrY" refFor="ch" refForName="accent_1"/>
+                <dgm:constr type="lMarg" for="ch" forName="text_1" refType="w" refFor="ch" refForName="accent_1" fact="1.8"/>
+                <dgm:constr type="h" for="ch" forName="accent_2" refType="h" fact="0.1316"/>
+                <dgm:constr type="w" for="ch" forName="accent_2" refType="h" refFor="ch" refForName="accent_2" op="equ"/>
+                <dgm:constr type="ctrY" for="ch" forName="accent_2" refType="h" fact="0.2632"/>
+                <dgm:constr type="ctrX" for="ch" forName="accent_2" refType="h" fact="0.1809"/>
+                <dgm:constr type="l" for="ch" forName="text_2" refType="ctrX" refFor="ch" refForName="accent_2"/>
+                <dgm:constr type="r" for="ch" forName="text_2" refType="w"/>
+                <dgm:constr type="w" for="ch" forName="text_2" refType="h" refFor="ch" refForName="text_2" op="gte"/>
+                <dgm:constr type="h" for="ch" forName="text_2" refType="h" refFor="ch" refForName="accent_2" fact="0.8"/>
+                <dgm:constr type="ctrY" for="ch" forName="text_2" refType="ctrY" refFor="ch" refForName="accent_2"/>
+                <dgm:constr type="lMarg" for="ch" forName="text_2" refType="w" refFor="ch" refForName="accent_2" fact="1.8"/>
+                <dgm:constr type="h" for="ch" forName="accent_3" refType="h" fact="0.1316"/>
+                <dgm:constr type="w" for="ch" forName="accent_3" refType="h" refFor="ch" refForName="accent_3" op="equ"/>
+                <dgm:constr type="ctrY" for="ch" forName="accent_3" refType="h" fact="0.4211"/>
+                <dgm:constr type="ctrX" for="ch" forName="accent_3" refType="h" fact="0.2205"/>
+                <dgm:constr type="l" for="ch" forName="text_3" refType="ctrX" refFor="ch" refForName="accent_3"/>
+                <dgm:constr type="r" for="ch" forName="text_3" refType="w"/>
+                <dgm:constr type="w" for="ch" forName="text_3" refType="h" refFor="ch" refForName="text_3" op="gte"/>
+                <dgm:constr type="h" for="ch" forName="text_3" refType="h" refFor="ch" refForName="accent_3" fact="0.8"/>
+                <dgm:constr type="ctrY" for="ch" forName="text_3" refType="ctrY" refFor="ch" refForName="accent_3"/>
+                <dgm:constr type="lMarg" for="ch" forName="text_3" refType="w" refFor="ch" refForName="accent_3" fact="1.8"/>
+                <dgm:constr type="h" for="ch" forName="accent_4" refType="h" fact="0.1316"/>
+                <dgm:constr type="w" for="ch" forName="accent_4" refType="h" refFor="ch" refForName="accent_4" op="equ"/>
+                <dgm:constr type="ctrY" for="ch" forName="accent_4" refType="h" fact="0.5789"/>
+                <dgm:constr type="ctrX" for="ch" forName="accent_4" refType="h" fact="0.2205"/>
+                <dgm:constr type="l" for="ch" forName="text_4" refType="ctrX" refFor="ch" refForName="accent_4"/>
+                <dgm:constr type="r" for="ch" forName="text_4" refType="w"/>
+                <dgm:constr type="w" for="ch" forName="text_4" refType="h" refFor="ch" refForName="text_4" op="gte"/>
+                <dgm:constr type="h" for="ch" forName="text_4" refType="h" refFor="ch" refForName="accent_4" fact="0.8"/>
+                <dgm:constr type="ctrY" for="ch" forName="text_4" refType="ctrY" refFor="ch" refForName="accent_4"/>
+                <dgm:constr type="lMarg" for="ch" forName="text_4" refType="w" refFor="ch" refForName="accent_4" fact="1.8"/>
+                <dgm:constr type="h" for="ch" forName="accent_5" refType="h" fact="0.1316"/>
+                <dgm:constr type="w" for="ch" forName="accent_5" refType="h" refFor="ch" refForName="accent_5" op="equ"/>
+                <dgm:constr type="ctrY" for="ch" forName="accent_5" refType="h" fact="0.7368"/>
+                <dgm:constr type="ctrX" for="ch" forName="accent_5" refType="h" fact="0.1809"/>
+                <dgm:constr type="l" for="ch" forName="text_5" refType="ctrX" refFor="ch" refForName="accent_5"/>
+                <dgm:constr type="r" for="ch" forName="text_5" refType="w"/>
+                <dgm:constr type="w" for="ch" forName="text_5" refType="h" refFor="ch" refForName="text_5" op="gte"/>
+                <dgm:constr type="h" for="ch" forName="text_5" refType="h" refFor="ch" refForName="accent_5" fact="0.8"/>
+                <dgm:constr type="ctrY" for="ch" forName="text_5" refType="ctrY" refFor="ch" refForName="accent_5"/>
+                <dgm:constr type="lMarg" for="ch" forName="text_5" refType="w" refFor="ch" refForName="accent_5" fact="1.8"/>
+                <dgm:constr type="h" for="ch" forName="accent_6" refType="h" fact="0.1316"/>
+                <dgm:constr type="w" for="ch" forName="accent_6" refType="h" refFor="ch" refForName="accent_6" op="equ"/>
+                <dgm:constr type="ctrY" for="ch" forName="accent_6" refType="h" fact="0.8947"/>
+                <dgm:constr type="ctrX" for="ch" forName="accent_6" refType="h" fact="0.0943"/>
+                <dgm:constr type="l" for="ch" forName="text_6" refType="ctrX" refFor="ch" refForName="accent_6"/>
+                <dgm:constr type="r" for="ch" forName="text_6" refType="w"/>
+                <dgm:constr type="w" for="ch" forName="text_6" refType="h" refFor="ch" refForName="text_6" op="gte"/>
+                <dgm:constr type="h" for="ch" forName="text_6" refType="h" refFor="ch" refForName="accent_6" fact="0.8"/>
+                <dgm:constr type="ctrY" for="ch" forName="text_6" refType="ctrY" refFor="ch" refForName="accent_6"/>
+                <dgm:constr type="lMarg" for="ch" forName="text_6" refType="w" refFor="ch" refForName="accent_6" fact="1.8"/>
+                <dgm:constr type="primFontSz" for="ch" ptType="node" op="equ" val="65"/>
+              </dgm:constrLst>
+            </dgm:if>
+            <dgm:else name="Name11">
+              <dgm:constrLst>
+                <dgm:constr type="h" for="ch" forName="cycle" refType="h"/>
+                <dgm:constr type="w" for="ch" forName="cycle" refType="h" refFor="ch" refForName="cycle" fact="0.26"/>
+                <dgm:constr type="l" for="ch" forName="cycle"/>
+                <dgm:constr type="ctrY" for="ch" forName="cycle" refType="h" fact="0.5"/>
+                <dgm:constr type="diam" for="ch" forName="cycle" refType="h" fact="1.344"/>
+                <dgm:constr type="h" for="ch" forName="accent_1" refType="h" fact="0.1136"/>
+                <dgm:constr type="w" for="ch" forName="accent_1" refType="h" refFor="ch" refForName="accent_1" op="equ"/>
+                <dgm:constr type="ctrY" for="ch" forName="accent_1" refType="h" fact="0.0909"/>
+                <dgm:constr type="ctrX" for="ch" forName="accent_1" refType="h" fact="0.0835"/>
+                <dgm:constr type="l" for="ch" forName="text_1" refType="ctrX" refFor="ch" refForName="accent_1"/>
+                <dgm:constr type="r" for="ch" forName="text_1" refType="w"/>
+                <dgm:constr type="w" for="ch" forName="text_1" refType="h" refFor="ch" refForName="text_1" op="gte"/>
+                <dgm:constr type="h" for="ch" forName="text_1" refType="h" refFor="ch" refForName="accent_1" fact="0.8"/>
+                <dgm:constr type="ctrY" for="ch" forName="text_1" refType="ctrY" refFor="ch" refForName="accent_1"/>
+                <dgm:constr type="lMarg" for="ch" forName="text_1" refType="w" refFor="ch" refForName="accent_1" fact="1.8"/>
+                <dgm:constr type="h" for="ch" forName="accent_2" refType="h" fact="0.1136"/>
+                <dgm:constr type="w" for="ch" forName="accent_2" refType="h" refFor="ch" refForName="accent_2" op="equ"/>
+                <dgm:constr type="ctrY" for="ch" forName="accent_2" refType="h" fact="0.2273"/>
+                <dgm:constr type="ctrX" for="ch" forName="accent_2" refType="h" fact="0.1658"/>
+                <dgm:constr type="l" for="ch" forName="text_2" refType="ctrX" refFor="ch" refForName="accent_2"/>
+                <dgm:constr type="r" for="ch" forName="text_2" refType="w"/>
+                <dgm:constr type="w" for="ch" forName="text_2" refType="h" refFor="ch" refForName="text_2" op="gte"/>
+                <dgm:constr type="h" for="ch" forName="text_2" refType="h" refFor="ch" refForName="accent_2" fact="0.8"/>
+                <dgm:constr type="ctrY" for="ch" forName="text_2" refType="ctrY" refFor="ch" refForName="accent_2"/>
+                <dgm:constr type="lMarg" for="ch" forName="text_2" refType="w" refFor="ch" refForName="accent_2" fact="1.8"/>
+                <dgm:constr type="h" for="ch" forName="accent_3" refType="h" fact="0.1136"/>
+                <dgm:constr type="w" for="ch" forName="accent_3" refType="h" refFor="ch" refForName="accent_3" op="equ"/>
+                <dgm:constr type="ctrY" for="ch" forName="accent_3" refType="h" fact="0.3636"/>
+                <dgm:constr type="ctrX" for="ch" forName="accent_3" refType="h" fact="0.2109"/>
+                <dgm:constr type="l" for="ch" forName="text_3" refType="ctrX" refFor="ch" refForName="accent_3"/>
+                <dgm:constr type="r" for="ch" forName="text_3" refType="w"/>
+                <dgm:constr type="w" for="ch" forName="text_3" refType="h" refFor="ch" refForName="text_3" op="gte"/>
+                <dgm:constr type="h" for="ch" forName="text_3" refType="h" refFor="ch" refForName="accent_3" fact="0.8"/>
+                <dgm:constr type="ctrY" for="ch" forName="text_3" refType="ctrY" refFor="ch" refForName="accent_3"/>
+                <dgm:constr type="lMarg" for="ch" forName="text_3" refType="w" refFor="ch" refForName="accent_3" fact="1.8"/>
+                <dgm:constr type="h" for="ch" forName="accent_4" refType="h" fact="0.1136"/>
+                <dgm:constr type="w" for="ch" forName="accent_4" refType="h" refFor="ch" refForName="accent_4" op="equ"/>
+                <dgm:constr type="ctrY" for="ch" forName="accent_4" refType="h" fact="0.5"/>
+                <dgm:constr type="ctrX" for="ch" forName="accent_4" refType="h" fact="0.2253"/>
+                <dgm:constr type="l" for="ch" forName="text_4" refType="ctrX" refFor="ch" refForName="accent_4"/>
+                <dgm:constr type="r" for="ch" forName="text_4" refType="w"/>
+                <dgm:constr type="w" for="ch" forName="text_4" refType="h" refFor="ch" refForName="text_4" op="gte"/>
+                <dgm:constr type="h" for="ch" forName="text_4" refType="h" refFor="ch" refForName="accent_4" fact="0.8"/>
+                <dgm:constr type="ctrY" for="ch" forName="text_4" refType="ctrY" refFor="ch" refForName="accent_4"/>
+                <dgm:constr type="lMarg" for="ch" forName="text_4" refType="w" refFor="ch" refForName="accent_4" fact="1.8"/>
+                <dgm:constr type="h" for="ch" forName="accent_5" refType="h" fact="0.1136"/>
+                <dgm:constr type="w" for="ch" forName="accent_5" refType="h" refFor="ch" refForName="accent_5" op="equ"/>
+                <dgm:constr type="ctrY" for="ch" forName="accent_5" refType="h" fact="0.6364"/>
+                <dgm:constr type="ctrX" for="ch" forName="accent_5" refType="h" fact="0.2109"/>
+                <dgm:constr type="l" for="ch" forName="text_5" refType="ctrX" refFor="ch" refForName="accent_5"/>
+                <dgm:constr type="r" for="ch" forName="text_5" refType="w"/>
+                <dgm:constr type="w" for="ch" forName="text_5" refType="h" refFor="ch" refForName="text_5" op="gte"/>
+                <dgm:constr type="h" for="ch" forName="text_5" refType="h" refFor="ch" refForName="accent_5" fact="0.8"/>
+                <dgm:constr type="ctrY" for="ch" forName="text_5" refType="ctrY" refFor="ch" refForName="accent_5"/>
+                <dgm:constr type="lMarg" for="ch" forName="text_5" refType="w" refFor="ch" refForName="accent_5" fact="1.8"/>
+                <dgm:constr type="h" for="ch" forName="accent_6" refType="h" fact="0.1136"/>
+                <dgm:constr type="w" for="ch" forName="accent_6" refType="h" refFor="ch" refForName="accent_6" op="equ"/>
+                <dgm:constr type="ctrY" for="ch" forName="accent_6" refType="h" fact="0.7727"/>
+                <dgm:constr type="ctrX" for="ch" forName="accent_6" refType="h" fact="0.1658"/>
+                <dgm:constr type="l" for="ch" forName="text_6" refType="ctrX" refFor="ch" refForName="accent_6"/>
+                <dgm:constr type="r" for="ch" forName="text_6" refType="w"/>
+                <dgm:constr type="w" for="ch" forName="text_6" refType="h" refFor="ch" refForName="text_6" op="gte"/>
+                <dgm:constr type="h" for="ch" forName="text_6" refType="h" refFor="ch" refForName="accent_6" fact="0.8"/>
+                <dgm:constr type="ctrY" for="ch" forName="text_6" refType="ctrY" refFor="ch" refForName="accent_6"/>
+                <dgm:constr type="lMarg" for="ch" forName="text_6" refType="w" refFor="ch" refForName="accent_6" fact="1.8"/>
+                <dgm:constr type="h" for="ch" forName="accent_7" refType="h" fact="0.1136"/>
+                <dgm:constr type="w" for="ch" forName="accent_7" refType="h" refFor="ch" refForName="accent_7" op="equ"/>
+                <dgm:constr type="ctrY" for="ch" forName="accent_7" refType="h" fact="0.9091"/>
+                <dgm:constr type="ctrX" for="ch" forName="accent_7" refType="h" fact="0.0835"/>
+                <dgm:constr type="l" for="ch" forName="text_7" refType="ctrX" refFor="ch" refForName="accent_7"/>
+                <dgm:constr type="r" for="ch" forName="text_7" refType="w"/>
+                <dgm:constr type="w" for="ch" forName="text_7" refType="h" refFor="ch" refForName="text_7" op="gte"/>
+                <dgm:constr type="h" for="ch" forName="text_7" refType="h" refFor="ch" refForName="accent_7" fact="0.8"/>
+                <dgm:constr type="ctrY" for="ch" forName="text_7" refType="ctrY" refFor="ch" refForName="accent_7"/>
+                <dgm:constr type="lMarg" for="ch" forName="text_7" refType="w" refFor="ch" refForName="accent_7" fact="1.8"/>
+                <dgm:constr type="primFontSz" for="ch" ptType="node" op="equ" val="65"/>
+              </dgm:constrLst>
+            </dgm:else>
+          </dgm:choose>
+        </dgm:if>
+        <dgm:else name="Name12">
+          <dgm:choose name="Name13">
+            <dgm:if name="Name14" axis="ch" ptType="node" func="cnt" op="equ" val="1">
+              <dgm:constrLst>
+                <dgm:constr type="h" for="ch" forName="cycle" refType="h"/>
+                <dgm:constr type="w" for="ch" forName="cycle" refType="h" refFor="ch" refForName="cycle" fact="0.26"/>
+                <dgm:constr type="r" for="ch" forName="cycle" refType="w"/>
+                <dgm:constr type="ctrY" for="ch" forName="cycle" refType="h" fact="0.5"/>
+                <dgm:constr type="diam" for="ch" forName="cycle" refType="h" fact="1.344"/>
+                <dgm:constr type="h" for="ch" forName="accent_1" refType="h" fact="0.625"/>
+                <dgm:constr type="w" for="ch" forName="accent_1" refType="h" refFor="ch" refForName="accent_1" op="equ"/>
+                <dgm:constr type="ctrY" for="ch" forName="accent_1" refType="h" fact="0.5"/>
+                <dgm:constr type="ctrX" for="ch" forName="accent_1" refType="w"/>
+                <dgm:constr type="ctrXOff" for="ch" forName="accent_1" refType="h" fact="-0.2253"/>
+                <dgm:constr type="r" for="ch" forName="text_1" refType="ctrX" refFor="ch" refForName="accent_1"/>
+                <dgm:constr type="rOff" for="ch" forName="text_1" refType="ctrXOff" refFor="ch" refForName="accent_1"/>
+                <dgm:constr type="l" for="ch" forName="text_1"/>
+                <dgm:constr type="w" for="ch" forName="text_1" refType="h" refFor="ch" refForName="text_1" op="gte"/>
+                <dgm:constr type="h" for="ch" forName="text_1" refType="h" refFor="ch" refForName="accent_1" fact="0.8"/>
+                <dgm:constr type="ctrY" for="ch" forName="text_1" refType="ctrY" refFor="ch" refForName="accent_1"/>
+                <dgm:constr type="rMarg" for="ch" forName="text_1" refType="w" refFor="ch" refForName="accent_1" fact="1.8"/>
+                <dgm:constr type="primFontSz" for="ch" ptType="node" op="equ" val="65"/>
+              </dgm:constrLst>
+            </dgm:if>
+            <dgm:if name="Name15" axis="ch" ptType="node" func="cnt" op="equ" val="2">
+              <dgm:constrLst>
+                <dgm:constr type="h" for="ch" forName="cycle" refType="h"/>
+                <dgm:constr type="w" for="ch" forName="cycle" refType="h" refFor="ch" refForName="cycle" fact="0.26"/>
+                <dgm:constr type="r" for="ch" forName="cycle" refType="w"/>
+                <dgm:constr type="ctrY" for="ch" forName="cycle" refType="h" fact="0.5"/>
+                <dgm:constr type="diam" for="ch" forName="cycle" refType="h" fact="1.344"/>
+                <dgm:constr type="h" for="ch" forName="accent_1" refType="h" fact="0.3571"/>
+                <dgm:constr type="w" for="ch" forName="accent_1" refType="h" refFor="ch" refForName="accent_1" op="equ"/>
+                <dgm:constr type="ctrY" for="ch" forName="accent_1" refType="h" fact="0.2857"/>
+                <dgm:constr type="ctrX" for="ch" forName="accent_1" refType="w"/>
+                <dgm:constr type="ctrXOff" for="ch" forName="accent_1" refType="h" fact="-0.1891"/>
+                <dgm:constr type="r" for="ch" forName="text_1" refType="ctrX" refFor="ch" refForName="accent_1"/>
+                <dgm:constr type="rOff" for="ch" forName="text_1" refType="ctrXOff" refFor="ch" refForName="accent_1"/>
+                <dgm:constr type="l" for="ch" forName="text_1"/>
+                <dgm:constr type="w" for="ch" forName="text_1" refType="h" refFor="ch" refForName="text_1" op="gte"/>
+                <dgm:constr type="h" for="ch" forName="text_1" refType="h" refFor="ch" refForName="accent_1" fact="0.8"/>
+                <dgm:constr type="ctrY" for="ch" forName="text_1" refType="ctrY" refFor="ch" refForName="accent_1"/>
+                <dgm:constr type="rMarg" for="ch" forName="text_1" refType="w" refFor="ch" refForName="accent_1" fact="1.8"/>
+                <dgm:constr type="h" for="ch" forName="accent_2" refType="h" fact="0.3571"/>
+                <dgm:constr type="w" for="ch" forName="accent_2" refType="h" refFor="ch" refForName="accent_2" op="equ"/>
+                <dgm:constr type="ctrY" for="ch" forName="accent_2" refType="h" fact="0.7143"/>
+                <dgm:constr type="ctrX" for="ch" forName="accent_2" refType="w"/>
+                <dgm:constr type="ctrXOff" for="ch" forName="accent_2" refType="h" fact="-0.1891"/>
+                <dgm:constr type="r" for="ch" forName="text_2" refType="ctrX" refFor="ch" refForName="accent_2"/>
+                <dgm:constr type="rOff" for="ch" forName="text_2" refType="ctrXOff" refFor="ch" refForName="accent_2"/>
+                <dgm:constr type="l" for="ch" forName="text_2"/>
+                <dgm:constr type="w" for="ch" forName="text_2" refType="h" refFor="ch" refForName="text_2" op="gte"/>
+                <dgm:constr type="h" for="ch" forName="text_2" refType="h" refFor="ch" refForName="accent_2" fact="0.8"/>
+                <dgm:constr type="ctrY" for="ch" forName="text_2" refType="ctrY" refFor="ch" refForName="accent_2"/>
+                <dgm:constr type="rMarg" for="ch" forName="text_2" refType="w" refFor="ch" refForName="accent_2" fact="1.8"/>
+                <dgm:constr type="primFontSz" for="ch" ptType="node" op="equ" val="65"/>
+              </dgm:constrLst>
+            </dgm:if>
+            <dgm:if name="Name16" axis="ch" ptType="node" func="cnt" op="equ" val="3">
+              <dgm:constrLst>
+                <dgm:constr type="h" for="ch" forName="cycle" refType="h"/>
+                <dgm:constr type="w" for="ch" forName="cycle" refType="h" refFor="ch" refForName="cycle" fact="0.26"/>
+                <dgm:constr type="r" for="ch" forName="cycle" refType="w"/>
+                <dgm:constr type="ctrY" for="ch" forName="cycle" refType="h" fact="0.5"/>
+                <dgm:constr type="diam" for="ch" forName="cycle" refType="h" fact="1.344"/>
+                <dgm:constr type="h" for="ch" forName="accent_1" refType="h" fact="0.25"/>
+                <dgm:constr type="w" for="ch" forName="accent_1" refType="h" refFor="ch" refForName="accent_1" op="equ"/>
+                <dgm:constr type="ctrY" for="ch" forName="accent_1" refType="h" fact="0.2"/>
+                <dgm:constr type="ctrX" for="ch" forName="accent_1" refType="w"/>
+                <dgm:constr type="ctrXOff" for="ch" forName="accent_1" refType="h" fact="-0.1526"/>
+                <dgm:constr type="r" for="ch" forName="text_1" refType="ctrX" refFor="ch" refForName="accent_1"/>
+                <dgm:constr type="rOff" for="ch" forName="text_1" refType="ctrXOff" refFor="ch" refForName="accent_1"/>
+                <dgm:constr type="l" for="ch" forName="text_1"/>
+                <dgm:constr type="w" for="ch" forName="text_1" refType="h" refFor="ch" refForName="text_1" op="gte"/>
+                <dgm:constr type="h" for="ch" forName="text_1" refType="h" refFor="ch" refForName="accent_1" fact="0.8"/>
+                <dgm:constr type="ctrY" for="ch" forName="text_1" refType="ctrY" refFor="ch" refForName="accent_1"/>
+                <dgm:constr type="rMarg" for="ch" forName="text_1" refType="w" refFor="ch" refForName="accent_1" fact="1.8"/>
+                <dgm:constr type="h" for="ch" forName="accent_2" refType="h" fact="0.25"/>
+                <dgm:constr type="w" for="ch" forName="accent_2" refType="h" refFor="ch" refForName="accent_2" op="equ"/>
+                <dgm:constr type="ctrY" for="ch" forName="accent_2" refType="h" fact="0.5"/>
+                <dgm:constr type="ctrX" for="ch" forName="accent_2" refType="w"/>
+                <dgm:constr type="ctrXOff" for="ch" forName="accent_2" refType="h" fact="-0.2253"/>
+                <dgm:constr type="r" for="ch" forName="text_2" refType="ctrX" refFor="ch" refForName="accent_2"/>
+                <dgm:constr type="rOff" for="ch" forName="text_2" refType="ctrXOff" refFor="ch" refForName="accent_2"/>
+                <dgm:constr type="l" for="ch" forName="text_2"/>
+                <dgm:constr type="w" for="ch" forName="text_2" refType="h" refFor="ch" refForName="text_2" op="gte"/>
+                <dgm:constr type="h" for="ch" forName="text_2" refType="h" refFor="ch" refForName="accent_2" fact="0.8"/>
+                <dgm:constr type="ctrY" for="ch" forName="text_2" refType="ctrY" refFor="ch" refForName="accent_2"/>
+                <dgm:constr type="rMarg" for="ch" forName="text_2" refType="w" refFor="ch" refForName="accent_2" fact="1.8"/>
+                <dgm:constr type="h" for="ch" forName="accent_3" refType="h" fact="0.25"/>
+                <dgm:constr type="w" for="ch" forName="accent_3" refType="h" refFor="ch" refForName="accent_3" op="equ"/>
+                <dgm:constr type="ctrY" for="ch" forName="accent_3" refType="h" fact="0.8"/>
+                <dgm:constr type="ctrX" for="ch" forName="accent_3" refType="w"/>
+                <dgm:constr type="ctrXOff" for="ch" forName="accent_3" refType="h" fact="-0.1526"/>
+                <dgm:constr type="r" for="ch" forName="text_3" refType="ctrX" refFor="ch" refForName="accent_3"/>
+                <dgm:constr type="rOff" for="ch" forName="text_3" refType="ctrXOff" refFor="ch" refForName="accent_3"/>
+                <dgm:constr type="l" for="ch" forName="text_3"/>
+                <dgm:constr type="w" for="ch" forName="text_3" refType="h" refFor="ch" refForName="text_3" op="gte"/>
+                <dgm:constr type="h" for="ch" forName="text_3" refType="h" refFor="ch" refForName="accent_3" fact="0.8"/>
+                <dgm:constr type="ctrY" for="ch" forName="text_3" refType="ctrY" refFor="ch" refForName="accent_3"/>
+                <dgm:constr type="rMarg" for="ch" forName="text_3" refType="w" refFor="ch" refForName="accent_3" fact="1.8"/>
+                <dgm:constr type="primFontSz" for="ch" ptType="node" op="equ" val="65"/>
+              </dgm:constrLst>
+            </dgm:if>
+            <dgm:if name="Name17" axis="ch" ptType="node" func="cnt" op="equ" val="4">
+              <dgm:constrLst>
+                <dgm:constr type="h" for="ch" forName="cycle" refType="h"/>
+                <dgm:constr type="w" for="ch" forName="cycle" refType="h" refFor="ch" refForName="cycle" fact="0.26"/>
+                <dgm:constr type="r" for="ch" forName="cycle" refType="w"/>
+                <dgm:constr type="ctrY" for="ch" forName="cycle" refType="h" fact="0.5"/>
+                <dgm:constr type="diam" for="ch" forName="cycle" refType="h" fact="1.344"/>
+                <dgm:constr type="h" for="ch" forName="accent_1" refType="h" fact="0.1923"/>
+                <dgm:constr type="w" for="ch" forName="accent_1" refType="h" refFor="ch" refForName="accent_1" op="equ"/>
+                <dgm:constr type="ctrY" for="ch" forName="accent_1" refType="h" fact="0.1538"/>
+                <dgm:constr type="ctrX" for="ch" forName="accent_1" refType="w"/>
+                <dgm:constr type="ctrXOff" for="ch" forName="accent_1" refType="h" fact="-0.1268"/>
+                <dgm:constr type="r" for="ch" forName="text_1" refType="ctrX" refFor="ch" refForName="accent_1"/>
+                <dgm:constr type="rOff" for="ch" forName="text_1" refType="ctrXOff" refFor="ch" refForName="accent_1"/>
+                <dgm:constr type="l" for="ch" forName="text_1"/>
+                <dgm:constr type="w" for="ch" forName="text_1" refType="h" refFor="ch" refForName="text_1" op="gte"/>
+                <dgm:constr type="h" for="ch" forName="text_1" refType="h" refFor="ch" refForName="accent_1" fact="0.8"/>
+                <dgm:constr type="ctrY" for="ch" forName="text_1" refType="ctrY" refFor="ch" refForName="accent_1"/>
+                <dgm:constr type="rMarg" for="ch" forName="text_1" refType="w" refFor="ch" refForName="accent_1" fact="1.8"/>
+                <dgm:constr type="h" for="ch" forName="accent_2" refType="h" fact="0.1923"/>
+                <dgm:constr type="w" for="ch" forName="accent_2" refType="h" refFor="ch" refForName="accent_2" op="equ"/>
+                <dgm:constr type="ctrY" for="ch" forName="accent_2" refType="h" fact="0.3846"/>
+                <dgm:constr type="ctrX" for="ch" forName="accent_2" refType="w"/>
+                <dgm:constr type="ctrXOff" for="ch" forName="accent_2" refType="h" fact="-0.215"/>
+                <dgm:constr type="r" for="ch" forName="text_2" refType="ctrX" refFor="ch" refForName="accent_2"/>
+                <dgm:constr type="rOff" for="ch" forName="text_2" refType="ctrXOff" refFor="ch" refForName="accent_2"/>
+                <dgm:constr type="l" for="ch" forName="text_2"/>
+                <dgm:constr type="w" for="ch" forName="text_2" refType="h" refFor="ch" refForName="text_2" op="gte"/>
+                <dgm:constr type="h" for="ch" forName="text_2" refType="h" refFor="ch" refForName="accent_2" fact="0.8"/>
+                <dgm:constr type="ctrY" for="ch" forName="text_2" refType="ctrY" refFor="ch" refForName="accent_2"/>
+                <dgm:constr type="rMarg" for="ch" forName="text_2" refType="w" refFor="ch" refForName="accent_2" fact="1.8"/>
+                <dgm:constr type="h" for="ch" forName="accent_3" refType="h" fact="0.1923"/>
+                <dgm:constr type="w" for="ch" forName="accent_3" refType="h" refFor="ch" refForName="accent_3" op="equ"/>
+                <dgm:constr type="ctrY" for="ch" forName="accent_3" refType="h" fact="0.6154"/>
+                <dgm:constr type="ctrX" for="ch" forName="accent_3" refType="w"/>
+                <dgm:constr type="ctrXOff" for="ch" forName="accent_3" refType="h" fact="-0.215"/>
+                <dgm:constr type="r" for="ch" forName="text_3" refType="ctrX" refFor="ch" refForName="accent_3"/>
+                <dgm:constr type="rOff" for="ch" forName="text_3" refType="ctrXOff" refFor="ch" refForName="accent_3"/>
+                <dgm:constr type="l" for="ch" forName="text_3"/>
+                <dgm:constr type="w" for="ch" forName="text_3" refType="h" refFor="ch" refForName="text_3" op="gte"/>
+                <dgm:constr type="h" for="ch" forName="text_3" refType="h" refFor="ch" refForName="accent_3" fact="0.8"/>
+                <dgm:constr type="ctrY" for="ch" forName="text_3" refType="ctrY" refFor="ch" refForName="accent_3"/>
+                <dgm:constr type="rMarg" for="ch" forName="text_3" refType="w" refFor="ch" refForName="accent_3" fact="1.8"/>
+                <dgm:constr type="h" for="ch" forName="accent_4" refType="h" fact="0.1923"/>
+                <dgm:constr type="w" for="ch" forName="accent_4" refType="h" refFor="ch" refForName="accent_4" op="equ"/>
+                <dgm:constr type="ctrY" for="ch" forName="accent_4" refType="h" fact="0.8462"/>
+                <dgm:constr type="ctrX" for="ch" forName="accent_4" refType="w"/>
+                <dgm:constr type="ctrXOff" for="ch" forName="accent_4" refType="h" fact="-0.1268"/>
+                <dgm:constr type="r" for="ch" forName="text_4" refType="ctrX" refFor="ch" refForName="accent_4"/>
+                <dgm:constr type="rOff" for="ch" forName="text_4" refType="ctrXOff" refFor="ch" refForName="accent_4"/>
+                <dgm:constr type="l" for="ch" forName="text_4"/>
+                <dgm:constr type="w" for="ch" forName="text_4" refType="h" refFor="ch" refForName="text_4" op="gte"/>
+                <dgm:constr type="h" for="ch" forName="text_4" refType="h" refFor="ch" refForName="accent_4" fact="0.8"/>
+                <dgm:constr type="ctrY" for="ch" forName="text_4" refType="ctrY" refFor="ch" refForName="accent_4"/>
+                <dgm:constr type="rMarg" for="ch" forName="text_4" refType="w" refFor="ch" refForName="accent_4" fact="1.8"/>
+                <dgm:constr type="primFontSz" for="ch" ptType="node" op="equ" val="65"/>
+              </dgm:constrLst>
+            </dgm:if>
+            <dgm:if name="Name18" axis="ch" ptType="node" func="cnt" op="equ" val="5">
+              <dgm:constrLst>
+                <dgm:constr type="h" for="ch" forName="cycle" refType="h"/>
+                <dgm:constr type="w" for="ch" forName="cycle" refType="h" refFor="ch" refForName="cycle" fact="0.26"/>
+                <dgm:constr type="r" for="ch" forName="cycle" refType="w"/>
+                <dgm:constr type="ctrY" for="ch" forName="cycle" refType="h" fact="0.5"/>
+                <dgm:constr type="diam" for="ch" forName="cycle" refType="h" fact="1.344"/>
+                <dgm:constr type="h" for="ch" forName="accent_1" refType="h" fact="0.1563"/>
+                <dgm:constr type="w" for="ch" forName="accent_1" refType="h" refFor="ch" refForName="accent_1" op="equ"/>
+                <dgm:constr type="ctrY" for="ch" forName="accent_1" refType="h" fact="0.125"/>
+                <dgm:constr type="ctrX" for="ch" forName="accent_1" refType="w"/>
+                <dgm:constr type="ctrXOff" for="ch" forName="accent_1" refType="h" fact="-0.1082"/>
+                <dgm:constr type="r" for="ch" forName="text_1" refType="ctrX" refFor="ch" refForName="accent_1"/>
+                <dgm:constr type="rOff" for="ch" forName="text_1" refType="ctrXOff" refFor="ch" refForName="accent_1"/>
+                <dgm:constr type="l" for="ch" forName="text_1"/>
+                <dgm:constr type="w" for="ch" forName="text_1" refType="h" refFor="ch" refForName="text_1" op="gte"/>
+                <dgm:constr type="h" for="ch" forName="text_1" refType="h" refFor="ch" refForName="accent_1" fact="0.8"/>
+                <dgm:constr type="ctrY" for="ch" forName="text_1" refType="ctrY" refFor="ch" refForName="accent_1"/>
+                <dgm:constr type="rMarg" for="ch" forName="text_1" refType="w" refFor="ch" refForName="accent_1" fact="1.8"/>
+                <dgm:constr type="h" for="ch" forName="accent_2" refType="h" fact="0.1563"/>
+                <dgm:constr type="w" for="ch" forName="accent_2" refType="h" refFor="ch" refForName="accent_2" op="equ"/>
+                <dgm:constr type="ctrY" for="ch" forName="accent_2" refType="h" fact="0.3125"/>
+                <dgm:constr type="ctrX" for="ch" forName="accent_2" refType="w"/>
+                <dgm:constr type="ctrXOff" for="ch" forName="accent_2" refType="h" fact="-0.1978"/>
+                <dgm:constr type="r" for="ch" forName="text_2" refType="ctrX" refFor="ch" refForName="accent_2"/>
+                <dgm:constr type="rOff" for="ch" forName="text_2" refType="ctrXOff" refFor="ch" refForName="accent_2"/>
+                <dgm:constr type="l" for="ch" forName="text_2"/>
+                <dgm:constr type="w" for="ch" forName="text_2" refType="h" refFor="ch" refForName="text_2" op="gte"/>
+                <dgm:constr type="h" for="ch" forName="text_2" refType="h" refFor="ch" refForName="accent_2" fact="0.8"/>
+                <dgm:constr type="ctrY" for="ch" forName="text_2" refType="ctrY" refFor="ch" refForName="accent_2"/>
+                <dgm:constr type="rMarg" for="ch" forName="text_2" refType="w" refFor="ch" refForName="accent_2" fact="1.8"/>
+                <dgm:constr type="h" for="ch" forName="accent_3" refType="h" fact="0.1563"/>
+                <dgm:constr type="w" for="ch" forName="accent_3" refType="h" refFor="ch" refForName="accent_3" op="equ"/>
+                <dgm:constr type="ctrY" for="ch" forName="accent_3" refType="h" fact="0.5"/>
+                <dgm:constr type="ctrX" for="ch" forName="accent_3" refType="w"/>
+                <dgm:constr type="ctrXOff" for="ch" forName="accent_3" refType="h" fact="-0.2253"/>
+                <dgm:constr type="r" for="ch" forName="text_3" refType="ctrX" refFor="ch" refForName="accent_3"/>
+                <dgm:constr type="rOff" for="ch" forName="text_3" refType="ctrXOff" refFor="ch" refForName="accent_3"/>
+                <dgm:constr type="l" for="ch" forName="text_3"/>
+                <dgm:constr type="w" for="ch" forName="text_3" refType="h" refFor="ch" refForName="text_3" op="gte"/>
+                <dgm:constr type="h" for="ch" forName="text_3" refType="h" refFor="ch" refForName="accent_3" fact="0.8"/>
+                <dgm:constr type="ctrY" for="ch" forName="text_3" refType="ctrY" refFor="ch" refForName="accent_3"/>
+                <dgm:constr type="rMarg" for="ch" forName="text_3" refType="w" refFor="ch" refForName="accent_3" fact="1.8"/>
+                <dgm:constr type="h" for="ch" forName="accent_4" refType="h" fact="0.1563"/>
+                <dgm:constr type="w" for="ch" forName="accent_4" refType="h" refFor="ch" refForName="accent_4" op="equ"/>
+                <dgm:constr type="ctrY" for="ch" forName="accent_4" refType="h" fact="0.6875"/>
+                <dgm:constr type="ctrX" for="ch" forName="accent_4" refType="w"/>
+                <dgm:constr type="ctrXOff" for="ch" forName="accent_4" refType="h" fact="-0.1978"/>
+                <dgm:constr type="r" for="ch" forName="text_4" refType="ctrX" refFor="ch" refForName="accent_4"/>
+                <dgm:constr type="rOff" for="ch" forName="text_4" refType="ctrXOff" refFor="ch" refForName="accent_4"/>
+                <dgm:constr type="l" for="ch" forName="text_4"/>
+                <dgm:constr type="w" for="ch" forName="text_4" refType="h" refFor="ch" refForName="text_4" op="gte"/>
+                <dgm:constr type="h" for="ch" forName="text_4" refType="h" refFor="ch" refForName="accent_4" fact="0.8"/>
+                <dgm:constr type="ctrY" for="ch" forName="text_4" refType="ctrY" refFor="ch" refForName="accent_4"/>
+                <dgm:constr type="rMarg" for="ch" forName="text_4" refType="w" refFor="ch" refForName="accent_4" fact="1.8"/>
+                <dgm:constr type="h" for="ch" forName="accent_5" refType="h" fact="0.1563"/>
+                <dgm:constr type="w" for="ch" forName="accent_5" refType="h" refFor="ch" refForName="accent_5" op="equ"/>
+                <dgm:constr type="ctrY" for="ch" forName="accent_5" refType="h" fact="0.875"/>
+                <dgm:constr type="ctrX" for="ch" forName="accent_5" refType="w"/>
+                <dgm:constr type="ctrXOff" for="ch" forName="accent_5" refType="h" fact="-0.1082"/>
+                <dgm:constr type="r" for="ch" forName="text_5" refType="ctrX" refFor="ch" refForName="accent_5"/>
+                <dgm:constr type="rOff" for="ch" forName="text_5" refType="ctrXOff" refFor="ch" refForName="accent_5"/>
+                <dgm:constr type="l" for="ch" forName="text_5"/>
+                <dgm:constr type="w" for="ch" forName="text_5" refType="h" refFor="ch" refForName="text_5" op="gte"/>
+                <dgm:constr type="h" for="ch" forName="text_5" refType="h" refFor="ch" refForName="accent_5" fact="0.8"/>
+                <dgm:constr type="ctrY" for="ch" forName="text_5" refType="ctrY" refFor="ch" refForName="accent_5"/>
+                <dgm:constr type="rMarg" for="ch" forName="text_5" refType="w" refFor="ch" refForName="accent_5" fact="1.8"/>
+                <dgm:constr type="primFontSz" for="ch" ptType="node" op="equ" val="65"/>
+              </dgm:constrLst>
+            </dgm:if>
+            <dgm:if name="Name19" axis="ch" ptType="node" func="cnt" op="equ" val="6">
+              <dgm:constrLst>
+                <dgm:constr type="h" for="ch" forName="cycle" refType="h"/>
+                <dgm:constr type="w" for="ch" forName="cycle" refType="h" refFor="ch" refForName="cycle" fact="0.26"/>
+                <dgm:constr type="r" for="ch" forName="cycle" refType="w"/>
+                <dgm:constr type="ctrY" for="ch" forName="cycle" refType="h" fact="0.5"/>
+                <dgm:constr type="diam" for="ch" forName="cycle" refType="h" fact="1.344"/>
+                <dgm:constr type="h" for="ch" forName="accent_1" refType="h" fact="0.1316"/>
+                <dgm:constr type="w" for="ch" forName="accent_1" refType="h" refFor="ch" refForName="accent_1" op="equ"/>
+                <dgm:constr type="ctrY" for="ch" forName="accent_1" refType="h" fact="0.1053"/>
+                <dgm:constr type="ctrX" for="ch" forName="accent_1" refType="w"/>
+                <dgm:constr type="ctrXOff" for="ch" forName="accent_1" refType="h" fact="-0.0943"/>
+                <dgm:constr type="r" for="ch" forName="text_1" refType="ctrX" refFor="ch" refForName="accent_1"/>
+                <dgm:constr type="rOff" for="ch" forName="text_1" refType="ctrXOff" refFor="ch" refForName="accent_1"/>
+                <dgm:constr type="l" for="ch" forName="text_1"/>
+                <dgm:constr type="w" for="ch" forName="text_1" refType="h" refFor="ch" refForName="text_1" op="gte"/>
+                <dgm:constr type="h" for="ch" forName="text_1" refType="h" refFor="ch" refForName="accent_1" fact="0.8"/>
+                <dgm:constr type="ctrY" for="ch" forName="text_1" refType="ctrY" refFor="ch" refForName="accent_1"/>
+                <dgm:constr type="rMarg" for="ch" forName="text_1" refType="w" refFor="ch" refForName="accent_1" fact="1.8"/>
+                <dgm:constr type="h" for="ch" forName="accent_2" refType="h" fact="0.1316"/>
+                <dgm:constr type="w" for="ch" forName="accent_2" refType="h" refFor="ch" refForName="accent_2" op="equ"/>
+                <dgm:constr type="ctrY" for="ch" forName="accent_2" refType="h" fact="0.2632"/>
+                <dgm:constr type="ctrX" for="ch" forName="accent_2" refType="w"/>
+                <dgm:constr type="ctrXOff" for="ch" forName="accent_2" refType="h" fact="-0.1809"/>
+                <dgm:constr type="r" for="ch" forName="text_2" refType="ctrX" refFor="ch" refForName="accent_2"/>
+                <dgm:constr type="rOff" for="ch" forName="text_2" refType="ctrXOff" refFor="ch" refForName="accent_2"/>
+                <dgm:constr type="l" for="ch" forName="text_2"/>
+                <dgm:constr type="w" for="ch" forName="text_2" refType="h" refFor="ch" refForName="text_2" op="gte"/>
+                <dgm:constr type="h" for="ch" forName="text_2" refType="h" refFor="ch" refForName="accent_2" fact="0.8"/>
+                <dgm:constr type="ctrY" for="ch" forName="text_2" refType="ctrY" refFor="ch" refForName="accent_2"/>
+                <dgm:constr type="rMarg" for="ch" forName="text_2" refType="w" refFor="ch" refForName="accent_2" fact="1.8"/>
+                <dgm:constr type="h" for="ch" forName="accent_3" refType="h" fact="0.1316"/>
+                <dgm:constr type="w" for="ch" forName="accent_3" refType="h" refFor="ch" refForName="accent_3" op="equ"/>
+                <dgm:constr type="ctrY" for="ch" forName="accent_3" refType="h" fact="0.4211"/>
+                <dgm:constr type="ctrX" for="ch" forName="accent_3" refType="w"/>
+                <dgm:constr type="ctrXOff" for="ch" forName="accent_3" refType="h" fact="-0.2205"/>
+                <dgm:constr type="r" for="ch" forName="text_3" refType="ctrX" refFor="ch" refForName="accent_3"/>
+                <dgm:constr type="rOff" for="ch" forName="text_3" refType="ctrXOff" refFor="ch" refForName="accent_3"/>
+                <dgm:constr type="l" for="ch" forName="text_3"/>
+                <dgm:constr type="w" for="ch" forName="text_3" refType="h" refFor="ch" refForName="text_3" op="gte"/>
+                <dgm:constr type="h" for="ch" forName="text_3" refType="h" refFor="ch" refForName="accent_3" fact="0.8"/>
+                <dgm:constr type="ctrY" for="ch" forName="text_3" refType="ctrY" refFor="ch" refForName="accent_3"/>
+                <dgm:constr type="rMarg" for="ch" forName="text_3" refType="w" refFor="ch" refForName="accent_3" fact="1.8"/>
+                <dgm:constr type="h" for="ch" forName="accent_4" refType="h" fact="0.1316"/>
+                <dgm:constr type="w" for="ch" forName="accent_4" refType="h" refFor="ch" refForName="accent_4" op="equ"/>
+                <dgm:constr type="ctrY" for="ch" forName="accent_4" refType="h" fact="0.5789"/>
+                <dgm:constr type="ctrX" for="ch" forName="accent_4" refType="w"/>
+                <dgm:constr type="ctrXOff" for="ch" forName="accent_4" refType="h" fact="-0.2205"/>
+                <dgm:constr type="r" for="ch" forName="text_4" refType="ctrX" refFor="ch" refForName="accent_4"/>
+                <dgm:constr type="rOff" for="ch" forName="text_4" refType="ctrXOff" refFor="ch" refForName="accent_4"/>
+                <dgm:constr type="l" for="ch" forName="text_4"/>
+                <dgm:constr type="w" for="ch" forName="text_4" refType="h" refFor="ch" refForName="text_4" op="gte"/>
+                <dgm:constr type="h" for="ch" forName="text_4" refType="h" refFor="ch" refForName="accent_4" fact="0.8"/>
+                <dgm:constr type="ctrY" for="ch" forName="text_4" refType="ctrY" refFor="ch" refForName="accent_4"/>
+                <dgm:constr type="rMarg" for="ch" forName="text_4" refType="w" refFor="ch" refForName="accent_4" fact="1.8"/>
+                <dgm:constr type="h" for="ch" forName="accent_5" refType="h" fact="0.1316"/>
+                <dgm:constr type="w" for="ch" forName="accent_5" refType="h" refFor="ch" refForName="accent_5" op="equ"/>
+                <dgm:constr type="ctrY" for="ch" forName="accent_5" refType="h" fact="0.7368"/>
+                <dgm:constr type="ctrX" for="ch" forName="accent_5" refType="w"/>
+                <dgm:constr type="ctrXOff" for="ch" forName="accent_5" refType="h" fact="-0.1809"/>
+                <dgm:constr type="r" for="ch" forName="text_5" refType="ctrX" refFor="ch" refForName="accent_5"/>
+                <dgm:constr type="rOff" for="ch" forName="text_5" refType="ctrXOff" refFor="ch" refForName="accent_5"/>
+                <dgm:constr type="l" for="ch" forName="text_5"/>
+                <dgm:constr type="w" for="ch" forName="text_5" refType="h" refFor="ch" refForName="text_5" op="gte"/>
+                <dgm:constr type="h" for="ch" forName="text_5" refType="h" refFor="ch" refForName="accent_5" fact="0.8"/>
+                <dgm:constr type="ctrY" for="ch" forName="text_5" refType="ctrY" refFor="ch" refForName="accent_5"/>
+                <dgm:constr type="rMarg" for="ch" forName="text_5" refType="w" refFor="ch" refForName="accent_5" fact="1.8"/>
+                <dgm:constr type="h" for="ch" forName="accent_6" refType="h" fact="0.1316"/>
+                <dgm:constr type="w" for="ch" forName="accent_6" refType="h" refFor="ch" refForName="accent_6" op="equ"/>
+                <dgm:constr type="ctrY" for="ch" forName="accent_6" refType="h" fact="0.8947"/>
+                <dgm:constr type="ctrX" for="ch" forName="accent_6" refType="w"/>
+                <dgm:constr type="ctrXOff" for="ch" forName="accent_6" refType="h" fact="-0.0943"/>
+                <dgm:constr type="r" for="ch" forName="text_6" refType="ctrX" refFor="ch" refForName="accent_6"/>
+                <dgm:constr type="rOff" for="ch" forName="text_6" refType="ctrXOff" refFor="ch" refForName="accent_6"/>
+                <dgm:constr type="l" for="ch" forName="text_6"/>
+                <dgm:constr type="w" for="ch" forName="text_6" refType="h" refFor="ch" refForName="text_6" op="gte"/>
+                <dgm:constr type="h" for="ch" forName="text_6" refType="h" refFor="ch" refForName="accent_6" fact="0.8"/>
+                <dgm:constr type="ctrY" for="ch" forName="text_6" refType="ctrY" refFor="ch" refForName="accent_6"/>
+                <dgm:constr type="rMarg" for="ch" forName="text_6" refType="w" refFor="ch" refForName="accent_6" fact="1.8"/>
+                <dgm:constr type="primFontSz" for="ch" ptType="node" op="equ" val="65"/>
+              </dgm:constrLst>
+            </dgm:if>
+            <dgm:else name="Name20">
+              <dgm:constrLst>
+                <dgm:constr type="h" for="ch" forName="cycle" refType="h"/>
+                <dgm:constr type="w" for="ch" forName="cycle" refType="h" refFor="ch" refForName="cycle" fact="0.26"/>
+                <dgm:constr type="r" for="ch" forName="cycle" refType="w"/>
+                <dgm:constr type="ctrY" for="ch" forName="cycle" refType="h" fact="0.5"/>
+                <dgm:constr type="diam" for="ch" forName="cycle" refType="h" fact="1.344"/>
+                <dgm:constr type="h" for="ch" forName="accent_1" refType="h" fact="0.1136"/>
+                <dgm:constr type="w" for="ch" forName="accent_1" refType="h" refFor="ch" refForName="accent_1" op="equ"/>
+                <dgm:constr type="ctrY" for="ch" forName="accent_1" refType="h" fact="0.0909"/>
+                <dgm:constr type="ctrX" for="ch" forName="accent_1" refType="w"/>
+                <dgm:constr type="ctrXOff" for="ch" forName="accent_1" refType="h" fact="-0.0835"/>
+                <dgm:constr type="r" for="ch" forName="text_1" refType="ctrX" refFor="ch" refForName="accent_1"/>
+                <dgm:constr type="rOff" for="ch" forName="text_1" refType="ctrXOff" refFor="ch" refForName="accent_1"/>
+                <dgm:constr type="l" for="ch" forName="text_1"/>
+                <dgm:constr type="w" for="ch" forName="text_1" refType="h" refFor="ch" refForName="text_1" op="gte"/>
+                <dgm:constr type="h" for="ch" forName="text_1" refType="h" refFor="ch" refForName="accent_1" fact="0.8"/>
+                <dgm:constr type="ctrY" for="ch" forName="text_1" refType="ctrY" refFor="ch" refForName="accent_1"/>
+                <dgm:constr type="rMarg" for="ch" forName="text_1" refType="w" refFor="ch" refForName="accent_1" fact="1.8"/>
+                <dgm:constr type="h" for="ch" forName="accent_2" refType="h" fact="0.1136"/>
+                <dgm:constr type="w" for="ch" forName="accent_2" refType="h" refFor="ch" refForName="accent_2" op="equ"/>
+                <dgm:constr type="ctrY" for="ch" forName="accent_2" refType="h" fact="0.2273"/>
+                <dgm:constr type="ctrX" for="ch" forName="accent_2" refType="w"/>
+                <dgm:constr type="ctrXOff" for="ch" forName="accent_2" refType="h" fact="-0.1658"/>
+                <dgm:constr type="r" for="ch" forName="text_2" refType="ctrX" refFor="ch" refForName="accent_2"/>
+                <dgm:constr type="rOff" for="ch" forName="text_2" refType="ctrXOff" refFor="ch" refForName="accent_2"/>
+                <dgm:constr type="l" for="ch" forName="text_2"/>
+                <dgm:constr type="w" for="ch" forName="text_2" refType="h" refFor="ch" refForName="text_2" op="gte"/>
+                <dgm:constr type="h" for="ch" forName="text_2" refType="h" refFor="ch" refForName="accent_2" fact="0.8"/>
+                <dgm:constr type="ctrY" for="ch" forName="text_2" refType="ctrY" refFor="ch" refForName="accent_2"/>
+                <dgm:constr type="rMarg" for="ch" forName="text_2" refType="w" refFor="ch" refForName="accent_2" fact="1.8"/>
+                <dgm:constr type="h" for="ch" forName="accent_3" refType="h" fact="0.1136"/>
+                <dgm:constr type="w" for="ch" forName="accent_3" refType="h" refFor="ch" refForName="accent_3" op="equ"/>
+                <dgm:constr type="ctrY" for="ch" forName="accent_3" refType="h" fact="0.3636"/>
+                <dgm:constr type="ctrX" for="ch" forName="accent_3" refType="w"/>
+                <dgm:constr type="ctrXOff" for="ch" forName="accent_3" refType="h" fact="-0.2109"/>
+                <dgm:constr type="r" for="ch" forName="text_3" refType="ctrX" refFor="ch" refForName="accent_3"/>
+                <dgm:constr type="rOff" for="ch" forName="text_3" refType="ctrXOff" refFor="ch" refForName="accent_3"/>
+                <dgm:constr type="l" for="ch" forName="text_3"/>
+                <dgm:constr type="w" for="ch" forName="text_3" refType="h" refFor="ch" refForName="text_3" op="gte"/>
+                <dgm:constr type="h" for="ch" forName="text_3" refType="h" refFor="ch" refForName="accent_3" fact="0.8"/>
+                <dgm:constr type="ctrY" for="ch" forName="text_3" refType="ctrY" refFor="ch" refForName="accent_3"/>
+                <dgm:constr type="rMarg" for="ch" forName="text_3" refType="w" refFor="ch" refForName="accent_3" fact="1.8"/>
+                <dgm:constr type="h" for="ch" forName="accent_4" refType="h" fact="0.1136"/>
+                <dgm:constr type="w" for="ch" forName="accent_4" refType="h" refFor="ch" refForName="accent_4" op="equ"/>
+                <dgm:constr type="ctrY" for="ch" forName="accent_4" refType="h" fact="0.5"/>
+                <dgm:constr type="ctrX" for="ch" forName="accent_4" refType="w"/>
+                <dgm:constr type="ctrXOff" for="ch" forName="accent_4" refType="h" fact="-0.2253"/>
+                <dgm:constr type="r" for="ch" forName="text_4" refType="ctrX" refFor="ch" refForName="accent_4"/>
+                <dgm:constr type="rOff" for="ch" forName="text_4" refType="ctrXOff" refFor="ch" refForName="accent_4"/>
+                <dgm:constr type="l" for="ch" forName="text_4"/>
+                <dgm:constr type="w" for="ch" forName="text_4" refType="h" refFor="ch" refForName="text_4" op="gte"/>
+                <dgm:constr type="h" for="ch" forName="text_4" refType="h" refFor="ch" refForName="accent_4" fact="0.8"/>
+                <dgm:constr type="ctrY" for="ch" forName="text_4" refType="ctrY" refFor="ch" refForName="accent_4"/>
+                <dgm:constr type="rMarg" for="ch" forName="text_4" refType="w" refFor="ch" refForName="accent_4" fact="1.8"/>
+                <dgm:constr type="h" for="ch" forName="accent_5" refType="h" fact="0.1136"/>
+                <dgm:constr type="w" for="ch" forName="accent_5" refType="h" refFor="ch" refForName="accent_5" op="equ"/>
+                <dgm:constr type="ctrY" for="ch" forName="accent_5" refType="h" fact="0.6364"/>
+                <dgm:constr type="ctrX" for="ch" forName="accent_5" refType="w"/>
+                <dgm:constr type="ctrXOff" for="ch" forName="accent_5" refType="h" fact="-0.2109"/>
+                <dgm:constr type="r" for="ch" forName="text_5" refType="ctrX" refFor="ch" refForName="accent_5"/>
+                <dgm:constr type="rOff" for="ch" forName="text_5" refType="ctrXOff" refFor="ch" refForName="accent_5"/>
+                <dgm:constr type="l" for="ch" forName="text_5"/>
+                <dgm:constr type="w" for="ch" forName="text_5" refType="h" refFor="ch" refForName="text_5" op="gte"/>
+                <dgm:constr type="h" for="ch" forName="text_5" refType="h" refFor="ch" refForName="accent_5" fact="0.8"/>
+                <dgm:constr type="ctrY" for="ch" forName="text_5" refType="ctrY" refFor="ch" refForName="accent_5"/>
+                <dgm:constr type="rMarg" for="ch" forName="text_5" refType="w" refFor="ch" refForName="accent_5" fact="1.8"/>
+                <dgm:constr type="h" for="ch" forName="accent_6" refType="h" fact="0.1136"/>
+                <dgm:constr type="w" for="ch" forName="accent_6" refType="h" refFor="ch" refForName="accent_6" op="equ"/>
+                <dgm:constr type="ctrY" for="ch" forName="accent_6" refType="h" fact="0.7727"/>
+                <dgm:constr type="ctrX" for="ch" forName="accent_6" refType="w"/>
+                <dgm:constr type="ctrXOff" for="ch" forName="accent_6" refType="h" fact="-0.1658"/>
+                <dgm:constr type="r" for="ch" forName="text_6" refType="ctrX" refFor="ch" refForName="accent_6"/>
+                <dgm:constr type="rOff" for="ch" forName="text_6" refType="ctrXOff" refFor="ch" refForName="accent_6"/>
+                <dgm:constr type="l" for="ch" forName="text_6"/>
+                <dgm:constr type="w" for="ch" forName="text_6" refType="h" refFor="ch" refForName="text_6" op="gte"/>
+                <dgm:constr type="h" for="ch" forName="text_6" refType="h" refFor="ch" refForName="accent_6" fact="0.8"/>
+                <dgm:constr type="ctrY" for="ch" forName="text_6" refType="ctrY" refFor="ch" refForName="accent_6"/>
+                <dgm:constr type="rMarg" for="ch" forName="text_6" refType="w" refFor="ch" refForName="accent_6" fact="1.8"/>
+                <dgm:constr type="h" for="ch" forName="accent_7" refType="h" fact="0.1136"/>
+                <dgm:constr type="w" for="ch" forName="accent_7" refType="h" refFor="ch" refForName="accent_7" op="equ"/>
+                <dgm:constr type="ctrY" for="ch" forName="accent_7" refType="h" fact="0.9091"/>
+                <dgm:constr type="ctrX" for="ch" forName="accent_7" refType="w"/>
+                <dgm:constr type="ctrXOff" for="ch" forName="accent_7" refType="h" fact="-0.0835"/>
+                <dgm:constr type="r" for="ch" forName="text_7" refType="ctrX" refFor="ch" refForName="accent_7"/>
+                <dgm:constr type="rOff" for="ch" forName="text_7" refType="ctrXOff" refFor="ch" refForName="accent_7"/>
+                <dgm:constr type="l" for="ch" forName="text_7"/>
+                <dgm:constr type="w" for="ch" forName="text_7" refType="h" refFor="ch" refForName="text_7" op="gte"/>
+                <dgm:constr type="h" for="ch" forName="text_7" refType="h" refFor="ch" refForName="accent_7" fact="0.8"/>
+                <dgm:constr type="ctrY" for="ch" forName="text_7" refType="ctrY" refFor="ch" refForName="accent_7"/>
+                <dgm:constr type="rMarg" for="ch" forName="text_7" refType="w" refFor="ch" refForName="accent_7" fact="1.8"/>
+                <dgm:constr type="primFontSz" for="ch" ptType="node" op="equ" val="65"/>
+              </dgm:constrLst>
+            </dgm:else>
+          </dgm:choose>
+        </dgm:else>
+      </dgm:choose>
+      <dgm:layoutNode name="cycle">
+        <dgm:choose name="Name21">
+          <dgm:if name="Name22" func="var" arg="dir" op="equ" val="norm">
+            <dgm:alg type="cycle">
+              <dgm:param type="stAng" val="45"/>
+              <dgm:param type="spanAng" val="90"/>
+            </dgm:alg>
+          </dgm:if>
+          <dgm:else name="Name23">
+            <dgm:alg type="cycle">
+              <dgm:param type="stAng" val="225"/>
+              <dgm:param type="spanAng" val="90"/>
+            </dgm:alg>
+          </dgm:else>
+        </dgm:choose>
+        <dgm:shape xmlns:r="http://schemas.openxmlformats.org/officeDocument/2006/relationships" r:blip="">
+          <dgm:adjLst/>
+        </dgm:shape>
+        <dgm:presOf/>
+        <dgm:constrLst>
+          <dgm:constr type="w" for="ch" val="1"/>
+          <dgm:constr type="h" for="ch" val="1"/>
+          <dgm:constr type="diam" for="ch" forName="conn" refType="diam"/>
+        </dgm:constrLst>
+        <dgm:layoutNode name="srcNode">
+          <dgm:alg type="sp"/>
+          <dgm:shape xmlns:r="http://schemas.openxmlformats.org/officeDocument/2006/relationships" type="rect" r:blip="" hideGeom="1">
+            <dgm:adjLst/>
+          </dgm:shape>
+          <dgm:presOf/>
+        </dgm:layoutNode>
+        <dgm:layoutNode name="conn" styleLbl="parChTrans1D2">
+          <dgm:alg type="conn">
+            <dgm:param type="connRout" val="curve"/>
+            <dgm:param type="srcNode" val="srcNode"/>
+            <dgm:param type="dstNode" val="dstNode"/>
+            <dgm:param type="begPts" val="ctr"/>
+            <dgm:param type="endPts" val="ctr"/>
+            <dgm:param type="endSty" val="noArr"/>
+          </dgm:alg>
+          <dgm:shape xmlns:r="http://schemas.openxmlformats.org/officeDocument/2006/relationships" type="conn" r:blip="">
+            <dgm:adjLst/>
+          </dgm:shape>
+          <dgm:presOf axis="desOrSelf" ptType="sibTrans" hideLastTrans="0" st="0" cnt="1"/>
+          <dgm:constrLst>
+            <dgm:constr type="begPad"/>
+            <dgm:constr type="endPad"/>
+          </dgm:constrLst>
+        </dgm:layoutNode>
+        <dgm:layoutNode name="extraNode">
+          <dgm:alg type="sp"/>
+          <dgm:shape xmlns:r="http://schemas.openxmlformats.org/officeDocument/2006/relationships" type="rect" r:blip="" hideGeom="1">
+            <dgm:adjLst/>
+          </dgm:shape>
+          <dgm:presOf/>
+        </dgm:layoutNode>
+        <dgm:layoutNode name="dstNode">
+          <dgm:alg type="sp"/>
+          <dgm:shape xmlns:r="http://schemas.openxmlformats.org/officeDocument/2006/relationships" type="rect" r:blip="" hideGeom="1">
+            <dgm:adjLst/>
+          </dgm:shape>
+          <dgm:presOf/>
+        </dgm:layoutNode>
+      </dgm:layoutNode>
+      <dgm:forEach name="wrapper" axis="self" ptType="parTrans">
+        <dgm:forEach name="wrapper2" axis="self" ptType="sibTrans" st="2">
+          <dgm:forEach name="accentRepeat" axis="self">
+            <dgm:layoutNode name="accentRepeatNode" styleLbl="solidFgAcc1">
+              <dgm:alg type="sp"/>
+              <dgm:shape xmlns:r="http://schemas.openxmlformats.org/officeDocument/2006/relationships" type="ellipse" r:blip="">
+                <dgm:adjLst/>
+              </dgm:shape>
+              <dgm:presOf/>
+            </dgm:layoutNode>
+          </dgm:forEach>
+        </dgm:forEach>
+      </dgm:forEach>
+      <dgm:forEach name="Name24" axis="ch" ptType="node" cnt="1">
+        <dgm:layoutNode name="text_1" styleLbl="node1">
+          <dgm:varLst>
+            <dgm:bulletEnabled val="1"/>
+          </dgm:varLst>
+          <dgm:choose name="Name25">
+            <dgm:if name="Name26" func="var" arg="dir" op="equ" val="norm">
+              <dgm:alg type="tx">
+                <dgm:param type="parTxLTRAlign" val="l"/>
+                <dgm:param type="shpTxLTRAlignCh" val="l"/>
+                <dgm:param type="parTxRTLAlign" val="l"/>
+                <dgm:param type="shpTxRTLAlignCh" val="l"/>
+              </dgm:alg>
+            </dgm:if>
+            <dgm:else name="Name27">
+              <dgm:alg type="tx">
+                <dgm:param type="parTxLTRAlign" val="r"/>
+                <dgm:param type="shpTxLTRAlignCh" val="r"/>
+                <dgm:param type="parTxRTLAlign" val="r"/>
+                <dgm:param type="shpTxRTLAlignCh" val="r"/>
+              </dgm:alg>
+            </dgm:else>
+          </dgm:choose>
+          <dgm:shape xmlns:r="http://schemas.openxmlformats.org/officeDocument/2006/relationships" type="rect" r:blip="">
+            <dgm:adjLst/>
+          </dgm:shape>
+          <dgm:presOf axis="desOrSelf" ptType="node"/>
+          <dgm:constrLst>
+            <dgm:constr type="primFontSz" val="65"/>
+            <dgm:constr type="lMarg" refType="primFontSz" fact="0.2"/>
+            <dgm:constr type="rMarg" refType="primFontSz" fact="0.2"/>
+            <dgm:constr type="tMarg" refType="primFontSz" fact="0.2"/>
+            <dgm:constr type="bMarg" refType="primFontSz" fact="0.2"/>
+          </dgm:constrLst>
+          <dgm:ruleLst>
+            <dgm:rule type="primFontSz" val="5" fact="NaN" max="NaN"/>
+          </dgm:ruleLst>
+        </dgm:layoutNode>
+        <dgm:layoutNode name="accent_1">
+          <dgm:alg type="sp"/>
+          <dgm:shape xmlns:r="http://schemas.openxmlformats.org/officeDocument/2006/relationships" r:blip="">
+            <dgm:adjLst/>
+          </dgm:shape>
+          <dgm:presOf/>
+          <dgm:constrLst/>
+          <dgm:forEach name="Name28" ref="accentRepeat"/>
+        </dgm:layoutNode>
+      </dgm:forEach>
+      <dgm:forEach name="Name29" axis="ch" ptType="node" st="2" cnt="1">
+        <dgm:layoutNode name="text_2" styleLbl="node1">
+          <dgm:varLst>
+            <dgm:bulletEnabled val="1"/>
+          </dgm:varLst>
+          <dgm:choose name="Name30">
+            <dgm:if name="Name31" func="var" arg="dir" op="equ" val="norm">
+              <dgm:alg type="tx">
+                <dgm:param type="parTxLTRAlign" val="l"/>
+                <dgm:param type="shpTxLTRAlignCh" val="l"/>
+                <dgm:param type="parTxRTLAlign" val="l"/>
+                <dgm:param type="shpTxRTLAlignCh" val="l"/>
+              </dgm:alg>
+            </dgm:if>
+            <dgm:else name="Name32">
+              <dgm:alg type="tx">
+                <dgm:param type="parTxLTRAlign" val="r"/>
+                <dgm:param type="shpTxLTRAlignCh" val="r"/>
+                <dgm:param type="parTxRTLAlign" val="r"/>
+                <dgm:param type="shpTxRTLAlignCh" val="r"/>
+              </dgm:alg>
+            </dgm:else>
+          </dgm:choose>
+          <dgm:shape xmlns:r="http://schemas.openxmlformats.org/officeDocument/2006/relationships" type="rect" r:blip="">
+            <dgm:adjLst/>
+          </dgm:shape>
+          <dgm:presOf axis="desOrSelf" ptType="node"/>
+          <dgm:constrLst>
+            <dgm:constr type="primFontSz" val="65"/>
+            <dgm:constr type="lMarg" refType="primFontSz" fact="0.2"/>
+            <dgm:constr type="rMarg" refType="primFontSz" fact="0.2"/>
+            <dgm:constr type="tMarg" refType="primFontSz" fact="0.2"/>
+            <dgm:constr type="bMarg" refType="primFontSz" fact="0.2"/>
+          </dgm:constrLst>
+          <dgm:ruleLst>
+            <dgm:rule type="primFontSz" val="5" fact="NaN" max="NaN"/>
+          </dgm:ruleLst>
+        </dgm:layoutNode>
+        <dgm:layoutNode name="accent_2">
+          <dgm:alg type="sp"/>
+          <dgm:shape xmlns:r="http://schemas.openxmlformats.org/officeDocument/2006/relationships" r:blip="">
+            <dgm:adjLst/>
+          </dgm:shape>
+          <dgm:presOf/>
+          <dgm:constrLst/>
+          <dgm:forEach name="Name33" ref="accentRepeat"/>
+        </dgm:layoutNode>
+      </dgm:forEach>
+      <dgm:forEach name="Name34" axis="ch" ptType="node" st="3" cnt="1">
+        <dgm:layoutNode name="text_3" styleLbl="node1">
+          <dgm:varLst>
+            <dgm:bulletEnabled val="1"/>
+          </dgm:varLst>
+          <dgm:choose name="Name35">
+            <dgm:if name="Name36" func="var" arg="dir" op="equ" val="norm">
+              <dgm:alg type="tx">
+                <dgm:param type="parTxLTRAlign" val="l"/>
+                <dgm:param type="shpTxLTRAlignCh" val="l"/>
+                <dgm:param type="parTxRTLAlign" val="l"/>
+                <dgm:param type="shpTxRTLAlignCh" val="l"/>
+              </dgm:alg>
+            </dgm:if>
+            <dgm:else name="Name37">
+              <dgm:alg type="tx">
+                <dgm:param type="parTxLTRAlign" val="r"/>
+                <dgm:param type="shpTxLTRAlignCh" val="r"/>
+                <dgm:param type="parTxRTLAlign" val="r"/>
+                <dgm:param type="shpTxRTLAlignCh" val="r"/>
+              </dgm:alg>
+            </dgm:else>
+          </dgm:choose>
+          <dgm:shape xmlns:r="http://schemas.openxmlformats.org/officeDocument/2006/relationships" type="rect" r:blip="">
+            <dgm:adjLst/>
+          </dgm:shape>
+          <dgm:presOf axis="desOrSelf" ptType="node"/>
+          <dgm:constrLst>
+            <dgm:constr type="primFontSz" val="65"/>
+            <dgm:constr type="lMarg" refType="primFontSz" fact="0.2"/>
+            <dgm:constr type="rMarg" refType="primFontSz" fact="0.2"/>
+            <dgm:constr type="tMarg" refType="primFontSz" fact="0.2"/>
+            <dgm:constr type="bMarg" refType="primFontSz" fact="0.2"/>
+          </dgm:constrLst>
+          <dgm:ruleLst>
+            <dgm:rule type="primFontSz" val="5" fact="NaN" max="NaN"/>
+          </dgm:ruleLst>
+        </dgm:layoutNode>
+        <dgm:layoutNode name="accent_3">
+          <dgm:alg type="sp"/>
+          <dgm:shape xmlns:r="http://schemas.openxmlformats.org/officeDocument/2006/relationships" r:blip="">
+            <dgm:adjLst/>
+          </dgm:shape>
+          <dgm:presOf/>
+          <dgm:constrLst/>
+          <dgm:forEach name="Name38" ref="accentRepeat"/>
+        </dgm:layoutNode>
+      </dgm:forEach>
+      <dgm:forEach name="Name39" axis="ch" ptType="node" st="4" cnt="1">
+        <dgm:layoutNode name="text_4" styleLbl="node1">
+          <dgm:varLst>
+            <dgm:bulletEnabled val="1"/>
+          </dgm:varLst>
+          <dgm:choose name="Name40">
+            <dgm:if name="Name41" func="var" arg="dir" op="equ" val="norm">
+              <dgm:alg type="tx">
+                <dgm:param type="parTxLTRAlign" val="l"/>
+                <dgm:param type="shpTxLTRAlignCh" val="l"/>
+                <dgm:param type="parTxRTLAlign" val="l"/>
+                <dgm:param type="shpTxRTLAlignCh" val="l"/>
+              </dgm:alg>
+            </dgm:if>
+            <dgm:else name="Name42">
+              <dgm:alg type="tx">
+                <dgm:param type="parTxLTRAlign" val="r"/>
+                <dgm:param type="shpTxLTRAlignCh" val="r"/>
+                <dgm:param type="parTxRTLAlign" val="r"/>
+                <dgm:param type="shpTxRTLAlignCh" val="r"/>
+              </dgm:alg>
+            </dgm:else>
+          </dgm:choose>
+          <dgm:shape xmlns:r="http://schemas.openxmlformats.org/officeDocument/2006/relationships" type="rect" r:blip="">
+            <dgm:adjLst/>
+          </dgm:shape>
+          <dgm:presOf axis="desOrSelf" ptType="node"/>
+          <dgm:constrLst>
+            <dgm:constr type="primFontSz" val="65"/>
+            <dgm:constr type="lMarg" refType="primFontSz" fact="0.2"/>
+            <dgm:constr type="rMarg" refType="primFontSz" fact="0.2"/>
+            <dgm:constr type="tMarg" refType="primFontSz" fact="0.2"/>
+            <dgm:constr type="bMarg" refType="primFontSz" fact="0.2"/>
+          </dgm:constrLst>
+          <dgm:ruleLst>
+            <dgm:rule type="primFontSz" val="5" fact="NaN" max="NaN"/>
+          </dgm:ruleLst>
+        </dgm:layoutNode>
+        <dgm:layoutNode name="accent_4">
+          <dgm:alg type="sp"/>
+          <dgm:shape xmlns:r="http://schemas.openxmlformats.org/officeDocument/2006/relationships" r:blip="">
+            <dgm:adjLst/>
+          </dgm:shape>
+          <dgm:presOf/>
+          <dgm:constrLst/>
+          <dgm:forEach name="Name43" ref="accentRepeat"/>
+        </dgm:layoutNode>
+      </dgm:forEach>
+      <dgm:forEach name="Name44" axis="ch" ptType="node" st="5" cnt="1">
+        <dgm:layoutNode name="text_5" styleLbl="node1">
+          <dgm:varLst>
+            <dgm:bulletEnabled val="1"/>
+          </dgm:varLst>
+          <dgm:choose name="Name45">
+            <dgm:if name="Name46" func="var" arg="dir" op="equ" val="norm">
+              <dgm:alg type="tx">
+                <dgm:param type="parTxLTRAlign" val="l"/>
+                <dgm:param type="shpTxLTRAlignCh" val="l"/>
+                <dgm:param type="parTxRTLAlign" val="l"/>
+                <dgm:param type="shpTxRTLAlignCh" val="l"/>
+              </dgm:alg>
+            </dgm:if>
+            <dgm:else name="Name47">
+              <dgm:alg type="tx">
+                <dgm:param type="parTxLTRAlign" val="r"/>
+                <dgm:param type="shpTxLTRAlignCh" val="r"/>
+                <dgm:param type="parTxRTLAlign" val="r"/>
+                <dgm:param type="shpTxRTLAlignCh" val="r"/>
+              </dgm:alg>
+            </dgm:else>
+          </dgm:choose>
+          <dgm:shape xmlns:r="http://schemas.openxmlformats.org/officeDocument/2006/relationships" type="rect" r:blip="">
+            <dgm:adjLst/>
+          </dgm:shape>
+          <dgm:presOf axis="desOrSelf" ptType="node"/>
+          <dgm:constrLst>
+            <dgm:constr type="primFontSz" val="65"/>
+            <dgm:constr type="lMarg" refType="primFontSz" fact="0.2"/>
+            <dgm:constr type="rMarg" refType="primFontSz" fact="0.2"/>
+            <dgm:constr type="tMarg" refType="primFontSz" fact="0.2"/>
+            <dgm:constr type="bMarg" refType="primFontSz" fact="0.2"/>
+          </dgm:constrLst>
+          <dgm:ruleLst>
+            <dgm:rule type="primFontSz" val="5" fact="NaN" max="NaN"/>
+          </dgm:ruleLst>
+        </dgm:layoutNode>
+        <dgm:layoutNode name="accent_5">
+          <dgm:alg type="sp"/>
+          <dgm:shape xmlns:r="http://schemas.openxmlformats.org/officeDocument/2006/relationships" r:blip="">
+            <dgm:adjLst/>
+          </dgm:shape>
+          <dgm:presOf/>
+          <dgm:constrLst/>
+          <dgm:forEach name="Name48" ref="accentRepeat"/>
+        </dgm:layoutNode>
+      </dgm:forEach>
+      <dgm:forEach name="Name49" axis="ch" ptType="node" st="6" cnt="1">
+        <dgm:layoutNode name="text_6" styleLbl="node1">
+          <dgm:varLst>
+            <dgm:bulletEnabled val="1"/>
+          </dgm:varLst>
+          <dgm:choose name="Name50">
+            <dgm:if name="Name51" func="var" arg="dir" op="equ" val="norm">
+              <dgm:alg type="tx">
+                <dgm:param type="parTxLTRAlign" val="l"/>
+                <dgm:param type="shpTxLTRAlignCh" val="l"/>
+                <dgm:param type="parTxRTLAlign" val="l"/>
+                <dgm:param type="shpTxRTLAlignCh" val="l"/>
+              </dgm:alg>
+            </dgm:if>
+            <dgm:else name="Name52">
+              <dgm:alg type="tx">
+                <dgm:param type="parTxLTRAlign" val="r"/>
+                <dgm:param type="shpTxLTRAlignCh" val="r"/>
+                <dgm:param type="parTxRTLAlign" val="r"/>
+                <dgm:param type="shpTxRTLAlignCh" val="r"/>
+              </dgm:alg>
+            </dgm:else>
+          </dgm:choose>
+          <dgm:shape xmlns:r="http://schemas.openxmlformats.org/officeDocument/2006/relationships" type="rect" r:blip="">
+            <dgm:adjLst/>
+          </dgm:shape>
+          <dgm:presOf axis="desOrSelf" ptType="node"/>
+          <dgm:constrLst>
+            <dgm:constr type="primFontSz" val="65"/>
+            <dgm:constr type="lMarg" refType="primFontSz" fact="0.2"/>
+            <dgm:constr type="rMarg" refType="primFontSz" fact="0.2"/>
+            <dgm:constr type="tMarg" refType="primFontSz" fact="0.2"/>
+            <dgm:constr type="bMarg" refType="primFontSz" fact="0.2"/>
+          </dgm:constrLst>
+          <dgm:ruleLst>
+            <dgm:rule type="primFontSz" val="5" fact="NaN" max="NaN"/>
+          </dgm:ruleLst>
+        </dgm:layoutNode>
+        <dgm:layoutNode name="accent_6">
+          <dgm:alg type="sp"/>
+          <dgm:shape xmlns:r="http://schemas.openxmlformats.org/officeDocument/2006/relationships" r:blip="">
+            <dgm:adjLst/>
+          </dgm:shape>
+          <dgm:presOf/>
+          <dgm:constrLst/>
+          <dgm:forEach name="Name53" ref="accentRepeat"/>
+        </dgm:layoutNode>
+      </dgm:forEach>
+      <dgm:forEach name="Name54" axis="ch" ptType="node" st="7" cnt="1">
+        <dgm:layoutNode name="text_7" styleLbl="node1">
+          <dgm:varLst>
+            <dgm:bulletEnabled val="1"/>
+          </dgm:varLst>
+          <dgm:choose name="Name55">
+            <dgm:if name="Name56" func="var" arg="dir" op="equ" val="norm">
+              <dgm:alg type="tx">
+                <dgm:param type="parTxLTRAlign" val="l"/>
+                <dgm:param type="shpTxLTRAlignCh" val="l"/>
+                <dgm:param type="parTxRTLAlign" val="l"/>
+                <dgm:param type="shpTxRTLAlignCh" val="l"/>
+              </dgm:alg>
+            </dgm:if>
+            <dgm:else name="Name57">
+              <dgm:alg type="tx">
+                <dgm:param type="parTxLTRAlign" val="r"/>
+                <dgm:param type="shpTxLTRAlignCh" val="r"/>
+                <dgm:param type="parTxRTLAlign" val="r"/>
+                <dgm:param type="shpTxRTLAlignCh" val="r"/>
+              </dgm:alg>
+            </dgm:else>
+          </dgm:choose>
+          <dgm:shape xmlns:r="http://schemas.openxmlformats.org/officeDocument/2006/relationships" type="rect" r:blip="">
+            <dgm:adjLst/>
+          </dgm:shape>
+          <dgm:presOf axis="desOrSelf" ptType="node"/>
+          <dgm:constrLst>
+            <dgm:constr type="primFontSz" val="65"/>
+            <dgm:constr type="lMarg" refType="primFontSz" fact="0.2"/>
+            <dgm:constr type="rMarg" refType="primFontSz" fact="0.2"/>
+            <dgm:constr type="tMarg" refType="primFontSz" fact="0.2"/>
+            <dgm:constr type="bMarg" refType="primFontSz" fact="0.2"/>
+          </dgm:constrLst>
+          <dgm:ruleLst>
+            <dgm:rule type="primFontSz" val="5" fact="NaN" max="NaN"/>
+          </dgm:ruleLst>
+        </dgm:layoutNode>
+        <dgm:layoutNode name="accent_7">
+          <dgm:alg type="sp"/>
+          <dgm:shape xmlns:r="http://schemas.openxmlformats.org/officeDocument/2006/relationships" r:blip="">
+            <dgm:adjLst/>
+          </dgm:shape>
+          <dgm:presOf/>
+          <dgm:constrLst/>
+          <dgm:forEach name="Name58" ref="accentRepeat"/>
+        </dgm:layoutNode>
+      </dgm:forEach>
+    </dgm:layoutNode>
+  </dgm:layoutNode>
+</dgm:layoutDef>
+</file>
+
 <file path=ppt/diagrams/quickStyle1.xml><?xml version="1.0" encoding="utf-8"?>
 <dgm:styleDef xmlns:dgm="http://schemas.openxmlformats.org/drawingml/2006/diagram" xmlns:a="http://schemas.openxmlformats.org/drawingml/2006/main" uniqueId="urn:microsoft.com/office/officeart/2005/8/quickstyle/simple1">
   <dgm:title val=""/>
@@ -3034,6 +6348,1390 @@
     </dgm:style>
   </dgm:styleLbl>
 </dgm:styleDef>
+</file>
+
+<file path=ppt/diagrams/quickStyle2.xml><?xml version="1.0" encoding="utf-8"?>
+<dgm:styleDef xmlns:dgm="http://schemas.openxmlformats.org/drawingml/2006/diagram" xmlns:a="http://schemas.openxmlformats.org/drawingml/2006/main" uniqueId="urn:microsoft.com/office/officeart/2005/8/quickstyle/simple1">
+  <dgm:title val=""/>
+  <dgm:desc val=""/>
+  <dgm:catLst>
+    <dgm:cat type="simple" pri="10100"/>
+  </dgm:catLst>
+  <dgm:scene3d>
+    <a:camera prst="orthographicFront"/>
+    <a:lightRig rig="threePt" dir="t"/>
+  </dgm:scene3d>
+  <dgm:styleLbl name="node0">
+    <dgm:scene3d>
+      <a:camera prst="orthographicFront"/>
+      <a:lightRig rig="threePt" dir="t"/>
+    </dgm:scene3d>
+    <dgm:sp3d/>
+    <dgm:txPr/>
+    <dgm:style>
+      <a:lnRef idx="2">
+        <a:scrgbClr r="0" g="0" b="0"/>
+      </a:lnRef>
+      <a:fillRef idx="1">
+        <a:scrgbClr r="0" g="0" b="0"/>
+      </a:fillRef>
+      <a:effectRef idx="0">
+        <a:scrgbClr r="0" g="0" b="0"/>
+      </a:effectRef>
+      <a:fontRef idx="minor">
+        <a:schemeClr val="lt1"/>
+      </a:fontRef>
+    </dgm:style>
+  </dgm:styleLbl>
+  <dgm:styleLbl name="lnNode1">
+    <dgm:scene3d>
+      <a:camera prst="orthographicFront"/>
+      <a:lightRig rig="threePt" dir="t"/>
+    </dgm:scene3d>
+    <dgm:sp3d/>
+    <dgm:txPr/>
+    <dgm:style>
+      <a:lnRef idx="2">
+        <a:scrgbClr r="0" g="0" b="0"/>
+      </a:lnRef>
+      <a:fillRef idx="1">
+        <a:scrgbClr r="0" g="0" b="0"/>
+      </a:fillRef>
+      <a:effectRef idx="0">
+        <a:scrgbClr r="0" g="0" b="0"/>
+      </a:effectRef>
+      <a:fontRef idx="minor">
+        <a:schemeClr val="lt1"/>
+      </a:fontRef>
+    </dgm:style>
+  </dgm:styleLbl>
+  <dgm:styleLbl name="vennNode1">
+    <dgm:scene3d>
+      <a:camera prst="orthographicFront"/>
+      <a:lightRig rig="threePt" dir="t"/>
+    </dgm:scene3d>
+    <dgm:sp3d/>
+    <dgm:txPr/>
+    <dgm:style>
+      <a:lnRef idx="2">
+        <a:scrgbClr r="0" g="0" b="0"/>
+      </a:lnRef>
+      <a:fillRef idx="1">
+        <a:scrgbClr r="0" g="0" b="0"/>
+      </a:fillRef>
+      <a:effectRef idx="0">
+        <a:scrgbClr r="0" g="0" b="0"/>
+      </a:effectRef>
+      <a:fontRef idx="minor">
+        <a:schemeClr val="tx1"/>
+      </a:fontRef>
+    </dgm:style>
+  </dgm:styleLbl>
+  <dgm:styleLbl name="alignNode1">
+    <dgm:scene3d>
+      <a:camera prst="orthographicFront"/>
+      <a:lightRig rig="threePt" dir="t"/>
+    </dgm:scene3d>
+    <dgm:sp3d/>
+    <dgm:txPr/>
+    <dgm:style>
+      <a:lnRef idx="2">
+        <a:scrgbClr r="0" g="0" b="0"/>
+      </a:lnRef>
+      <a:fillRef idx="1">
+        <a:scrgbClr r="0" g="0" b="0"/>
+      </a:fillRef>
+      <a:effectRef idx="0">
+        <a:scrgbClr r="0" g="0" b="0"/>
+      </a:effectRef>
+      <a:fontRef idx="minor">
+        <a:schemeClr val="lt1"/>
+      </a:fontRef>
+    </dgm:style>
+  </dgm:styleLbl>
+  <dgm:styleLbl name="node1">
+    <dgm:scene3d>
+      <a:camera prst="orthographicFront"/>
+      <a:lightRig rig="threePt" dir="t"/>
+    </dgm:scene3d>
+    <dgm:sp3d/>
+    <dgm:txPr/>
+    <dgm:style>
+      <a:lnRef idx="2">
+        <a:scrgbClr r="0" g="0" b="0"/>
+      </a:lnRef>
+      <a:fillRef idx="1">
+        <a:scrgbClr r="0" g="0" b="0"/>
+      </a:fillRef>
+      <a:effectRef idx="0">
+        <a:scrgbClr r="0" g="0" b="0"/>
+      </a:effectRef>
+      <a:fontRef idx="minor">
+        <a:schemeClr val="lt1"/>
+      </a:fontRef>
+    </dgm:style>
+  </dgm:styleLbl>
+  <dgm:styleLbl name="node2">
+    <dgm:scene3d>
+      <a:camera prst="orthographicFront"/>
+      <a:lightRig rig="threePt" dir="t"/>
+    </dgm:scene3d>
+    <dgm:sp3d/>
+    <dgm:txPr/>
+    <dgm:style>
+      <a:lnRef idx="2">
+        <a:scrgbClr r="0" g="0" b="0"/>
+      </a:lnRef>
+      <a:fillRef idx="1">
+        <a:scrgbClr r="0" g="0" b="0"/>
+      </a:fillRef>
+      <a:effectRef idx="0">
+        <a:scrgbClr r="0" g="0" b="0"/>
+      </a:effectRef>
+      <a:fontRef idx="minor">
+        <a:schemeClr val="lt1"/>
+      </a:fontRef>
+    </dgm:style>
+  </dgm:styleLbl>
+  <dgm:styleLbl name="node3">
+    <dgm:scene3d>
+      <a:camera prst="orthographicFront"/>
+      <a:lightRig rig="threePt" dir="t"/>
+    </dgm:scene3d>
+    <dgm:sp3d/>
+    <dgm:txPr/>
+    <dgm:style>
+      <a:lnRef idx="2">
+        <a:scrgbClr r="0" g="0" b="0"/>
+      </a:lnRef>
+      <a:fillRef idx="1">
+        <a:scrgbClr r="0" g="0" b="0"/>
+      </a:fillRef>
+      <a:effectRef idx="0">
+        <a:scrgbClr r="0" g="0" b="0"/>
+      </a:effectRef>
+      <a:fontRef idx="minor">
+        <a:schemeClr val="lt1"/>
+      </a:fontRef>
+    </dgm:style>
+  </dgm:styleLbl>
+  <dgm:styleLbl name="node4">
+    <dgm:scene3d>
+      <a:camera prst="orthographicFront"/>
+      <a:lightRig rig="threePt" dir="t"/>
+    </dgm:scene3d>
+    <dgm:sp3d/>
+    <dgm:txPr/>
+    <dgm:style>
+      <a:lnRef idx="2">
+        <a:scrgbClr r="0" g="0" b="0"/>
+      </a:lnRef>
+      <a:fillRef idx="1">
+        <a:scrgbClr r="0" g="0" b="0"/>
+      </a:fillRef>
+      <a:effectRef idx="0">
+        <a:scrgbClr r="0" g="0" b="0"/>
+      </a:effectRef>
+      <a:fontRef idx="minor">
+        <a:schemeClr val="lt1"/>
+      </a:fontRef>
+    </dgm:style>
+  </dgm:styleLbl>
+  <dgm:styleLbl name="fgImgPlace1">
+    <dgm:scene3d>
+      <a:camera prst="orthographicFront"/>
+      <a:lightRig rig="threePt" dir="t"/>
+    </dgm:scene3d>
+    <dgm:sp3d/>
+    <dgm:txPr/>
+    <dgm:style>
+      <a:lnRef idx="2">
+        <a:scrgbClr r="0" g="0" b="0"/>
+      </a:lnRef>
+      <a:fillRef idx="1">
+        <a:scrgbClr r="0" g="0" b="0"/>
+      </a:fillRef>
+      <a:effectRef idx="0">
+        <a:scrgbClr r="0" g="0" b="0"/>
+      </a:effectRef>
+      <a:fontRef idx="minor"/>
+    </dgm:style>
+  </dgm:styleLbl>
+  <dgm:styleLbl name="alignImgPlace1">
+    <dgm:scene3d>
+      <a:camera prst="orthographicFront"/>
+      <a:lightRig rig="threePt" dir="t"/>
+    </dgm:scene3d>
+    <dgm:sp3d/>
+    <dgm:txPr/>
+    <dgm:style>
+      <a:lnRef idx="2">
+        <a:scrgbClr r="0" g="0" b="0"/>
+      </a:lnRef>
+      <a:fillRef idx="1">
+        <a:scrgbClr r="0" g="0" b="0"/>
+      </a:fillRef>
+      <a:effectRef idx="0">
+        <a:scrgbClr r="0" g="0" b="0"/>
+      </a:effectRef>
+      <a:fontRef idx="minor"/>
+    </dgm:style>
+  </dgm:styleLbl>
+  <dgm:styleLbl name="bgImgPlace1">
+    <dgm:scene3d>
+      <a:camera prst="orthographicFront"/>
+      <a:lightRig rig="threePt" dir="t"/>
+    </dgm:scene3d>
+    <dgm:sp3d/>
+    <dgm:txPr/>
+    <dgm:style>
+      <a:lnRef idx="2">
+        <a:scrgbClr r="0" g="0" b="0"/>
+      </a:lnRef>
+      <a:fillRef idx="1">
+        <a:scrgbClr r="0" g="0" b="0"/>
+      </a:fillRef>
+      <a:effectRef idx="0">
+        <a:scrgbClr r="0" g="0" b="0"/>
+      </a:effectRef>
+      <a:fontRef idx="minor"/>
+    </dgm:style>
+  </dgm:styleLbl>
+  <dgm:styleLbl name="sibTrans2D1">
+    <dgm:scene3d>
+      <a:camera prst="orthographicFront"/>
+      <a:lightRig rig="threePt" dir="t"/>
+    </dgm:scene3d>
+    <dgm:sp3d/>
+    <dgm:txPr/>
+    <dgm:style>
+      <a:lnRef idx="0">
+        <a:scrgbClr r="0" g="0" b="0"/>
+      </a:lnRef>
+      <a:fillRef idx="1">
+        <a:scrgbClr r="0" g="0" b="0"/>
+      </a:fillRef>
+      <a:effectRef idx="0">
+        <a:scrgbClr r="0" g="0" b="0"/>
+      </a:effectRef>
+      <a:fontRef idx="minor">
+        <a:schemeClr val="lt1"/>
+      </a:fontRef>
+    </dgm:style>
+  </dgm:styleLbl>
+  <dgm:styleLbl name="fgSibTrans2D1">
+    <dgm:scene3d>
+      <a:camera prst="orthographicFront"/>
+      <a:lightRig rig="threePt" dir="t"/>
+    </dgm:scene3d>
+    <dgm:sp3d/>
+    <dgm:txPr/>
+    <dgm:style>
+      <a:lnRef idx="0">
+        <a:scrgbClr r="0" g="0" b="0"/>
+      </a:lnRef>
+      <a:fillRef idx="1">
+        <a:scrgbClr r="0" g="0" b="0"/>
+      </a:fillRef>
+      <a:effectRef idx="0">
+        <a:scrgbClr r="0" g="0" b="0"/>
+      </a:effectRef>
+      <a:fontRef idx="minor">
+        <a:schemeClr val="lt1"/>
+      </a:fontRef>
+    </dgm:style>
+  </dgm:styleLbl>
+  <dgm:styleLbl name="bgSibTrans2D1">
+    <dgm:scene3d>
+      <a:camera prst="orthographicFront"/>
+      <a:lightRig rig="threePt" dir="t"/>
+    </dgm:scene3d>
+    <dgm:sp3d/>
+    <dgm:txPr/>
+    <dgm:style>
+      <a:lnRef idx="0">
+        <a:scrgbClr r="0" g="0" b="0"/>
+      </a:lnRef>
+      <a:fillRef idx="1">
+        <a:scrgbClr r="0" g="0" b="0"/>
+      </a:fillRef>
+      <a:effectRef idx="0">
+        <a:scrgbClr r="0" g="0" b="0"/>
+      </a:effectRef>
+      <a:fontRef idx="minor">
+        <a:schemeClr val="lt1"/>
+      </a:fontRef>
+    </dgm:style>
+  </dgm:styleLbl>
+  <dgm:styleLbl name="sibTrans1D1">
+    <dgm:scene3d>
+      <a:camera prst="orthographicFront"/>
+      <a:lightRig rig="threePt" dir="t"/>
+    </dgm:scene3d>
+    <dgm:sp3d/>
+    <dgm:txPr/>
+    <dgm:style>
+      <a:lnRef idx="1">
+        <a:scrgbClr r="0" g="0" b="0"/>
+      </a:lnRef>
+      <a:fillRef idx="0">
+        <a:scrgbClr r="0" g="0" b="0"/>
+      </a:fillRef>
+      <a:effectRef idx="0">
+        <a:scrgbClr r="0" g="0" b="0"/>
+      </a:effectRef>
+      <a:fontRef idx="minor"/>
+    </dgm:style>
+  </dgm:styleLbl>
+  <dgm:styleLbl name="callout">
+    <dgm:scene3d>
+      <a:camera prst="orthographicFront"/>
+      <a:lightRig rig="threePt" dir="t"/>
+    </dgm:scene3d>
+    <dgm:sp3d/>
+    <dgm:txPr/>
+    <dgm:style>
+      <a:lnRef idx="2">
+        <a:scrgbClr r="0" g="0" b="0"/>
+      </a:lnRef>
+      <a:fillRef idx="1">
+        <a:scrgbClr r="0" g="0" b="0"/>
+      </a:fillRef>
+      <a:effectRef idx="0">
+        <a:scrgbClr r="0" g="0" b="0"/>
+      </a:effectRef>
+      <a:fontRef idx="minor"/>
+    </dgm:style>
+  </dgm:styleLbl>
+  <dgm:styleLbl name="asst0">
+    <dgm:scene3d>
+      <a:camera prst="orthographicFront"/>
+      <a:lightRig rig="threePt" dir="t"/>
+    </dgm:scene3d>
+    <dgm:sp3d/>
+    <dgm:txPr/>
+    <dgm:style>
+      <a:lnRef idx="2">
+        <a:scrgbClr r="0" g="0" b="0"/>
+      </a:lnRef>
+      <a:fillRef idx="1">
+        <a:scrgbClr r="0" g="0" b="0"/>
+      </a:fillRef>
+      <a:effectRef idx="0">
+        <a:scrgbClr r="0" g="0" b="0"/>
+      </a:effectRef>
+      <a:fontRef idx="minor">
+        <a:schemeClr val="lt1"/>
+      </a:fontRef>
+    </dgm:style>
+  </dgm:styleLbl>
+  <dgm:styleLbl name="asst1">
+    <dgm:scene3d>
+      <a:camera prst="orthographicFront"/>
+      <a:lightRig rig="threePt" dir="t"/>
+    </dgm:scene3d>
+    <dgm:sp3d/>
+    <dgm:txPr/>
+    <dgm:style>
+      <a:lnRef idx="2">
+        <a:scrgbClr r="0" g="0" b="0"/>
+      </a:lnRef>
+      <a:fillRef idx="1">
+        <a:scrgbClr r="0" g="0" b="0"/>
+      </a:fillRef>
+      <a:effectRef idx="0">
+        <a:scrgbClr r="0" g="0" b="0"/>
+      </a:effectRef>
+      <a:fontRef idx="minor">
+        <a:schemeClr val="lt1"/>
+      </a:fontRef>
+    </dgm:style>
+  </dgm:styleLbl>
+  <dgm:styleLbl name="asst2">
+    <dgm:scene3d>
+      <a:camera prst="orthographicFront"/>
+      <a:lightRig rig="threePt" dir="t"/>
+    </dgm:scene3d>
+    <dgm:sp3d/>
+    <dgm:txPr/>
+    <dgm:style>
+      <a:lnRef idx="2">
+        <a:scrgbClr r="0" g="0" b="0"/>
+      </a:lnRef>
+      <a:fillRef idx="1">
+        <a:scrgbClr r="0" g="0" b="0"/>
+      </a:fillRef>
+      <a:effectRef idx="0">
+        <a:scrgbClr r="0" g="0" b="0"/>
+      </a:effectRef>
+      <a:fontRef idx="minor">
+        <a:schemeClr val="lt1"/>
+      </a:fontRef>
+    </dgm:style>
+  </dgm:styleLbl>
+  <dgm:styleLbl name="asst3">
+    <dgm:scene3d>
+      <a:camera prst="orthographicFront"/>
+      <a:lightRig rig="threePt" dir="t"/>
+    </dgm:scene3d>
+    <dgm:sp3d/>
+    <dgm:txPr/>
+    <dgm:style>
+      <a:lnRef idx="2">
+        <a:scrgbClr r="0" g="0" b="0"/>
+      </a:lnRef>
+      <a:fillRef idx="1">
+        <a:scrgbClr r="0" g="0" b="0"/>
+      </a:fillRef>
+      <a:effectRef idx="0">
+        <a:scrgbClr r="0" g="0" b="0"/>
+      </a:effectRef>
+      <a:fontRef idx="minor">
+        <a:schemeClr val="lt1"/>
+      </a:fontRef>
+    </dgm:style>
+  </dgm:styleLbl>
+  <dgm:styleLbl name="asst4">
+    <dgm:scene3d>
+      <a:camera prst="orthographicFront"/>
+      <a:lightRig rig="threePt" dir="t"/>
+    </dgm:scene3d>
+    <dgm:sp3d/>
+    <dgm:txPr/>
+    <dgm:style>
+      <a:lnRef idx="2">
+        <a:scrgbClr r="0" g="0" b="0"/>
+      </a:lnRef>
+      <a:fillRef idx="1">
+        <a:scrgbClr r="0" g="0" b="0"/>
+      </a:fillRef>
+      <a:effectRef idx="0">
+        <a:scrgbClr r="0" g="0" b="0"/>
+      </a:effectRef>
+      <a:fontRef idx="minor">
+        <a:schemeClr val="lt1"/>
+      </a:fontRef>
+    </dgm:style>
+  </dgm:styleLbl>
+  <dgm:styleLbl name="parChTrans2D1">
+    <dgm:scene3d>
+      <a:camera prst="orthographicFront"/>
+      <a:lightRig rig="threePt" dir="t"/>
+    </dgm:scene3d>
+    <dgm:sp3d/>
+    <dgm:txPr/>
+    <dgm:style>
+      <a:lnRef idx="2">
+        <a:scrgbClr r="0" g="0" b="0"/>
+      </a:lnRef>
+      <a:fillRef idx="1">
+        <a:scrgbClr r="0" g="0" b="0"/>
+      </a:fillRef>
+      <a:effectRef idx="0">
+        <a:scrgbClr r="0" g="0" b="0"/>
+      </a:effectRef>
+      <a:fontRef idx="minor">
+        <a:schemeClr val="lt1"/>
+      </a:fontRef>
+    </dgm:style>
+  </dgm:styleLbl>
+  <dgm:styleLbl name="parChTrans2D2">
+    <dgm:scene3d>
+      <a:camera prst="orthographicFront"/>
+      <a:lightRig rig="threePt" dir="t"/>
+    </dgm:scene3d>
+    <dgm:sp3d/>
+    <dgm:txPr/>
+    <dgm:style>
+      <a:lnRef idx="2">
+        <a:scrgbClr r="0" g="0" b="0"/>
+      </a:lnRef>
+      <a:fillRef idx="1">
+        <a:scrgbClr r="0" g="0" b="0"/>
+      </a:fillRef>
+      <a:effectRef idx="0">
+        <a:scrgbClr r="0" g="0" b="0"/>
+      </a:effectRef>
+      <a:fontRef idx="minor">
+        <a:schemeClr val="lt1"/>
+      </a:fontRef>
+    </dgm:style>
+  </dgm:styleLbl>
+  <dgm:styleLbl name="parChTrans2D3">
+    <dgm:scene3d>
+      <a:camera prst="orthographicFront"/>
+      <a:lightRig rig="threePt" dir="t"/>
+    </dgm:scene3d>
+    <dgm:sp3d/>
+    <dgm:txPr/>
+    <dgm:style>
+      <a:lnRef idx="2">
+        <a:scrgbClr r="0" g="0" b="0"/>
+      </a:lnRef>
+      <a:fillRef idx="1">
+        <a:scrgbClr r="0" g="0" b="0"/>
+      </a:fillRef>
+      <a:effectRef idx="0">
+        <a:scrgbClr r="0" g="0" b="0"/>
+      </a:effectRef>
+      <a:fontRef idx="minor">
+        <a:schemeClr val="lt1"/>
+      </a:fontRef>
+    </dgm:style>
+  </dgm:styleLbl>
+  <dgm:styleLbl name="parChTrans2D4">
+    <dgm:scene3d>
+      <a:camera prst="orthographicFront"/>
+      <a:lightRig rig="threePt" dir="t"/>
+    </dgm:scene3d>
+    <dgm:sp3d/>
+    <dgm:txPr/>
+    <dgm:style>
+      <a:lnRef idx="2">
+        <a:scrgbClr r="0" g="0" b="0"/>
+      </a:lnRef>
+      <a:fillRef idx="1">
+        <a:scrgbClr r="0" g="0" b="0"/>
+      </a:fillRef>
+      <a:effectRef idx="0">
+        <a:scrgbClr r="0" g="0" b="0"/>
+      </a:effectRef>
+      <a:fontRef idx="minor">
+        <a:schemeClr val="lt1"/>
+      </a:fontRef>
+    </dgm:style>
+  </dgm:styleLbl>
+  <dgm:styleLbl name="parChTrans1D1">
+    <dgm:scene3d>
+      <a:camera prst="orthographicFront"/>
+      <a:lightRig rig="threePt" dir="t"/>
+    </dgm:scene3d>
+    <dgm:sp3d/>
+    <dgm:txPr/>
+    <dgm:style>
+      <a:lnRef idx="2">
+        <a:scrgbClr r="0" g="0" b="0"/>
+      </a:lnRef>
+      <a:fillRef idx="0">
+        <a:scrgbClr r="0" g="0" b="0"/>
+      </a:fillRef>
+      <a:effectRef idx="0">
+        <a:scrgbClr r="0" g="0" b="0"/>
+      </a:effectRef>
+      <a:fontRef idx="minor"/>
+    </dgm:style>
+  </dgm:styleLbl>
+  <dgm:styleLbl name="parChTrans1D2">
+    <dgm:scene3d>
+      <a:camera prst="orthographicFront"/>
+      <a:lightRig rig="threePt" dir="t"/>
+    </dgm:scene3d>
+    <dgm:sp3d/>
+    <dgm:txPr/>
+    <dgm:style>
+      <a:lnRef idx="2">
+        <a:scrgbClr r="0" g="0" b="0"/>
+      </a:lnRef>
+      <a:fillRef idx="0">
+        <a:scrgbClr r="0" g="0" b="0"/>
+      </a:fillRef>
+      <a:effectRef idx="0">
+        <a:scrgbClr r="0" g="0" b="0"/>
+      </a:effectRef>
+      <a:fontRef idx="minor"/>
+    </dgm:style>
+  </dgm:styleLbl>
+  <dgm:styleLbl name="parChTrans1D3">
+    <dgm:scene3d>
+      <a:camera prst="orthographicFront"/>
+      <a:lightRig rig="threePt" dir="t"/>
+    </dgm:scene3d>
+    <dgm:sp3d/>
+    <dgm:txPr/>
+    <dgm:style>
+      <a:lnRef idx="2">
+        <a:scrgbClr r="0" g="0" b="0"/>
+      </a:lnRef>
+      <a:fillRef idx="0">
+        <a:scrgbClr r="0" g="0" b="0"/>
+      </a:fillRef>
+      <a:effectRef idx="0">
+        <a:scrgbClr r="0" g="0" b="0"/>
+      </a:effectRef>
+      <a:fontRef idx="minor"/>
+    </dgm:style>
+  </dgm:styleLbl>
+  <dgm:styleLbl name="parChTrans1D4">
+    <dgm:scene3d>
+      <a:camera prst="orthographicFront"/>
+      <a:lightRig rig="threePt" dir="t"/>
+    </dgm:scene3d>
+    <dgm:sp3d/>
+    <dgm:txPr/>
+    <dgm:style>
+      <a:lnRef idx="2">
+        <a:scrgbClr r="0" g="0" b="0"/>
+      </a:lnRef>
+      <a:fillRef idx="0">
+        <a:scrgbClr r="0" g="0" b="0"/>
+      </a:fillRef>
+      <a:effectRef idx="0">
+        <a:scrgbClr r="0" g="0" b="0"/>
+      </a:effectRef>
+      <a:fontRef idx="minor"/>
+    </dgm:style>
+  </dgm:styleLbl>
+  <dgm:styleLbl name="fgAcc1">
+    <dgm:scene3d>
+      <a:camera prst="orthographicFront"/>
+      <a:lightRig rig="threePt" dir="t"/>
+    </dgm:scene3d>
+    <dgm:sp3d/>
+    <dgm:txPr/>
+    <dgm:style>
+      <a:lnRef idx="2">
+        <a:scrgbClr r="0" g="0" b="0"/>
+      </a:lnRef>
+      <a:fillRef idx="1">
+        <a:scrgbClr r="0" g="0" b="0"/>
+      </a:fillRef>
+      <a:effectRef idx="0">
+        <a:scrgbClr r="0" g="0" b="0"/>
+      </a:effectRef>
+      <a:fontRef idx="minor"/>
+    </dgm:style>
+  </dgm:styleLbl>
+  <dgm:styleLbl name="conFgAcc1">
+    <dgm:scene3d>
+      <a:camera prst="orthographicFront"/>
+      <a:lightRig rig="threePt" dir="t"/>
+    </dgm:scene3d>
+    <dgm:sp3d/>
+    <dgm:txPr/>
+    <dgm:style>
+      <a:lnRef idx="2">
+        <a:scrgbClr r="0" g="0" b="0"/>
+      </a:lnRef>
+      <a:fillRef idx="1">
+        <a:scrgbClr r="0" g="0" b="0"/>
+      </a:fillRef>
+      <a:effectRef idx="0">
+        <a:scrgbClr r="0" g="0" b="0"/>
+      </a:effectRef>
+      <a:fontRef idx="minor"/>
+    </dgm:style>
+  </dgm:styleLbl>
+  <dgm:styleLbl name="alignAcc1">
+    <dgm:scene3d>
+      <a:camera prst="orthographicFront"/>
+      <a:lightRig rig="threePt" dir="t"/>
+    </dgm:scene3d>
+    <dgm:sp3d/>
+    <dgm:txPr/>
+    <dgm:style>
+      <a:lnRef idx="2">
+        <a:scrgbClr r="0" g="0" b="0"/>
+      </a:lnRef>
+      <a:fillRef idx="1">
+        <a:scrgbClr r="0" g="0" b="0"/>
+      </a:fillRef>
+      <a:effectRef idx="0">
+        <a:scrgbClr r="0" g="0" b="0"/>
+      </a:effectRef>
+      <a:fontRef idx="minor"/>
+    </dgm:style>
+  </dgm:styleLbl>
+  <dgm:styleLbl name="trAlignAcc1">
+    <dgm:scene3d>
+      <a:camera prst="orthographicFront"/>
+      <a:lightRig rig="threePt" dir="t"/>
+    </dgm:scene3d>
+    <dgm:sp3d/>
+    <dgm:txPr/>
+    <dgm:style>
+      <a:lnRef idx="1">
+        <a:scrgbClr r="0" g="0" b="0"/>
+      </a:lnRef>
+      <a:fillRef idx="1">
+        <a:scrgbClr r="0" g="0" b="0"/>
+      </a:fillRef>
+      <a:effectRef idx="0">
+        <a:scrgbClr r="0" g="0" b="0"/>
+      </a:effectRef>
+      <a:fontRef idx="minor"/>
+    </dgm:style>
+  </dgm:styleLbl>
+  <dgm:styleLbl name="bgAcc1">
+    <dgm:scene3d>
+      <a:camera prst="orthographicFront"/>
+      <a:lightRig rig="threePt" dir="t"/>
+    </dgm:scene3d>
+    <dgm:sp3d/>
+    <dgm:txPr/>
+    <dgm:style>
+      <a:lnRef idx="2">
+        <a:scrgbClr r="0" g="0" b="0"/>
+      </a:lnRef>
+      <a:fillRef idx="1">
+        <a:scrgbClr r="0" g="0" b="0"/>
+      </a:fillRef>
+      <a:effectRef idx="0">
+        <a:scrgbClr r="0" g="0" b="0"/>
+      </a:effectRef>
+      <a:fontRef idx="minor"/>
+    </dgm:style>
+  </dgm:styleLbl>
+  <dgm:styleLbl name="solidFgAcc1">
+    <dgm:scene3d>
+      <a:camera prst="orthographicFront"/>
+      <a:lightRig rig="threePt" dir="t"/>
+    </dgm:scene3d>
+    <dgm:sp3d/>
+    <dgm:txPr/>
+    <dgm:style>
+      <a:lnRef idx="2">
+        <a:scrgbClr r="0" g="0" b="0"/>
+      </a:lnRef>
+      <a:fillRef idx="1">
+        <a:scrgbClr r="0" g="0" b="0"/>
+      </a:fillRef>
+      <a:effectRef idx="0">
+        <a:scrgbClr r="0" g="0" b="0"/>
+      </a:effectRef>
+      <a:fontRef idx="minor"/>
+    </dgm:style>
+  </dgm:styleLbl>
+  <dgm:styleLbl name="solidAlignAcc1">
+    <dgm:scene3d>
+      <a:camera prst="orthographicFront"/>
+      <a:lightRig rig="threePt" dir="t"/>
+    </dgm:scene3d>
+    <dgm:sp3d/>
+    <dgm:txPr/>
+    <dgm:style>
+      <a:lnRef idx="2">
+        <a:scrgbClr r="0" g="0" b="0"/>
+      </a:lnRef>
+      <a:fillRef idx="1">
+        <a:scrgbClr r="0" g="0" b="0"/>
+      </a:fillRef>
+      <a:effectRef idx="0">
+        <a:scrgbClr r="0" g="0" b="0"/>
+      </a:effectRef>
+      <a:fontRef idx="minor"/>
+    </dgm:style>
+  </dgm:styleLbl>
+  <dgm:styleLbl name="solidBgAcc1">
+    <dgm:scene3d>
+      <a:camera prst="orthographicFront"/>
+      <a:lightRig rig="threePt" dir="t"/>
+    </dgm:scene3d>
+    <dgm:sp3d/>
+    <dgm:txPr/>
+    <dgm:style>
+      <a:lnRef idx="2">
+        <a:scrgbClr r="0" g="0" b="0"/>
+      </a:lnRef>
+      <a:fillRef idx="1">
+        <a:scrgbClr r="0" g="0" b="0"/>
+      </a:fillRef>
+      <a:effectRef idx="0">
+        <a:scrgbClr r="0" g="0" b="0"/>
+      </a:effectRef>
+      <a:fontRef idx="minor"/>
+    </dgm:style>
+  </dgm:styleLbl>
+  <dgm:styleLbl name="fgAccFollowNode1">
+    <dgm:scene3d>
+      <a:camera prst="orthographicFront"/>
+      <a:lightRig rig="threePt" dir="t"/>
+    </dgm:scene3d>
+    <dgm:sp3d/>
+    <dgm:txPr/>
+    <dgm:style>
+      <a:lnRef idx="2">
+        <a:scrgbClr r="0" g="0" b="0"/>
+      </a:lnRef>
+      <a:fillRef idx="1">
+        <a:scrgbClr r="0" g="0" b="0"/>
+      </a:fillRef>
+      <a:effectRef idx="0">
+        <a:scrgbClr r="0" g="0" b="0"/>
+      </a:effectRef>
+      <a:fontRef idx="minor"/>
+    </dgm:style>
+  </dgm:styleLbl>
+  <dgm:styleLbl name="alignAccFollowNode1">
+    <dgm:scene3d>
+      <a:camera prst="orthographicFront"/>
+      <a:lightRig rig="threePt" dir="t"/>
+    </dgm:scene3d>
+    <dgm:sp3d/>
+    <dgm:txPr/>
+    <dgm:style>
+      <a:lnRef idx="2">
+        <a:scrgbClr r="0" g="0" b="0"/>
+      </a:lnRef>
+      <a:fillRef idx="1">
+        <a:scrgbClr r="0" g="0" b="0"/>
+      </a:fillRef>
+      <a:effectRef idx="0">
+        <a:scrgbClr r="0" g="0" b="0"/>
+      </a:effectRef>
+      <a:fontRef idx="minor"/>
+    </dgm:style>
+  </dgm:styleLbl>
+  <dgm:styleLbl name="bgAccFollowNode1">
+    <dgm:scene3d>
+      <a:camera prst="orthographicFront"/>
+      <a:lightRig rig="threePt" dir="t"/>
+    </dgm:scene3d>
+    <dgm:sp3d/>
+    <dgm:txPr/>
+    <dgm:style>
+      <a:lnRef idx="2">
+        <a:scrgbClr r="0" g="0" b="0"/>
+      </a:lnRef>
+      <a:fillRef idx="1">
+        <a:scrgbClr r="0" g="0" b="0"/>
+      </a:fillRef>
+      <a:effectRef idx="0">
+        <a:scrgbClr r="0" g="0" b="0"/>
+      </a:effectRef>
+      <a:fontRef idx="minor"/>
+    </dgm:style>
+  </dgm:styleLbl>
+  <dgm:styleLbl name="fgAcc0">
+    <dgm:scene3d>
+      <a:camera prst="orthographicFront"/>
+      <a:lightRig rig="threePt" dir="t"/>
+    </dgm:scene3d>
+    <dgm:sp3d/>
+    <dgm:txPr/>
+    <dgm:style>
+      <a:lnRef idx="2">
+        <a:scrgbClr r="0" g="0" b="0"/>
+      </a:lnRef>
+      <a:fillRef idx="1">
+        <a:scrgbClr r="0" g="0" b="0"/>
+      </a:fillRef>
+      <a:effectRef idx="0">
+        <a:scrgbClr r="0" g="0" b="0"/>
+      </a:effectRef>
+      <a:fontRef idx="minor"/>
+    </dgm:style>
+  </dgm:styleLbl>
+  <dgm:styleLbl name="fgAcc2">
+    <dgm:scene3d>
+      <a:camera prst="orthographicFront"/>
+      <a:lightRig rig="threePt" dir="t"/>
+    </dgm:scene3d>
+    <dgm:sp3d/>
+    <dgm:txPr/>
+    <dgm:style>
+      <a:lnRef idx="2">
+        <a:scrgbClr r="0" g="0" b="0"/>
+      </a:lnRef>
+      <a:fillRef idx="1">
+        <a:scrgbClr r="0" g="0" b="0"/>
+      </a:fillRef>
+      <a:effectRef idx="0">
+        <a:scrgbClr r="0" g="0" b="0"/>
+      </a:effectRef>
+      <a:fontRef idx="minor"/>
+    </dgm:style>
+  </dgm:styleLbl>
+  <dgm:styleLbl name="fgAcc3">
+    <dgm:scene3d>
+      <a:camera prst="orthographicFront"/>
+      <a:lightRig rig="threePt" dir="t"/>
+    </dgm:scene3d>
+    <dgm:sp3d/>
+    <dgm:txPr/>
+    <dgm:style>
+      <a:lnRef idx="2">
+        <a:scrgbClr r="0" g="0" b="0"/>
+      </a:lnRef>
+      <a:fillRef idx="1">
+        <a:scrgbClr r="0" g="0" b="0"/>
+      </a:fillRef>
+      <a:effectRef idx="0">
+        <a:scrgbClr r="0" g="0" b="0"/>
+      </a:effectRef>
+      <a:fontRef idx="minor"/>
+    </dgm:style>
+  </dgm:styleLbl>
+  <dgm:styleLbl name="fgAcc4">
+    <dgm:scene3d>
+      <a:camera prst="orthographicFront"/>
+      <a:lightRig rig="threePt" dir="t"/>
+    </dgm:scene3d>
+    <dgm:sp3d/>
+    <dgm:txPr/>
+    <dgm:style>
+      <a:lnRef idx="2">
+        <a:scrgbClr r="0" g="0" b="0"/>
+      </a:lnRef>
+      <a:fillRef idx="1">
+        <a:scrgbClr r="0" g="0" b="0"/>
+      </a:fillRef>
+      <a:effectRef idx="0">
+        <a:scrgbClr r="0" g="0" b="0"/>
+      </a:effectRef>
+      <a:fontRef idx="minor"/>
+    </dgm:style>
+  </dgm:styleLbl>
+  <dgm:styleLbl name="bgShp">
+    <dgm:scene3d>
+      <a:camera prst="orthographicFront"/>
+      <a:lightRig rig="threePt" dir="t"/>
+    </dgm:scene3d>
+    <dgm:sp3d/>
+    <dgm:txPr/>
+    <dgm:style>
+      <a:lnRef idx="0">
+        <a:scrgbClr r="0" g="0" b="0"/>
+      </a:lnRef>
+      <a:fillRef idx="1">
+        <a:scrgbClr r="0" g="0" b="0"/>
+      </a:fillRef>
+      <a:effectRef idx="0">
+        <a:scrgbClr r="0" g="0" b="0"/>
+      </a:effectRef>
+      <a:fontRef idx="minor"/>
+    </dgm:style>
+  </dgm:styleLbl>
+  <dgm:styleLbl name="dkBgShp">
+    <dgm:scene3d>
+      <a:camera prst="orthographicFront"/>
+      <a:lightRig rig="threePt" dir="t"/>
+    </dgm:scene3d>
+    <dgm:sp3d/>
+    <dgm:txPr/>
+    <dgm:style>
+      <a:lnRef idx="0">
+        <a:scrgbClr r="0" g="0" b="0"/>
+      </a:lnRef>
+      <a:fillRef idx="1">
+        <a:scrgbClr r="0" g="0" b="0"/>
+      </a:fillRef>
+      <a:effectRef idx="0">
+        <a:scrgbClr r="0" g="0" b="0"/>
+      </a:effectRef>
+      <a:fontRef idx="minor"/>
+    </dgm:style>
+  </dgm:styleLbl>
+  <dgm:styleLbl name="trBgShp">
+    <dgm:scene3d>
+      <a:camera prst="orthographicFront"/>
+      <a:lightRig rig="threePt" dir="t"/>
+    </dgm:scene3d>
+    <dgm:sp3d/>
+    <dgm:txPr/>
+    <dgm:style>
+      <a:lnRef idx="0">
+        <a:scrgbClr r="0" g="0" b="0"/>
+      </a:lnRef>
+      <a:fillRef idx="1">
+        <a:scrgbClr r="0" g="0" b="0"/>
+      </a:fillRef>
+      <a:effectRef idx="0">
+        <a:scrgbClr r="0" g="0" b="0"/>
+      </a:effectRef>
+      <a:fontRef idx="minor"/>
+    </dgm:style>
+  </dgm:styleLbl>
+  <dgm:styleLbl name="fgShp">
+    <dgm:scene3d>
+      <a:camera prst="orthographicFront"/>
+      <a:lightRig rig="threePt" dir="t"/>
+    </dgm:scene3d>
+    <dgm:sp3d/>
+    <dgm:txPr/>
+    <dgm:style>
+      <a:lnRef idx="2">
+        <a:scrgbClr r="0" g="0" b="0"/>
+      </a:lnRef>
+      <a:fillRef idx="1">
+        <a:scrgbClr r="0" g="0" b="0"/>
+      </a:fillRef>
+      <a:effectRef idx="0">
+        <a:scrgbClr r="0" g="0" b="0"/>
+      </a:effectRef>
+      <a:fontRef idx="minor"/>
+    </dgm:style>
+  </dgm:styleLbl>
+  <dgm:styleLbl name="revTx">
+    <dgm:scene3d>
+      <a:camera prst="orthographicFront"/>
+      <a:lightRig rig="threePt" dir="t"/>
+    </dgm:scene3d>
+    <dgm:sp3d/>
+    <dgm:txPr/>
+    <dgm:style>
+      <a:lnRef idx="0">
+        <a:scrgbClr r="0" g="0" b="0"/>
+      </a:lnRef>
+      <a:fillRef idx="0">
+        <a:scrgbClr r="0" g="0" b="0"/>
+      </a:fillRef>
+      <a:effectRef idx="0">
+        <a:scrgbClr r="0" g="0" b="0"/>
+      </a:effectRef>
+      <a:fontRef idx="minor"/>
+    </dgm:style>
+  </dgm:styleLbl>
+</dgm:styleDef>
+</file>
+
+<file path=ppt/notesMasters/notesMaster1.xml><?xml version="1.0" encoding="utf-8"?>
+<p:notesMaster xmlns:a="http://schemas.openxmlformats.org/drawingml/2006/main" xmlns:r="http://schemas.openxmlformats.org/officeDocument/2006/relationships" xmlns:p="http://schemas.openxmlformats.org/presentationml/2006/main">
+  <p:cSld>
+    <p:bg>
+      <p:bgRef idx="1001">
+        <a:schemeClr val="bg1"/>
+      </p:bgRef>
+    </p:bg>
+    <p:spTree>
+      <p:nvGrpSpPr>
+        <p:cNvPr id="1" name=""/>
+        <p:cNvGrpSpPr/>
+        <p:nvPr/>
+      </p:nvGrpSpPr>
+      <p:grpSpPr>
+        <a:xfrm>
+          <a:off x="0" y="0"/>
+          <a:ext cx="0" cy="0"/>
+          <a:chOff x="0" y="0"/>
+          <a:chExt cx="0" cy="0"/>
+        </a:xfrm>
+      </p:grpSpPr>
+      <p:sp>
+        <p:nvSpPr>
+          <p:cNvPr id="2" name="Header Placeholder 1"/>
+          <p:cNvSpPr>
+            <a:spLocks noGrp="1"/>
+          </p:cNvSpPr>
+          <p:nvPr>
+            <p:ph type="hdr" sz="quarter"/>
+          </p:nvPr>
+        </p:nvSpPr>
+        <p:spPr>
+          <a:xfrm>
+            <a:off x="0" y="0"/>
+            <a:ext cx="2971800" cy="458788"/>
+          </a:xfrm>
+          <a:prstGeom prst="rect">
+            <a:avLst/>
+          </a:prstGeom>
+        </p:spPr>
+        <p:txBody>
+          <a:bodyPr vert="horz" lIns="91440" tIns="45720" rIns="91440" bIns="45720" rtlCol="0"/>
+          <a:lstStyle>
+            <a:lvl1pPr algn="l">
+              <a:defRPr sz="1200"/>
+            </a:lvl1pPr>
+          </a:lstStyle>
+          <a:p>
+            <a:endParaRPr lang="en-IN"/>
+          </a:p>
+        </p:txBody>
+      </p:sp>
+      <p:sp>
+        <p:nvSpPr>
+          <p:cNvPr id="3" name="Date Placeholder 2"/>
+          <p:cNvSpPr>
+            <a:spLocks noGrp="1"/>
+          </p:cNvSpPr>
+          <p:nvPr>
+            <p:ph type="dt" idx="1"/>
+          </p:nvPr>
+        </p:nvSpPr>
+        <p:spPr>
+          <a:xfrm>
+            <a:off x="3884613" y="0"/>
+            <a:ext cx="2971800" cy="458788"/>
+          </a:xfrm>
+          <a:prstGeom prst="rect">
+            <a:avLst/>
+          </a:prstGeom>
+        </p:spPr>
+        <p:txBody>
+          <a:bodyPr vert="horz" lIns="91440" tIns="45720" rIns="91440" bIns="45720" rtlCol="0"/>
+          <a:lstStyle>
+            <a:lvl1pPr algn="r">
+              <a:defRPr sz="1200"/>
+            </a:lvl1pPr>
+          </a:lstStyle>
+          <a:p>
+            <a:fld id="{0E7B974D-C4A0-4821-8FA6-6F22A8556EFF}" type="datetimeFigureOut">
+              <a:rPr lang="en-IN" smtClean="0"/>
+              <a:t>06-03-2023</a:t>
+            </a:fld>
+            <a:endParaRPr lang="en-IN"/>
+          </a:p>
+        </p:txBody>
+      </p:sp>
+      <p:sp>
+        <p:nvSpPr>
+          <p:cNvPr id="4" name="Slide Image Placeholder 3"/>
+          <p:cNvSpPr>
+            <a:spLocks noGrp="1" noRot="1" noChangeAspect="1"/>
+          </p:cNvSpPr>
+          <p:nvPr>
+            <p:ph type="sldImg" idx="2"/>
+          </p:nvPr>
+        </p:nvSpPr>
+        <p:spPr>
+          <a:xfrm>
+            <a:off x="685800" y="1143000"/>
+            <a:ext cx="5486400" cy="3086100"/>
+          </a:xfrm>
+          <a:prstGeom prst="rect">
+            <a:avLst/>
+          </a:prstGeom>
+          <a:noFill/>
+          <a:ln w="12700">
+            <a:solidFill>
+              <a:prstClr val="black"/>
+            </a:solidFill>
+          </a:ln>
+        </p:spPr>
+        <p:txBody>
+          <a:bodyPr vert="horz" lIns="91440" tIns="45720" rIns="91440" bIns="45720" rtlCol="0" anchor="ctr"/>
+          <a:lstStyle/>
+          <a:p>
+            <a:endParaRPr lang="en-IN"/>
+          </a:p>
+        </p:txBody>
+      </p:sp>
+      <p:sp>
+        <p:nvSpPr>
+          <p:cNvPr id="5" name="Notes Placeholder 4"/>
+          <p:cNvSpPr>
+            <a:spLocks noGrp="1"/>
+          </p:cNvSpPr>
+          <p:nvPr>
+            <p:ph type="body" sz="quarter" idx="3"/>
+          </p:nvPr>
+        </p:nvSpPr>
+        <p:spPr>
+          <a:xfrm>
+            <a:off x="685800" y="4400550"/>
+            <a:ext cx="5486400" cy="3600450"/>
+          </a:xfrm>
+          <a:prstGeom prst="rect">
+            <a:avLst/>
+          </a:prstGeom>
+        </p:spPr>
+        <p:txBody>
+          <a:bodyPr vert="horz" lIns="91440" tIns="45720" rIns="91440" bIns="45720" rtlCol="0"/>
+          <a:lstStyle/>
+          <a:p>
+            <a:pPr lvl="0"/>
+            <a:r>
+              <a:rPr lang="en-US" smtClean="0"/>
+              <a:t>Edit Master text styles</a:t>
+            </a:r>
+          </a:p>
+          <a:p>
+            <a:pPr lvl="1"/>
+            <a:r>
+              <a:rPr lang="en-US" smtClean="0"/>
+              <a:t>Second level</a:t>
+            </a:r>
+          </a:p>
+          <a:p>
+            <a:pPr lvl="2"/>
+            <a:r>
+              <a:rPr lang="en-US" smtClean="0"/>
+              <a:t>Third level</a:t>
+            </a:r>
+          </a:p>
+          <a:p>
+            <a:pPr lvl="3"/>
+            <a:r>
+              <a:rPr lang="en-US" smtClean="0"/>
+              <a:t>Fourth level</a:t>
+            </a:r>
+          </a:p>
+          <a:p>
+            <a:pPr lvl="4"/>
+            <a:r>
+              <a:rPr lang="en-US" smtClean="0"/>
+              <a:t>Fifth level</a:t>
+            </a:r>
+            <a:endParaRPr lang="en-IN"/>
+          </a:p>
+        </p:txBody>
+      </p:sp>
+      <p:sp>
+        <p:nvSpPr>
+          <p:cNvPr id="6" name="Footer Placeholder 5"/>
+          <p:cNvSpPr>
+            <a:spLocks noGrp="1"/>
+          </p:cNvSpPr>
+          <p:nvPr>
+            <p:ph type="ftr" sz="quarter" idx="4"/>
+          </p:nvPr>
+        </p:nvSpPr>
+        <p:spPr>
+          <a:xfrm>
+            <a:off x="0" y="8685213"/>
+            <a:ext cx="2971800" cy="458787"/>
+          </a:xfrm>
+          <a:prstGeom prst="rect">
+            <a:avLst/>
+          </a:prstGeom>
+        </p:spPr>
+        <p:txBody>
+          <a:bodyPr vert="horz" lIns="91440" tIns="45720" rIns="91440" bIns="45720" rtlCol="0" anchor="b"/>
+          <a:lstStyle>
+            <a:lvl1pPr algn="l">
+              <a:defRPr sz="1200"/>
+            </a:lvl1pPr>
+          </a:lstStyle>
+          <a:p>
+            <a:endParaRPr lang="en-IN"/>
+          </a:p>
+        </p:txBody>
+      </p:sp>
+      <p:sp>
+        <p:nvSpPr>
+          <p:cNvPr id="7" name="Slide Number Placeholder 6"/>
+          <p:cNvSpPr>
+            <a:spLocks noGrp="1"/>
+          </p:cNvSpPr>
+          <p:nvPr>
+            <p:ph type="sldNum" sz="quarter" idx="5"/>
+          </p:nvPr>
+        </p:nvSpPr>
+        <p:spPr>
+          <a:xfrm>
+            <a:off x="3884613" y="8685213"/>
+            <a:ext cx="2971800" cy="458787"/>
+          </a:xfrm>
+          <a:prstGeom prst="rect">
+            <a:avLst/>
+          </a:prstGeom>
+        </p:spPr>
+        <p:txBody>
+          <a:bodyPr vert="horz" lIns="91440" tIns="45720" rIns="91440" bIns="45720" rtlCol="0" anchor="b"/>
+          <a:lstStyle>
+            <a:lvl1pPr algn="r">
+              <a:defRPr sz="1200"/>
+            </a:lvl1pPr>
+          </a:lstStyle>
+          <a:p>
+            <a:fld id="{BA36903F-3DCD-45F8-A92C-4FAF77F099BF}" type="slidenum">
+              <a:rPr lang="en-IN" smtClean="0"/>
+              <a:t>‹#›</a:t>
+            </a:fld>
+            <a:endParaRPr lang="en-IN"/>
+          </a:p>
+        </p:txBody>
+      </p:sp>
+    </p:spTree>
+    <p:extLst>
+      <p:ext uri="{BB962C8B-B14F-4D97-AF65-F5344CB8AC3E}">
+        <p14:creationId xmlns:p14="http://schemas.microsoft.com/office/powerpoint/2010/main" val="4035564490"/>
+      </p:ext>
+    </p:extLst>
+  </p:cSld>
+  <p:clrMap bg1="lt1" tx1="dk1" bg2="lt2" tx2="dk2" accent1="accent1" accent2="accent2" accent3="accent3" accent4="accent4" accent5="accent5" accent6="accent6" hlink="hlink" folHlink="folHlink"/>
+  <p:notesStyle>
+    <a:lvl1pPr marL="0" algn="l" defTabSz="914400" rtl="0" eaLnBrk="1" latinLnBrk="0" hangingPunct="1">
+      <a:defRPr sz="1200" kern="1200">
+        <a:solidFill>
+          <a:schemeClr val="tx1"/>
+        </a:solidFill>
+        <a:latin typeface="+mn-lt"/>
+        <a:ea typeface="+mn-ea"/>
+        <a:cs typeface="+mn-cs"/>
+      </a:defRPr>
+    </a:lvl1pPr>
+    <a:lvl2pPr marL="457200" algn="l" defTabSz="914400" rtl="0" eaLnBrk="1" latinLnBrk="0" hangingPunct="1">
+      <a:defRPr sz="1200" kern="1200">
+        <a:solidFill>
+          <a:schemeClr val="tx1"/>
+        </a:solidFill>
+        <a:latin typeface="+mn-lt"/>
+        <a:ea typeface="+mn-ea"/>
+        <a:cs typeface="+mn-cs"/>
+      </a:defRPr>
+    </a:lvl2pPr>
+    <a:lvl3pPr marL="914400" algn="l" defTabSz="914400" rtl="0" eaLnBrk="1" latinLnBrk="0" hangingPunct="1">
+      <a:defRPr sz="1200" kern="1200">
+        <a:solidFill>
+          <a:schemeClr val="tx1"/>
+        </a:solidFill>
+        <a:latin typeface="+mn-lt"/>
+        <a:ea typeface="+mn-ea"/>
+        <a:cs typeface="+mn-cs"/>
+      </a:defRPr>
+    </a:lvl3pPr>
+    <a:lvl4pPr marL="1371600" algn="l" defTabSz="914400" rtl="0" eaLnBrk="1" latinLnBrk="0" hangingPunct="1">
+      <a:defRPr sz="1200" kern="1200">
+        <a:solidFill>
+          <a:schemeClr val="tx1"/>
+        </a:solidFill>
+        <a:latin typeface="+mn-lt"/>
+        <a:ea typeface="+mn-ea"/>
+        <a:cs typeface="+mn-cs"/>
+      </a:defRPr>
+    </a:lvl4pPr>
+    <a:lvl5pPr marL="1828800" algn="l" defTabSz="914400" rtl="0" eaLnBrk="1" latinLnBrk="0" hangingPunct="1">
+      <a:defRPr sz="1200" kern="1200">
+        <a:solidFill>
+          <a:schemeClr val="tx1"/>
+        </a:solidFill>
+        <a:latin typeface="+mn-lt"/>
+        <a:ea typeface="+mn-ea"/>
+        <a:cs typeface="+mn-cs"/>
+      </a:defRPr>
+    </a:lvl5pPr>
+    <a:lvl6pPr marL="2286000" algn="l" defTabSz="914400" rtl="0" eaLnBrk="1" latinLnBrk="0" hangingPunct="1">
+      <a:defRPr sz="1200" kern="1200">
+        <a:solidFill>
+          <a:schemeClr val="tx1"/>
+        </a:solidFill>
+        <a:latin typeface="+mn-lt"/>
+        <a:ea typeface="+mn-ea"/>
+        <a:cs typeface="+mn-cs"/>
+      </a:defRPr>
+    </a:lvl6pPr>
+    <a:lvl7pPr marL="2743200" algn="l" defTabSz="914400" rtl="0" eaLnBrk="1" latinLnBrk="0" hangingPunct="1">
+      <a:defRPr sz="1200" kern="1200">
+        <a:solidFill>
+          <a:schemeClr val="tx1"/>
+        </a:solidFill>
+        <a:latin typeface="+mn-lt"/>
+        <a:ea typeface="+mn-ea"/>
+        <a:cs typeface="+mn-cs"/>
+      </a:defRPr>
+    </a:lvl7pPr>
+    <a:lvl8pPr marL="3200400" algn="l" defTabSz="914400" rtl="0" eaLnBrk="1" latinLnBrk="0" hangingPunct="1">
+      <a:defRPr sz="1200" kern="1200">
+        <a:solidFill>
+          <a:schemeClr val="tx1"/>
+        </a:solidFill>
+        <a:latin typeface="+mn-lt"/>
+        <a:ea typeface="+mn-ea"/>
+        <a:cs typeface="+mn-cs"/>
+      </a:defRPr>
+    </a:lvl8pPr>
+    <a:lvl9pPr marL="3657600" algn="l" defTabSz="914400" rtl="0" eaLnBrk="1" latinLnBrk="0" hangingPunct="1">
+      <a:defRPr sz="1200" kern="1200">
+        <a:solidFill>
+          <a:schemeClr val="tx1"/>
+        </a:solidFill>
+        <a:latin typeface="+mn-lt"/>
+        <a:ea typeface="+mn-ea"/>
+        <a:cs typeface="+mn-cs"/>
+      </a:defRPr>
+    </a:lvl9pPr>
+  </p:notesStyle>
+</p:notesMaster>
 </file>
 
 <file path=ppt/slideLayouts/slideLayout1.xml><?xml version="1.0" encoding="utf-8"?>
@@ -3086,7 +7784,7 @@
           <a:noFill/>
           <a:extLst>
             <a:ext uri="{909E8E84-426E-40dd-AFC4-6F175D3DCCD1}">
-              <a14:hiddenFill xmlns:a14="http://schemas.microsoft.com/office/drawing/2010/main" xmlns="">
+              <a14:hiddenFill xmlns="" xmlns:a14="http://schemas.microsoft.com/office/drawing/2010/main">
                 <a:solidFill>
                   <a:srgbClr val="FFFFFF"/>
                 </a:solidFill>
@@ -3146,7 +7844,7 @@
             </a:ln>
             <a:extLst>
               <a:ext uri="{91240B29-F687-4f45-9708-019B960494DF}">
-                <a14:hiddenLine xmlns:a14="http://schemas.microsoft.com/office/drawing/2010/main" xmlns="" w="9525">
+                <a14:hiddenLine xmlns="" xmlns:a14="http://schemas.microsoft.com/office/drawing/2010/main" w="9525">
                   <a:solidFill>
                     <a:srgbClr val="000000"/>
                   </a:solidFill>
@@ -3236,7 +7934,7 @@
             </a:ln>
             <a:extLst>
               <a:ext uri="{91240B29-F687-4f45-9708-019B960494DF}">
-                <a14:hiddenLine xmlns:a14="http://schemas.microsoft.com/office/drawing/2010/main" xmlns="" w="9525">
+                <a14:hiddenLine xmlns="" xmlns:a14="http://schemas.microsoft.com/office/drawing/2010/main" w="9525">
                   <a:solidFill>
                     <a:srgbClr val="000000"/>
                   </a:solidFill>
@@ -3326,7 +8024,7 @@
             </a:ln>
             <a:extLst>
               <a:ext uri="{91240B29-F687-4f45-9708-019B960494DF}">
-                <a14:hiddenLine xmlns:a14="http://schemas.microsoft.com/office/drawing/2010/main" xmlns="" w="9525">
+                <a14:hiddenLine xmlns="" xmlns:a14="http://schemas.microsoft.com/office/drawing/2010/main" w="9525">
                   <a:solidFill>
                     <a:srgbClr val="000000"/>
                   </a:solidFill>
@@ -3360,7 +8058,7 @@
             </a:ln>
             <a:extLst>
               <a:ext uri="{91240B29-F687-4f45-9708-019B960494DF}">
-                <a14:hiddenLine xmlns:a14="http://schemas.microsoft.com/office/drawing/2010/main" xmlns="" w="9525">
+                <a14:hiddenLine xmlns="" xmlns:a14="http://schemas.microsoft.com/office/drawing/2010/main" w="9525">
                   <a:solidFill>
                     <a:srgbClr val="000000"/>
                   </a:solidFill>
@@ -3450,7 +8148,7 @@
             </a:ln>
             <a:extLst>
               <a:ext uri="{91240B29-F687-4f45-9708-019B960494DF}">
-                <a14:hiddenLine xmlns:a14="http://schemas.microsoft.com/office/drawing/2010/main" xmlns="" w="9525">
+                <a14:hiddenLine xmlns="" xmlns:a14="http://schemas.microsoft.com/office/drawing/2010/main" w="9525">
                   <a:solidFill>
                     <a:srgbClr val="000000"/>
                   </a:solidFill>
@@ -3512,7 +8210,7 @@
             </a:ln>
             <a:extLst>
               <a:ext uri="{91240B29-F687-4f45-9708-019B960494DF}">
-                <a14:hiddenLine xmlns:a14="http://schemas.microsoft.com/office/drawing/2010/main" xmlns="" w="9525">
+                <a14:hiddenLine xmlns="" xmlns:a14="http://schemas.microsoft.com/office/drawing/2010/main" w="9525">
                   <a:solidFill>
                     <a:srgbClr val="000000"/>
                   </a:solidFill>
@@ -3574,7 +8272,7 @@
             </a:ln>
             <a:extLst>
               <a:ext uri="{91240B29-F687-4f45-9708-019B960494DF}">
-                <a14:hiddenLine xmlns:a14="http://schemas.microsoft.com/office/drawing/2010/main" xmlns="" w="9525">
+                <a14:hiddenLine xmlns="" xmlns:a14="http://schemas.microsoft.com/office/drawing/2010/main" w="9525">
                   <a:solidFill>
                     <a:srgbClr val="000000"/>
                   </a:solidFill>
@@ -3664,7 +8362,7 @@
             </a:ln>
             <a:extLst>
               <a:ext uri="{91240B29-F687-4f45-9708-019B960494DF}">
-                <a14:hiddenLine xmlns:a14="http://schemas.microsoft.com/office/drawing/2010/main" xmlns="" w="9525">
+                <a14:hiddenLine xmlns="" xmlns:a14="http://schemas.microsoft.com/office/drawing/2010/main" w="9525">
                   <a:solidFill>
                     <a:srgbClr val="000000"/>
                   </a:solidFill>
@@ -3726,7 +8424,7 @@
             </a:ln>
             <a:extLst>
               <a:ext uri="{91240B29-F687-4f45-9708-019B960494DF}">
-                <a14:hiddenLine xmlns:a14="http://schemas.microsoft.com/office/drawing/2010/main" xmlns="" w="9525">
+                <a14:hiddenLine xmlns="" xmlns:a14="http://schemas.microsoft.com/office/drawing/2010/main" w="9525">
                   <a:solidFill>
                     <a:srgbClr val="000000"/>
                   </a:solidFill>
@@ -3788,7 +8486,7 @@
             </a:ln>
             <a:extLst>
               <a:ext uri="{91240B29-F687-4f45-9708-019B960494DF}">
-                <a14:hiddenLine xmlns:a14="http://schemas.microsoft.com/office/drawing/2010/main" xmlns="" w="9525">
+                <a14:hiddenLine xmlns="" xmlns:a14="http://schemas.microsoft.com/office/drawing/2010/main" w="9525">
                   <a:solidFill>
                     <a:srgbClr val="000000"/>
                   </a:solidFill>
@@ -3878,7 +8576,7 @@
             </a:ln>
             <a:extLst>
               <a:ext uri="{91240B29-F687-4f45-9708-019B960494DF}">
-                <a14:hiddenLine xmlns:a14="http://schemas.microsoft.com/office/drawing/2010/main" xmlns="" w="9525">
+                <a14:hiddenLine xmlns="" xmlns:a14="http://schemas.microsoft.com/office/drawing/2010/main" w="9525">
                   <a:solidFill>
                     <a:srgbClr val="000000"/>
                   </a:solidFill>
@@ -3968,7 +8666,7 @@
             </a:ln>
             <a:extLst>
               <a:ext uri="{91240B29-F687-4f45-9708-019B960494DF}">
-                <a14:hiddenLine xmlns:a14="http://schemas.microsoft.com/office/drawing/2010/main" xmlns="" w="9525">
+                <a14:hiddenLine xmlns="" xmlns:a14="http://schemas.microsoft.com/office/drawing/2010/main" w="9525">
                   <a:solidFill>
                     <a:srgbClr val="000000"/>
                   </a:solidFill>
@@ -4030,7 +8728,7 @@
             </a:ln>
             <a:extLst>
               <a:ext uri="{91240B29-F687-4f45-9708-019B960494DF}">
-                <a14:hiddenLine xmlns:a14="http://schemas.microsoft.com/office/drawing/2010/main" xmlns="" w="9525">
+                <a14:hiddenLine xmlns="" xmlns:a14="http://schemas.microsoft.com/office/drawing/2010/main" w="9525">
                   <a:solidFill>
                     <a:srgbClr val="000000"/>
                   </a:solidFill>
@@ -4140,7 +8838,7 @@
             </a:ln>
             <a:extLst>
               <a:ext uri="{91240B29-F687-4f45-9708-019B960494DF}">
-                <a14:hiddenLine xmlns:a14="http://schemas.microsoft.com/office/drawing/2010/main" xmlns="" w="9525">
+                <a14:hiddenLine xmlns="" xmlns:a14="http://schemas.microsoft.com/office/drawing/2010/main" w="9525">
                   <a:solidFill>
                     <a:srgbClr val="000000"/>
                   </a:solidFill>
@@ -4202,7 +8900,7 @@
             </a:ln>
             <a:extLst>
               <a:ext uri="{91240B29-F687-4f45-9708-019B960494DF}">
-                <a14:hiddenLine xmlns:a14="http://schemas.microsoft.com/office/drawing/2010/main" xmlns="" w="9525">
+                <a14:hiddenLine xmlns="" xmlns:a14="http://schemas.microsoft.com/office/drawing/2010/main" w="9525">
                   <a:solidFill>
                     <a:srgbClr val="000000"/>
                   </a:solidFill>
@@ -4292,7 +8990,7 @@
             </a:ln>
             <a:extLst>
               <a:ext uri="{91240B29-F687-4f45-9708-019B960494DF}">
-                <a14:hiddenLine xmlns:a14="http://schemas.microsoft.com/office/drawing/2010/main" xmlns="" w="9525">
+                <a14:hiddenLine xmlns="" xmlns:a14="http://schemas.microsoft.com/office/drawing/2010/main" w="9525">
                   <a:solidFill>
                     <a:srgbClr val="000000"/>
                   </a:solidFill>
@@ -4382,7 +9080,7 @@
             </a:ln>
             <a:extLst>
               <a:ext uri="{91240B29-F687-4f45-9708-019B960494DF}">
-                <a14:hiddenLine xmlns:a14="http://schemas.microsoft.com/office/drawing/2010/main" xmlns="" w="9525">
+                <a14:hiddenLine xmlns="" xmlns:a14="http://schemas.microsoft.com/office/drawing/2010/main" w="9525">
                   <a:solidFill>
                     <a:srgbClr val="000000"/>
                   </a:solidFill>
@@ -4444,7 +9142,7 @@
             </a:ln>
             <a:extLst>
               <a:ext uri="{91240B29-F687-4f45-9708-019B960494DF}">
-                <a14:hiddenLine xmlns:a14="http://schemas.microsoft.com/office/drawing/2010/main" xmlns="" w="9525">
+                <a14:hiddenLine xmlns="" xmlns:a14="http://schemas.microsoft.com/office/drawing/2010/main" w="9525">
                   <a:solidFill>
                     <a:srgbClr val="000000"/>
                   </a:solidFill>
@@ -4534,7 +9232,7 @@
             </a:ln>
             <a:extLst>
               <a:ext uri="{91240B29-F687-4f45-9708-019B960494DF}">
-                <a14:hiddenLine xmlns:a14="http://schemas.microsoft.com/office/drawing/2010/main" xmlns="" w="9525">
+                <a14:hiddenLine xmlns="" xmlns:a14="http://schemas.microsoft.com/office/drawing/2010/main" w="9525">
                   <a:solidFill>
                     <a:srgbClr val="000000"/>
                   </a:solidFill>
@@ -4624,7 +9322,7 @@
             </a:ln>
             <a:extLst>
               <a:ext uri="{91240B29-F687-4f45-9708-019B960494DF}">
-                <a14:hiddenLine xmlns:a14="http://schemas.microsoft.com/office/drawing/2010/main" xmlns="" w="9525">
+                <a14:hiddenLine xmlns="" xmlns:a14="http://schemas.microsoft.com/office/drawing/2010/main" w="9525">
                   <a:solidFill>
                     <a:srgbClr val="000000"/>
                   </a:solidFill>
@@ -4680,7 +9378,7 @@
             </a:ln>
             <a:extLst>
               <a:ext uri="{91240B29-F687-4f45-9708-019B960494DF}">
-                <a14:hiddenLine xmlns:a14="http://schemas.microsoft.com/office/drawing/2010/main" xmlns="" w="9525">
+                <a14:hiddenLine xmlns="" xmlns:a14="http://schemas.microsoft.com/office/drawing/2010/main" w="9525">
                   <a:solidFill>
                     <a:srgbClr val="000000"/>
                   </a:solidFill>
@@ -4770,7 +9468,7 @@
             </a:ln>
             <a:extLst>
               <a:ext uri="{91240B29-F687-4f45-9708-019B960494DF}">
-                <a14:hiddenLine xmlns:a14="http://schemas.microsoft.com/office/drawing/2010/main" xmlns="" w="9525">
+                <a14:hiddenLine xmlns="" xmlns:a14="http://schemas.microsoft.com/office/drawing/2010/main" w="9525">
                   <a:solidFill>
                     <a:srgbClr val="000000"/>
                   </a:solidFill>
@@ -4826,7 +9524,7 @@
             </a:ln>
             <a:extLst>
               <a:ext uri="{91240B29-F687-4f45-9708-019B960494DF}">
-                <a14:hiddenLine xmlns:a14="http://schemas.microsoft.com/office/drawing/2010/main" xmlns="" w="9525">
+                <a14:hiddenLine xmlns="" xmlns:a14="http://schemas.microsoft.com/office/drawing/2010/main" w="9525">
                   <a:solidFill>
                     <a:srgbClr val="000000"/>
                   </a:solidFill>
@@ -4916,7 +9614,7 @@
             </a:ln>
             <a:extLst>
               <a:ext uri="{91240B29-F687-4f45-9708-019B960494DF}">
-                <a14:hiddenLine xmlns:a14="http://schemas.microsoft.com/office/drawing/2010/main" xmlns="" w="9525">
+                <a14:hiddenLine xmlns="" xmlns:a14="http://schemas.microsoft.com/office/drawing/2010/main" w="9525">
                   <a:solidFill>
                     <a:srgbClr val="000000"/>
                   </a:solidFill>
@@ -4984,7 +9682,7 @@
             </a:ln>
             <a:extLst>
               <a:ext uri="{91240B29-F687-4f45-9708-019B960494DF}">
-                <a14:hiddenLine xmlns:a14="http://schemas.microsoft.com/office/drawing/2010/main" xmlns="" w="9525">
+                <a14:hiddenLine xmlns="" xmlns:a14="http://schemas.microsoft.com/office/drawing/2010/main" w="9525">
                   <a:solidFill>
                     <a:srgbClr val="000000"/>
                   </a:solidFill>
@@ -5074,7 +9772,7 @@
             </a:ln>
             <a:extLst>
               <a:ext uri="{91240B29-F687-4f45-9708-019B960494DF}">
-                <a14:hiddenLine xmlns:a14="http://schemas.microsoft.com/office/drawing/2010/main" xmlns="" w="9525">
+                <a14:hiddenLine xmlns="" xmlns:a14="http://schemas.microsoft.com/office/drawing/2010/main" w="9525">
                   <a:solidFill>
                     <a:srgbClr val="000000"/>
                   </a:solidFill>
@@ -5142,7 +9840,7 @@
             </a:ln>
             <a:extLst>
               <a:ext uri="{91240B29-F687-4f45-9708-019B960494DF}">
-                <a14:hiddenLine xmlns:a14="http://schemas.microsoft.com/office/drawing/2010/main" xmlns="" w="9525">
+                <a14:hiddenLine xmlns="" xmlns:a14="http://schemas.microsoft.com/office/drawing/2010/main" w="9525">
                   <a:solidFill>
                     <a:srgbClr val="000000"/>
                   </a:solidFill>
@@ -5232,7 +9930,7 @@
             </a:ln>
             <a:extLst>
               <a:ext uri="{91240B29-F687-4f45-9708-019B960494DF}">
-                <a14:hiddenLine xmlns:a14="http://schemas.microsoft.com/office/drawing/2010/main" xmlns="" w="9525">
+                <a14:hiddenLine xmlns="" xmlns:a14="http://schemas.microsoft.com/office/drawing/2010/main" w="9525">
                   <a:solidFill>
                     <a:srgbClr val="000000"/>
                   </a:solidFill>
@@ -5266,7 +9964,7 @@
             </a:ln>
             <a:extLst>
               <a:ext uri="{91240B29-F687-4f45-9708-019B960494DF}">
-                <a14:hiddenLine xmlns:a14="http://schemas.microsoft.com/office/drawing/2010/main" xmlns="" w="9525">
+                <a14:hiddenLine xmlns="" xmlns:a14="http://schemas.microsoft.com/office/drawing/2010/main" w="9525">
                   <a:solidFill>
                     <a:srgbClr val="000000"/>
                   </a:solidFill>
@@ -5356,7 +10054,7 @@
             </a:ln>
             <a:extLst>
               <a:ext uri="{91240B29-F687-4f45-9708-019B960494DF}">
-                <a14:hiddenLine xmlns:a14="http://schemas.microsoft.com/office/drawing/2010/main" xmlns="" w="9525">
+                <a14:hiddenLine xmlns="" xmlns:a14="http://schemas.microsoft.com/office/drawing/2010/main" w="9525">
                   <a:solidFill>
                     <a:srgbClr val="000000"/>
                   </a:solidFill>
@@ -5418,7 +10116,7 @@
             </a:ln>
             <a:extLst>
               <a:ext uri="{91240B29-F687-4f45-9708-019B960494DF}">
-                <a14:hiddenLine xmlns:a14="http://schemas.microsoft.com/office/drawing/2010/main" xmlns="" w="9525">
+                <a14:hiddenLine xmlns="" xmlns:a14="http://schemas.microsoft.com/office/drawing/2010/main" w="9525">
                   <a:solidFill>
                     <a:srgbClr val="000000"/>
                   </a:solidFill>
@@ -5480,7 +10178,7 @@
             </a:ln>
             <a:extLst>
               <a:ext uri="{91240B29-F687-4f45-9708-019B960494DF}">
-                <a14:hiddenLine xmlns:a14="http://schemas.microsoft.com/office/drawing/2010/main" xmlns="" w="9525">
+                <a14:hiddenLine xmlns="" xmlns:a14="http://schemas.microsoft.com/office/drawing/2010/main" w="9525">
                   <a:solidFill>
                     <a:srgbClr val="000000"/>
                   </a:solidFill>
@@ -5570,7 +10268,7 @@
             </a:ln>
             <a:extLst>
               <a:ext uri="{91240B29-F687-4f45-9708-019B960494DF}">
-                <a14:hiddenLine xmlns:a14="http://schemas.microsoft.com/office/drawing/2010/main" xmlns="" w="9525">
+                <a14:hiddenLine xmlns="" xmlns:a14="http://schemas.microsoft.com/office/drawing/2010/main" w="9525">
                   <a:solidFill>
                     <a:srgbClr val="000000"/>
                   </a:solidFill>
@@ -5638,7 +10336,7 @@
             </a:ln>
             <a:extLst>
               <a:ext uri="{91240B29-F687-4f45-9708-019B960494DF}">
-                <a14:hiddenLine xmlns:a14="http://schemas.microsoft.com/office/drawing/2010/main" xmlns="" w="9525">
+                <a14:hiddenLine xmlns="" xmlns:a14="http://schemas.microsoft.com/office/drawing/2010/main" w="9525">
                   <a:solidFill>
                     <a:srgbClr val="000000"/>
                   </a:solidFill>
@@ -5700,7 +10398,7 @@
             </a:ln>
             <a:extLst>
               <a:ext uri="{91240B29-F687-4f45-9708-019B960494DF}">
-                <a14:hiddenLine xmlns:a14="http://schemas.microsoft.com/office/drawing/2010/main" xmlns="" w="9525">
+                <a14:hiddenLine xmlns="" xmlns:a14="http://schemas.microsoft.com/office/drawing/2010/main" w="9525">
                   <a:solidFill>
                     <a:srgbClr val="000000"/>
                   </a:solidFill>
@@ -5790,7 +10488,7 @@
             </a:ln>
             <a:extLst>
               <a:ext uri="{91240B29-F687-4f45-9708-019B960494DF}">
-                <a14:hiddenLine xmlns:a14="http://schemas.microsoft.com/office/drawing/2010/main" xmlns="" w="9525">
+                <a14:hiddenLine xmlns="" xmlns:a14="http://schemas.microsoft.com/office/drawing/2010/main" w="9525">
                   <a:solidFill>
                     <a:srgbClr val="000000"/>
                   </a:solidFill>
@@ -5852,7 +10550,7 @@
             </a:ln>
             <a:extLst>
               <a:ext uri="{91240B29-F687-4f45-9708-019B960494DF}">
-                <a14:hiddenLine xmlns:a14="http://schemas.microsoft.com/office/drawing/2010/main" xmlns="" w="9525">
+                <a14:hiddenLine xmlns="" xmlns:a14="http://schemas.microsoft.com/office/drawing/2010/main" w="9525">
                   <a:solidFill>
                     <a:srgbClr val="000000"/>
                   </a:solidFill>
@@ -5942,7 +10640,7 @@
             </a:ln>
             <a:extLst>
               <a:ext uri="{91240B29-F687-4f45-9708-019B960494DF}">
-                <a14:hiddenLine xmlns:a14="http://schemas.microsoft.com/office/drawing/2010/main" xmlns="" w="9525">
+                <a14:hiddenLine xmlns="" xmlns:a14="http://schemas.microsoft.com/office/drawing/2010/main" w="9525">
                   <a:solidFill>
                     <a:srgbClr val="000000"/>
                   </a:solidFill>
@@ -6004,7 +10702,7 @@
             </a:ln>
             <a:extLst>
               <a:ext uri="{91240B29-F687-4f45-9708-019B960494DF}">
-                <a14:hiddenLine xmlns:a14="http://schemas.microsoft.com/office/drawing/2010/main" xmlns="" w="9525">
+                <a14:hiddenLine xmlns="" xmlns:a14="http://schemas.microsoft.com/office/drawing/2010/main" w="9525">
                   <a:solidFill>
                     <a:srgbClr val="000000"/>
                   </a:solidFill>
@@ -6094,7 +10792,7 @@
             </a:ln>
             <a:extLst>
               <a:ext uri="{91240B29-F687-4f45-9708-019B960494DF}">
-                <a14:hiddenLine xmlns:a14="http://schemas.microsoft.com/office/drawing/2010/main" xmlns="" w="9525">
+                <a14:hiddenLine xmlns="" xmlns:a14="http://schemas.microsoft.com/office/drawing/2010/main" w="9525">
                   <a:solidFill>
                     <a:srgbClr val="000000"/>
                   </a:solidFill>
@@ -6128,7 +10826,7 @@
             </a:ln>
             <a:extLst>
               <a:ext uri="{91240B29-F687-4f45-9708-019B960494DF}">
-                <a14:hiddenLine xmlns:a14="http://schemas.microsoft.com/office/drawing/2010/main" xmlns="" w="9525">
+                <a14:hiddenLine xmlns="" xmlns:a14="http://schemas.microsoft.com/office/drawing/2010/main" w="9525">
                   <a:solidFill>
                     <a:srgbClr val="000000"/>
                   </a:solidFill>
@@ -6193,7 +10891,7 @@
             </a:ln>
             <a:extLst>
               <a:ext uri="{91240B29-F687-4f45-9708-019B960494DF}">
-                <a14:hiddenLine xmlns:a14="http://schemas.microsoft.com/office/drawing/2010/main" xmlns="" w="9525">
+                <a14:hiddenLine xmlns="" xmlns:a14="http://schemas.microsoft.com/office/drawing/2010/main" w="9525">
                   <a:solidFill>
                     <a:srgbClr val="000000"/>
                   </a:solidFill>
@@ -6283,7 +10981,7 @@
             </a:ln>
             <a:extLst>
               <a:ext uri="{91240B29-F687-4f45-9708-019B960494DF}">
-                <a14:hiddenLine xmlns:a14="http://schemas.microsoft.com/office/drawing/2010/main" xmlns="" w="9525">
+                <a14:hiddenLine xmlns="" xmlns:a14="http://schemas.microsoft.com/office/drawing/2010/main" w="9525">
                   <a:solidFill>
                     <a:srgbClr val="000000"/>
                   </a:solidFill>
@@ -6345,7 +11043,7 @@
             </a:ln>
             <a:extLst>
               <a:ext uri="{91240B29-F687-4f45-9708-019B960494DF}">
-                <a14:hiddenLine xmlns:a14="http://schemas.microsoft.com/office/drawing/2010/main" xmlns="" w="9525">
+                <a14:hiddenLine xmlns="" xmlns:a14="http://schemas.microsoft.com/office/drawing/2010/main" w="9525">
                   <a:solidFill>
                     <a:srgbClr val="000000"/>
                   </a:solidFill>
@@ -6435,7 +11133,7 @@
             </a:ln>
             <a:extLst>
               <a:ext uri="{91240B29-F687-4f45-9708-019B960494DF}">
-                <a14:hiddenLine xmlns:a14="http://schemas.microsoft.com/office/drawing/2010/main" xmlns="" w="9525">
+                <a14:hiddenLine xmlns="" xmlns:a14="http://schemas.microsoft.com/office/drawing/2010/main" w="9525">
                   <a:solidFill>
                     <a:srgbClr val="000000"/>
                   </a:solidFill>
@@ -6525,7 +11223,7 @@
             </a:ln>
             <a:extLst>
               <a:ext uri="{91240B29-F687-4f45-9708-019B960494DF}">
-                <a14:hiddenLine xmlns:a14="http://schemas.microsoft.com/office/drawing/2010/main" xmlns="" w="9525">
+                <a14:hiddenLine xmlns="" xmlns:a14="http://schemas.microsoft.com/office/drawing/2010/main" w="9525">
                   <a:solidFill>
                     <a:srgbClr val="000000"/>
                   </a:solidFill>
@@ -6590,7 +11288,7 @@
             </a:ln>
             <a:extLst>
               <a:ext uri="{91240B29-F687-4f45-9708-019B960494DF}">
-                <a14:hiddenLine xmlns:a14="http://schemas.microsoft.com/office/drawing/2010/main" xmlns="" w="9525">
+                <a14:hiddenLine xmlns="" xmlns:a14="http://schemas.microsoft.com/office/drawing/2010/main" w="9525">
                   <a:solidFill>
                     <a:srgbClr val="000000"/>
                   </a:solidFill>
@@ -6652,7 +11350,7 @@
             </a:ln>
             <a:extLst>
               <a:ext uri="{91240B29-F687-4f45-9708-019B960494DF}">
-                <a14:hiddenLine xmlns:a14="http://schemas.microsoft.com/office/drawing/2010/main" xmlns="" w="9525">
+                <a14:hiddenLine xmlns="" xmlns:a14="http://schemas.microsoft.com/office/drawing/2010/main" w="9525">
                   <a:solidFill>
                     <a:srgbClr val="000000"/>
                   </a:solidFill>
@@ -6742,7 +11440,7 @@
             </a:ln>
             <a:extLst>
               <a:ext uri="{91240B29-F687-4f45-9708-019B960494DF}">
-                <a14:hiddenLine xmlns:a14="http://schemas.microsoft.com/office/drawing/2010/main" xmlns="" w="9525">
+                <a14:hiddenLine xmlns="" xmlns:a14="http://schemas.microsoft.com/office/drawing/2010/main" w="9525">
                   <a:solidFill>
                     <a:srgbClr val="000000"/>
                   </a:solidFill>
@@ -6832,7 +11530,7 @@
             </a:ln>
             <a:extLst>
               <a:ext uri="{91240B29-F687-4f45-9708-019B960494DF}">
-                <a14:hiddenLine xmlns:a14="http://schemas.microsoft.com/office/drawing/2010/main" xmlns="" w="9525">
+                <a14:hiddenLine xmlns="" xmlns:a14="http://schemas.microsoft.com/office/drawing/2010/main" w="9525">
                   <a:solidFill>
                     <a:srgbClr val="000000"/>
                   </a:solidFill>
@@ -6894,7 +11592,7 @@
             </a:ln>
             <a:extLst>
               <a:ext uri="{91240B29-F687-4f45-9708-019B960494DF}">
-                <a14:hiddenLine xmlns:a14="http://schemas.microsoft.com/office/drawing/2010/main" xmlns="" w="9525">
+                <a14:hiddenLine xmlns="" xmlns:a14="http://schemas.microsoft.com/office/drawing/2010/main" w="9525">
                   <a:solidFill>
                     <a:srgbClr val="000000"/>
                   </a:solidFill>
@@ -7014,7 +11712,7 @@
             </a:ln>
             <a:extLst>
               <a:ext uri="{91240B29-F687-4f45-9708-019B960494DF}">
-                <a14:hiddenLine xmlns:a14="http://schemas.microsoft.com/office/drawing/2010/main" xmlns="" w="9525">
+                <a14:hiddenLine xmlns="" xmlns:a14="http://schemas.microsoft.com/office/drawing/2010/main" w="9525">
                   <a:solidFill>
                     <a:srgbClr val="000000"/>
                   </a:solidFill>
@@ -7082,7 +11780,7 @@
             </a:ln>
             <a:extLst>
               <a:ext uri="{91240B29-F687-4f45-9708-019B960494DF}">
-                <a14:hiddenLine xmlns:a14="http://schemas.microsoft.com/office/drawing/2010/main" xmlns="" w="9525">
+                <a14:hiddenLine xmlns="" xmlns:a14="http://schemas.microsoft.com/office/drawing/2010/main" w="9525">
                   <a:solidFill>
                     <a:srgbClr val="000000"/>
                   </a:solidFill>
@@ -7172,7 +11870,7 @@
             </a:ln>
             <a:extLst>
               <a:ext uri="{91240B29-F687-4f45-9708-019B960494DF}">
-                <a14:hiddenLine xmlns:a14="http://schemas.microsoft.com/office/drawing/2010/main" xmlns="" w="9525">
+                <a14:hiddenLine xmlns="" xmlns:a14="http://schemas.microsoft.com/office/drawing/2010/main" w="9525">
                   <a:solidFill>
                     <a:srgbClr val="000000"/>
                   </a:solidFill>
@@ -7310,9 +12008,9 @@
           <a:bodyPr/>
           <a:lstStyle/>
           <a:p>
-            <a:fld id="{48A87A34-81AB-432B-8DAE-1953F412C126}" type="datetimeFigureOut">
-              <a:rPr lang="en-US" dirty="0"/>
-              <a:t>3/2/2023</a:t>
+            <a:fld id="{7F47252E-C65D-4664-AC84-232B09884C33}" type="datetime1">
+              <a:rPr lang="en-US" smtClean="0"/>
+              <a:t>3/6/2023</a:t>
             </a:fld>
             <a:endParaRPr lang="en-US" dirty="0"/>
           </a:p>
@@ -7338,6 +12036,10 @@
           <a:bodyPr/>
           <a:lstStyle/>
           <a:p>
+            <a:r>
+              <a:rPr lang="en-US" smtClean="0"/>
+              <a:t>UdaPeople CI/CD</a:t>
+            </a:r>
             <a:endParaRPr lang="en-US" dirty="0"/>
           </a:p>
         </p:txBody>
@@ -7572,9 +12274,9 @@
           <a:bodyPr/>
           <a:lstStyle/>
           <a:p>
-            <a:fld id="{48A87A34-81AB-432B-8DAE-1953F412C126}" type="datetimeFigureOut">
-              <a:rPr lang="en-US" dirty="0"/>
-              <a:t>3/2/2023</a:t>
+            <a:fld id="{5E612312-8ECA-4611-B281-459D5373C60E}" type="datetime1">
+              <a:rPr lang="en-US" smtClean="0"/>
+              <a:t>3/6/2023</a:t>
             </a:fld>
             <a:endParaRPr lang="en-US" dirty="0"/>
           </a:p>
@@ -7595,6 +12297,10 @@
           <a:bodyPr/>
           <a:lstStyle/>
           <a:p>
+            <a:r>
+              <a:rPr lang="en-US" smtClean="0"/>
+              <a:t>UdaPeople CI/CD</a:t>
+            </a:r>
             <a:endParaRPr lang="en-US" dirty="0"/>
           </a:p>
         </p:txBody>
@@ -7763,9 +12469,9 @@
           <a:bodyPr/>
           <a:lstStyle/>
           <a:p>
-            <a:fld id="{48A87A34-81AB-432B-8DAE-1953F412C126}" type="datetimeFigureOut">
-              <a:rPr lang="en-US" dirty="0"/>
-              <a:t>3/2/2023</a:t>
+            <a:fld id="{935476BF-0B71-48E3-BE5A-F01AA09AC52D}" type="datetime1">
+              <a:rPr lang="en-US" smtClean="0"/>
+              <a:t>3/6/2023</a:t>
             </a:fld>
             <a:endParaRPr lang="en-US" dirty="0"/>
           </a:p>
@@ -7786,6 +12492,10 @@
           <a:bodyPr/>
           <a:lstStyle/>
           <a:p>
+            <a:r>
+              <a:rPr lang="en-US" smtClean="0"/>
+              <a:t>UdaPeople CI/CD</a:t>
+            </a:r>
             <a:endParaRPr lang="en-US" dirty="0"/>
           </a:p>
         </p:txBody>
@@ -8021,9 +12731,9 @@
           <a:bodyPr/>
           <a:lstStyle/>
           <a:p>
-            <a:fld id="{48A87A34-81AB-432B-8DAE-1953F412C126}" type="datetimeFigureOut">
-              <a:rPr lang="en-US" dirty="0"/>
-              <a:t>3/2/2023</a:t>
+            <a:fld id="{2D28FF2C-8FBC-4316-BB93-2FEADD0031EA}" type="datetime1">
+              <a:rPr lang="en-US" smtClean="0"/>
+              <a:t>3/6/2023</a:t>
             </a:fld>
             <a:endParaRPr lang="en-US" dirty="0"/>
           </a:p>
@@ -8044,6 +12754,10 @@
           <a:bodyPr/>
           <a:lstStyle/>
           <a:p>
+            <a:r>
+              <a:rPr lang="en-US" smtClean="0"/>
+              <a:t>UdaPeople CI/CD</a:t>
+            </a:r>
             <a:endParaRPr lang="en-US" dirty="0"/>
           </a:p>
         </p:txBody>
@@ -8450,9 +13164,9 @@
           <a:bodyPr/>
           <a:lstStyle/>
           <a:p>
-            <a:fld id="{48A87A34-81AB-432B-8DAE-1953F412C126}" type="datetimeFigureOut">
-              <a:rPr lang="en-US" dirty="0"/>
-              <a:t>3/2/2023</a:t>
+            <a:fld id="{88536798-7E46-42A2-9B8D-189F15C9114B}" type="datetime1">
+              <a:rPr lang="en-US" smtClean="0"/>
+              <a:t>3/6/2023</a:t>
             </a:fld>
             <a:endParaRPr lang="en-US" dirty="0"/>
           </a:p>
@@ -8473,6 +13187,10 @@
           <a:bodyPr/>
           <a:lstStyle/>
           <a:p>
+            <a:r>
+              <a:rPr lang="en-US" smtClean="0"/>
+              <a:t>UdaPeople CI/CD</a:t>
+            </a:r>
             <a:endParaRPr lang="en-US" dirty="0"/>
           </a:p>
         </p:txBody>
@@ -8991,9 +13709,9 @@
           <a:bodyPr/>
           <a:lstStyle/>
           <a:p>
-            <a:fld id="{48A87A34-81AB-432B-8DAE-1953F412C126}" type="datetimeFigureOut">
-              <a:rPr lang="en-US" dirty="0"/>
-              <a:t>3/2/2023</a:t>
+            <a:fld id="{20C267EB-EED9-4C5B-91F4-452976D37FD5}" type="datetime1">
+              <a:rPr lang="en-US" smtClean="0"/>
+              <a:t>3/6/2023</a:t>
             </a:fld>
             <a:endParaRPr lang="en-US" dirty="0"/>
           </a:p>
@@ -9014,6 +13732,10 @@
           <a:bodyPr/>
           <a:lstStyle/>
           <a:p>
+            <a:r>
+              <a:rPr lang="en-US" smtClean="0"/>
+              <a:t>UdaPeople CI/CD</a:t>
+            </a:r>
             <a:endParaRPr lang="en-US" dirty="0"/>
           </a:p>
         </p:txBody>
@@ -9706,9 +14428,9 @@
           <a:bodyPr/>
           <a:lstStyle/>
           <a:p>
-            <a:fld id="{48A87A34-81AB-432B-8DAE-1953F412C126}" type="datetimeFigureOut">
-              <a:rPr lang="en-US" dirty="0"/>
-              <a:t>3/2/2023</a:t>
+            <a:fld id="{B5B983D1-235E-402A-B9F3-CF620320CA2E}" type="datetime1">
+              <a:rPr lang="en-US" smtClean="0"/>
+              <a:t>3/6/2023</a:t>
             </a:fld>
             <a:endParaRPr lang="en-US" dirty="0"/>
           </a:p>
@@ -9729,6 +14451,10 @@
           <a:bodyPr/>
           <a:lstStyle/>
           <a:p>
+            <a:r>
+              <a:rPr lang="en-US" smtClean="0"/>
+              <a:t>UdaPeople CI/CD</a:t>
+            </a:r>
             <a:endParaRPr lang="en-US" dirty="0"/>
           </a:p>
         </p:txBody>
@@ -9871,9 +14597,9 @@
           <a:bodyPr/>
           <a:lstStyle/>
           <a:p>
-            <a:fld id="{48A87A34-81AB-432B-8DAE-1953F412C126}" type="datetimeFigureOut">
-              <a:rPr lang="en-US" dirty="0"/>
-              <a:t>3/2/2023</a:t>
+            <a:fld id="{3AB14833-C75C-4E45-B7CC-EB13E56BDB77}" type="datetime1">
+              <a:rPr lang="en-US" smtClean="0"/>
+              <a:t>3/6/2023</a:t>
             </a:fld>
             <a:endParaRPr lang="en-US" dirty="0"/>
           </a:p>
@@ -9894,6 +14620,10 @@
           <a:bodyPr/>
           <a:lstStyle/>
           <a:p>
+            <a:r>
+              <a:rPr lang="en-US" smtClean="0"/>
+              <a:t>UdaPeople CI/CD</a:t>
+            </a:r>
             <a:endParaRPr lang="en-US" dirty="0"/>
           </a:p>
         </p:txBody>
@@ -10046,9 +14776,9 @@
           <a:bodyPr/>
           <a:lstStyle/>
           <a:p>
-            <a:fld id="{48A87A34-81AB-432B-8DAE-1953F412C126}" type="datetimeFigureOut">
-              <a:rPr lang="en-US" dirty="0"/>
-              <a:t>3/2/2023</a:t>
+            <a:fld id="{20143A86-C54B-4763-981D-7604B2F1AE14}" type="datetime1">
+              <a:rPr lang="en-US" smtClean="0"/>
+              <a:t>3/6/2023</a:t>
             </a:fld>
             <a:endParaRPr lang="en-US" dirty="0"/>
           </a:p>
@@ -10069,6 +14799,10 @@
           <a:bodyPr/>
           <a:lstStyle/>
           <a:p>
+            <a:r>
+              <a:rPr lang="en-US" smtClean="0"/>
+              <a:t>UdaPeople CI/CD</a:t>
+            </a:r>
             <a:endParaRPr lang="en-US" dirty="0"/>
           </a:p>
         </p:txBody>
@@ -10211,9 +14945,9 @@
           <a:bodyPr/>
           <a:lstStyle/>
           <a:p>
-            <a:fld id="{48A87A34-81AB-432B-8DAE-1953F412C126}" type="datetimeFigureOut">
-              <a:rPr lang="en-US" dirty="0"/>
-              <a:t>3/2/2023</a:t>
+            <a:fld id="{7403BC93-1883-4AF2-A99E-6E2AFB7576A9}" type="datetime1">
+              <a:rPr lang="en-US" smtClean="0"/>
+              <a:t>3/6/2023</a:t>
             </a:fld>
             <a:endParaRPr lang="en-US" dirty="0"/>
           </a:p>
@@ -10234,6 +14968,10 @@
           <a:bodyPr/>
           <a:lstStyle/>
           <a:p>
+            <a:r>
+              <a:rPr lang="en-US" smtClean="0"/>
+              <a:t>UdaPeople CI/CD</a:t>
+            </a:r>
             <a:endParaRPr lang="en-US" dirty="0"/>
           </a:p>
         </p:txBody>
@@ -10456,9 +15194,9 @@
           <a:bodyPr/>
           <a:lstStyle/>
           <a:p>
-            <a:fld id="{48A87A34-81AB-432B-8DAE-1953F412C126}" type="datetimeFigureOut">
-              <a:rPr lang="en-US" dirty="0"/>
-              <a:t>3/2/2023</a:t>
+            <a:fld id="{EF28CD93-7380-49F9-96EF-9BB8E968176A}" type="datetime1">
+              <a:rPr lang="en-US" smtClean="0"/>
+              <a:t>3/6/2023</a:t>
             </a:fld>
             <a:endParaRPr lang="en-US" dirty="0"/>
           </a:p>
@@ -10479,6 +15217,10 @@
           <a:bodyPr/>
           <a:lstStyle/>
           <a:p>
+            <a:r>
+              <a:rPr lang="en-US" smtClean="0"/>
+              <a:t>UdaPeople CI/CD</a:t>
+            </a:r>
             <a:endParaRPr lang="en-US" dirty="0"/>
           </a:p>
         </p:txBody>
@@ -10683,9 +15425,9 @@
           <a:bodyPr/>
           <a:lstStyle/>
           <a:p>
-            <a:fld id="{48A87A34-81AB-432B-8DAE-1953F412C126}" type="datetimeFigureOut">
-              <a:rPr lang="en-US" dirty="0"/>
-              <a:t>3/2/2023</a:t>
+            <a:fld id="{A8605E49-2136-4698-A2BA-5991E02FA1AF}" type="datetime1">
+              <a:rPr lang="en-US" smtClean="0"/>
+              <a:t>3/6/2023</a:t>
             </a:fld>
             <a:endParaRPr lang="en-US" dirty="0"/>
           </a:p>
@@ -10706,6 +15448,10 @@
           <a:bodyPr/>
           <a:lstStyle/>
           <a:p>
+            <a:r>
+              <a:rPr lang="en-US" smtClean="0"/>
+              <a:t>UdaPeople CI/CD</a:t>
+            </a:r>
             <a:endParaRPr lang="en-US" dirty="0"/>
           </a:p>
         </p:txBody>
@@ -11059,9 +15805,9 @@
           <a:bodyPr/>
           <a:lstStyle/>
           <a:p>
-            <a:fld id="{48A87A34-81AB-432B-8DAE-1953F412C126}" type="datetimeFigureOut">
-              <a:rPr lang="en-US" dirty="0"/>
-              <a:t>3/2/2023</a:t>
+            <a:fld id="{D7E470FA-9019-43CE-A938-FF27C6D93F36}" type="datetime1">
+              <a:rPr lang="en-US" smtClean="0"/>
+              <a:t>3/6/2023</a:t>
             </a:fld>
             <a:endParaRPr lang="en-US" dirty="0"/>
           </a:p>
@@ -11082,6 +15828,10 @@
           <a:bodyPr/>
           <a:lstStyle/>
           <a:p>
+            <a:r>
+              <a:rPr lang="en-US" smtClean="0"/>
+              <a:t>UdaPeople CI/CD</a:t>
+            </a:r>
             <a:endParaRPr lang="en-US" dirty="0"/>
           </a:p>
         </p:txBody>
@@ -11172,9 +15922,9 @@
           <a:bodyPr/>
           <a:lstStyle/>
           <a:p>
-            <a:fld id="{48A87A34-81AB-432B-8DAE-1953F412C126}" type="datetimeFigureOut">
-              <a:rPr lang="en-US" dirty="0"/>
-              <a:t>3/2/2023</a:t>
+            <a:fld id="{4C2EF159-9878-4AD8-99BF-590DBC821C44}" type="datetime1">
+              <a:rPr lang="en-US" smtClean="0"/>
+              <a:t>3/6/2023</a:t>
             </a:fld>
             <a:endParaRPr lang="en-US" dirty="0"/>
           </a:p>
@@ -11195,6 +15945,10 @@
           <a:bodyPr/>
           <a:lstStyle/>
           <a:p>
+            <a:r>
+              <a:rPr lang="en-US" smtClean="0"/>
+              <a:t>UdaPeople CI/CD</a:t>
+            </a:r>
             <a:endParaRPr lang="en-US" dirty="0"/>
           </a:p>
         </p:txBody>
@@ -11262,9 +16016,9 @@
           <a:bodyPr/>
           <a:lstStyle/>
           <a:p>
-            <a:fld id="{48A87A34-81AB-432B-8DAE-1953F412C126}" type="datetimeFigureOut">
-              <a:rPr lang="en-US" dirty="0"/>
-              <a:t>3/2/2023</a:t>
+            <a:fld id="{D521D661-F14C-4B6C-8B42-156F5531A0EA}" type="datetime1">
+              <a:rPr lang="en-US" smtClean="0"/>
+              <a:t>3/6/2023</a:t>
             </a:fld>
             <a:endParaRPr lang="en-US" dirty="0"/>
           </a:p>
@@ -11285,6 +16039,10 @@
           <a:bodyPr/>
           <a:lstStyle/>
           <a:p>
+            <a:r>
+              <a:rPr lang="en-US" smtClean="0"/>
+              <a:t>UdaPeople CI/CD</a:t>
+            </a:r>
             <a:endParaRPr lang="en-US" dirty="0"/>
           </a:p>
         </p:txBody>
@@ -11506,9 +16264,9 @@
           <a:bodyPr/>
           <a:lstStyle/>
           <a:p>
-            <a:fld id="{48A87A34-81AB-432B-8DAE-1953F412C126}" type="datetimeFigureOut">
-              <a:rPr lang="en-US" dirty="0"/>
-              <a:t>3/2/2023</a:t>
+            <a:fld id="{F8E4280E-9584-42B2-8620-A39C3DD3C70D}" type="datetime1">
+              <a:rPr lang="en-US" smtClean="0"/>
+              <a:t>3/6/2023</a:t>
             </a:fld>
             <a:endParaRPr lang="en-US" dirty="0"/>
           </a:p>
@@ -11529,6 +16287,10 @@
           <a:bodyPr/>
           <a:lstStyle/>
           <a:p>
+            <a:r>
+              <a:rPr lang="en-US" smtClean="0"/>
+              <a:t>UdaPeople CI/CD</a:t>
+            </a:r>
             <a:endParaRPr lang="en-US" dirty="0"/>
           </a:p>
         </p:txBody>
@@ -11781,9 +16543,9 @@
           <a:bodyPr/>
           <a:lstStyle/>
           <a:p>
-            <a:fld id="{48A87A34-81AB-432B-8DAE-1953F412C126}" type="datetimeFigureOut">
-              <a:rPr lang="en-US" dirty="0"/>
-              <a:t>3/2/2023</a:t>
+            <a:fld id="{72C2886C-11E2-4E2B-9B4C-37598023B212}" type="datetime1">
+              <a:rPr lang="en-US" smtClean="0"/>
+              <a:t>3/6/2023</a:t>
             </a:fld>
             <a:endParaRPr lang="en-US" dirty="0"/>
           </a:p>
@@ -11804,6 +16566,10 @@
           <a:bodyPr/>
           <a:lstStyle/>
           <a:p>
+            <a:r>
+              <a:rPr lang="en-US" smtClean="0"/>
+              <a:t>UdaPeople CI/CD</a:t>
+            </a:r>
             <a:endParaRPr lang="en-US" dirty="0"/>
           </a:p>
         </p:txBody>
@@ -11894,7 +16660,7 @@
           <a:noFill/>
           <a:extLst>
             <a:ext uri="{909E8E84-426E-40dd-AFC4-6F175D3DCCD1}">
-              <a14:hiddenFill xmlns:a14="http://schemas.microsoft.com/office/drawing/2010/main" xmlns="">
+              <a14:hiddenFill xmlns="" xmlns:a14="http://schemas.microsoft.com/office/drawing/2010/main">
                 <a:solidFill>
                   <a:srgbClr val="FFFFFF"/>
                 </a:solidFill>
@@ -11968,7 +16734,7 @@
               </a:ln>
               <a:extLst>
                 <a:ext uri="{91240B29-F687-4f45-9708-019B960494DF}">
-                  <a14:hiddenLine xmlns:a14="http://schemas.microsoft.com/office/drawing/2010/main" xmlns="" w="9525">
+                  <a14:hiddenLine xmlns="" xmlns:a14="http://schemas.microsoft.com/office/drawing/2010/main" w="9525">
                     <a:solidFill>
                       <a:srgbClr val="000000"/>
                     </a:solidFill>
@@ -12058,7 +16824,7 @@
               </a:ln>
               <a:extLst>
                 <a:ext uri="{91240B29-F687-4f45-9708-019B960494DF}">
-                  <a14:hiddenLine xmlns:a14="http://schemas.microsoft.com/office/drawing/2010/main" xmlns="" w="9525">
+                  <a14:hiddenLine xmlns="" xmlns:a14="http://schemas.microsoft.com/office/drawing/2010/main" w="9525">
                     <a:solidFill>
                       <a:srgbClr val="000000"/>
                     </a:solidFill>
@@ -12148,7 +16914,7 @@
               </a:ln>
               <a:extLst>
                 <a:ext uri="{91240B29-F687-4f45-9708-019B960494DF}">
-                  <a14:hiddenLine xmlns:a14="http://schemas.microsoft.com/office/drawing/2010/main" xmlns="" w="9525">
+                  <a14:hiddenLine xmlns="" xmlns:a14="http://schemas.microsoft.com/office/drawing/2010/main" w="9525">
                     <a:solidFill>
                       <a:srgbClr val="000000"/>
                     </a:solidFill>
@@ -12210,7 +16976,7 @@
               </a:ln>
               <a:extLst>
                 <a:ext uri="{91240B29-F687-4f45-9708-019B960494DF}">
-                  <a14:hiddenLine xmlns:a14="http://schemas.microsoft.com/office/drawing/2010/main" xmlns="" w="9525">
+                  <a14:hiddenLine xmlns="" xmlns:a14="http://schemas.microsoft.com/office/drawing/2010/main" w="9525">
                     <a:solidFill>
                       <a:srgbClr val="000000"/>
                     </a:solidFill>
@@ -12300,7 +17066,7 @@
               </a:ln>
               <a:extLst>
                 <a:ext uri="{91240B29-F687-4f45-9708-019B960494DF}">
-                  <a14:hiddenLine xmlns:a14="http://schemas.microsoft.com/office/drawing/2010/main" xmlns="" w="9525">
+                  <a14:hiddenLine xmlns="" xmlns:a14="http://schemas.microsoft.com/office/drawing/2010/main" w="9525">
                     <a:solidFill>
                       <a:srgbClr val="000000"/>
                     </a:solidFill>
@@ -12362,7 +17128,7 @@
               </a:ln>
               <a:extLst>
                 <a:ext uri="{91240B29-F687-4f45-9708-019B960494DF}">
-                  <a14:hiddenLine xmlns:a14="http://schemas.microsoft.com/office/drawing/2010/main" xmlns="" w="9525">
+                  <a14:hiddenLine xmlns="" xmlns:a14="http://schemas.microsoft.com/office/drawing/2010/main" w="9525">
                     <a:solidFill>
                       <a:srgbClr val="000000"/>
                     </a:solidFill>
@@ -12424,7 +17190,7 @@
               </a:ln>
               <a:extLst>
                 <a:ext uri="{91240B29-F687-4f45-9708-019B960494DF}">
-                  <a14:hiddenLine xmlns:a14="http://schemas.microsoft.com/office/drawing/2010/main" xmlns="" w="9525">
+                  <a14:hiddenLine xmlns="" xmlns:a14="http://schemas.microsoft.com/office/drawing/2010/main" w="9525">
                     <a:solidFill>
                       <a:srgbClr val="000000"/>
                     </a:solidFill>
@@ -12514,7 +17280,7 @@
               </a:ln>
               <a:extLst>
                 <a:ext uri="{91240B29-F687-4f45-9708-019B960494DF}">
-                  <a14:hiddenLine xmlns:a14="http://schemas.microsoft.com/office/drawing/2010/main" xmlns="" w="9525">
+                  <a14:hiddenLine xmlns="" xmlns:a14="http://schemas.microsoft.com/office/drawing/2010/main" w="9525">
                     <a:solidFill>
                       <a:srgbClr val="000000"/>
                     </a:solidFill>
@@ -12604,7 +17370,7 @@
               </a:ln>
               <a:extLst>
                 <a:ext uri="{91240B29-F687-4f45-9708-019B960494DF}">
-                  <a14:hiddenLine xmlns:a14="http://schemas.microsoft.com/office/drawing/2010/main" xmlns="" w="9525">
+                  <a14:hiddenLine xmlns="" xmlns:a14="http://schemas.microsoft.com/office/drawing/2010/main" w="9525">
                     <a:solidFill>
                       <a:srgbClr val="000000"/>
                     </a:solidFill>
@@ -12666,7 +17432,7 @@
               </a:ln>
               <a:extLst>
                 <a:ext uri="{91240B29-F687-4f45-9708-019B960494DF}">
-                  <a14:hiddenLine xmlns:a14="http://schemas.microsoft.com/office/drawing/2010/main" xmlns="" w="9525">
+                  <a14:hiddenLine xmlns="" xmlns:a14="http://schemas.microsoft.com/office/drawing/2010/main" w="9525">
                     <a:solidFill>
                       <a:srgbClr val="000000"/>
                     </a:solidFill>
@@ -12776,7 +17542,7 @@
               </a:ln>
               <a:extLst>
                 <a:ext uri="{91240B29-F687-4f45-9708-019B960494DF}">
-                  <a14:hiddenLine xmlns:a14="http://schemas.microsoft.com/office/drawing/2010/main" xmlns="" w="9525">
+                  <a14:hiddenLine xmlns="" xmlns:a14="http://schemas.microsoft.com/office/drawing/2010/main" w="9525">
                     <a:solidFill>
                       <a:srgbClr val="000000"/>
                     </a:solidFill>
@@ -12860,7 +17626,7 @@
               </a:ln>
               <a:extLst>
                 <a:ext uri="{91240B29-F687-4f45-9708-019B960494DF}">
-                  <a14:hiddenLine xmlns:a14="http://schemas.microsoft.com/office/drawing/2010/main" xmlns="" w="9525">
+                  <a14:hiddenLine xmlns="" xmlns:a14="http://schemas.microsoft.com/office/drawing/2010/main" w="9525">
                     <a:solidFill>
                       <a:srgbClr val="000000"/>
                     </a:solidFill>
@@ -12922,7 +17688,7 @@
               </a:ln>
               <a:extLst>
                 <a:ext uri="{91240B29-F687-4f45-9708-019B960494DF}">
-                  <a14:hiddenLine xmlns:a14="http://schemas.microsoft.com/office/drawing/2010/main" xmlns="" w="9525">
+                  <a14:hiddenLine xmlns="" xmlns:a14="http://schemas.microsoft.com/office/drawing/2010/main" w="9525">
                     <a:solidFill>
                       <a:srgbClr val="000000"/>
                     </a:solidFill>
@@ -12984,7 +17750,7 @@
               </a:ln>
               <a:extLst>
                 <a:ext uri="{91240B29-F687-4f45-9708-019B960494DF}">
-                  <a14:hiddenLine xmlns:a14="http://schemas.microsoft.com/office/drawing/2010/main" xmlns="" w="9525">
+                  <a14:hiddenLine xmlns="" xmlns:a14="http://schemas.microsoft.com/office/drawing/2010/main" w="9525">
                     <a:solidFill>
                       <a:srgbClr val="000000"/>
                     </a:solidFill>
@@ -13074,7 +17840,7 @@
               </a:ln>
               <a:extLst>
                 <a:ext uri="{91240B29-F687-4f45-9708-019B960494DF}">
-                  <a14:hiddenLine xmlns:a14="http://schemas.microsoft.com/office/drawing/2010/main" xmlns="" w="9525">
+                  <a14:hiddenLine xmlns="" xmlns:a14="http://schemas.microsoft.com/office/drawing/2010/main" w="9525">
                     <a:solidFill>
                       <a:srgbClr val="000000"/>
                     </a:solidFill>
@@ -13108,7 +17874,7 @@
               </a:ln>
               <a:extLst>
                 <a:ext uri="{91240B29-F687-4f45-9708-019B960494DF}">
-                  <a14:hiddenLine xmlns:a14="http://schemas.microsoft.com/office/drawing/2010/main" xmlns="" w="9525">
+                  <a14:hiddenLine xmlns="" xmlns:a14="http://schemas.microsoft.com/office/drawing/2010/main" w="9525">
                     <a:solidFill>
                       <a:srgbClr val="000000"/>
                     </a:solidFill>
@@ -13173,7 +17939,7 @@
               </a:ln>
               <a:extLst>
                 <a:ext uri="{91240B29-F687-4f45-9708-019B960494DF}">
-                  <a14:hiddenLine xmlns:a14="http://schemas.microsoft.com/office/drawing/2010/main" xmlns="" w="9525">
+                  <a14:hiddenLine xmlns="" xmlns:a14="http://schemas.microsoft.com/office/drawing/2010/main" w="9525">
                     <a:solidFill>
                       <a:srgbClr val="000000"/>
                     </a:solidFill>
@@ -13263,7 +18029,7 @@
               </a:ln>
               <a:extLst>
                 <a:ext uri="{91240B29-F687-4f45-9708-019B960494DF}">
-                  <a14:hiddenLine xmlns:a14="http://schemas.microsoft.com/office/drawing/2010/main" xmlns="" w="9525">
+                  <a14:hiddenLine xmlns="" xmlns:a14="http://schemas.microsoft.com/office/drawing/2010/main" w="9525">
                     <a:solidFill>
                       <a:srgbClr val="000000"/>
                     </a:solidFill>
@@ -13325,7 +18091,7 @@
               </a:ln>
               <a:extLst>
                 <a:ext uri="{91240B29-F687-4f45-9708-019B960494DF}">
-                  <a14:hiddenLine xmlns:a14="http://schemas.microsoft.com/office/drawing/2010/main" xmlns="" w="9525">
+                  <a14:hiddenLine xmlns="" xmlns:a14="http://schemas.microsoft.com/office/drawing/2010/main" w="9525">
                     <a:solidFill>
                       <a:srgbClr val="000000"/>
                     </a:solidFill>
@@ -13415,7 +18181,7 @@
               </a:ln>
               <a:extLst>
                 <a:ext uri="{91240B29-F687-4f45-9708-019B960494DF}">
-                  <a14:hiddenLine xmlns:a14="http://schemas.microsoft.com/office/drawing/2010/main" xmlns="" w="9525">
+                  <a14:hiddenLine xmlns="" xmlns:a14="http://schemas.microsoft.com/office/drawing/2010/main" w="9525">
                     <a:solidFill>
                       <a:srgbClr val="000000"/>
                     </a:solidFill>
@@ -13480,7 +18246,7 @@
               </a:ln>
               <a:extLst>
                 <a:ext uri="{91240B29-F687-4f45-9708-019B960494DF}">
-                  <a14:hiddenLine xmlns:a14="http://schemas.microsoft.com/office/drawing/2010/main" xmlns="" w="9525">
+                  <a14:hiddenLine xmlns="" xmlns:a14="http://schemas.microsoft.com/office/drawing/2010/main" w="9525">
                     <a:solidFill>
                       <a:srgbClr val="000000"/>
                     </a:solidFill>
@@ -13542,7 +18308,7 @@
               </a:ln>
               <a:extLst>
                 <a:ext uri="{91240B29-F687-4f45-9708-019B960494DF}">
-                  <a14:hiddenLine xmlns:a14="http://schemas.microsoft.com/office/drawing/2010/main" xmlns="" w="9525">
+                  <a14:hiddenLine xmlns="" xmlns:a14="http://schemas.microsoft.com/office/drawing/2010/main" w="9525">
                     <a:solidFill>
                       <a:srgbClr val="000000"/>
                     </a:solidFill>
@@ -13632,7 +18398,7 @@
               </a:ln>
               <a:extLst>
                 <a:ext uri="{91240B29-F687-4f45-9708-019B960494DF}">
-                  <a14:hiddenLine xmlns:a14="http://schemas.microsoft.com/office/drawing/2010/main" xmlns="" w="9525">
+                  <a14:hiddenLine xmlns="" xmlns:a14="http://schemas.microsoft.com/office/drawing/2010/main" w="9525">
                     <a:solidFill>
                       <a:srgbClr val="000000"/>
                     </a:solidFill>
@@ -13722,7 +18488,7 @@
               </a:ln>
               <a:extLst>
                 <a:ext uri="{91240B29-F687-4f45-9708-019B960494DF}">
-                  <a14:hiddenLine xmlns:a14="http://schemas.microsoft.com/office/drawing/2010/main" xmlns="" w="9525">
+                  <a14:hiddenLine xmlns="" xmlns:a14="http://schemas.microsoft.com/office/drawing/2010/main" w="9525">
                     <a:solidFill>
                       <a:srgbClr val="000000"/>
                     </a:solidFill>
@@ -13787,7 +18553,7 @@
               </a:ln>
               <a:extLst>
                 <a:ext uri="{91240B29-F687-4f45-9708-019B960494DF}">
-                  <a14:hiddenLine xmlns:a14="http://schemas.microsoft.com/office/drawing/2010/main" xmlns="" w="9525">
+                  <a14:hiddenLine xmlns="" xmlns:a14="http://schemas.microsoft.com/office/drawing/2010/main" w="9525">
                     <a:solidFill>
                       <a:srgbClr val="000000"/>
                     </a:solidFill>
@@ -13907,7 +18673,7 @@
               </a:ln>
               <a:extLst>
                 <a:ext uri="{91240B29-F687-4f45-9708-019B960494DF}">
-                  <a14:hiddenLine xmlns:a14="http://schemas.microsoft.com/office/drawing/2010/main" xmlns="" w="9525">
+                  <a14:hiddenLine xmlns="" xmlns:a14="http://schemas.microsoft.com/office/drawing/2010/main" w="9525">
                     <a:solidFill>
                       <a:srgbClr val="000000"/>
                     </a:solidFill>
@@ -14005,7 +18771,7 @@
               </a:ln>
               <a:extLst>
                 <a:ext uri="{91240B29-F687-4f45-9708-019B960494DF}">
-                  <a14:hiddenLine xmlns:a14="http://schemas.microsoft.com/office/drawing/2010/main" xmlns="" w="9525">
+                  <a14:hiddenLine xmlns="" xmlns:a14="http://schemas.microsoft.com/office/drawing/2010/main" w="9525">
                     <a:solidFill>
                       <a:srgbClr val="000000"/>
                     </a:solidFill>
@@ -14120,7 +18886,7 @@
               </a:ln>
               <a:extLst>
                 <a:ext uri="{91240B29-F687-4f45-9708-019B960494DF}">
-                  <a14:hiddenLine xmlns:a14="http://schemas.microsoft.com/office/drawing/2010/main" xmlns="" w="9525">
+                  <a14:hiddenLine xmlns="" xmlns:a14="http://schemas.microsoft.com/office/drawing/2010/main" w="9525">
                     <a:solidFill>
                       <a:srgbClr val="000000"/>
                     </a:solidFill>
@@ -14210,7 +18976,7 @@
               </a:ln>
               <a:extLst>
                 <a:ext uri="{91240B29-F687-4f45-9708-019B960494DF}">
-                  <a14:hiddenLine xmlns:a14="http://schemas.microsoft.com/office/drawing/2010/main" xmlns="" w="9525">
+                  <a14:hiddenLine xmlns="" xmlns:a14="http://schemas.microsoft.com/office/drawing/2010/main" w="9525">
                     <a:solidFill>
                       <a:srgbClr val="000000"/>
                     </a:solidFill>
@@ -14275,7 +19041,7 @@
               </a:ln>
               <a:extLst>
                 <a:ext uri="{91240B29-F687-4f45-9708-019B960494DF}">
-                  <a14:hiddenLine xmlns:a14="http://schemas.microsoft.com/office/drawing/2010/main" xmlns="" w="9525">
+                  <a14:hiddenLine xmlns="" xmlns:a14="http://schemas.microsoft.com/office/drawing/2010/main" w="9525">
                     <a:solidFill>
                       <a:srgbClr val="000000"/>
                     </a:solidFill>
@@ -14365,7 +19131,7 @@
               </a:ln>
               <a:extLst>
                 <a:ext uri="{91240B29-F687-4f45-9708-019B960494DF}">
-                  <a14:hiddenLine xmlns:a14="http://schemas.microsoft.com/office/drawing/2010/main" xmlns="" w="9525">
+                  <a14:hiddenLine xmlns="" xmlns:a14="http://schemas.microsoft.com/office/drawing/2010/main" w="9525">
                     <a:solidFill>
                       <a:srgbClr val="000000"/>
                     </a:solidFill>
@@ -14433,7 +19199,7 @@
               </a:ln>
               <a:extLst>
                 <a:ext uri="{91240B29-F687-4f45-9708-019B960494DF}">
-                  <a14:hiddenLine xmlns:a14="http://schemas.microsoft.com/office/drawing/2010/main" xmlns="" w="9525">
+                  <a14:hiddenLine xmlns="" xmlns:a14="http://schemas.microsoft.com/office/drawing/2010/main" w="9525">
                     <a:solidFill>
                       <a:srgbClr val="000000"/>
                     </a:solidFill>
@@ -14523,7 +19289,7 @@
               </a:ln>
               <a:extLst>
                 <a:ext uri="{91240B29-F687-4f45-9708-019B960494DF}">
-                  <a14:hiddenLine xmlns:a14="http://schemas.microsoft.com/office/drawing/2010/main" xmlns="" w="9525">
+                  <a14:hiddenLine xmlns="" xmlns:a14="http://schemas.microsoft.com/office/drawing/2010/main" w="9525">
                     <a:solidFill>
                       <a:srgbClr val="000000"/>
                     </a:solidFill>
@@ -14591,7 +19357,7 @@
               </a:ln>
               <a:extLst>
                 <a:ext uri="{91240B29-F687-4f45-9708-019B960494DF}">
-                  <a14:hiddenLine xmlns:a14="http://schemas.microsoft.com/office/drawing/2010/main" xmlns="" w="9525">
+                  <a14:hiddenLine xmlns="" xmlns:a14="http://schemas.microsoft.com/office/drawing/2010/main" w="9525">
                     <a:solidFill>
                       <a:srgbClr val="000000"/>
                     </a:solidFill>
@@ -14681,7 +19447,7 @@
               </a:ln>
               <a:extLst>
                 <a:ext uri="{91240B29-F687-4f45-9708-019B960494DF}">
-                  <a14:hiddenLine xmlns:a14="http://schemas.microsoft.com/office/drawing/2010/main" xmlns="" w="9525">
+                  <a14:hiddenLine xmlns="" xmlns:a14="http://schemas.microsoft.com/office/drawing/2010/main" w="9525">
                     <a:solidFill>
                       <a:srgbClr val="000000"/>
                     </a:solidFill>
@@ -14715,7 +19481,7 @@
               </a:ln>
               <a:extLst>
                 <a:ext uri="{91240B29-F687-4f45-9708-019B960494DF}">
-                  <a14:hiddenLine xmlns:a14="http://schemas.microsoft.com/office/drawing/2010/main" xmlns="" w="9525">
+                  <a14:hiddenLine xmlns="" xmlns:a14="http://schemas.microsoft.com/office/drawing/2010/main" w="9525">
                     <a:solidFill>
                       <a:srgbClr val="000000"/>
                     </a:solidFill>
@@ -14853,10 +19619,9 @@
             </a:lvl1pPr>
           </a:lstStyle>
           <a:p>
-            <a:fld id="{48A87A34-81AB-432B-8DAE-1953F412C126}" type="datetimeFigureOut">
-              <a:rPr lang="en-US" dirty="0"/>
-              <a:pPr/>
-              <a:t>3/2/2023</a:t>
+            <a:fld id="{A5F9E66E-68A5-433A-8A6F-F8FB1BB86522}" type="datetime1">
+              <a:rPr lang="en-US" smtClean="0"/>
+              <a:t>3/6/2023</a:t>
             </a:fld>
             <a:endParaRPr lang="en-US" dirty="0"/>
           </a:p>
@@ -14895,6 +19660,10 @@
             </a:lvl1pPr>
           </a:lstStyle>
           <a:p>
+            <a:r>
+              <a:rPr lang="en-US" smtClean="0"/>
+              <a:t>UdaPeople CI/CD</a:t>
+            </a:r>
             <a:endParaRPr lang="en-US" dirty="0"/>
           </a:p>
         </p:txBody>
@@ -14963,6 +19732,7 @@
     <p:sldLayoutId id="2147483658" r:id="rId16"/>
     <p:sldLayoutId id="2147483659" r:id="rId17"/>
   </p:sldLayoutIdLst>
+  <p:hf hdr="0" dt="0"/>
   <p:txStyles>
     <p:titleStyle>
       <a:lvl1pPr algn="l" defTabSz="914400" rtl="0" eaLnBrk="1" latinLnBrk="0" hangingPunct="1">
@@ -15289,34 +20059,27 @@
           <a:p>
             <a:r>
               <a:rPr lang="en-IN" dirty="0" smtClean="0"/>
-              <a:t>CI/CD		</a:t>
+              <a:t>U</a:t>
             </a:r>
-            <a:endParaRPr lang="en-IN" dirty="0"/>
-          </a:p>
-        </p:txBody>
-      </p:sp>
-      <p:sp>
-        <p:nvSpPr>
-          <p:cNvPr id="3" name="Subtitle 2"/>
-          <p:cNvSpPr>
-            <a:spLocks noGrp="1"/>
-          </p:cNvSpPr>
-          <p:nvPr>
-            <p:ph type="subTitle" idx="1"/>
-          </p:nvPr>
-        </p:nvSpPr>
-        <p:spPr/>
-        <p:txBody>
-          <a:bodyPr/>
-          <a:lstStyle/>
-          <a:p>
+            <a:r>
+              <a:rPr lang="en-IN" cap="none" dirty="0" smtClean="0"/>
+              <a:t>da</a:t>
+            </a:r>
             <a:r>
               <a:rPr lang="en-IN" dirty="0" smtClean="0"/>
-              <a:t>For </a:t>
+              <a:t>P</a:t>
             </a:r>
             <a:r>
-              <a:rPr lang="en-IN" dirty="0" err="1" smtClean="0"/>
-              <a:t>UDapeople</a:t>
+              <a:rPr lang="en-IN" cap="none" dirty="0" smtClean="0"/>
+              <a:t>eople</a:t>
+            </a:r>
+            <a:r>
+              <a:rPr lang="en-IN" dirty="0" smtClean="0"/>
+              <a:t> CI/CD</a:t>
+            </a:r>
+            <a:r>
+              <a:rPr lang="en-IN" dirty="0" smtClean="0"/>
+              <a:t>		</a:t>
             </a:r>
             <a:endParaRPr lang="en-IN" dirty="0"/>
           </a:p>
@@ -15520,6 +20283,61 @@
           </a:graphicData>
         </a:graphic>
       </p:graphicFrame>
+      <p:sp>
+        <p:nvSpPr>
+          <p:cNvPr id="6" name="Footer Placeholder 5"/>
+          <p:cNvSpPr>
+            <a:spLocks noGrp="1"/>
+          </p:cNvSpPr>
+          <p:nvPr>
+            <p:ph type="ftr" sz="quarter" idx="11"/>
+          </p:nvPr>
+        </p:nvSpPr>
+        <p:spPr>
+          <a:xfrm>
+            <a:off x="9802378" y="6392409"/>
+            <a:ext cx="2185264" cy="365125"/>
+          </a:xfrm>
+        </p:spPr>
+        <p:txBody>
+          <a:bodyPr/>
+          <a:lstStyle/>
+          <a:p>
+            <a:r>
+              <a:rPr lang="en-US" dirty="0" err="1" smtClean="0"/>
+              <a:t>UdaPeople</a:t>
+            </a:r>
+            <a:r>
+              <a:rPr lang="en-US" dirty="0" smtClean="0"/>
+              <a:t> CI/CD</a:t>
+            </a:r>
+            <a:endParaRPr lang="en-US" dirty="0"/>
+          </a:p>
+        </p:txBody>
+      </p:sp>
+      <p:sp>
+        <p:nvSpPr>
+          <p:cNvPr id="7" name="Slide Number Placeholder 6"/>
+          <p:cNvSpPr>
+            <a:spLocks noGrp="1"/>
+          </p:cNvSpPr>
+          <p:nvPr>
+            <p:ph type="sldNum" sz="quarter" idx="12"/>
+          </p:nvPr>
+        </p:nvSpPr>
+        <p:spPr/>
+        <p:txBody>
+          <a:bodyPr/>
+          <a:lstStyle/>
+          <a:p>
+            <a:fld id="{6D22F896-40B5-4ADD-8801-0D06FADFA095}" type="slidenum">
+              <a:rPr lang="en-US" smtClean="0"/>
+              <a:t>2</a:t>
+            </a:fld>
+            <a:endParaRPr lang="en-US" dirty="0"/>
+          </a:p>
+        </p:txBody>
+      </p:sp>
     </p:spTree>
     <p:extLst>
       <p:ext uri="{BB962C8B-B14F-4D97-AF65-F5344CB8AC3E}">
@@ -15618,8 +20436,8 @@
         </p:nvSpPr>
         <p:spPr>
           <a:xfrm>
-            <a:off x="17419" y="4023360"/>
-            <a:ext cx="1454918" cy="645717"/>
+            <a:off x="17418" y="4023360"/>
+            <a:ext cx="2169969" cy="645717"/>
           </a:xfrm>
           <a:prstGeom prst="roundRect">
             <a:avLst/>
@@ -15652,672 +20470,85 @@
           <a:p>
             <a:pPr algn="ctr"/>
             <a:r>
-              <a:rPr lang="en-IN" dirty="0" smtClean="0"/>
+              <a:rPr lang="en-IN" b="1" dirty="0"/>
               <a:t>CI/CD</a:t>
             </a:r>
           </a:p>
         </p:txBody>
       </p:sp>
+      <p:graphicFrame>
+        <p:nvGraphicFramePr>
+          <p:cNvPr id="4" name="Diagram 3"/>
+          <p:cNvGraphicFramePr/>
+          <p:nvPr>
+            <p:extLst>
+              <p:ext uri="{D42A27DB-BD31-4B8C-83A1-F6EECF244321}">
+                <p14:modId xmlns:p14="http://schemas.microsoft.com/office/powerpoint/2010/main" val="2197058654"/>
+              </p:ext>
+            </p:extLst>
+          </p:nvPr>
+        </p:nvGraphicFramePr>
+        <p:xfrm>
+          <a:off x="2449905" y="2192487"/>
+          <a:ext cx="8128448" cy="4387607"/>
+        </p:xfrm>
+        <a:graphic>
+          <a:graphicData uri="http://schemas.openxmlformats.org/drawingml/2006/diagram">
+            <dgm:relIds xmlns:dgm="http://schemas.openxmlformats.org/drawingml/2006/diagram" xmlns:r="http://schemas.openxmlformats.org/officeDocument/2006/relationships" r:dm="rId2" r:lo="rId3" r:qs="rId4" r:cs="rId5"/>
+          </a:graphicData>
+        </a:graphic>
+      </p:graphicFrame>
       <p:sp>
         <p:nvSpPr>
-          <p:cNvPr id="13" name="Content Placeholder 2"/>
+          <p:cNvPr id="5" name="Footer Placeholder 4"/>
           <p:cNvSpPr>
             <a:spLocks noGrp="1"/>
           </p:cNvSpPr>
           <p:nvPr>
-            <p:ph sz="half" idx="1"/>
+            <p:ph type="ftr" sz="quarter" idx="11"/>
           </p:nvPr>
         </p:nvSpPr>
         <p:spPr>
           <a:xfrm>
-            <a:off x="3235821" y="3947356"/>
-            <a:ext cx="7911150" cy="825136"/>
+            <a:off x="9794875" y="6397531"/>
+            <a:ext cx="1566955" cy="365125"/>
           </a:xfrm>
         </p:spPr>
         <p:txBody>
-          <a:bodyPr>
-            <a:normAutofit fontScale="85000" lnSpcReduction="20000"/>
-          </a:bodyPr>
+          <a:bodyPr/>
           <a:lstStyle/>
           <a:p>
-            <a:pPr marL="0" indent="0">
-              <a:buNone/>
-            </a:pPr>
             <a:r>
-              <a:rPr lang="en-IN" sz="2200" b="1" dirty="0"/>
-              <a:t>Quick Deployments</a:t>
+              <a:rPr lang="en-US" smtClean="0"/>
+              <a:t>UdaPeople CI/CD</a:t>
             </a:r>
-          </a:p>
-          <a:p>
-            <a:pPr marL="0" indent="0">
-              <a:buNone/>
-            </a:pPr>
-            <a:r>
-              <a:rPr lang="en-IN" sz="2200" dirty="0"/>
-              <a:t>No resource require to monitor while deployment pipeline is running</a:t>
-            </a:r>
-          </a:p>
-          <a:p>
-            <a:pPr marL="0" indent="0">
-              <a:buNone/>
-            </a:pPr>
-            <a:endParaRPr lang="en-IN" sz="2200" dirty="0" smtClean="0"/>
+            <a:endParaRPr lang="en-US" dirty="0"/>
           </a:p>
         </p:txBody>
       </p:sp>
       <p:sp>
         <p:nvSpPr>
-          <p:cNvPr id="18" name="Content Placeholder 2"/>
+          <p:cNvPr id="7" name="Slide Number Placeholder 6"/>
           <p:cNvSpPr>
             <a:spLocks noGrp="1"/>
           </p:cNvSpPr>
           <p:nvPr>
-            <p:ph sz="half" idx="1"/>
+            <p:ph type="sldNum" sz="quarter" idx="12"/>
           </p:nvPr>
         </p:nvSpPr>
-        <p:spPr>
-          <a:xfrm>
-            <a:off x="3235821" y="3096100"/>
-            <a:ext cx="7911150" cy="825136"/>
-          </a:xfrm>
-        </p:spPr>
+        <p:spPr/>
         <p:txBody>
-          <a:bodyPr>
-            <a:normAutofit fontScale="77500" lnSpcReduction="20000"/>
-          </a:bodyPr>
+          <a:bodyPr/>
           <a:lstStyle/>
           <a:p>
-            <a:pPr marL="0" indent="0">
-              <a:buNone/>
-            </a:pPr>
-            <a:r>
-              <a:rPr lang="en-IN" sz="2200" b="1" dirty="0"/>
-              <a:t>Good Code Quality</a:t>
-            </a:r>
-          </a:p>
-          <a:p>
-            <a:pPr marL="0" indent="0">
-              <a:buNone/>
-            </a:pPr>
-            <a:r>
-              <a:rPr lang="en-IN" sz="2200" dirty="0"/>
-              <a:t>Using test automation, developers can detect bugs early, thus saving bug fixing costs</a:t>
-            </a:r>
-          </a:p>
-          <a:p>
-            <a:pPr marL="0" indent="0">
-              <a:buNone/>
-            </a:pPr>
-            <a:endParaRPr lang="en-IN" sz="2200" dirty="0" smtClean="0"/>
+            <a:fld id="{6D22F896-40B5-4ADD-8801-0D06FADFA095}" type="slidenum">
+              <a:rPr lang="en-US" smtClean="0"/>
+              <a:t>3</a:t>
+            </a:fld>
+            <a:endParaRPr lang="en-US" dirty="0"/>
           </a:p>
         </p:txBody>
       </p:sp>
-      <p:sp>
-        <p:nvSpPr>
-          <p:cNvPr id="20" name="Content Placeholder 2"/>
-          <p:cNvSpPr>
-            <a:spLocks noGrp="1"/>
-          </p:cNvSpPr>
-          <p:nvPr>
-            <p:ph sz="half" idx="1"/>
-          </p:nvPr>
-        </p:nvSpPr>
-        <p:spPr>
-          <a:xfrm>
-            <a:off x="3235821" y="2201193"/>
-            <a:ext cx="8033070" cy="825136"/>
-          </a:xfrm>
-        </p:spPr>
-        <p:txBody>
-          <a:bodyPr>
-            <a:normAutofit fontScale="77500" lnSpcReduction="20000"/>
-          </a:bodyPr>
-          <a:lstStyle/>
-          <a:p>
-            <a:pPr marL="0" indent="0">
-              <a:buNone/>
-            </a:pPr>
-            <a:r>
-              <a:rPr lang="en-IN" sz="2200" b="1" dirty="0" smtClean="0"/>
-              <a:t>Faster Product Development</a:t>
-            </a:r>
-          </a:p>
-          <a:p>
-            <a:pPr marL="0" indent="0">
-              <a:buNone/>
-            </a:pPr>
-            <a:r>
-              <a:rPr lang="en-IN" sz="2200" dirty="0" smtClean="0"/>
-              <a:t>Using test automation, developers can detect bugs early, thus saving bug fixing costs</a:t>
-            </a:r>
-          </a:p>
-          <a:p>
-            <a:pPr marL="0" indent="0">
-              <a:buNone/>
-            </a:pPr>
-            <a:endParaRPr lang="en-IN" sz="2200" dirty="0" smtClean="0"/>
-          </a:p>
-        </p:txBody>
-      </p:sp>
-      <p:sp>
-        <p:nvSpPr>
-          <p:cNvPr id="21" name="Content Placeholder 2"/>
-          <p:cNvSpPr>
-            <a:spLocks noGrp="1"/>
-          </p:cNvSpPr>
-          <p:nvPr>
-            <p:ph sz="half" idx="1"/>
-          </p:nvPr>
-        </p:nvSpPr>
-        <p:spPr>
-          <a:xfrm>
-            <a:off x="3235820" y="4798612"/>
-            <a:ext cx="7911151" cy="825136"/>
-          </a:xfrm>
-        </p:spPr>
-        <p:txBody>
-          <a:bodyPr>
-            <a:normAutofit fontScale="85000" lnSpcReduction="20000"/>
-          </a:bodyPr>
-          <a:lstStyle/>
-          <a:p>
-            <a:pPr marL="0" indent="0">
-              <a:buNone/>
-            </a:pPr>
-            <a:r>
-              <a:rPr lang="en-IN" sz="2200" b="1" dirty="0" smtClean="0"/>
-              <a:t>Low Time to Market</a:t>
-            </a:r>
-            <a:endParaRPr lang="en-IN" sz="2200" b="1" dirty="0"/>
-          </a:p>
-          <a:p>
-            <a:pPr marL="0" indent="0">
-              <a:buNone/>
-            </a:pPr>
-            <a:r>
-              <a:rPr lang="en-IN" sz="2200" dirty="0"/>
-              <a:t>No resource require to monitor while deployment pipeline is running</a:t>
-            </a:r>
-          </a:p>
-          <a:p>
-            <a:pPr marL="0" indent="0">
-              <a:buNone/>
-            </a:pPr>
-            <a:endParaRPr lang="en-IN" sz="2200" dirty="0" smtClean="0"/>
-          </a:p>
-        </p:txBody>
-      </p:sp>
-      <p:sp>
-        <p:nvSpPr>
-          <p:cNvPr id="22" name="Content Placeholder 2"/>
-          <p:cNvSpPr>
-            <a:spLocks noGrp="1"/>
-          </p:cNvSpPr>
-          <p:nvPr>
-            <p:ph sz="half" idx="1"/>
-          </p:nvPr>
-        </p:nvSpPr>
-        <p:spPr>
-          <a:xfrm>
-            <a:off x="3235820" y="5623748"/>
-            <a:ext cx="7911151" cy="825136"/>
-          </a:xfrm>
-        </p:spPr>
-        <p:txBody>
-          <a:bodyPr>
-            <a:normAutofit fontScale="85000" lnSpcReduction="20000"/>
-          </a:bodyPr>
-          <a:lstStyle/>
-          <a:p>
-            <a:pPr marL="0" indent="0">
-              <a:buNone/>
-            </a:pPr>
-            <a:r>
-              <a:rPr lang="en-IN" sz="2200" b="1" dirty="0" smtClean="0"/>
-              <a:t>Continuous Feedback</a:t>
-            </a:r>
-            <a:endParaRPr lang="en-IN" sz="2200" b="1" dirty="0"/>
-          </a:p>
-          <a:p>
-            <a:pPr marL="0" indent="0">
-              <a:buNone/>
-            </a:pPr>
-            <a:r>
-              <a:rPr lang="en-IN" sz="2200" dirty="0"/>
-              <a:t>No resource require to monitor while deployment pipeline is running</a:t>
-            </a:r>
-          </a:p>
-          <a:p>
-            <a:pPr marL="0" indent="0">
-              <a:buNone/>
-            </a:pPr>
-            <a:endParaRPr lang="en-IN" sz="2200" dirty="0" smtClean="0"/>
-          </a:p>
-        </p:txBody>
-      </p:sp>
-      <p:cxnSp>
-        <p:nvCxnSpPr>
-          <p:cNvPr id="48" name="Straight Connector 47"/>
-          <p:cNvCxnSpPr>
-            <a:endCxn id="49" idx="7"/>
-          </p:cNvCxnSpPr>
-          <p:nvPr/>
-        </p:nvCxnSpPr>
-        <p:spPr>
-          <a:xfrm flipV="1">
-            <a:off x="1472337" y="2363011"/>
-            <a:ext cx="1626202" cy="1558226"/>
-          </a:xfrm>
-          <a:prstGeom prst="line">
-            <a:avLst/>
-          </a:prstGeom>
-          <a:ln w="28575">
-            <a:solidFill>
-              <a:srgbClr val="7FFAFD"/>
-            </a:solidFill>
-          </a:ln>
-        </p:spPr>
-        <p:style>
-          <a:lnRef idx="1">
-            <a:schemeClr val="accent1"/>
-          </a:lnRef>
-          <a:fillRef idx="0">
-            <a:schemeClr val="accent1"/>
-          </a:fillRef>
-          <a:effectRef idx="0">
-            <a:schemeClr val="accent1"/>
-          </a:effectRef>
-          <a:fontRef idx="minor">
-            <a:schemeClr val="tx1"/>
-          </a:fontRef>
-        </p:style>
-      </p:cxnSp>
-      <p:sp>
-        <p:nvSpPr>
-          <p:cNvPr id="49" name="Oval 48"/>
-          <p:cNvSpPr/>
-          <p:nvPr/>
-        </p:nvSpPr>
-        <p:spPr>
-          <a:xfrm>
-            <a:off x="2987040" y="2342606"/>
-            <a:ext cx="130629" cy="139337"/>
-          </a:xfrm>
-          <a:prstGeom prst="ellipse">
-            <a:avLst/>
-          </a:prstGeom>
-          <a:solidFill>
-            <a:schemeClr val="tx1"/>
-          </a:solidFill>
-          <a:ln w="38100">
-            <a:solidFill>
-              <a:srgbClr val="7FFAFD"/>
-            </a:solidFill>
-          </a:ln>
-        </p:spPr>
-        <p:style>
-          <a:lnRef idx="2">
-            <a:schemeClr val="accent1">
-              <a:shade val="50000"/>
-            </a:schemeClr>
-          </a:lnRef>
-          <a:fillRef idx="1">
-            <a:schemeClr val="accent1"/>
-          </a:fillRef>
-          <a:effectRef idx="0">
-            <a:schemeClr val="accent1"/>
-          </a:effectRef>
-          <a:fontRef idx="minor">
-            <a:schemeClr val="lt1"/>
-          </a:fontRef>
-        </p:style>
-        <p:txBody>
-          <a:bodyPr rtlCol="0" anchor="ctr"/>
-          <a:lstStyle/>
-          <a:p>
-            <a:pPr algn="ctr"/>
-            <a:endParaRPr lang="en-IN"/>
-          </a:p>
-        </p:txBody>
-      </p:sp>
-      <p:cxnSp>
-        <p:nvCxnSpPr>
-          <p:cNvPr id="57" name="Straight Connector 56"/>
-          <p:cNvCxnSpPr/>
-          <p:nvPr/>
-        </p:nvCxnSpPr>
-        <p:spPr>
-          <a:xfrm flipV="1">
-            <a:off x="1663558" y="3312650"/>
-            <a:ext cx="1323482" cy="757973"/>
-          </a:xfrm>
-          <a:prstGeom prst="line">
-            <a:avLst/>
-          </a:prstGeom>
-          <a:ln w="28575">
-            <a:solidFill>
-              <a:srgbClr val="83E3F9"/>
-            </a:solidFill>
-          </a:ln>
-        </p:spPr>
-        <p:style>
-          <a:lnRef idx="1">
-            <a:schemeClr val="accent1"/>
-          </a:lnRef>
-          <a:fillRef idx="0">
-            <a:schemeClr val="accent1"/>
-          </a:fillRef>
-          <a:effectRef idx="0">
-            <a:schemeClr val="accent1"/>
-          </a:effectRef>
-          <a:fontRef idx="minor">
-            <a:schemeClr val="tx1"/>
-          </a:fontRef>
-        </p:style>
-      </p:cxnSp>
-      <p:sp>
-        <p:nvSpPr>
-          <p:cNvPr id="59" name="Oval 58"/>
-          <p:cNvSpPr/>
-          <p:nvPr/>
-        </p:nvSpPr>
-        <p:spPr>
-          <a:xfrm>
-            <a:off x="2984984" y="3208143"/>
-            <a:ext cx="130629" cy="139337"/>
-          </a:xfrm>
-          <a:prstGeom prst="ellipse">
-            <a:avLst/>
-          </a:prstGeom>
-          <a:solidFill>
-            <a:schemeClr val="tx1"/>
-          </a:solidFill>
-          <a:ln w="38100">
-            <a:solidFill>
-              <a:srgbClr val="7FDFF5"/>
-            </a:solidFill>
-          </a:ln>
-        </p:spPr>
-        <p:style>
-          <a:lnRef idx="2">
-            <a:schemeClr val="accent1">
-              <a:shade val="50000"/>
-            </a:schemeClr>
-          </a:lnRef>
-          <a:fillRef idx="1">
-            <a:schemeClr val="accent1"/>
-          </a:fillRef>
-          <a:effectRef idx="0">
-            <a:schemeClr val="accent1"/>
-          </a:effectRef>
-          <a:fontRef idx="minor">
-            <a:schemeClr val="lt1"/>
-          </a:fontRef>
-        </p:style>
-        <p:txBody>
-          <a:bodyPr rtlCol="0" anchor="ctr"/>
-          <a:lstStyle/>
-          <a:p>
-            <a:pPr algn="ctr"/>
-            <a:endParaRPr lang="en-IN"/>
-          </a:p>
-        </p:txBody>
-      </p:sp>
-      <p:sp>
-        <p:nvSpPr>
-          <p:cNvPr id="60" name="Oval 59"/>
-          <p:cNvSpPr/>
-          <p:nvPr/>
-        </p:nvSpPr>
-        <p:spPr>
-          <a:xfrm>
-            <a:off x="2967910" y="4073680"/>
-            <a:ext cx="130629" cy="139337"/>
-          </a:xfrm>
-          <a:prstGeom prst="ellipse">
-            <a:avLst/>
-          </a:prstGeom>
-          <a:solidFill>
-            <a:schemeClr val="tx1"/>
-          </a:solidFill>
-          <a:ln w="38100">
-            <a:solidFill>
-              <a:srgbClr val="88CBF4"/>
-            </a:solidFill>
-          </a:ln>
-        </p:spPr>
-        <p:style>
-          <a:lnRef idx="2">
-            <a:schemeClr val="accent1">
-              <a:shade val="50000"/>
-            </a:schemeClr>
-          </a:lnRef>
-          <a:fillRef idx="1">
-            <a:schemeClr val="accent1"/>
-          </a:fillRef>
-          <a:effectRef idx="0">
-            <a:schemeClr val="accent1"/>
-          </a:effectRef>
-          <a:fontRef idx="minor">
-            <a:schemeClr val="lt1"/>
-          </a:fontRef>
-        </p:style>
-        <p:txBody>
-          <a:bodyPr rtlCol="0" anchor="ctr"/>
-          <a:lstStyle/>
-          <a:p>
-            <a:pPr algn="ctr"/>
-            <a:endParaRPr lang="en-IN"/>
-          </a:p>
-        </p:txBody>
-      </p:sp>
-      <p:sp>
-        <p:nvSpPr>
-          <p:cNvPr id="61" name="Oval 60"/>
-          <p:cNvSpPr/>
-          <p:nvPr/>
-        </p:nvSpPr>
-        <p:spPr>
-          <a:xfrm>
-            <a:off x="2967909" y="4936771"/>
-            <a:ext cx="130629" cy="139337"/>
-          </a:xfrm>
-          <a:prstGeom prst="ellipse">
-            <a:avLst/>
-          </a:prstGeom>
-          <a:solidFill>
-            <a:schemeClr val="tx1"/>
-          </a:solidFill>
-          <a:ln w="38100">
-            <a:solidFill>
-              <a:srgbClr val="44B9E3"/>
-            </a:solidFill>
-          </a:ln>
-        </p:spPr>
-        <p:style>
-          <a:lnRef idx="2">
-            <a:schemeClr val="accent1">
-              <a:shade val="50000"/>
-            </a:schemeClr>
-          </a:lnRef>
-          <a:fillRef idx="1">
-            <a:schemeClr val="accent1"/>
-          </a:fillRef>
-          <a:effectRef idx="0">
-            <a:schemeClr val="accent1"/>
-          </a:effectRef>
-          <a:fontRef idx="minor">
-            <a:schemeClr val="lt1"/>
-          </a:fontRef>
-        </p:style>
-        <p:txBody>
-          <a:bodyPr rtlCol="0" anchor="ctr"/>
-          <a:lstStyle/>
-          <a:p>
-            <a:pPr algn="ctr"/>
-            <a:endParaRPr lang="en-IN"/>
-          </a:p>
-        </p:txBody>
-      </p:sp>
-      <p:sp>
-        <p:nvSpPr>
-          <p:cNvPr id="62" name="Oval 61"/>
-          <p:cNvSpPr/>
-          <p:nvPr/>
-        </p:nvSpPr>
-        <p:spPr>
-          <a:xfrm>
-            <a:off x="2979846" y="5781781"/>
-            <a:ext cx="130629" cy="139337"/>
-          </a:xfrm>
-          <a:prstGeom prst="ellipse">
-            <a:avLst/>
-          </a:prstGeom>
-          <a:solidFill>
-            <a:schemeClr val="tx1"/>
-          </a:solidFill>
-          <a:ln w="38100">
-            <a:solidFill>
-              <a:srgbClr val="46A4E2"/>
-            </a:solidFill>
-          </a:ln>
-        </p:spPr>
-        <p:style>
-          <a:lnRef idx="2">
-            <a:schemeClr val="accent1">
-              <a:shade val="50000"/>
-            </a:schemeClr>
-          </a:lnRef>
-          <a:fillRef idx="1">
-            <a:schemeClr val="accent1"/>
-          </a:fillRef>
-          <a:effectRef idx="0">
-            <a:schemeClr val="accent1"/>
-          </a:effectRef>
-          <a:fontRef idx="minor">
-            <a:schemeClr val="lt1"/>
-          </a:fontRef>
-        </p:style>
-        <p:txBody>
-          <a:bodyPr rtlCol="0" anchor="ctr"/>
-          <a:lstStyle/>
-          <a:p>
-            <a:pPr algn="ctr"/>
-            <a:endParaRPr lang="en-IN"/>
-          </a:p>
-        </p:txBody>
-      </p:sp>
-      <p:cxnSp>
-        <p:nvCxnSpPr>
-          <p:cNvPr id="63" name="Straight Connector 62"/>
-          <p:cNvCxnSpPr>
-            <a:endCxn id="60" idx="2"/>
-          </p:cNvCxnSpPr>
-          <p:nvPr/>
-        </p:nvCxnSpPr>
-        <p:spPr>
-          <a:xfrm flipV="1">
-            <a:off x="1741714" y="4143349"/>
-            <a:ext cx="1226196" cy="177717"/>
-          </a:xfrm>
-          <a:prstGeom prst="line">
-            <a:avLst/>
-          </a:prstGeom>
-          <a:ln w="28575">
-            <a:solidFill>
-              <a:srgbClr val="88CBF4"/>
-            </a:solidFill>
-          </a:ln>
-        </p:spPr>
-        <p:style>
-          <a:lnRef idx="1">
-            <a:schemeClr val="accent1"/>
-          </a:lnRef>
-          <a:fillRef idx="0">
-            <a:schemeClr val="accent1"/>
-          </a:fillRef>
-          <a:effectRef idx="0">
-            <a:schemeClr val="accent1"/>
-          </a:effectRef>
-          <a:fontRef idx="minor">
-            <a:schemeClr val="tx1"/>
-          </a:fontRef>
-        </p:style>
-      </p:cxnSp>
-      <p:cxnSp>
-        <p:nvCxnSpPr>
-          <p:cNvPr id="64" name="Straight Connector 63"/>
-          <p:cNvCxnSpPr>
-            <a:endCxn id="61" idx="2"/>
-          </p:cNvCxnSpPr>
-          <p:nvPr/>
-        </p:nvCxnSpPr>
-        <p:spPr>
-          <a:xfrm>
-            <a:off x="1709181" y="4574299"/>
-            <a:ext cx="1258728" cy="432141"/>
-          </a:xfrm>
-          <a:prstGeom prst="line">
-            <a:avLst/>
-          </a:prstGeom>
-          <a:ln w="28575">
-            <a:solidFill>
-              <a:srgbClr val="44BAE4"/>
-            </a:solidFill>
-          </a:ln>
-        </p:spPr>
-        <p:style>
-          <a:lnRef idx="1">
-            <a:schemeClr val="accent1"/>
-          </a:lnRef>
-          <a:fillRef idx="0">
-            <a:schemeClr val="accent1"/>
-          </a:fillRef>
-          <a:effectRef idx="0">
-            <a:schemeClr val="accent1"/>
-          </a:effectRef>
-          <a:fontRef idx="minor">
-            <a:schemeClr val="tx1"/>
-          </a:fontRef>
-        </p:style>
-      </p:cxnSp>
-      <p:cxnSp>
-        <p:nvCxnSpPr>
-          <p:cNvPr id="65" name="Straight Connector 64"/>
-          <p:cNvCxnSpPr>
-            <a:endCxn id="62" idx="1"/>
-          </p:cNvCxnSpPr>
-          <p:nvPr/>
-        </p:nvCxnSpPr>
-        <p:spPr>
-          <a:xfrm>
-            <a:off x="1568718" y="4772441"/>
-            <a:ext cx="1430258" cy="1029745"/>
-          </a:xfrm>
-          <a:prstGeom prst="line">
-            <a:avLst/>
-          </a:prstGeom>
-          <a:ln w="28575">
-            <a:solidFill>
-              <a:srgbClr val="46A4E2"/>
-            </a:solidFill>
-          </a:ln>
-        </p:spPr>
-        <p:style>
-          <a:lnRef idx="1">
-            <a:schemeClr val="accent1"/>
-          </a:lnRef>
-          <a:fillRef idx="0">
-            <a:schemeClr val="accent1"/>
-          </a:fillRef>
-          <a:effectRef idx="0">
-            <a:schemeClr val="accent1"/>
-          </a:effectRef>
-          <a:fontRef idx="minor">
-            <a:schemeClr val="tx1"/>
-          </a:fontRef>
-        </p:style>
-      </p:cxnSp>
     </p:spTree>
     <p:extLst>
       <p:ext uri="{BB962C8B-B14F-4D97-AF65-F5344CB8AC3E}">
@@ -16350,80 +20581,663 @@
       </p:grpSpPr>
       <p:sp>
         <p:nvSpPr>
-          <p:cNvPr id="2" name="Title 1"/>
+          <p:cNvPr id="9" name="Text Placeholder 8"/>
           <p:cNvSpPr>
             <a:spLocks noGrp="1"/>
           </p:cNvSpPr>
           <p:nvPr>
-            <p:ph type="title"/>
+            <p:ph type="body" idx="1"/>
           </p:nvPr>
         </p:nvSpPr>
         <p:spPr>
           <a:xfrm>
-            <a:off x="1141413" y="618518"/>
-            <a:ext cx="9905998" cy="1131905"/>
+            <a:off x="958530" y="609599"/>
+            <a:ext cx="4553996" cy="531223"/>
           </a:xfrm>
         </p:spPr>
         <p:txBody>
           <a:bodyPr/>
           <a:lstStyle/>
           <a:p>
+            <a:r>
+              <a:rPr lang="en-IN" dirty="0" smtClean="0"/>
+              <a:t>Faster product DELIVERY</a:t>
+            </a:r>
             <a:endParaRPr lang="en-IN" dirty="0"/>
           </a:p>
         </p:txBody>
       </p:sp>
       <p:sp>
         <p:nvSpPr>
-          <p:cNvPr id="3" name="Content Placeholder 2"/>
+          <p:cNvPr id="12" name="Text Placeholder 11"/>
           <p:cNvSpPr>
             <a:spLocks noGrp="1"/>
           </p:cNvSpPr>
           <p:nvPr>
-            <p:ph sz="half" idx="1"/>
+            <p:ph type="body" sz="half" idx="15"/>
           </p:nvPr>
         </p:nvSpPr>
         <p:spPr>
           <a:xfrm>
-            <a:off x="1141410" y="1820092"/>
-            <a:ext cx="9906001" cy="2403566"/>
+            <a:off x="1075765" y="1140823"/>
+            <a:ext cx="9971645" cy="1458942"/>
+          </a:xfrm>
+        </p:spPr>
+        <p:txBody>
+          <a:bodyPr>
+            <a:normAutofit/>
+          </a:bodyPr>
+          <a:lstStyle/>
+          <a:p>
+            <a:pPr marL="285750" indent="-285750">
+              <a:buFont typeface="Arial" panose="020B0604020202020204" pitchFamily="34" charset="0"/>
+              <a:buChar char="•"/>
+            </a:pPr>
+            <a:r>
+              <a:rPr lang="en-IN" dirty="0" smtClean="0"/>
+              <a:t>Expensive resources will not be sitting idle when successful CI/CD is in play. No continuous monitoring is required, thus more development can be done</a:t>
+            </a:r>
+          </a:p>
+          <a:p>
+            <a:pPr marL="285750" indent="-285750">
+              <a:buFont typeface="Arial" panose="020B0604020202020204" pitchFamily="34" charset="0"/>
+              <a:buChar char="•"/>
+            </a:pPr>
+            <a:r>
+              <a:rPr lang="en-IN" dirty="0" smtClean="0"/>
+              <a:t>New value generating feature can be developed quickly</a:t>
+            </a:r>
+          </a:p>
+          <a:p>
+            <a:pPr marL="285750" indent="-285750">
+              <a:buFont typeface="Arial" panose="020B0604020202020204" pitchFamily="34" charset="0"/>
+              <a:buChar char="•"/>
+            </a:pPr>
+            <a:r>
+              <a:rPr lang="en-IN" dirty="0" smtClean="0"/>
+              <a:t>With Low time to market, organization can beat their competition and improve public relations</a:t>
+            </a:r>
+            <a:endParaRPr lang="en-IN" dirty="0"/>
+          </a:p>
+        </p:txBody>
+      </p:sp>
+      <p:sp>
+        <p:nvSpPr>
+          <p:cNvPr id="15" name="Text Placeholder 8"/>
+          <p:cNvSpPr>
+            <a:spLocks noGrp="1"/>
+          </p:cNvSpPr>
+          <p:nvPr>
+            <p:ph type="body" idx="1"/>
+          </p:nvPr>
+        </p:nvSpPr>
+        <p:spPr>
+          <a:xfrm>
+            <a:off x="958529" y="2557244"/>
+            <a:ext cx="4763001" cy="531223"/>
           </a:xfrm>
         </p:spPr>
         <p:txBody>
           <a:bodyPr/>
           <a:lstStyle/>
           <a:p>
+            <a:r>
+              <a:rPr lang="en-IN" dirty="0" smtClean="0"/>
+              <a:t>Superior Product Quality</a:t>
+            </a:r>
             <a:endParaRPr lang="en-IN" dirty="0"/>
           </a:p>
         </p:txBody>
       </p:sp>
       <p:sp>
         <p:nvSpPr>
-          <p:cNvPr id="4" name="Content Placeholder 3"/>
+          <p:cNvPr id="16" name="Text Placeholder 11"/>
           <p:cNvSpPr>
             <a:spLocks noGrp="1"/>
           </p:cNvSpPr>
           <p:nvPr>
-            <p:ph sz="half" idx="2"/>
+            <p:ph type="body" sz="half" idx="15"/>
           </p:nvPr>
         </p:nvSpPr>
         <p:spPr>
           <a:xfrm>
-            <a:off x="1141410" y="4336868"/>
-            <a:ext cx="9906001" cy="1454331"/>
+            <a:off x="1075765" y="3114851"/>
+            <a:ext cx="9958576" cy="1026845"/>
+          </a:xfrm>
+        </p:spPr>
+        <p:txBody>
+          <a:bodyPr>
+            <a:normAutofit/>
+          </a:bodyPr>
+          <a:lstStyle/>
+          <a:p>
+            <a:pPr marL="285750" indent="-285750">
+              <a:buFont typeface="Arial" panose="020B0604020202020204" pitchFamily="34" charset="0"/>
+              <a:buChar char="•"/>
+            </a:pPr>
+            <a:r>
+              <a:rPr lang="en-IN" dirty="0"/>
+              <a:t>With Automated Tests, Developers can know about bugs and issues in real time. Resources will not be plagued with endless bug fix requests, overall saving cost and promote better product quality</a:t>
+            </a:r>
+          </a:p>
+          <a:p>
+            <a:pPr marL="285750" indent="-285750">
+              <a:buFont typeface="Arial" panose="020B0604020202020204" pitchFamily="34" charset="0"/>
+              <a:buChar char="•"/>
+            </a:pPr>
+            <a:r>
+              <a:rPr lang="en-IN" dirty="0"/>
+              <a:t>Less bugs from Production environment builds a good brand image.</a:t>
+            </a:r>
+            <a:endParaRPr lang="en-IN" dirty="0"/>
+          </a:p>
+        </p:txBody>
+      </p:sp>
+      <p:sp>
+        <p:nvSpPr>
+          <p:cNvPr id="17" name="Text Placeholder 8"/>
+          <p:cNvSpPr>
+            <a:spLocks noGrp="1"/>
+          </p:cNvSpPr>
+          <p:nvPr>
+            <p:ph type="body" idx="1"/>
+          </p:nvPr>
+        </p:nvSpPr>
+        <p:spPr>
+          <a:xfrm>
+            <a:off x="958529" y="4179106"/>
+            <a:ext cx="3196899" cy="531223"/>
           </a:xfrm>
         </p:spPr>
         <p:txBody>
           <a:bodyPr/>
           <a:lstStyle/>
           <a:p>
+            <a:r>
+              <a:rPr lang="en-IN" dirty="0" smtClean="0"/>
+              <a:t>Automation</a:t>
+            </a:r>
             <a:endParaRPr lang="en-IN" dirty="0"/>
+          </a:p>
+        </p:txBody>
+      </p:sp>
+      <p:sp>
+        <p:nvSpPr>
+          <p:cNvPr id="18" name="Text Placeholder 11"/>
+          <p:cNvSpPr>
+            <a:spLocks noGrp="1"/>
+          </p:cNvSpPr>
+          <p:nvPr>
+            <p:ph type="body" sz="half" idx="15"/>
+          </p:nvPr>
+        </p:nvSpPr>
+        <p:spPr>
+          <a:xfrm>
+            <a:off x="1075765" y="4656782"/>
+            <a:ext cx="9958579" cy="1690230"/>
+          </a:xfrm>
+        </p:spPr>
+        <p:txBody>
+          <a:bodyPr>
+            <a:normAutofit lnSpcReduction="10000"/>
+          </a:bodyPr>
+          <a:lstStyle/>
+          <a:p>
+            <a:pPr marL="285750" indent="-285750">
+              <a:buFont typeface="Arial" panose="020B0604020202020204" pitchFamily="34" charset="0"/>
+              <a:buChar char="•"/>
+            </a:pPr>
+            <a:r>
+              <a:rPr lang="en-IN" dirty="0"/>
+              <a:t>Following human intervention can be avoided and thus less human errors</a:t>
+            </a:r>
+          </a:p>
+          <a:p>
+            <a:pPr marL="742950" lvl="2" indent="-285750">
+              <a:spcBef>
+                <a:spcPts val="1000"/>
+              </a:spcBef>
+              <a:buFont typeface="Arial" panose="020B0604020202020204" pitchFamily="34" charset="0"/>
+              <a:buChar char="•"/>
+            </a:pPr>
+            <a:r>
+              <a:rPr lang="en-IN" sz="1200" dirty="0"/>
+              <a:t>Source Code Management</a:t>
+            </a:r>
+          </a:p>
+          <a:p>
+            <a:pPr marL="742950" lvl="2" indent="-285750">
+              <a:spcBef>
+                <a:spcPts val="1000"/>
+              </a:spcBef>
+              <a:buFont typeface="Arial" panose="020B0604020202020204" pitchFamily="34" charset="0"/>
+              <a:buChar char="•"/>
+            </a:pPr>
+            <a:r>
+              <a:rPr lang="en-IN" sz="1200" dirty="0"/>
+              <a:t>Version Control System</a:t>
+            </a:r>
+          </a:p>
+          <a:p>
+            <a:pPr marL="742950" lvl="2" indent="-285750">
+              <a:spcBef>
+                <a:spcPts val="1000"/>
+              </a:spcBef>
+              <a:buFont typeface="Arial" panose="020B0604020202020204" pitchFamily="34" charset="0"/>
+              <a:buChar char="•"/>
+            </a:pPr>
+            <a:r>
+              <a:rPr lang="en-IN" sz="1200" dirty="0"/>
+              <a:t>Deployment Mechanism</a:t>
+            </a:r>
+          </a:p>
+          <a:p>
+            <a:pPr marL="742950" lvl="2" indent="-285750">
+              <a:spcBef>
+                <a:spcPts val="1000"/>
+              </a:spcBef>
+              <a:buFont typeface="Arial" panose="020B0604020202020204" pitchFamily="34" charset="0"/>
+              <a:buChar char="•"/>
+            </a:pPr>
+            <a:r>
+              <a:rPr lang="en-IN" sz="1200" dirty="0"/>
+              <a:t>Product testing</a:t>
+            </a:r>
+          </a:p>
+          <a:p>
+            <a:pPr marL="742950" lvl="1" indent="-285750">
+              <a:buFont typeface="Arial" panose="020B0604020202020204" pitchFamily="34" charset="0"/>
+              <a:buChar char="•"/>
+            </a:pPr>
+            <a:endParaRPr lang="en-IN" dirty="0" smtClean="0"/>
+          </a:p>
+        </p:txBody>
+      </p:sp>
+      <p:sp>
+        <p:nvSpPr>
+          <p:cNvPr id="19" name="Footer Placeholder 18"/>
+          <p:cNvSpPr>
+            <a:spLocks noGrp="1"/>
+          </p:cNvSpPr>
+          <p:nvPr>
+            <p:ph type="ftr" sz="quarter" idx="11"/>
+          </p:nvPr>
+        </p:nvSpPr>
+        <p:spPr>
+          <a:xfrm>
+            <a:off x="9826136" y="6347012"/>
+            <a:ext cx="1671458" cy="365125"/>
+          </a:xfrm>
+        </p:spPr>
+        <p:txBody>
+          <a:bodyPr/>
+          <a:lstStyle/>
+          <a:p>
+            <a:r>
+              <a:rPr lang="en-US" dirty="0" err="1" smtClean="0"/>
+              <a:t>UdaPeople</a:t>
+            </a:r>
+            <a:r>
+              <a:rPr lang="en-US" dirty="0" smtClean="0"/>
+              <a:t> CI/CD</a:t>
+            </a:r>
+            <a:endParaRPr lang="en-US" dirty="0"/>
+          </a:p>
+        </p:txBody>
+      </p:sp>
+      <p:sp>
+        <p:nvSpPr>
+          <p:cNvPr id="20" name="Slide Number Placeholder 19"/>
+          <p:cNvSpPr>
+            <a:spLocks noGrp="1"/>
+          </p:cNvSpPr>
+          <p:nvPr>
+            <p:ph type="sldNum" sz="quarter" idx="12"/>
+          </p:nvPr>
+        </p:nvSpPr>
+        <p:spPr/>
+        <p:txBody>
+          <a:bodyPr/>
+          <a:lstStyle/>
+          <a:p>
+            <a:fld id="{6D22F896-40B5-4ADD-8801-0D06FADFA095}" type="slidenum">
+              <a:rPr lang="en-US" smtClean="0"/>
+              <a:t>4</a:t>
+            </a:fld>
+            <a:endParaRPr lang="en-US" dirty="0"/>
           </a:p>
         </p:txBody>
       </p:sp>
     </p:spTree>
     <p:extLst>
       <p:ext uri="{BB962C8B-B14F-4D97-AF65-F5344CB8AC3E}">
-        <p14:creationId xmlns:p14="http://schemas.microsoft.com/office/powerpoint/2010/main" val="1183254907"/>
+        <p14:creationId xmlns:p14="http://schemas.microsoft.com/office/powerpoint/2010/main" val="2288876635"/>
+      </p:ext>
+    </p:extLst>
+  </p:cSld>
+  <p:clrMapOvr>
+    <a:masterClrMapping/>
+  </p:clrMapOvr>
+</p:sld>
+</file>
+
+<file path=ppt/slides/slide5.xml><?xml version="1.0" encoding="utf-8"?>
+<p:sld xmlns:a="http://schemas.openxmlformats.org/drawingml/2006/main" xmlns:r="http://schemas.openxmlformats.org/officeDocument/2006/relationships" xmlns:p="http://schemas.openxmlformats.org/presentationml/2006/main">
+  <p:cSld>
+    <p:spTree>
+      <p:nvGrpSpPr>
+        <p:cNvPr id="1" name=""/>
+        <p:cNvGrpSpPr/>
+        <p:nvPr/>
+      </p:nvGrpSpPr>
+      <p:grpSpPr>
+        <a:xfrm>
+          <a:off x="0" y="0"/>
+          <a:ext cx="0" cy="0"/>
+          <a:chOff x="0" y="0"/>
+          <a:chExt cx="0" cy="0"/>
+        </a:xfrm>
+      </p:grpSpPr>
+      <p:sp>
+        <p:nvSpPr>
+          <p:cNvPr id="9" name="Text Placeholder 8"/>
+          <p:cNvSpPr>
+            <a:spLocks noGrp="1"/>
+          </p:cNvSpPr>
+          <p:nvPr>
+            <p:ph type="body" idx="1"/>
+          </p:nvPr>
+        </p:nvSpPr>
+        <p:spPr>
+          <a:xfrm>
+            <a:off x="958530" y="609599"/>
+            <a:ext cx="3196899" cy="531223"/>
+          </a:xfrm>
+        </p:spPr>
+        <p:txBody>
+          <a:bodyPr/>
+          <a:lstStyle/>
+          <a:p>
+            <a:r>
+              <a:rPr lang="en-IN" dirty="0" smtClean="0"/>
+              <a:t>Quick Rollback</a:t>
+            </a:r>
+            <a:endParaRPr lang="en-IN" dirty="0"/>
+          </a:p>
+        </p:txBody>
+      </p:sp>
+      <p:sp>
+        <p:nvSpPr>
+          <p:cNvPr id="12" name="Text Placeholder 11"/>
+          <p:cNvSpPr>
+            <a:spLocks noGrp="1"/>
+          </p:cNvSpPr>
+          <p:nvPr>
+            <p:ph type="body" sz="half" idx="15"/>
+          </p:nvPr>
+        </p:nvSpPr>
+        <p:spPr>
+          <a:xfrm>
+            <a:off x="1228165" y="1140824"/>
+            <a:ext cx="9819245" cy="1073458"/>
+          </a:xfrm>
+        </p:spPr>
+        <p:txBody>
+          <a:bodyPr>
+            <a:normAutofit/>
+          </a:bodyPr>
+          <a:lstStyle/>
+          <a:p>
+            <a:pPr marL="285750" indent="-285750">
+              <a:buFont typeface="Arial" panose="020B0604020202020204" pitchFamily="34" charset="0"/>
+              <a:buChar char="•"/>
+            </a:pPr>
+            <a:r>
+              <a:rPr lang="en-IN" sz="1600" dirty="0"/>
+              <a:t>Fail Fast and recover </a:t>
+            </a:r>
+            <a:r>
+              <a:rPr lang="en-IN" sz="1600" dirty="0" smtClean="0"/>
+              <a:t>faster - Quickly </a:t>
+            </a:r>
+            <a:r>
+              <a:rPr lang="en-IN" sz="1600" dirty="0"/>
+              <a:t>rollback to previous version in just single click</a:t>
+            </a:r>
+          </a:p>
+          <a:p>
+            <a:pPr marL="285750" indent="-285750">
+              <a:buFont typeface="Arial" panose="020B0604020202020204" pitchFamily="34" charset="0"/>
+              <a:buChar char="•"/>
+            </a:pPr>
+            <a:r>
+              <a:rPr lang="en-IN" sz="1600" dirty="0"/>
+              <a:t>S</a:t>
+            </a:r>
+            <a:r>
+              <a:rPr lang="en-IN" sz="1600" dirty="0"/>
+              <a:t>aves </a:t>
+            </a:r>
+            <a:r>
+              <a:rPr lang="en-IN" sz="1600" dirty="0"/>
+              <a:t>teams time, energy, and resources and leads to faster fixes of problem </a:t>
+            </a:r>
+            <a:r>
+              <a:rPr lang="en-IN" sz="1600" dirty="0"/>
+              <a:t>code</a:t>
+            </a:r>
+          </a:p>
+        </p:txBody>
+      </p:sp>
+      <p:sp>
+        <p:nvSpPr>
+          <p:cNvPr id="15" name="Text Placeholder 8"/>
+          <p:cNvSpPr>
+            <a:spLocks noGrp="1"/>
+          </p:cNvSpPr>
+          <p:nvPr>
+            <p:ph type="body" idx="1"/>
+          </p:nvPr>
+        </p:nvSpPr>
+        <p:spPr>
+          <a:xfrm>
+            <a:off x="939542" y="2231716"/>
+            <a:ext cx="4506105" cy="531223"/>
+          </a:xfrm>
+        </p:spPr>
+        <p:txBody>
+          <a:bodyPr/>
+          <a:lstStyle/>
+          <a:p>
+            <a:r>
+              <a:rPr lang="en-IN" dirty="0" smtClean="0"/>
+              <a:t>Continuous Feedback</a:t>
+            </a:r>
+            <a:endParaRPr lang="en-IN" dirty="0"/>
+          </a:p>
+        </p:txBody>
+      </p:sp>
+      <p:sp>
+        <p:nvSpPr>
+          <p:cNvPr id="16" name="Text Placeholder 11"/>
+          <p:cNvSpPr>
+            <a:spLocks noGrp="1"/>
+          </p:cNvSpPr>
+          <p:nvPr>
+            <p:ph type="body" sz="half" idx="15"/>
+          </p:nvPr>
+        </p:nvSpPr>
+        <p:spPr>
+          <a:xfrm>
+            <a:off x="1228165" y="2780078"/>
+            <a:ext cx="9806176" cy="1352651"/>
+          </a:xfrm>
+        </p:spPr>
+        <p:txBody>
+          <a:bodyPr>
+            <a:normAutofit/>
+          </a:bodyPr>
+          <a:lstStyle/>
+          <a:p>
+            <a:pPr marL="171450" indent="-171450">
+              <a:buFont typeface="Arial" panose="020B0604020202020204" pitchFamily="34" charset="0"/>
+              <a:buChar char="•"/>
+            </a:pPr>
+            <a:r>
+              <a:rPr lang="en-IN" sz="1600" dirty="0"/>
+              <a:t>U</a:t>
+            </a:r>
+            <a:r>
+              <a:rPr lang="en-IN" sz="1600" dirty="0"/>
+              <a:t>nified </a:t>
+            </a:r>
+            <a:r>
+              <a:rPr lang="en-IN" sz="1600" dirty="0"/>
+              <a:t>CI/CD process, gives everyone on the team – including business stakeholders – a way to see what’s happening, where it’s happening, and what might be going wrong.</a:t>
+            </a:r>
+          </a:p>
+          <a:p>
+            <a:pPr marL="171450" indent="-171450">
+              <a:buFont typeface="Arial" panose="020B0604020202020204" pitchFamily="34" charset="0"/>
+              <a:buChar char="•"/>
+            </a:pPr>
+            <a:r>
+              <a:rPr lang="en-IN" sz="1600" dirty="0"/>
+              <a:t>No external tools are required which avoid unnecessary wastage of cost and time.</a:t>
+            </a:r>
+            <a:endParaRPr lang="en-IN" sz="1600" dirty="0"/>
+          </a:p>
+        </p:txBody>
+      </p:sp>
+      <p:sp>
+        <p:nvSpPr>
+          <p:cNvPr id="17" name="Text Placeholder 8"/>
+          <p:cNvSpPr>
+            <a:spLocks noGrp="1"/>
+          </p:cNvSpPr>
+          <p:nvPr>
+            <p:ph type="body" idx="1"/>
+          </p:nvPr>
+        </p:nvSpPr>
+        <p:spPr>
+          <a:xfrm>
+            <a:off x="958530" y="4001851"/>
+            <a:ext cx="3739747" cy="531223"/>
+          </a:xfrm>
+        </p:spPr>
+        <p:txBody>
+          <a:bodyPr/>
+          <a:lstStyle/>
+          <a:p>
+            <a:r>
+              <a:rPr lang="en-IN" dirty="0" smtClean="0"/>
+              <a:t>Reduce backlog</a:t>
+            </a:r>
+            <a:endParaRPr lang="en-IN" dirty="0"/>
+          </a:p>
+        </p:txBody>
+      </p:sp>
+      <p:sp>
+        <p:nvSpPr>
+          <p:cNvPr id="18" name="Text Placeholder 11"/>
+          <p:cNvSpPr>
+            <a:spLocks noGrp="1"/>
+          </p:cNvSpPr>
+          <p:nvPr>
+            <p:ph type="body" sz="half" idx="15"/>
+          </p:nvPr>
+        </p:nvSpPr>
+        <p:spPr>
+          <a:xfrm>
+            <a:off x="1228165" y="4601727"/>
+            <a:ext cx="8884023" cy="839849"/>
+          </a:xfrm>
+        </p:spPr>
+        <p:txBody>
+          <a:bodyPr>
+            <a:normAutofit/>
+          </a:bodyPr>
+          <a:lstStyle/>
+          <a:p>
+            <a:pPr marL="285750" indent="-285750">
+              <a:buFont typeface="Arial" panose="020B0604020202020204" pitchFamily="34" charset="0"/>
+              <a:buChar char="•"/>
+            </a:pPr>
+            <a:r>
+              <a:rPr lang="en-IN" sz="1600" dirty="0"/>
+              <a:t>With less number of bugs and early detection of bugs, non-critical </a:t>
+            </a:r>
+            <a:r>
+              <a:rPr lang="en-IN" sz="1600" dirty="0"/>
+              <a:t>defects in your team’s </a:t>
+            </a:r>
+            <a:r>
+              <a:rPr lang="en-IN" sz="1600" dirty="0"/>
+              <a:t>backlog will decrease.</a:t>
+            </a:r>
+            <a:endParaRPr lang="en-IN" sz="1600" dirty="0"/>
+          </a:p>
+        </p:txBody>
+      </p:sp>
+      <p:sp>
+        <p:nvSpPr>
+          <p:cNvPr id="3" name="Footer Placeholder 2"/>
+          <p:cNvSpPr>
+            <a:spLocks noGrp="1"/>
+          </p:cNvSpPr>
+          <p:nvPr>
+            <p:ph type="ftr" sz="quarter" idx="11"/>
+          </p:nvPr>
+        </p:nvSpPr>
+        <p:spPr>
+          <a:xfrm>
+            <a:off x="9789023" y="6318703"/>
+            <a:ext cx="1462452" cy="365125"/>
+          </a:xfrm>
+        </p:spPr>
+        <p:txBody>
+          <a:bodyPr/>
+          <a:lstStyle/>
+          <a:p>
+            <a:r>
+              <a:rPr lang="en-US" dirty="0" err="1" smtClean="0"/>
+              <a:t>UdaPeople</a:t>
+            </a:r>
+            <a:r>
+              <a:rPr lang="en-US" dirty="0" smtClean="0"/>
+              <a:t> CI/CD</a:t>
+            </a:r>
+            <a:endParaRPr lang="en-US" dirty="0"/>
+          </a:p>
+        </p:txBody>
+      </p:sp>
+      <p:sp>
+        <p:nvSpPr>
+          <p:cNvPr id="4" name="Slide Number Placeholder 3"/>
+          <p:cNvSpPr>
+            <a:spLocks noGrp="1"/>
+          </p:cNvSpPr>
+          <p:nvPr>
+            <p:ph type="sldNum" sz="quarter" idx="12"/>
+          </p:nvPr>
+        </p:nvSpPr>
+        <p:spPr/>
+        <p:txBody>
+          <a:bodyPr/>
+          <a:lstStyle/>
+          <a:p>
+            <a:fld id="{6D22F896-40B5-4ADD-8801-0D06FADFA095}" type="slidenum">
+              <a:rPr lang="en-US" smtClean="0"/>
+              <a:t>5</a:t>
+            </a:fld>
+            <a:endParaRPr lang="en-US" dirty="0"/>
+          </a:p>
+        </p:txBody>
+      </p:sp>
+    </p:spTree>
+    <p:extLst>
+      <p:ext uri="{BB962C8B-B14F-4D97-AF65-F5344CB8AC3E}">
+        <p14:creationId xmlns:p14="http://schemas.microsoft.com/office/powerpoint/2010/main" val="1375031058"/>
       </p:ext>
     </p:extLst>
   </p:cSld>
@@ -16682,4 +21496,265 @@
     </a:ext>
   </a:extLst>
 </a:theme>
+</file>
+
+<file path=ppt/theme/theme2.xml><?xml version="1.0" encoding="utf-8"?>
+<a:theme xmlns:a="http://schemas.openxmlformats.org/drawingml/2006/main" name="Office Theme">
+  <a:themeElements>
+    <a:clrScheme name="Office">
+      <a:dk1>
+        <a:sysClr val="windowText" lastClr="000000"/>
+      </a:dk1>
+      <a:lt1>
+        <a:sysClr val="window" lastClr="FFFFFF"/>
+      </a:lt1>
+      <a:dk2>
+        <a:srgbClr val="44546A"/>
+      </a:dk2>
+      <a:lt2>
+        <a:srgbClr val="E7E6E6"/>
+      </a:lt2>
+      <a:accent1>
+        <a:srgbClr val="5B9BD5"/>
+      </a:accent1>
+      <a:accent2>
+        <a:srgbClr val="ED7D31"/>
+      </a:accent2>
+      <a:accent3>
+        <a:srgbClr val="A5A5A5"/>
+      </a:accent3>
+      <a:accent4>
+        <a:srgbClr val="FFC000"/>
+      </a:accent4>
+      <a:accent5>
+        <a:srgbClr val="4472C4"/>
+      </a:accent5>
+      <a:accent6>
+        <a:srgbClr val="70AD47"/>
+      </a:accent6>
+      <a:hlink>
+        <a:srgbClr val="0563C1"/>
+      </a:hlink>
+      <a:folHlink>
+        <a:srgbClr val="954F72"/>
+      </a:folHlink>
+    </a:clrScheme>
+    <a:fontScheme name="Office">
+      <a:majorFont>
+        <a:latin typeface="Calibri Light" panose="020F0302020204030204"/>
+        <a:ea typeface=""/>
+        <a:cs typeface=""/>
+        <a:font script="Jpan" typeface="游ゴシック Light"/>
+        <a:font script="Hang" typeface="맑은 고딕"/>
+        <a:font script="Hans" typeface="等线 Light"/>
+        <a:font script="Hant" typeface="新細明體"/>
+        <a:font script="Arab" typeface="Times New Roman"/>
+        <a:font script="Hebr" typeface="Times New Roman"/>
+        <a:font script="Thai" typeface="Angsana New"/>
+        <a:font script="Ethi" typeface="Nyala"/>
+        <a:font script="Beng" typeface="Vrinda"/>
+        <a:font script="Gujr" typeface="Shruti"/>
+        <a:font script="Khmr" typeface="MoolBoran"/>
+        <a:font script="Knda" typeface="Tunga"/>
+        <a:font script="Guru" typeface="Raavi"/>
+        <a:font script="Cans" typeface="Euphemia"/>
+        <a:font script="Cher" typeface="Plantagenet Cherokee"/>
+        <a:font script="Yiii" typeface="Microsoft Yi Baiti"/>
+        <a:font script="Tibt" typeface="Microsoft Himalaya"/>
+        <a:font script="Thaa" typeface="MV Boli"/>
+        <a:font script="Deva" typeface="Mangal"/>
+        <a:font script="Telu" typeface="Gautami"/>
+        <a:font script="Taml" typeface="Latha"/>
+        <a:font script="Syrc" typeface="Estrangelo Edessa"/>
+        <a:font script="Orya" typeface="Kalinga"/>
+        <a:font script="Mlym" typeface="Kartika"/>
+        <a:font script="Laoo" typeface="DokChampa"/>
+        <a:font script="Sinh" typeface="Iskoola Pota"/>
+        <a:font script="Mong" typeface="Mongolian Baiti"/>
+        <a:font script="Viet" typeface="Times New Roman"/>
+        <a:font script="Uigh" typeface="Microsoft Uighur"/>
+        <a:font script="Geor" typeface="Sylfaen"/>
+      </a:majorFont>
+      <a:minorFont>
+        <a:latin typeface="Calibri" panose="020F0502020204030204"/>
+        <a:ea typeface=""/>
+        <a:cs typeface=""/>
+        <a:font script="Jpan" typeface="游ゴシック"/>
+        <a:font script="Hang" typeface="맑은 고딕"/>
+        <a:font script="Hans" typeface="等线"/>
+        <a:font script="Hant" typeface="新細明體"/>
+        <a:font script="Arab" typeface="Arial"/>
+        <a:font script="Hebr" typeface="Arial"/>
+        <a:font script="Thai" typeface="Cordia New"/>
+        <a:font script="Ethi" typeface="Nyala"/>
+        <a:font script="Beng" typeface="Vrinda"/>
+        <a:font script="Gujr" typeface="Shruti"/>
+        <a:font script="Khmr" typeface="DaunPenh"/>
+        <a:font script="Knda" typeface="Tunga"/>
+        <a:font script="Guru" typeface="Raavi"/>
+        <a:font script="Cans" typeface="Euphemia"/>
+        <a:font script="Cher" typeface="Plantagenet Cherokee"/>
+        <a:font script="Yiii" typeface="Microsoft Yi Baiti"/>
+        <a:font script="Tibt" typeface="Microsoft Himalaya"/>
+        <a:font script="Thaa" typeface="MV Boli"/>
+        <a:font script="Deva" typeface="Mangal"/>
+        <a:font script="Telu" typeface="Gautami"/>
+        <a:font script="Taml" typeface="Latha"/>
+        <a:font script="Syrc" typeface="Estrangelo Edessa"/>
+        <a:font script="Orya" typeface="Kalinga"/>
+        <a:font script="Mlym" typeface="Kartika"/>
+        <a:font script="Laoo" typeface="DokChampa"/>
+        <a:font script="Sinh" typeface="Iskoola Pota"/>
+        <a:font script="Mong" typeface="Mongolian Baiti"/>
+        <a:font script="Viet" typeface="Arial"/>
+        <a:font script="Uigh" typeface="Microsoft Uighur"/>
+        <a:font script="Geor" typeface="Sylfaen"/>
+      </a:minorFont>
+    </a:fontScheme>
+    <a:fmtScheme name="Office">
+      <a:fillStyleLst>
+        <a:solidFill>
+          <a:schemeClr val="phClr"/>
+        </a:solidFill>
+        <a:gradFill rotWithShape="1">
+          <a:gsLst>
+            <a:gs pos="0">
+              <a:schemeClr val="phClr">
+                <a:lumMod val="110000"/>
+                <a:satMod val="105000"/>
+                <a:tint val="67000"/>
+              </a:schemeClr>
+            </a:gs>
+            <a:gs pos="50000">
+              <a:schemeClr val="phClr">
+                <a:lumMod val="105000"/>
+                <a:satMod val="103000"/>
+                <a:tint val="73000"/>
+              </a:schemeClr>
+            </a:gs>
+            <a:gs pos="100000">
+              <a:schemeClr val="phClr">
+                <a:lumMod val="105000"/>
+                <a:satMod val="109000"/>
+                <a:tint val="81000"/>
+              </a:schemeClr>
+            </a:gs>
+          </a:gsLst>
+          <a:lin ang="5400000" scaled="0"/>
+        </a:gradFill>
+        <a:gradFill rotWithShape="1">
+          <a:gsLst>
+            <a:gs pos="0">
+              <a:schemeClr val="phClr">
+                <a:satMod val="103000"/>
+                <a:lumMod val="102000"/>
+                <a:tint val="94000"/>
+              </a:schemeClr>
+            </a:gs>
+            <a:gs pos="50000">
+              <a:schemeClr val="phClr">
+                <a:satMod val="110000"/>
+                <a:lumMod val="100000"/>
+                <a:shade val="100000"/>
+              </a:schemeClr>
+            </a:gs>
+            <a:gs pos="100000">
+              <a:schemeClr val="phClr">
+                <a:lumMod val="99000"/>
+                <a:satMod val="120000"/>
+                <a:shade val="78000"/>
+              </a:schemeClr>
+            </a:gs>
+          </a:gsLst>
+          <a:lin ang="5400000" scaled="0"/>
+        </a:gradFill>
+      </a:fillStyleLst>
+      <a:lnStyleLst>
+        <a:ln w="6350" cap="flat" cmpd="sng" algn="ctr">
+          <a:solidFill>
+            <a:schemeClr val="phClr"/>
+          </a:solidFill>
+          <a:prstDash val="solid"/>
+          <a:miter lim="800000"/>
+        </a:ln>
+        <a:ln w="12700" cap="flat" cmpd="sng" algn="ctr">
+          <a:solidFill>
+            <a:schemeClr val="phClr"/>
+          </a:solidFill>
+          <a:prstDash val="solid"/>
+          <a:miter lim="800000"/>
+        </a:ln>
+        <a:ln w="19050" cap="flat" cmpd="sng" algn="ctr">
+          <a:solidFill>
+            <a:schemeClr val="phClr"/>
+          </a:solidFill>
+          <a:prstDash val="solid"/>
+          <a:miter lim="800000"/>
+        </a:ln>
+      </a:lnStyleLst>
+      <a:effectStyleLst>
+        <a:effectStyle>
+          <a:effectLst/>
+        </a:effectStyle>
+        <a:effectStyle>
+          <a:effectLst/>
+        </a:effectStyle>
+        <a:effectStyle>
+          <a:effectLst>
+            <a:outerShdw blurRad="57150" dist="19050" dir="5400000" algn="ctr" rotWithShape="0">
+              <a:srgbClr val="000000">
+                <a:alpha val="63000"/>
+              </a:srgbClr>
+            </a:outerShdw>
+          </a:effectLst>
+        </a:effectStyle>
+      </a:effectStyleLst>
+      <a:bgFillStyleLst>
+        <a:solidFill>
+          <a:schemeClr val="phClr"/>
+        </a:solidFill>
+        <a:solidFill>
+          <a:schemeClr val="phClr">
+            <a:tint val="95000"/>
+            <a:satMod val="170000"/>
+          </a:schemeClr>
+        </a:solidFill>
+        <a:gradFill rotWithShape="1">
+          <a:gsLst>
+            <a:gs pos="0">
+              <a:schemeClr val="phClr">
+                <a:tint val="93000"/>
+                <a:satMod val="150000"/>
+                <a:shade val="98000"/>
+                <a:lumMod val="102000"/>
+              </a:schemeClr>
+            </a:gs>
+            <a:gs pos="50000">
+              <a:schemeClr val="phClr">
+                <a:tint val="98000"/>
+                <a:satMod val="130000"/>
+                <a:shade val="90000"/>
+                <a:lumMod val="103000"/>
+              </a:schemeClr>
+            </a:gs>
+            <a:gs pos="100000">
+              <a:schemeClr val="phClr">
+                <a:shade val="63000"/>
+                <a:satMod val="120000"/>
+              </a:schemeClr>
+            </a:gs>
+          </a:gsLst>
+          <a:lin ang="5400000" scaled="0"/>
+        </a:gradFill>
+      </a:bgFillStyleLst>
+    </a:fmtScheme>
+  </a:themeElements>
+  <a:objectDefaults/>
+  <a:extraClrSchemeLst/>
+  <a:extLst>
+    <a:ext uri="{05A4C25C-085E-4340-85A3-A5531E510DB2}">
+      <thm15:themeFamily xmlns:thm15="http://schemas.microsoft.com/office/thememl/2012/main" name="Office Theme" id="{62F939B6-93AF-4DB8-9C6B-D6C7DFDC589F}" vid="{4A3C46E8-61CC-4603-A589-7422A47A8E4A}"/>
+    </a:ext>
+  </a:extLst>
+</a:theme>
 </file>